--- a/Part 1 - Anlysis/Presentation/Pocket Beasts Design review.pptx
+++ b/Part 1 - Anlysis/Presentation/Pocket Beasts Design review.pptx
@@ -12,6 +12,7 @@
     <p:sldId id="262" r:id="rId6"/>
     <p:sldId id="261" r:id="rId7"/>
     <p:sldId id="260" r:id="rId8"/>
+    <p:sldId id="263" r:id="rId9"/>
   </p:sldIdLst>
   <p:sldSz cx="12192000" cy="6858000"/>
   <p:notesSz cx="6858000" cy="9144000"/>
@@ -3574,7 +3575,7 @@
             <a:fld id="{1449AA12-8195-4182-A7AC-2E7E59DFBDAF}" type="datetimeFigureOut">
               <a:rPr lang="en-US" smtClean="0"/>
               <a:pPr algn="r"/>
-              <a:t>2/26/2024</a:t>
+              <a:t>2/28/2024</a:t>
             </a:fld>
             <a:endParaRPr lang="en-US"/>
           </a:p>
@@ -3799,7 +3800,7 @@
           <a:p>
             <a:fld id="{1449AA12-8195-4182-A7AC-2E7E59DFBDAF}" type="datetimeFigureOut">
               <a:rPr lang="en-US" smtClean="0"/>
-              <a:t>2/26/2024</a:t>
+              <a:t>2/28/2024</a:t>
             </a:fld>
             <a:endParaRPr lang="en-US"/>
           </a:p>
@@ -3979,7 +3980,7 @@
           <a:p>
             <a:fld id="{1449AA12-8195-4182-A7AC-2E7E59DFBDAF}" type="datetimeFigureOut">
               <a:rPr lang="en-US" smtClean="0"/>
-              <a:t>2/26/2024</a:t>
+              <a:t>2/28/2024</a:t>
             </a:fld>
             <a:endParaRPr lang="en-US"/>
           </a:p>
@@ -4149,7 +4150,7 @@
           <a:p>
             <a:fld id="{1449AA12-8195-4182-A7AC-2E7E59DFBDAF}" type="datetimeFigureOut">
               <a:rPr lang="en-US" smtClean="0"/>
-              <a:t>2/26/2024</a:t>
+              <a:t>2/28/2024</a:t>
             </a:fld>
             <a:endParaRPr lang="en-US"/>
           </a:p>
@@ -4440,7 +4441,7 @@
           <a:p>
             <a:fld id="{1449AA12-8195-4182-A7AC-2E7E59DFBDAF}" type="datetimeFigureOut">
               <a:rPr lang="en-US" smtClean="0"/>
-              <a:t>2/26/2024</a:t>
+              <a:t>2/28/2024</a:t>
             </a:fld>
             <a:endParaRPr lang="en-US"/>
           </a:p>
@@ -4766,7 +4767,7 @@
           <a:p>
             <a:fld id="{1449AA12-8195-4182-A7AC-2E7E59DFBDAF}" type="datetimeFigureOut">
               <a:rPr lang="en-US" smtClean="0"/>
-              <a:t>2/26/2024</a:t>
+              <a:t>2/28/2024</a:t>
             </a:fld>
             <a:endParaRPr lang="en-US"/>
           </a:p>
@@ -5179,7 +5180,7 @@
             <a:fld id="{1449AA12-8195-4182-A7AC-2E7E59DFBDAF}" type="datetimeFigureOut">
               <a:rPr lang="en-US" smtClean="0"/>
               <a:pPr/>
-              <a:t>2/26/2024</a:t>
+              <a:t>2/28/2024</a:t>
             </a:fld>
             <a:endParaRPr lang="en-US"/>
           </a:p>
@@ -5298,7 +5299,7 @@
           <a:p>
             <a:fld id="{1449AA12-8195-4182-A7AC-2E7E59DFBDAF}" type="datetimeFigureOut">
               <a:rPr lang="en-US" smtClean="0"/>
-              <a:t>2/26/2024</a:t>
+              <a:t>2/28/2024</a:t>
             </a:fld>
             <a:endParaRPr lang="en-US"/>
           </a:p>
@@ -5393,7 +5394,7 @@
           <a:p>
             <a:fld id="{1449AA12-8195-4182-A7AC-2E7E59DFBDAF}" type="datetimeFigureOut">
               <a:rPr lang="en-US" smtClean="0"/>
-              <a:t>2/26/2024</a:t>
+              <a:t>2/28/2024</a:t>
             </a:fld>
             <a:endParaRPr lang="en-US"/>
           </a:p>
@@ -5680,7 +5681,7 @@
           <a:p>
             <a:fld id="{1449AA12-8195-4182-A7AC-2E7E59DFBDAF}" type="datetimeFigureOut">
               <a:rPr lang="en-US" smtClean="0"/>
-              <a:t>2/26/2024</a:t>
+              <a:t>2/28/2024</a:t>
             </a:fld>
             <a:endParaRPr lang="en-US"/>
           </a:p>
@@ -5957,7 +5958,7 @@
           <a:p>
             <a:fld id="{1449AA12-8195-4182-A7AC-2E7E59DFBDAF}" type="datetimeFigureOut">
               <a:rPr lang="en-US" smtClean="0"/>
-              <a:t>2/26/2024</a:t>
+              <a:t>2/28/2024</a:t>
             </a:fld>
             <a:endParaRPr lang="en-US"/>
           </a:p>
@@ -6209,7 +6210,7 @@
             <a:fld id="{1449AA12-8195-4182-A7AC-2E7E59DFBDAF}" type="datetimeFigureOut">
               <a:rPr lang="en-US" smtClean="0"/>
               <a:pPr/>
-              <a:t>2/26/2024</a:t>
+              <a:t>2/28/2024</a:t>
             </a:fld>
             <a:endParaRPr lang="en-US"/>
           </a:p>
@@ -7410,13 +7411,13 @@
   <p:clrMapOvr>
     <a:masterClrMapping/>
   </p:clrMapOvr>
-  <mc:AlternateContent xmlns:mc="http://schemas.openxmlformats.org/markup-compatibility/2006">
-    <mc:Choice xmlns:p159="http://schemas.microsoft.com/office/powerpoint/2015/09/main" Requires="p159">
+  <mc:AlternateContent xmlns:mc="http://schemas.openxmlformats.org/markup-compatibility/2006" xmlns:p159="http://schemas.microsoft.com/office/powerpoint/2015/09/main">
+    <mc:Choice Requires="p159">
       <p:transition xmlns:p14="http://schemas.microsoft.com/office/powerpoint/2010/main" spd="slow" p14:dur="2000">
         <p159:morph option="byObject"/>
       </p:transition>
     </mc:Choice>
-    <mc:Fallback>
+    <mc:Fallback xmlns="">
       <p:transition spd="slow">
         <p:fade/>
       </p:transition>
@@ -8846,13 +8847,13 @@
   <p:clrMapOvr>
     <a:masterClrMapping/>
   </p:clrMapOvr>
-  <mc:AlternateContent xmlns:mc="http://schemas.openxmlformats.org/markup-compatibility/2006">
-    <mc:Choice xmlns:p159="http://schemas.microsoft.com/office/powerpoint/2015/09/main" Requires="p159">
+  <mc:AlternateContent xmlns:mc="http://schemas.openxmlformats.org/markup-compatibility/2006" xmlns:p159="http://schemas.microsoft.com/office/powerpoint/2015/09/main">
+    <mc:Choice Requires="p159">
       <p:transition xmlns:p14="http://schemas.microsoft.com/office/powerpoint/2010/main" spd="slow" p14:dur="2000">
         <p159:morph option="byObject"/>
       </p:transition>
     </mc:Choice>
-    <mc:Fallback>
+    <mc:Fallback xmlns="">
       <p:transition spd="slow">
         <p:fade/>
       </p:transition>
@@ -9430,13 +9431,13 @@
   <p:clrMapOvr>
     <a:masterClrMapping/>
   </p:clrMapOvr>
-  <mc:AlternateContent xmlns:mc="http://schemas.openxmlformats.org/markup-compatibility/2006">
-    <mc:Choice xmlns:p159="http://schemas.microsoft.com/office/powerpoint/2015/09/main" Requires="p159">
+  <mc:AlternateContent xmlns:mc="http://schemas.openxmlformats.org/markup-compatibility/2006" xmlns:p159="http://schemas.microsoft.com/office/powerpoint/2015/09/main">
+    <mc:Choice Requires="p159">
       <p:transition xmlns:p14="http://schemas.microsoft.com/office/powerpoint/2010/main" spd="slow" p14:dur="2000">
         <p159:morph option="byObject"/>
       </p:transition>
     </mc:Choice>
-    <mc:Fallback>
+    <mc:Fallback xmlns="">
       <p:transition spd="slow">
         <p:fade/>
       </p:transition>
@@ -9946,6 +9947,512 @@
     <p:extLst>
       <p:ext uri="{BB962C8B-B14F-4D97-AF65-F5344CB8AC3E}">
         <p14:creationId xmlns:p14="http://schemas.microsoft.com/office/powerpoint/2010/main" val="3190908658"/>
+      </p:ext>
+    </p:extLst>
+  </p:cSld>
+  <p:clrMapOvr>
+    <a:masterClrMapping/>
+  </p:clrMapOvr>
+  <mc:AlternateContent xmlns:mc="http://schemas.openxmlformats.org/markup-compatibility/2006" xmlns:p159="http://schemas.microsoft.com/office/powerpoint/2015/09/main">
+    <mc:Choice Requires="p159">
+      <p:transition xmlns:p14="http://schemas.microsoft.com/office/powerpoint/2010/main" spd="slow" p14:dur="2000">
+        <p159:morph option="byObject"/>
+      </p:transition>
+    </mc:Choice>
+    <mc:Fallback xmlns="">
+      <p:transition spd="slow">
+        <p:fade/>
+      </p:transition>
+    </mc:Fallback>
+  </mc:AlternateContent>
+  <p:timing>
+    <p:tnLst>
+      <p:par>
+        <p:cTn id="1" dur="indefinite" restart="never" nodeType="tmRoot">
+          <p:childTnLst>
+            <p:seq concurrent="1" nextAc="seek">
+              <p:cTn id="2" dur="indefinite" nodeType="mainSeq">
+                <p:childTnLst>
+                  <p:par>
+                    <p:cTn id="3" fill="hold">
+                      <p:stCondLst>
+                        <p:cond delay="indefinite"/>
+                        <p:cond evt="onBegin" delay="0">
+                          <p:tn val="2"/>
+                        </p:cond>
+                      </p:stCondLst>
+                      <p:childTnLst>
+                        <p:par>
+                          <p:cTn id="4" fill="hold">
+                            <p:stCondLst>
+                              <p:cond delay="0"/>
+                            </p:stCondLst>
+                            <p:childTnLst>
+                              <p:par>
+                                <p:cTn id="5" presetID="22" presetClass="entr" presetSubtype="8" fill="hold" grpId="0" nodeType="afterEffect">
+                                  <p:stCondLst>
+                                    <p:cond delay="500"/>
+                                  </p:stCondLst>
+                                  <p:childTnLst>
+                                    <p:set>
+                                      <p:cBhvr>
+                                        <p:cTn id="6" dur="1" fill="hold">
+                                          <p:stCondLst>
+                                            <p:cond delay="0"/>
+                                          </p:stCondLst>
+                                        </p:cTn>
+                                        <p:tgtEl>
+                                          <p:spTgt spid="3"/>
+                                        </p:tgtEl>
+                                        <p:attrNameLst>
+                                          <p:attrName>style.visibility</p:attrName>
+                                        </p:attrNameLst>
+                                      </p:cBhvr>
+                                      <p:to>
+                                        <p:strVal val="visible"/>
+                                      </p:to>
+                                    </p:set>
+                                    <p:animEffect transition="in" filter="wipe(left)">
+                                      <p:cBhvr>
+                                        <p:cTn id="7" dur="1000"/>
+                                        <p:tgtEl>
+                                          <p:spTgt spid="3"/>
+                                        </p:tgtEl>
+                                      </p:cBhvr>
+                                    </p:animEffect>
+                                  </p:childTnLst>
+                                </p:cTn>
+                              </p:par>
+                            </p:childTnLst>
+                          </p:cTn>
+                        </p:par>
+                      </p:childTnLst>
+                    </p:cTn>
+                  </p:par>
+                </p:childTnLst>
+              </p:cTn>
+              <p:prevCondLst>
+                <p:cond evt="onPrev" delay="0">
+                  <p:tgtEl>
+                    <p:sldTgt/>
+                  </p:tgtEl>
+                </p:cond>
+              </p:prevCondLst>
+              <p:nextCondLst>
+                <p:cond evt="onNext" delay="0">
+                  <p:tgtEl>
+                    <p:sldTgt/>
+                  </p:tgtEl>
+                </p:cond>
+              </p:nextCondLst>
+            </p:seq>
+          </p:childTnLst>
+        </p:cTn>
+      </p:par>
+    </p:tnLst>
+    <p:bldLst>
+      <p:bldP spid="3" grpId="0" animBg="1"/>
+    </p:bldLst>
+  </p:timing>
+</p:sld>
+</file>
+
+<file path=ppt/slides/slide8.xml><?xml version="1.0" encoding="utf-8"?>
+<p:sld xmlns:a="http://schemas.openxmlformats.org/drawingml/2006/main" xmlns:r="http://schemas.openxmlformats.org/officeDocument/2006/relationships" xmlns:p="http://schemas.openxmlformats.org/presentationml/2006/main">
+  <p:cSld>
+    <p:bg>
+      <p:bgPr>
+        <a:solidFill>
+          <a:schemeClr val="bg1"/>
+        </a:solidFill>
+        <a:effectLst/>
+      </p:bgPr>
+    </p:bg>
+    <p:spTree>
+      <p:nvGrpSpPr>
+        <p:cNvPr id="1" name="">
+          <a:extLst>
+            <a:ext uri="{FF2B5EF4-FFF2-40B4-BE49-F238E27FC236}">
+              <a16:creationId xmlns:a16="http://schemas.microsoft.com/office/drawing/2014/main" id="{95A67278-55AA-D6AB-B0A2-25A1CA03289E}"/>
+            </a:ext>
+          </a:extLst>
+        </p:cNvPr>
+        <p:cNvGrpSpPr/>
+        <p:nvPr/>
+      </p:nvGrpSpPr>
+      <p:grpSpPr>
+        <a:xfrm>
+          <a:off x="0" y="0"/>
+          <a:ext cx="0" cy="0"/>
+          <a:chOff x="0" y="0"/>
+          <a:chExt cx="0" cy="0"/>
+        </a:xfrm>
+      </p:grpSpPr>
+      <p:sp>
+        <p:nvSpPr>
+          <p:cNvPr id="12" name="Rectangle 11">
+            <a:extLst>
+              <a:ext uri="{FF2B5EF4-FFF2-40B4-BE49-F238E27FC236}">
+                <a16:creationId xmlns:a16="http://schemas.microsoft.com/office/drawing/2014/main" id="{B2C58130-BCB4-FF51-3BA6-F5D4D972A719}"/>
+              </a:ext>
+              <a:ext uri="{C183D7F6-B498-43B3-948B-1728B52AA6E4}">
+                <adec:decorative xmlns:adec="http://schemas.microsoft.com/office/drawing/2017/decorative" val="1"/>
+              </a:ext>
+            </a:extLst>
+          </p:cNvPr>
+          <p:cNvSpPr>
+            <a:spLocks noGrp="1" noRot="1" noChangeAspect="1" noMove="1" noResize="1" noEditPoints="1" noAdjustHandles="1" noChangeArrowheads="1" noChangeShapeType="1" noTextEdit="1"/>
+          </p:cNvSpPr>
+          <p:nvPr>
+            <p:extLst>
+              <p:ext uri="{386F3935-93C4-4BCD-93E2-E3B085C9AB24}">
+                <p16:designElem xmlns:p16="http://schemas.microsoft.com/office/powerpoint/2015/main" val="1"/>
+              </p:ext>
+            </p:extLst>
+          </p:nvPr>
+        </p:nvSpPr>
+        <p:spPr>
+          <a:xfrm>
+            <a:off x="11292840" y="0"/>
+            <a:ext cx="914400" cy="6858000"/>
+          </a:xfrm>
+          <a:prstGeom prst="rect">
+            <a:avLst/>
+          </a:prstGeom>
+          <a:solidFill>
+            <a:srgbClr val="303030"/>
+          </a:solidFill>
+          <a:ln>
+            <a:noFill/>
+          </a:ln>
+        </p:spPr>
+        <p:style>
+          <a:lnRef idx="2">
+            <a:schemeClr val="accent1">
+              <a:shade val="50000"/>
+            </a:schemeClr>
+          </a:lnRef>
+          <a:fillRef idx="1">
+            <a:schemeClr val="accent1"/>
+          </a:fillRef>
+          <a:effectRef idx="0">
+            <a:schemeClr val="accent1"/>
+          </a:effectRef>
+          <a:fontRef idx="minor">
+            <a:schemeClr val="lt1"/>
+          </a:fontRef>
+        </p:style>
+        <p:txBody>
+          <a:bodyPr/>
+          <a:lstStyle/>
+          <a:p>
+            <a:endParaRPr lang="en-GB"/>
+          </a:p>
+        </p:txBody>
+      </p:sp>
+      <p:sp>
+        <p:nvSpPr>
+          <p:cNvPr id="14" name="Rectangle 13">
+            <a:extLst>
+              <a:ext uri="{FF2B5EF4-FFF2-40B4-BE49-F238E27FC236}">
+                <a16:creationId xmlns:a16="http://schemas.microsoft.com/office/drawing/2014/main" id="{C6D6CBD3-43D2-6BE2-9F03-24B4C39B965D}"/>
+              </a:ext>
+              <a:ext uri="{C183D7F6-B498-43B3-948B-1728B52AA6E4}">
+                <adec:decorative xmlns:adec="http://schemas.microsoft.com/office/drawing/2017/decorative" val="1"/>
+              </a:ext>
+            </a:extLst>
+          </p:cNvPr>
+          <p:cNvSpPr>
+            <a:spLocks noGrp="1" noRot="1" noChangeAspect="1" noMove="1" noResize="1" noEditPoints="1" noAdjustHandles="1" noChangeArrowheads="1" noChangeShapeType="1" noTextEdit="1"/>
+          </p:cNvSpPr>
+          <p:nvPr>
+            <p:extLst>
+              <p:ext uri="{386F3935-93C4-4BCD-93E2-E3B085C9AB24}">
+                <p16:designElem xmlns:p16="http://schemas.microsoft.com/office/powerpoint/2015/main" val="1"/>
+              </p:ext>
+            </p:extLst>
+          </p:nvPr>
+        </p:nvSpPr>
+        <p:spPr>
+          <a:xfrm>
+            <a:off x="0" y="0"/>
+            <a:ext cx="457200" cy="6858000"/>
+          </a:xfrm>
+          <a:prstGeom prst="rect">
+            <a:avLst/>
+          </a:prstGeom>
+          <a:solidFill>
+            <a:srgbClr val="303030"/>
+          </a:solidFill>
+          <a:ln>
+            <a:noFill/>
+          </a:ln>
+        </p:spPr>
+        <p:style>
+          <a:lnRef idx="2">
+            <a:schemeClr val="accent1">
+              <a:shade val="50000"/>
+            </a:schemeClr>
+          </a:lnRef>
+          <a:fillRef idx="1">
+            <a:schemeClr val="accent1"/>
+          </a:fillRef>
+          <a:effectRef idx="0">
+            <a:schemeClr val="accent1"/>
+          </a:effectRef>
+          <a:fontRef idx="minor">
+            <a:schemeClr val="lt1"/>
+          </a:fontRef>
+        </p:style>
+        <p:txBody>
+          <a:bodyPr/>
+          <a:lstStyle/>
+          <a:p>
+            <a:endParaRPr lang="en-GB"/>
+          </a:p>
+        </p:txBody>
+      </p:sp>
+      <p:sp>
+        <p:nvSpPr>
+          <p:cNvPr id="2" name="Title 1">
+            <a:extLst>
+              <a:ext uri="{FF2B5EF4-FFF2-40B4-BE49-F238E27FC236}">
+                <a16:creationId xmlns:a16="http://schemas.microsoft.com/office/drawing/2014/main" id="{5A3974D4-CB61-8FB7-91DF-C2AD5084FA34}"/>
+              </a:ext>
+            </a:extLst>
+          </p:cNvPr>
+          <p:cNvSpPr>
+            <a:spLocks noGrp="1"/>
+          </p:cNvSpPr>
+          <p:nvPr>
+            <p:ph type="title"/>
+          </p:nvPr>
+        </p:nvSpPr>
+        <p:spPr>
+          <a:xfrm>
+            <a:off x="8108184" y="65131"/>
+            <a:ext cx="3085398" cy="6709985"/>
+          </a:xfrm>
+        </p:spPr>
+        <p:txBody>
+          <a:bodyPr vert="horz" lIns="91440" tIns="45720" rIns="91440" bIns="45720" rtlCol="0" anchor="t">
+            <a:noAutofit/>
+          </a:bodyPr>
+          <a:lstStyle/>
+          <a:p>
+            <a:pPr>
+              <a:lnSpc>
+                <a:spcPct val="85000"/>
+              </a:lnSpc>
+            </a:pPr>
+            <a:r>
+              <a:rPr lang="en-US" sz="3600" u="sng" dirty="0"/>
+              <a:t>Card Class</a:t>
+            </a:r>
+            <a:br>
+              <a:rPr lang="en-US" sz="2800" dirty="0"/>
+            </a:br>
+            <a:br>
+              <a:rPr lang="en-US" sz="2800" dirty="0"/>
+            </a:br>
+            <a:r>
+              <a:rPr lang="en-US" sz="2800" dirty="0"/>
+              <a:t>Card class isn’t the worst</a:t>
+            </a:r>
+            <a:br>
+              <a:rPr lang="en-US" sz="2800" dirty="0"/>
+            </a:br>
+            <a:br>
+              <a:rPr lang="en-US" sz="2800" dirty="0"/>
+            </a:br>
+            <a:r>
+              <a:rPr lang="en-US" sz="2800" dirty="0"/>
+              <a:t>However, this assumes all cards work the same and there isn’t a mechanism to modify any card behaviors.</a:t>
+            </a:r>
+            <a:br>
+              <a:rPr lang="en-US" sz="2800" dirty="0"/>
+            </a:br>
+            <a:br>
+              <a:rPr lang="en-US" sz="2800" dirty="0"/>
+            </a:br>
+            <a:br>
+              <a:rPr lang="en-US" sz="2800" dirty="0"/>
+            </a:br>
+            <a:br>
+              <a:rPr lang="en-US" sz="2800" dirty="0"/>
+            </a:br>
+            <a:br>
+              <a:rPr lang="en-US" sz="2800" dirty="0"/>
+            </a:br>
+            <a:br>
+              <a:rPr lang="en-US" sz="2800" dirty="0"/>
+            </a:br>
+            <a:br>
+              <a:rPr lang="en-US" sz="2800" dirty="0"/>
+            </a:br>
+            <a:endParaRPr lang="en-US" sz="2800" dirty="0"/>
+          </a:p>
+        </p:txBody>
+      </p:sp>
+      <p:sp>
+        <p:nvSpPr>
+          <p:cNvPr id="16" name="Rectangle 15">
+            <a:extLst>
+              <a:ext uri="{FF2B5EF4-FFF2-40B4-BE49-F238E27FC236}">
+                <a16:creationId xmlns:a16="http://schemas.microsoft.com/office/drawing/2014/main" id="{CBE2ACF8-7AD4-FE13-3FAA-78A02F7F6B5A}"/>
+              </a:ext>
+              <a:ext uri="{C183D7F6-B498-43B3-948B-1728B52AA6E4}">
+                <adec:decorative xmlns:adec="http://schemas.microsoft.com/office/drawing/2017/decorative" val="1"/>
+              </a:ext>
+            </a:extLst>
+          </p:cNvPr>
+          <p:cNvSpPr>
+            <a:spLocks noGrp="1" noRot="1" noChangeAspect="1" noMove="1" noResize="1" noEditPoints="1" noAdjustHandles="1" noChangeArrowheads="1" noChangeShapeType="1" noTextEdit="1"/>
+          </p:cNvSpPr>
+          <p:nvPr>
+            <p:extLst>
+              <p:ext uri="{386F3935-93C4-4BCD-93E2-E3B085C9AB24}">
+                <p16:designElem xmlns:p16="http://schemas.microsoft.com/office/powerpoint/2015/main" val="1"/>
+              </p:ext>
+            </p:extLst>
+          </p:nvPr>
+        </p:nvSpPr>
+        <p:spPr>
+          <a:xfrm>
+            <a:off x="452283" y="0"/>
+            <a:ext cx="7561007" cy="6858000"/>
+          </a:xfrm>
+          <a:prstGeom prst="rect">
+            <a:avLst/>
+          </a:prstGeom>
+          <a:solidFill>
+            <a:srgbClr val="FFFFFF"/>
+          </a:solidFill>
+          <a:ln>
+            <a:noFill/>
+          </a:ln>
+        </p:spPr>
+        <p:style>
+          <a:lnRef idx="2">
+            <a:schemeClr val="accent1">
+              <a:shade val="50000"/>
+            </a:schemeClr>
+          </a:lnRef>
+          <a:fillRef idx="1">
+            <a:schemeClr val="accent1"/>
+          </a:fillRef>
+          <a:effectRef idx="0">
+            <a:schemeClr val="accent1"/>
+          </a:effectRef>
+          <a:fontRef idx="minor">
+            <a:schemeClr val="lt1"/>
+          </a:fontRef>
+        </p:style>
+        <p:txBody>
+          <a:bodyPr rtlCol="0" anchor="ctr"/>
+          <a:lstStyle/>
+          <a:p>
+            <a:pPr algn="ctr"/>
+            <a:endParaRPr lang="en-US"/>
+          </a:p>
+        </p:txBody>
+      </p:sp>
+      <p:pic>
+        <p:nvPicPr>
+          <p:cNvPr id="7" name="Content Placeholder 6">
+            <a:extLst>
+              <a:ext uri="{FF2B5EF4-FFF2-40B4-BE49-F238E27FC236}">
+                <a16:creationId xmlns:a16="http://schemas.microsoft.com/office/drawing/2014/main" id="{6AF8748E-B016-DD7B-39A9-7ADA49DA688D}"/>
+              </a:ext>
+            </a:extLst>
+          </p:cNvPr>
+          <p:cNvPicPr>
+            <a:picLocks noGrp="1" noChangeAspect="1"/>
+          </p:cNvPicPr>
+          <p:nvPr>
+            <p:ph idx="1"/>
+          </p:nvPr>
+        </p:nvPicPr>
+        <p:blipFill rotWithShape="1">
+          <a:blip r:embed="rId2">
+            <a:extLst>
+              <a:ext uri="{28A0092B-C50C-407E-A947-70E740481C1C}">
+                <a14:useLocalDpi xmlns:a14="http://schemas.microsoft.com/office/drawing/2010/main" val="0"/>
+              </a:ext>
+              <a:ext uri="{96DAC541-7B7A-43D3-8B79-37D633B846F1}">
+                <asvg:svgBlip xmlns:asvg="http://schemas.microsoft.com/office/drawing/2016/SVG/main" r:embed="rId3"/>
+              </a:ext>
+            </a:extLst>
+          </a:blip>
+          <a:srcRect l="561" t="44702" r="25549" b="-15719"/>
+          <a:stretch/>
+        </p:blipFill>
+        <p:spPr>
+          <a:xfrm>
+            <a:off x="452283" y="-8877"/>
+            <a:ext cx="7551726" cy="6858000"/>
+          </a:xfrm>
+          <a:prstGeom prst="rect">
+            <a:avLst/>
+          </a:prstGeom>
+        </p:spPr>
+      </p:pic>
+      <p:sp>
+        <p:nvSpPr>
+          <p:cNvPr id="3" name="Rectangle 2">
+            <a:extLst>
+              <a:ext uri="{FF2B5EF4-FFF2-40B4-BE49-F238E27FC236}">
+                <a16:creationId xmlns:a16="http://schemas.microsoft.com/office/drawing/2014/main" id="{02A66DE2-4603-90A1-90D1-C726C84360E4}"/>
+              </a:ext>
+            </a:extLst>
+          </p:cNvPr>
+          <p:cNvSpPr/>
+          <p:nvPr/>
+        </p:nvSpPr>
+        <p:spPr>
+          <a:xfrm>
+            <a:off x="2427705" y="2930358"/>
+            <a:ext cx="3368842" cy="2417012"/>
+          </a:xfrm>
+          <a:prstGeom prst="rect">
+            <a:avLst/>
+          </a:prstGeom>
+          <a:noFill/>
+          <a:ln w="28575">
+            <a:solidFill>
+              <a:srgbClr val="FF0000"/>
+            </a:solidFill>
+          </a:ln>
+        </p:spPr>
+        <p:style>
+          <a:lnRef idx="2">
+            <a:schemeClr val="accent1">
+              <a:shade val="15000"/>
+            </a:schemeClr>
+          </a:lnRef>
+          <a:fillRef idx="1">
+            <a:schemeClr val="accent1"/>
+          </a:fillRef>
+          <a:effectRef idx="0">
+            <a:schemeClr val="accent1"/>
+          </a:effectRef>
+          <a:fontRef idx="minor">
+            <a:schemeClr val="lt1"/>
+          </a:fontRef>
+        </p:style>
+        <p:txBody>
+          <a:bodyPr rtlCol="0" anchor="ctr"/>
+          <a:lstStyle/>
+          <a:p>
+            <a:pPr algn="ctr"/>
+            <a:endParaRPr lang="en-GB"/>
+          </a:p>
+        </p:txBody>
+      </p:sp>
+    </p:spTree>
+    <p:extLst>
+      <p:ext uri="{BB962C8B-B14F-4D97-AF65-F5344CB8AC3E}">
+        <p14:creationId xmlns:p14="http://schemas.microsoft.com/office/powerpoint/2010/main" val="3532574978"/>
       </p:ext>
     </p:extLst>
   </p:cSld>

--- a/Part 1 - Anlysis/Presentation/Pocket Beasts Design review.pptx
+++ b/Part 1 - Anlysis/Presentation/Pocket Beasts Design review.pptx
@@ -2,17 +2,34 @@
 <file path=ppt/presentation.xml><?xml version="1.0" encoding="utf-8"?>
 <p:presentation xmlns:a="http://schemas.openxmlformats.org/drawingml/2006/main" xmlns:r="http://schemas.openxmlformats.org/officeDocument/2006/relationships" xmlns:p="http://schemas.openxmlformats.org/presentationml/2006/main" saveSubsetFonts="1">
   <p:sldMasterIdLst>
-    <p:sldMasterId id="2147483717" r:id="rId1"/>
+    <p:sldMasterId id="2147483717" r:id="rId4"/>
   </p:sldMasterIdLst>
   <p:sldIdLst>
-    <p:sldId id="256" r:id="rId2"/>
-    <p:sldId id="257" r:id="rId3"/>
-    <p:sldId id="258" r:id="rId4"/>
-    <p:sldId id="259" r:id="rId5"/>
-    <p:sldId id="262" r:id="rId6"/>
-    <p:sldId id="261" r:id="rId7"/>
-    <p:sldId id="260" r:id="rId8"/>
-    <p:sldId id="263" r:id="rId9"/>
+    <p:sldId id="256" r:id="rId5"/>
+    <p:sldId id="257" r:id="rId6"/>
+    <p:sldId id="258" r:id="rId7"/>
+    <p:sldId id="259" r:id="rId8"/>
+    <p:sldId id="262" r:id="rId9"/>
+    <p:sldId id="261" r:id="rId10"/>
+    <p:sldId id="260" r:id="rId11"/>
+    <p:sldId id="263" r:id="rId12"/>
+    <p:sldId id="265" r:id="rId13"/>
+    <p:sldId id="266" r:id="rId14"/>
+    <p:sldId id="267" r:id="rId15"/>
+    <p:sldId id="269" r:id="rId16"/>
+    <p:sldId id="268" r:id="rId17"/>
+    <p:sldId id="270" r:id="rId18"/>
+    <p:sldId id="271" r:id="rId19"/>
+    <p:sldId id="272" r:id="rId20"/>
+    <p:sldId id="273" r:id="rId21"/>
+    <p:sldId id="274" r:id="rId22"/>
+    <p:sldId id="275" r:id="rId23"/>
+    <p:sldId id="276" r:id="rId24"/>
+    <p:sldId id="277" r:id="rId25"/>
+    <p:sldId id="278" r:id="rId26"/>
+    <p:sldId id="279" r:id="rId27"/>
+    <p:sldId id="280" r:id="rId28"/>
+    <p:sldId id="281" r:id="rId29"/>
   </p:sldIdLst>
   <p:sldSz cx="12192000" cy="6858000"/>
   <p:notesSz cx="6858000" cy="9144000"/>
@@ -117,6 +134,14 @@
     </p:ext>
   </p:extLst>
 </p:presentation>
+</file>
+
+<file path=ppt/revisionInfo.xml><?xml version="1.0" encoding="utf-8"?>
+<p1510:revInfo xmlns:a="http://schemas.openxmlformats.org/drawingml/2006/main" xmlns:r="http://schemas.openxmlformats.org/officeDocument/2006/relationships" xmlns:p1510="http://schemas.microsoft.com/office/powerpoint/2015/10/main">
+  <p1510:revLst>
+    <p1510:client id="{E18011D4-4077-47F2-A178-56AA2275DE65}" v="610" dt="2024-03-05T20:58:59.502"/>
+  </p1510:revLst>
+</p1510:revInfo>
 </file>
 
 <file path=ppt/diagrams/colors1.xml><?xml version="1.0" encoding="utf-8"?>
@@ -1065,10 +1090,10 @@
             </a:lnSpc>
           </a:pPr>
           <a:r>
-            <a:rPr lang="en-GB"/>
+            <a:rPr lang="en-GB" dirty="0"/>
             <a:t>Identify And Discuss</a:t>
           </a:r>
-          <a:endParaRPr lang="en-US"/>
+          <a:endParaRPr lang="en-US" dirty="0"/>
         </a:p>
       </dgm:t>
     </dgm:pt>
@@ -1149,10 +1174,10 @@
             </a:lnSpc>
           </a:pPr>
           <a:r>
-            <a:rPr lang="en-GB"/>
+            <a:rPr lang="en-GB" dirty="0"/>
             <a:t>Implementations weaknesses</a:t>
           </a:r>
-          <a:endParaRPr lang="en-US"/>
+          <a:endParaRPr lang="en-US" dirty="0"/>
         </a:p>
       </dgm:t>
     </dgm:pt>
@@ -1233,10 +1258,10 @@
             </a:lnSpc>
           </a:pPr>
           <a:r>
-            <a:rPr lang="en-GB"/>
+            <a:rPr lang="en-GB" dirty="0"/>
             <a:t>Object orientated design principles</a:t>
           </a:r>
-          <a:endParaRPr lang="en-US"/>
+          <a:endParaRPr lang="en-US" dirty="0"/>
         </a:p>
       </dgm:t>
     </dgm:pt>
@@ -1275,10 +1300,10 @@
             </a:lnSpc>
           </a:pPr>
           <a:r>
-            <a:rPr lang="en-GB"/>
+            <a:rPr lang="en-GB" dirty="0"/>
             <a:t>Appropriate use of abstract classes and interfaces</a:t>
           </a:r>
-          <a:endParaRPr lang="en-US"/>
+          <a:endParaRPr lang="en-US" dirty="0"/>
         </a:p>
       </dgm:t>
     </dgm:pt>
@@ -1304,7 +1329,7 @@
         </a:p>
       </dgm:t>
     </dgm:pt>
-    <dgm:pt modelId="{37ABB306-2A8B-444C-AB8B-E19CA26FAC54}">
+    <dgm:pt modelId="{0BDD59A7-1BB3-4037-879B-365D19D9D22C}">
       <dgm:prSet/>
       <dgm:spPr/>
       <dgm:t>
@@ -1317,74 +1342,77 @@
             </a:lnSpc>
           </a:pPr>
           <a:r>
-            <a:rPr lang="en-GB"/>
-            <a:t>Proposed “PocketBeast” Cards Design</a:t>
+            <a:rPr lang="en-GB" dirty="0"/>
+            <a:t>“</a:t>
           </a:r>
-          <a:endParaRPr lang="en-US"/>
+          <a:r>
+            <a:rPr lang="en-GB" dirty="0" err="1"/>
+            <a:t>PocketBeast</a:t>
+          </a:r>
+          <a:r>
+            <a:rPr lang="en-GB" dirty="0"/>
+            <a:t>” Cards Design</a:t>
+          </a:r>
+          <a:endParaRPr lang="en-US" dirty="0"/>
         </a:p>
       </dgm:t>
     </dgm:pt>
-    <dgm:pt modelId="{20611C95-C27F-4650-A8F1-F85DE1CA5376}" type="parTrans" cxnId="{12CCC0B9-C929-4583-B474-45C1C38C0D86}">
+    <dgm:pt modelId="{6F8081F2-C1C2-478C-A3AA-F431034DB484}" type="parTrans" cxnId="{261BE5DC-AEA1-4C85-88AF-887BAAA4AA65}">
       <dgm:prSet/>
       <dgm:spPr/>
       <dgm:t>
         <a:bodyPr/>
         <a:lstStyle/>
         <a:p>
-          <a:endParaRPr lang="en-US"/>
+          <a:endParaRPr lang="en-GB"/>
         </a:p>
       </dgm:t>
     </dgm:pt>
-    <dgm:pt modelId="{A44D7EC5-995D-4A65-BCA9-822106C99956}" type="sibTrans" cxnId="{12CCC0B9-C929-4583-B474-45C1C38C0D86}">
+    <dgm:pt modelId="{97A2B8C5-547E-479C-BDF0-340BE9095ABC}" type="sibTrans" cxnId="{261BE5DC-AEA1-4C85-88AF-887BAAA4AA65}">
       <dgm:prSet/>
       <dgm:spPr/>
       <dgm:t>
         <a:bodyPr/>
         <a:lstStyle/>
         <a:p>
-          <a:endParaRPr lang="en-US"/>
+          <a:endParaRPr lang="en-GB"/>
         </a:p>
       </dgm:t>
     </dgm:pt>
-    <dgm:pt modelId="{476DAFF8-299F-476D-870E-0322B3DE60FD}">
+    <dgm:pt modelId="{355BA364-4158-4EF5-A0C8-DCB41DC056BB}">
       <dgm:prSet/>
       <dgm:spPr/>
       <dgm:t>
         <a:bodyPr/>
         <a:lstStyle/>
         <a:p>
-          <a:pPr>
-            <a:lnSpc>
-              <a:spcPct val="100000"/>
-            </a:lnSpc>
-          </a:pPr>
           <a:r>
-            <a:rPr lang="en-GB"/>
+            <a:rPr lang="en-GB" dirty="0"/>
             <a:t>Decorator? Façade? Strategy? (Patterns)</a:t>
           </a:r>
-          <a:endParaRPr lang="en-US"/>
+          <a:endParaRPr lang="en-US" dirty="0"/>
         </a:p>
       </dgm:t>
     </dgm:pt>
-    <dgm:pt modelId="{73FBEF20-A721-4FB0-9B5F-2F4D656B955A}" type="parTrans" cxnId="{F101756E-4B26-41C3-9311-4E7E6F0625C6}">
+    <dgm:pt modelId="{20D17B6F-FE3E-4AD4-970E-1BA5FE8B6AF3}" type="parTrans" cxnId="{1C88C052-14E2-4ECD-ABCE-1B522D35CBF0}">
       <dgm:prSet/>
       <dgm:spPr/>
       <dgm:t>
         <a:bodyPr/>
         <a:lstStyle/>
         <a:p>
-          <a:endParaRPr lang="en-US"/>
+          <a:endParaRPr lang="en-GB"/>
         </a:p>
       </dgm:t>
     </dgm:pt>
-    <dgm:pt modelId="{E9D5B4F0-B620-4B50-9A6B-A3D7EF52BB5B}" type="sibTrans" cxnId="{F101756E-4B26-41C3-9311-4E7E6F0625C6}">
+    <dgm:pt modelId="{16750943-024C-482B-975B-466469274E5B}" type="sibTrans" cxnId="{1C88C052-14E2-4ECD-ABCE-1B522D35CBF0}">
       <dgm:prSet/>
       <dgm:spPr/>
       <dgm:t>
         <a:bodyPr/>
         <a:lstStyle/>
         <a:p>
-          <a:endParaRPr lang="en-US"/>
+          <a:endParaRPr lang="en-GB"/>
         </a:p>
       </dgm:t>
     </dgm:pt>
@@ -1423,12 +1451,37 @@
       <dgm:prSet presAssocID="{31E5FD36-3119-4393-8847-E662E702D759}" presName="sp" presStyleCnt="0"/>
       <dgm:spPr/>
     </dgm:pt>
+    <dgm:pt modelId="{16CB96DB-D21B-419E-BAE0-5AA62EF78B83}" type="pres">
+      <dgm:prSet presAssocID="{0BDD59A7-1BB3-4037-879B-365D19D9D22C}" presName="linNode" presStyleCnt="0"/>
+      <dgm:spPr/>
+    </dgm:pt>
+    <dgm:pt modelId="{702F16F2-5CBB-4132-87ED-DCBDCB89EEA3}" type="pres">
+      <dgm:prSet presAssocID="{0BDD59A7-1BB3-4037-879B-365D19D9D22C}" presName="parentText" presStyleLbl="alignNode1" presStyleIdx="1" presStyleCnt="3">
+        <dgm:presLayoutVars>
+          <dgm:chMax val="1"/>
+          <dgm:bulletEnabled/>
+        </dgm:presLayoutVars>
+      </dgm:prSet>
+      <dgm:spPr/>
+    </dgm:pt>
+    <dgm:pt modelId="{ED09BAC9-5394-443C-89AF-9775B407ECC5}" type="pres">
+      <dgm:prSet presAssocID="{0BDD59A7-1BB3-4037-879B-365D19D9D22C}" presName="descendantText" presStyleLbl="alignAccFollowNode1" presStyleIdx="1" presStyleCnt="3">
+        <dgm:presLayoutVars>
+          <dgm:bulletEnabled/>
+        </dgm:presLayoutVars>
+      </dgm:prSet>
+      <dgm:spPr/>
+    </dgm:pt>
+    <dgm:pt modelId="{83C429F2-79F5-4D0A-B100-5BCDD8882693}" type="pres">
+      <dgm:prSet presAssocID="{97A2B8C5-547E-479C-BDF0-340BE9095ABC}" presName="sp" presStyleCnt="0"/>
+      <dgm:spPr/>
+    </dgm:pt>
     <dgm:pt modelId="{248B1D74-4D73-4A4E-844A-C37B95FB1AB7}" type="pres">
       <dgm:prSet presAssocID="{2FDAEA95-3B57-4D48-A762-E3162E2A12F5}" presName="linNode" presStyleCnt="0"/>
       <dgm:spPr/>
     </dgm:pt>
     <dgm:pt modelId="{921F54E4-12AD-4BBE-8580-C1DB5348536D}" type="pres">
-      <dgm:prSet presAssocID="{2FDAEA95-3B57-4D48-A762-E3162E2A12F5}" presName="parentText" presStyleLbl="alignNode1" presStyleIdx="1" presStyleCnt="3">
+      <dgm:prSet presAssocID="{2FDAEA95-3B57-4D48-A762-E3162E2A12F5}" presName="parentText" presStyleLbl="alignNode1" presStyleIdx="2" presStyleCnt="3">
         <dgm:presLayoutVars>
           <dgm:chMax val="1"/>
           <dgm:bulletEnabled/>
@@ -1437,32 +1490,7 @@
       <dgm:spPr/>
     </dgm:pt>
     <dgm:pt modelId="{657D6585-C49E-4FE5-83A3-EF1574E81AEA}" type="pres">
-      <dgm:prSet presAssocID="{2FDAEA95-3B57-4D48-A762-E3162E2A12F5}" presName="descendantText" presStyleLbl="alignAccFollowNode1" presStyleIdx="1" presStyleCnt="3">
-        <dgm:presLayoutVars>
-          <dgm:bulletEnabled/>
-        </dgm:presLayoutVars>
-      </dgm:prSet>
-      <dgm:spPr/>
-    </dgm:pt>
-    <dgm:pt modelId="{E8263839-E632-4F7D-83F0-4647E4C08D01}" type="pres">
-      <dgm:prSet presAssocID="{F9F5A299-303A-4A8E-A5AE-E9CFE60F1A55}" presName="sp" presStyleCnt="0"/>
-      <dgm:spPr/>
-    </dgm:pt>
-    <dgm:pt modelId="{8D0172A1-99E8-495A-82CB-D8C027F3B2CF}" type="pres">
-      <dgm:prSet presAssocID="{37ABB306-2A8B-444C-AB8B-E19CA26FAC54}" presName="linNode" presStyleCnt="0"/>
-      <dgm:spPr/>
-    </dgm:pt>
-    <dgm:pt modelId="{263E1AD5-3F57-4373-9975-593093C3C561}" type="pres">
-      <dgm:prSet presAssocID="{37ABB306-2A8B-444C-AB8B-E19CA26FAC54}" presName="parentText" presStyleLbl="alignNode1" presStyleIdx="2" presStyleCnt="3">
-        <dgm:presLayoutVars>
-          <dgm:chMax val="1"/>
-          <dgm:bulletEnabled/>
-        </dgm:presLayoutVars>
-      </dgm:prSet>
-      <dgm:spPr/>
-    </dgm:pt>
-    <dgm:pt modelId="{190171CD-E4DE-46AE-8238-34559CB9A846}" type="pres">
-      <dgm:prSet presAssocID="{37ABB306-2A8B-444C-AB8B-E19CA26FAC54}" presName="descendantText" presStyleLbl="alignAccFollowNode1" presStyleIdx="2" presStyleCnt="3">
+      <dgm:prSet presAssocID="{2FDAEA95-3B57-4D48-A762-E3162E2A12F5}" presName="descendantText" presStyleLbl="alignAccFollowNode1" presStyleIdx="2" presStyleCnt="3">
         <dgm:presLayoutVars>
           <dgm:bulletEnabled/>
         </dgm:presLayoutVars>
@@ -1472,19 +1500,19 @@
   </dgm:ptLst>
   <dgm:cxnLst>
     <dgm:cxn modelId="{BA36051B-AA37-4DD5-B913-78C0F9E7CF6B}" type="presOf" srcId="{2FDAEA95-3B57-4D48-A762-E3162E2A12F5}" destId="{921F54E4-12AD-4BBE-8580-C1DB5348536D}" srcOrd="0" destOrd="0" presId="urn:microsoft.com/office/officeart/2016/7/layout/VerticalSolidActionList"/>
-    <dgm:cxn modelId="{62E19828-30D6-4D83-B248-5F1097E6D554}" srcId="{8D8BD81A-05F8-4F1D-9A2E-CA4A405A6CB2}" destId="{2FDAEA95-3B57-4D48-A762-E3162E2A12F5}" srcOrd="1" destOrd="0" parTransId="{26414615-63E2-4A1F-B996-BC9D6F92544E}" sibTransId="{F9F5A299-303A-4A8E-A5AE-E9CFE60F1A55}"/>
-    <dgm:cxn modelId="{55D7A433-D55F-458B-B522-982DB85299A2}" type="presOf" srcId="{476DAFF8-299F-476D-870E-0322B3DE60FD}" destId="{190171CD-E4DE-46AE-8238-34559CB9A846}" srcOrd="0" destOrd="0" presId="urn:microsoft.com/office/officeart/2016/7/layout/VerticalSolidActionList"/>
+    <dgm:cxn modelId="{62E19828-30D6-4D83-B248-5F1097E6D554}" srcId="{8D8BD81A-05F8-4F1D-9A2E-CA4A405A6CB2}" destId="{2FDAEA95-3B57-4D48-A762-E3162E2A12F5}" srcOrd="2" destOrd="0" parTransId="{26414615-63E2-4A1F-B996-BC9D6F92544E}" sibTransId="{F9F5A299-303A-4A8E-A5AE-E9CFE60F1A55}"/>
+    <dgm:cxn modelId="{D19D863B-016C-4FA8-8E8C-9D1EEDE29D0B}" type="presOf" srcId="{0BDD59A7-1BB3-4037-879B-365D19D9D22C}" destId="{702F16F2-5CBB-4132-87ED-DCBDCB89EEA3}" srcOrd="0" destOrd="0" presId="urn:microsoft.com/office/officeart/2016/7/layout/VerticalSolidActionList"/>
     <dgm:cxn modelId="{D51A895D-1FCA-4FD1-ABA6-D75C80D81303}" srcId="{4D39C093-4100-485F-BEB0-73D85034186B}" destId="{4A6F0D0E-3A8F-4A89-80FA-997740F8702D}" srcOrd="1" destOrd="0" parTransId="{CD4D4821-6250-44D8-A854-58EC38A4013A}" sibTransId="{438E1680-E071-4315-9E47-C2C3A29C46FB}"/>
     <dgm:cxn modelId="{9AA53D60-EC12-4E6D-9AF9-748ACD40CD61}" type="presOf" srcId="{436BDCA1-5F5B-4995-A723-B2720D23CB11}" destId="{8B6F4C22-85A6-47C9-BFB2-40E9E6357FA3}" srcOrd="0" destOrd="0" presId="urn:microsoft.com/office/officeart/2016/7/layout/VerticalSolidActionList"/>
-    <dgm:cxn modelId="{235E6E49-745E-422C-8996-3C261189B0DF}" type="presOf" srcId="{37ABB306-2A8B-444C-AB8B-E19CA26FAC54}" destId="{263E1AD5-3F57-4373-9975-593093C3C561}" srcOrd="0" destOrd="0" presId="urn:microsoft.com/office/officeart/2016/7/layout/VerticalSolidActionList"/>
-    <dgm:cxn modelId="{F101756E-4B26-41C3-9311-4E7E6F0625C6}" srcId="{37ABB306-2A8B-444C-AB8B-E19CA26FAC54}" destId="{476DAFF8-299F-476D-870E-0322B3DE60FD}" srcOrd="0" destOrd="0" parTransId="{73FBEF20-A721-4FB0-9B5F-2F4D656B955A}" sibTransId="{E9D5B4F0-B620-4B50-9A6B-A3D7EF52BB5B}"/>
     <dgm:cxn modelId="{7FF11A50-7E5D-4060-9A55-2BA1149274A1}" srcId="{8D8BD81A-05F8-4F1D-9A2E-CA4A405A6CB2}" destId="{4D39C093-4100-485F-BEB0-73D85034186B}" srcOrd="0" destOrd="0" parTransId="{E0652040-5ADF-4C9F-A762-0C6F8A9407C2}" sibTransId="{31E5FD36-3119-4393-8847-E662E702D759}"/>
+    <dgm:cxn modelId="{1C88C052-14E2-4ECD-ABCE-1B522D35CBF0}" srcId="{0BDD59A7-1BB3-4037-879B-365D19D9D22C}" destId="{355BA364-4158-4EF5-A0C8-DCB41DC056BB}" srcOrd="0" destOrd="0" parTransId="{20D17B6F-FE3E-4AD4-970E-1BA5FE8B6AF3}" sibTransId="{16750943-024C-482B-975B-466469274E5B}"/>
     <dgm:cxn modelId="{CD4B1883-E995-4E20-A5FF-54EB5FF1D7C3}" srcId="{4D39C093-4100-485F-BEB0-73D85034186B}" destId="{436BDCA1-5F5B-4995-A723-B2720D23CB11}" srcOrd="0" destOrd="0" parTransId="{CABE3E57-A1C1-401D-A1B6-6E9C87A6EBFC}" sibTransId="{6A4A0704-7A4F-4605-9131-094D2C5A3FD3}"/>
     <dgm:cxn modelId="{1788C884-42D0-498C-BEF6-117B2DED4039}" type="presOf" srcId="{8D8BD81A-05F8-4F1D-9A2E-CA4A405A6CB2}" destId="{F003F9C5-207D-4E2D-876D-6BEB69799940}" srcOrd="0" destOrd="0" presId="urn:microsoft.com/office/officeart/2016/7/layout/VerticalSolidActionList"/>
     <dgm:cxn modelId="{6692F89C-A40C-4B0F-A7FD-B1E21622534F}" type="presOf" srcId="{4A6F0D0E-3A8F-4A89-80FA-997740F8702D}" destId="{8B6F4C22-85A6-47C9-BFB2-40E9E6357FA3}" srcOrd="0" destOrd="1" presId="urn:microsoft.com/office/officeart/2016/7/layout/VerticalSolidActionList"/>
-    <dgm:cxn modelId="{12CCC0B9-C929-4583-B474-45C1C38C0D86}" srcId="{8D8BD81A-05F8-4F1D-9A2E-CA4A405A6CB2}" destId="{37ABB306-2A8B-444C-AB8B-E19CA26FAC54}" srcOrd="2" destOrd="0" parTransId="{20611C95-C27F-4650-A8F1-F85DE1CA5376}" sibTransId="{A44D7EC5-995D-4A65-BCA9-822106C99956}"/>
     <dgm:cxn modelId="{B3E35FCC-8928-46E8-94CE-48AFB2B6B428}" type="presOf" srcId="{FB7CEAD1-A7B5-47FA-9CF9-286F1FBB66EB}" destId="{657D6585-C49E-4FE5-83A3-EF1574E81AEA}" srcOrd="0" destOrd="1" presId="urn:microsoft.com/office/officeart/2016/7/layout/VerticalSolidActionList"/>
     <dgm:cxn modelId="{43D4E6CD-93CD-49DF-ADDD-691F1B48882C}" type="presOf" srcId="{908D36AA-4DA5-45FC-B3F7-A179309DD389}" destId="{657D6585-C49E-4FE5-83A3-EF1574E81AEA}" srcOrd="0" destOrd="0" presId="urn:microsoft.com/office/officeart/2016/7/layout/VerticalSolidActionList"/>
+    <dgm:cxn modelId="{4D8AE6CF-3CD2-4DDE-AD92-AB219ECE863E}" type="presOf" srcId="{355BA364-4158-4EF5-A0C8-DCB41DC056BB}" destId="{ED09BAC9-5394-443C-89AF-9775B407ECC5}" srcOrd="0" destOrd="0" presId="urn:microsoft.com/office/officeart/2016/7/layout/VerticalSolidActionList"/>
+    <dgm:cxn modelId="{261BE5DC-AEA1-4C85-88AF-887BAAA4AA65}" srcId="{8D8BD81A-05F8-4F1D-9A2E-CA4A405A6CB2}" destId="{0BDD59A7-1BB3-4037-879B-365D19D9D22C}" srcOrd="1" destOrd="0" parTransId="{6F8081F2-C1C2-478C-A3AA-F431034DB484}" sibTransId="{97A2B8C5-547E-479C-BDF0-340BE9095ABC}"/>
     <dgm:cxn modelId="{B0E59EE3-AE51-45B3-A86E-CFED5C84E51E}" srcId="{2FDAEA95-3B57-4D48-A762-E3162E2A12F5}" destId="{908D36AA-4DA5-45FC-B3F7-A179309DD389}" srcOrd="0" destOrd="0" parTransId="{70CB6804-60AF-4B03-A721-21F3C83E3469}" sibTransId="{B7D8DFA3-673E-4FAE-90B5-5BB151889D22}"/>
     <dgm:cxn modelId="{65BD5CE7-391C-4FDB-9C6F-5CC721EC8B6E}" srcId="{2FDAEA95-3B57-4D48-A762-E3162E2A12F5}" destId="{FB7CEAD1-A7B5-47FA-9CF9-286F1FBB66EB}" srcOrd="1" destOrd="0" parTransId="{00BDC83B-CA8E-4CF4-BF42-DD5F29D3DBB2}" sibTransId="{EC2C4144-2AF4-4CD6-B646-2307672FC256}"/>
     <dgm:cxn modelId="{ECB592FB-FCAA-4849-9392-302877BF2464}" type="presOf" srcId="{4D39C093-4100-485F-BEB0-73D85034186B}" destId="{E4CCB9F2-4DAF-4255-8665-86E57A8AD6AB}" srcOrd="0" destOrd="0" presId="urn:microsoft.com/office/officeart/2016/7/layout/VerticalSolidActionList"/>
@@ -1492,13 +1520,13 @@
     <dgm:cxn modelId="{7363F5D5-7084-4C42-86C1-9A70047560C0}" type="presParOf" srcId="{D90C4081-DF3F-43DF-A0A9-A5D035C3D5E1}" destId="{E4CCB9F2-4DAF-4255-8665-86E57A8AD6AB}" srcOrd="0" destOrd="0" presId="urn:microsoft.com/office/officeart/2016/7/layout/VerticalSolidActionList"/>
     <dgm:cxn modelId="{56A9E27F-AEDE-4C65-85F3-9E63BDD8FF4A}" type="presParOf" srcId="{D90C4081-DF3F-43DF-A0A9-A5D035C3D5E1}" destId="{8B6F4C22-85A6-47C9-BFB2-40E9E6357FA3}" srcOrd="1" destOrd="0" presId="urn:microsoft.com/office/officeart/2016/7/layout/VerticalSolidActionList"/>
     <dgm:cxn modelId="{4845BC75-8FBA-4FDE-8894-C7A4C24C6CFB}" type="presParOf" srcId="{F003F9C5-207D-4E2D-876D-6BEB69799940}" destId="{F674F3F1-9452-4C9F-8448-B871698BFA7F}" srcOrd="1" destOrd="0" presId="urn:microsoft.com/office/officeart/2016/7/layout/VerticalSolidActionList"/>
-    <dgm:cxn modelId="{BA0D6374-A4B2-4C91-8977-5C92185C1E41}" type="presParOf" srcId="{F003F9C5-207D-4E2D-876D-6BEB69799940}" destId="{248B1D74-4D73-4A4E-844A-C37B95FB1AB7}" srcOrd="2" destOrd="0" presId="urn:microsoft.com/office/officeart/2016/7/layout/VerticalSolidActionList"/>
+    <dgm:cxn modelId="{7450347E-732B-4DC1-B258-CB0E31C8AD41}" type="presParOf" srcId="{F003F9C5-207D-4E2D-876D-6BEB69799940}" destId="{16CB96DB-D21B-419E-BAE0-5AA62EF78B83}" srcOrd="2" destOrd="0" presId="urn:microsoft.com/office/officeart/2016/7/layout/VerticalSolidActionList"/>
+    <dgm:cxn modelId="{FDC28549-4A1E-45DD-9117-50537FFD78DD}" type="presParOf" srcId="{16CB96DB-D21B-419E-BAE0-5AA62EF78B83}" destId="{702F16F2-5CBB-4132-87ED-DCBDCB89EEA3}" srcOrd="0" destOrd="0" presId="urn:microsoft.com/office/officeart/2016/7/layout/VerticalSolidActionList"/>
+    <dgm:cxn modelId="{127EA356-145E-4A58-AAE4-F6D0FF575563}" type="presParOf" srcId="{16CB96DB-D21B-419E-BAE0-5AA62EF78B83}" destId="{ED09BAC9-5394-443C-89AF-9775B407ECC5}" srcOrd="1" destOrd="0" presId="urn:microsoft.com/office/officeart/2016/7/layout/VerticalSolidActionList"/>
+    <dgm:cxn modelId="{BE4F4226-4E19-4F6D-B527-E81EE5A19132}" type="presParOf" srcId="{F003F9C5-207D-4E2D-876D-6BEB69799940}" destId="{83C429F2-79F5-4D0A-B100-5BCDD8882693}" srcOrd="3" destOrd="0" presId="urn:microsoft.com/office/officeart/2016/7/layout/VerticalSolidActionList"/>
+    <dgm:cxn modelId="{BA0D6374-A4B2-4C91-8977-5C92185C1E41}" type="presParOf" srcId="{F003F9C5-207D-4E2D-876D-6BEB69799940}" destId="{248B1D74-4D73-4A4E-844A-C37B95FB1AB7}" srcOrd="4" destOrd="0" presId="urn:microsoft.com/office/officeart/2016/7/layout/VerticalSolidActionList"/>
     <dgm:cxn modelId="{B3DE6797-17E5-4BA9-9062-C5D475E2213F}" type="presParOf" srcId="{248B1D74-4D73-4A4E-844A-C37B95FB1AB7}" destId="{921F54E4-12AD-4BBE-8580-C1DB5348536D}" srcOrd="0" destOrd="0" presId="urn:microsoft.com/office/officeart/2016/7/layout/VerticalSolidActionList"/>
     <dgm:cxn modelId="{8998ECE6-DD39-48EC-B4F6-4653F4E126F3}" type="presParOf" srcId="{248B1D74-4D73-4A4E-844A-C37B95FB1AB7}" destId="{657D6585-C49E-4FE5-83A3-EF1574E81AEA}" srcOrd="1" destOrd="0" presId="urn:microsoft.com/office/officeart/2016/7/layout/VerticalSolidActionList"/>
-    <dgm:cxn modelId="{29EF7BDB-3EA5-4A8B-AE66-748387233530}" type="presParOf" srcId="{F003F9C5-207D-4E2D-876D-6BEB69799940}" destId="{E8263839-E632-4F7D-83F0-4647E4C08D01}" srcOrd="3" destOrd="0" presId="urn:microsoft.com/office/officeart/2016/7/layout/VerticalSolidActionList"/>
-    <dgm:cxn modelId="{84C03A85-F446-4B88-8D6D-D22190D6B4E0}" type="presParOf" srcId="{F003F9C5-207D-4E2D-876D-6BEB69799940}" destId="{8D0172A1-99E8-495A-82CB-D8C027F3B2CF}" srcOrd="4" destOrd="0" presId="urn:microsoft.com/office/officeart/2016/7/layout/VerticalSolidActionList"/>
-    <dgm:cxn modelId="{A26ACC59-7A55-4225-ADAB-37077404B048}" type="presParOf" srcId="{8D0172A1-99E8-495A-82CB-D8C027F3B2CF}" destId="{263E1AD5-3F57-4373-9975-593093C3C561}" srcOrd="0" destOrd="0" presId="urn:microsoft.com/office/officeart/2016/7/layout/VerticalSolidActionList"/>
-    <dgm:cxn modelId="{222DCDA3-2271-41A6-AEB6-CAE0A7AD9734}" type="presParOf" srcId="{8D0172A1-99E8-495A-82CB-D8C027F3B2CF}" destId="{190171CD-E4DE-46AE-8238-34559CB9A846}" srcOrd="1" destOrd="0" presId="urn:microsoft.com/office/officeart/2016/7/layout/VerticalSolidActionList"/>
   </dgm:cxnLst>
   <dgm:bg/>
   <dgm:whole/>
@@ -1606,10 +1634,10 @@
             <a:buNone/>
           </a:pPr>
           <a:r>
-            <a:rPr lang="en-GB" sz="1600" kern="1200"/>
+            <a:rPr lang="en-GB" sz="1600" kern="1200" dirty="0"/>
             <a:t>Implementations weaknesses</a:t>
           </a:r>
-          <a:endParaRPr lang="en-US" sz="1600" kern="1200"/>
+          <a:endParaRPr lang="en-US" sz="1600" kern="1200" dirty="0"/>
         </a:p>
       </dsp:txBody>
       <dsp:txXfrm>
@@ -1709,10 +1737,10 @@
             <a:buNone/>
           </a:pPr>
           <a:r>
-            <a:rPr lang="en-GB" sz="1900" kern="1200"/>
+            <a:rPr lang="en-GB" sz="1900" kern="1200" dirty="0"/>
             <a:t>Identify And Discuss</a:t>
           </a:r>
-          <a:endParaRPr lang="en-US" sz="1900" kern="1200"/>
+          <a:endParaRPr lang="en-US" sz="1900" kern="1200" dirty="0"/>
         </a:p>
       </dsp:txBody>
       <dsp:txXfrm>
@@ -1720,7 +1748,7 @@
         <a:ext cx="1757147" cy="1345785"/>
       </dsp:txXfrm>
     </dsp:sp>
-    <dsp:sp modelId="{657D6585-C49E-4FE5-83A3-EF1574E81AEA}">
+    <dsp:sp modelId="{ED09BAC9-5394-443C-89AF-9775B407ECC5}">
       <dsp:nvSpPr>
         <dsp:cNvPr id="0" name=""/>
         <dsp:cNvSpPr/>
@@ -1778,7 +1806,7 @@
         <a:p>
           <a:pPr marL="0" lvl="0" indent="0" algn="l" defTabSz="711200">
             <a:lnSpc>
-              <a:spcPct val="100000"/>
+              <a:spcPct val="90000"/>
             </a:lnSpc>
             <a:spcBef>
               <a:spcPct val="0"/>
@@ -1789,29 +1817,10 @@
             <a:buNone/>
           </a:pPr>
           <a:r>
-            <a:rPr lang="en-GB" sz="1600" kern="1200"/>
-            <a:t>Object orientated design principles</a:t>
+            <a:rPr lang="en-GB" sz="1600" kern="1200" dirty="0"/>
+            <a:t>Decorator? Façade? Strategy? (Patterns)</a:t>
           </a:r>
-          <a:endParaRPr lang="en-US" sz="1600" kern="1200"/>
-        </a:p>
-        <a:p>
-          <a:pPr marL="0" lvl="0" indent="0" algn="l" defTabSz="711200">
-            <a:lnSpc>
-              <a:spcPct val="100000"/>
-            </a:lnSpc>
-            <a:spcBef>
-              <a:spcPct val="0"/>
-            </a:spcBef>
-            <a:spcAft>
-              <a:spcPct val="35000"/>
-            </a:spcAft>
-            <a:buNone/>
-          </a:pPr>
-          <a:r>
-            <a:rPr lang="en-GB" sz="1600" kern="1200"/>
-            <a:t>Appropriate use of abstract classes and interfaces</a:t>
-          </a:r>
-          <a:endParaRPr lang="en-US" sz="1600" kern="1200"/>
+          <a:endParaRPr lang="en-US" sz="1600" kern="1200" dirty="0"/>
         </a:p>
       </dsp:txBody>
       <dsp:txXfrm>
@@ -1819,7 +1828,7 @@
         <a:ext cx="7028588" cy="1345785"/>
       </dsp:txXfrm>
     </dsp:sp>
-    <dsp:sp modelId="{921F54E4-12AD-4BBE-8580-C1DB5348536D}">
+    <dsp:sp modelId="{702F16F2-5CBB-4132-87ED-DCBDCB89EEA3}">
       <dsp:nvSpPr>
         <dsp:cNvPr id="0" name=""/>
         <dsp:cNvSpPr/>
@@ -1911,10 +1920,18 @@
             <a:buNone/>
           </a:pPr>
           <a:r>
-            <a:rPr lang="en-GB" sz="1900" kern="1200"/>
-            <a:t>Proposed Improvement</a:t>
+            <a:rPr lang="en-GB" sz="1900" kern="1200" dirty="0"/>
+            <a:t>“</a:t>
           </a:r>
-          <a:endParaRPr lang="en-US" sz="1900" kern="1200"/>
+          <a:r>
+            <a:rPr lang="en-GB" sz="1900" kern="1200" dirty="0" err="1"/>
+            <a:t>PocketBeast</a:t>
+          </a:r>
+          <a:r>
+            <a:rPr lang="en-GB" sz="1900" kern="1200" dirty="0"/>
+            <a:t>” Cards Design</a:t>
+          </a:r>
+          <a:endParaRPr lang="en-US" sz="1900" kern="1200" dirty="0"/>
         </a:p>
       </dsp:txBody>
       <dsp:txXfrm>
@@ -1922,7 +1939,7 @@
         <a:ext cx="1757147" cy="1345785"/>
       </dsp:txXfrm>
     </dsp:sp>
-    <dsp:sp modelId="{190171CD-E4DE-46AE-8238-34559CB9A846}">
+    <dsp:sp modelId="{657D6585-C49E-4FE5-83A3-EF1574E81AEA}">
       <dsp:nvSpPr>
         <dsp:cNvPr id="0" name=""/>
         <dsp:cNvSpPr/>
@@ -1991,10 +2008,29 @@
             <a:buNone/>
           </a:pPr>
           <a:r>
-            <a:rPr lang="en-GB" sz="1600" kern="1200"/>
-            <a:t>Decorator? Façade? Strategy? (Patterns)</a:t>
+            <a:rPr lang="en-GB" sz="1600" kern="1200" dirty="0"/>
+            <a:t>Object orientated design principles</a:t>
           </a:r>
-          <a:endParaRPr lang="en-US" sz="1600" kern="1200"/>
+          <a:endParaRPr lang="en-US" sz="1600" kern="1200" dirty="0"/>
+        </a:p>
+        <a:p>
+          <a:pPr marL="0" lvl="0" indent="0" algn="l" defTabSz="711200">
+            <a:lnSpc>
+              <a:spcPct val="100000"/>
+            </a:lnSpc>
+            <a:spcBef>
+              <a:spcPct val="0"/>
+            </a:spcBef>
+            <a:spcAft>
+              <a:spcPct val="35000"/>
+            </a:spcAft>
+            <a:buNone/>
+          </a:pPr>
+          <a:r>
+            <a:rPr lang="en-GB" sz="1600" kern="1200" dirty="0"/>
+            <a:t>Appropriate use of abstract classes and interfaces</a:t>
+          </a:r>
+          <a:endParaRPr lang="en-US" sz="1600" kern="1200" dirty="0"/>
         </a:p>
       </dsp:txBody>
       <dsp:txXfrm>
@@ -2002,7 +2038,7 @@
         <a:ext cx="7028588" cy="1345785"/>
       </dsp:txXfrm>
     </dsp:sp>
-    <dsp:sp modelId="{263E1AD5-3F57-4373-9975-593093C3C561}">
+    <dsp:sp modelId="{921F54E4-12AD-4BBE-8580-C1DB5348536D}">
       <dsp:nvSpPr>
         <dsp:cNvPr id="0" name=""/>
         <dsp:cNvSpPr/>
@@ -2095,7 +2131,7 @@
           </a:pPr>
           <a:r>
             <a:rPr lang="en-GB" sz="1900" kern="1200"/>
-            <a:t>Proposed “PocketBeast” Cards Design</a:t>
+            <a:t>Proposed Improvement</a:t>
           </a:r>
           <a:endParaRPr lang="en-US" sz="1900" kern="1200"/>
         </a:p>
@@ -3469,7 +3505,6 @@
               <a:rPr lang="en-US"/>
               <a:t>Click to edit Master title style</a:t>
             </a:r>
-            <a:endParaRPr lang="en-US" dirty="0"/>
           </a:p>
         </p:txBody>
       </p:sp>
@@ -3542,7 +3577,6 @@
               <a:rPr lang="en-US"/>
               <a:t>Click to edit Master subtitle style</a:t>
             </a:r>
-            <a:endParaRPr lang="en-US" dirty="0"/>
           </a:p>
         </p:txBody>
       </p:sp>
@@ -3575,7 +3609,7 @@
             <a:fld id="{1449AA12-8195-4182-A7AC-2E7E59DFBDAF}" type="datetimeFigureOut">
               <a:rPr lang="en-US" smtClean="0"/>
               <a:pPr algn="r"/>
-              <a:t>2/28/2024</a:t>
+              <a:t>3/5/2024</a:t>
             </a:fld>
             <a:endParaRPr lang="en-US"/>
           </a:p>
@@ -3607,7 +3641,7 @@
           </a:lstStyle>
           <a:p>
             <a:pPr algn="l"/>
-            <a:endParaRPr lang="en-US" dirty="0"/>
+            <a:endParaRPr lang="en-US"/>
           </a:p>
         </p:txBody>
       </p:sp>
@@ -3727,7 +3761,6 @@
               <a:rPr lang="en-US"/>
               <a:t>Click to edit Master title style</a:t>
             </a:r>
-            <a:endParaRPr lang="en-US" dirty="0"/>
           </a:p>
         </p:txBody>
       </p:sp>
@@ -3779,7 +3812,6 @@
               <a:rPr lang="en-US"/>
               <a:t>Fifth level</a:t>
             </a:r>
-            <a:endParaRPr lang="en-US" dirty="0"/>
           </a:p>
         </p:txBody>
       </p:sp>
@@ -3800,7 +3832,7 @@
           <a:p>
             <a:fld id="{1449AA12-8195-4182-A7AC-2E7E59DFBDAF}" type="datetimeFigureOut">
               <a:rPr lang="en-US" smtClean="0"/>
-              <a:t>2/28/2024</a:t>
+              <a:t>3/5/2024</a:t>
             </a:fld>
             <a:endParaRPr lang="en-US"/>
           </a:p>
@@ -3902,7 +3934,6 @@
               <a:rPr lang="en-US"/>
               <a:t>Click to edit Master title style</a:t>
             </a:r>
-            <a:endParaRPr lang="en-US" dirty="0"/>
           </a:p>
         </p:txBody>
       </p:sp>
@@ -3959,7 +3990,6 @@
               <a:rPr lang="en-US"/>
               <a:t>Fifth level</a:t>
             </a:r>
-            <a:endParaRPr lang="en-US" dirty="0"/>
           </a:p>
         </p:txBody>
       </p:sp>
@@ -3980,7 +4010,7 @@
           <a:p>
             <a:fld id="{1449AA12-8195-4182-A7AC-2E7E59DFBDAF}" type="datetimeFigureOut">
               <a:rPr lang="en-US" smtClean="0"/>
-              <a:t>2/28/2024</a:t>
+              <a:t>3/5/2024</a:t>
             </a:fld>
             <a:endParaRPr lang="en-US"/>
           </a:p>
@@ -4077,7 +4107,6 @@
               <a:rPr lang="en-US"/>
               <a:t>Click to edit Master title style</a:t>
             </a:r>
-            <a:endParaRPr lang="en-US" dirty="0"/>
           </a:p>
         </p:txBody>
       </p:sp>
@@ -4129,7 +4158,6 @@
               <a:rPr lang="en-US"/>
               <a:t>Fifth level</a:t>
             </a:r>
-            <a:endParaRPr lang="en-US" dirty="0"/>
           </a:p>
         </p:txBody>
       </p:sp>
@@ -4150,7 +4178,7 @@
           <a:p>
             <a:fld id="{1449AA12-8195-4182-A7AC-2E7E59DFBDAF}" type="datetimeFigureOut">
               <a:rPr lang="en-US" smtClean="0"/>
-              <a:t>2/28/2024</a:t>
+              <a:t>3/5/2024</a:t>
             </a:fld>
             <a:endParaRPr lang="en-US"/>
           </a:p>
@@ -4299,7 +4327,6 @@
               <a:rPr lang="en-US"/>
               <a:t>Click to edit Master title style</a:t>
             </a:r>
-            <a:endParaRPr lang="en-US" dirty="0"/>
           </a:p>
         </p:txBody>
       </p:sp>
@@ -4441,7 +4468,7 @@
           <a:p>
             <a:fld id="{1449AA12-8195-4182-A7AC-2E7E59DFBDAF}" type="datetimeFigureOut">
               <a:rPr lang="en-US" smtClean="0"/>
-              <a:t>2/28/2024</a:t>
+              <a:t>3/5/2024</a:t>
             </a:fld>
             <a:endParaRPr lang="en-US"/>
           </a:p>
@@ -4576,7 +4603,6 @@
               <a:rPr lang="en-US"/>
               <a:t>Click to edit Master title style</a:t>
             </a:r>
-            <a:endParaRPr lang="en-US" dirty="0"/>
           </a:p>
         </p:txBody>
       </p:sp>
@@ -4661,7 +4687,6 @@
               <a:rPr lang="en-US"/>
               <a:t>Fifth level</a:t>
             </a:r>
-            <a:endParaRPr lang="en-US" dirty="0"/>
           </a:p>
         </p:txBody>
       </p:sp>
@@ -4746,7 +4771,6 @@
               <a:rPr lang="en-US"/>
               <a:t>Fifth level</a:t>
             </a:r>
-            <a:endParaRPr lang="en-US" dirty="0"/>
           </a:p>
         </p:txBody>
       </p:sp>
@@ -4767,7 +4791,7 @@
           <a:p>
             <a:fld id="{1449AA12-8195-4182-A7AC-2E7E59DFBDAF}" type="datetimeFigureOut">
               <a:rPr lang="en-US" smtClean="0"/>
-              <a:t>2/28/2024</a:t>
+              <a:t>3/5/2024</a:t>
             </a:fld>
             <a:endParaRPr lang="en-US"/>
           </a:p>
@@ -4864,7 +4888,6 @@
               <a:rPr lang="en-US"/>
               <a:t>Click to edit Master title style</a:t>
             </a:r>
-            <a:endParaRPr lang="en-US" dirty="0"/>
           </a:p>
         </p:txBody>
       </p:sp>
@@ -5025,7 +5048,6 @@
               <a:rPr lang="en-US"/>
               <a:t>Fifth level</a:t>
             </a:r>
-            <a:endParaRPr lang="en-US" dirty="0"/>
           </a:p>
         </p:txBody>
       </p:sp>
@@ -5158,7 +5180,6 @@
               <a:rPr lang="en-US"/>
               <a:t>Fifth level</a:t>
             </a:r>
-            <a:endParaRPr lang="en-US" dirty="0"/>
           </a:p>
         </p:txBody>
       </p:sp>
@@ -5180,7 +5201,7 @@
             <a:fld id="{1449AA12-8195-4182-A7AC-2E7E59DFBDAF}" type="datetimeFigureOut">
               <a:rPr lang="en-US" smtClean="0"/>
               <a:pPr/>
-              <a:t>2/28/2024</a:t>
+              <a:t>3/5/2024</a:t>
             </a:fld>
             <a:endParaRPr lang="en-US"/>
           </a:p>
@@ -5201,7 +5222,7 @@
           <a:bodyPr/>
           <a:lstStyle/>
           <a:p>
-            <a:endParaRPr lang="en-US" dirty="0"/>
+            <a:endParaRPr lang="en-US"/>
           </a:p>
         </p:txBody>
       </p:sp>
@@ -5278,7 +5299,6 @@
               <a:rPr lang="en-US"/>
               <a:t>Click to edit Master title style</a:t>
             </a:r>
-            <a:endParaRPr lang="en-US" dirty="0"/>
           </a:p>
         </p:txBody>
       </p:sp>
@@ -5299,7 +5319,7 @@
           <a:p>
             <a:fld id="{1449AA12-8195-4182-A7AC-2E7E59DFBDAF}" type="datetimeFigureOut">
               <a:rPr lang="en-US" smtClean="0"/>
-              <a:t>2/28/2024</a:t>
+              <a:t>3/5/2024</a:t>
             </a:fld>
             <a:endParaRPr lang="en-US"/>
           </a:p>
@@ -5394,7 +5414,7 @@
           <a:p>
             <a:fld id="{1449AA12-8195-4182-A7AC-2E7E59DFBDAF}" type="datetimeFigureOut">
               <a:rPr lang="en-US" smtClean="0"/>
-              <a:t>2/28/2024</a:t>
+              <a:t>3/5/2024</a:t>
             </a:fld>
             <a:endParaRPr lang="en-US"/>
           </a:p>
@@ -5502,7 +5522,6 @@
               <a:rPr lang="en-US"/>
               <a:t>Click to edit Master title style</a:t>
             </a:r>
-            <a:endParaRPr lang="en-US" dirty="0"/>
           </a:p>
         </p:txBody>
       </p:sp>
@@ -5587,7 +5606,6 @@
               <a:rPr lang="en-US"/>
               <a:t>Fifth level</a:t>
             </a:r>
-            <a:endParaRPr lang="en-US" dirty="0"/>
           </a:p>
         </p:txBody>
       </p:sp>
@@ -5681,7 +5699,7 @@
           <a:p>
             <a:fld id="{1449AA12-8195-4182-A7AC-2E7E59DFBDAF}" type="datetimeFigureOut">
               <a:rPr lang="en-US" smtClean="0"/>
-              <a:t>2/28/2024</a:t>
+              <a:t>3/5/2024</a:t>
             </a:fld>
             <a:endParaRPr lang="en-US"/>
           </a:p>
@@ -5793,7 +5811,6 @@
               <a:rPr lang="en-US"/>
               <a:t>Click to edit Master title style</a:t>
             </a:r>
-            <a:endParaRPr lang="en-US" dirty="0"/>
           </a:p>
         </p:txBody>
       </p:sp>
@@ -5858,7 +5875,6 @@
               <a:rPr lang="en-US"/>
               <a:t>Click icon to add picture</a:t>
             </a:r>
-            <a:endParaRPr lang="en-US" dirty="0"/>
           </a:p>
         </p:txBody>
       </p:sp>
@@ -5958,7 +5974,7 @@
           <a:p>
             <a:fld id="{1449AA12-8195-4182-A7AC-2E7E59DFBDAF}" type="datetimeFigureOut">
               <a:rPr lang="en-US" smtClean="0"/>
-              <a:t>2/28/2024</a:t>
+              <a:t>3/5/2024</a:t>
             </a:fld>
             <a:endParaRPr lang="en-US"/>
           </a:p>
@@ -6108,7 +6124,6 @@
               <a:rPr lang="en-US"/>
               <a:t>Click to edit Master title style</a:t>
             </a:r>
-            <a:endParaRPr lang="en-US" dirty="0"/>
           </a:p>
         </p:txBody>
       </p:sp>
@@ -6170,7 +6185,6 @@
               <a:rPr lang="en-US"/>
               <a:t>Fifth level</a:t>
             </a:r>
-            <a:endParaRPr lang="en-US" dirty="0"/>
           </a:p>
         </p:txBody>
       </p:sp>
@@ -6210,7 +6224,7 @@
             <a:fld id="{1449AA12-8195-4182-A7AC-2E7E59DFBDAF}" type="datetimeFigureOut">
               <a:rPr lang="en-US" smtClean="0"/>
               <a:pPr/>
-              <a:t>2/28/2024</a:t>
+              <a:t>3/5/2024</a:t>
             </a:fld>
             <a:endParaRPr lang="en-US"/>
           </a:p>
@@ -6247,7 +6261,7 @@
             </a:lvl1pPr>
           </a:lstStyle>
           <a:p>
-            <a:endParaRPr lang="en-US" dirty="0"/>
+            <a:endParaRPr lang="en-US"/>
           </a:p>
         </p:txBody>
       </p:sp>
@@ -6767,10 +6781,9 @@
           <a:p>
             <a:pPr algn="ctr"/>
             <a:r>
-              <a:rPr lang="en-GB" dirty="0"/>
+              <a:rPr lang="en-GB"/>
               <a:t>Kuno DLK</a:t>
             </a:r>
-            <a:endParaRPr lang="en-GB"/>
           </a:p>
         </p:txBody>
       </p:sp>
@@ -6836,6 +6849,4191 @@
   <p:clrMapOvr>
     <a:masterClrMapping/>
   </p:clrMapOvr>
+  <mc:AlternateContent xmlns:mc="http://schemas.openxmlformats.org/markup-compatibility/2006" xmlns:p159="http://schemas.microsoft.com/office/powerpoint/2015/09/main">
+    <mc:Choice Requires="p159">
+      <p:transition xmlns:p14="http://schemas.microsoft.com/office/powerpoint/2010/main" spd="slow" p14:dur="2000">
+        <p159:morph option="byObject"/>
+      </p:transition>
+    </mc:Choice>
+    <mc:Fallback xmlns="">
+      <p:transition spd="slow">
+        <p:fade/>
+      </p:transition>
+    </mc:Fallback>
+  </mc:AlternateContent>
+</p:sld>
+</file>
+
+<file path=ppt/slides/slide10.xml><?xml version="1.0" encoding="utf-8"?>
+<p:sld xmlns:a="http://schemas.openxmlformats.org/drawingml/2006/main" xmlns:r="http://schemas.openxmlformats.org/officeDocument/2006/relationships" xmlns:p="http://schemas.openxmlformats.org/presentationml/2006/main">
+  <p:cSld>
+    <p:spTree>
+      <p:nvGrpSpPr>
+        <p:cNvPr id="1" name=""/>
+        <p:cNvGrpSpPr/>
+        <p:nvPr/>
+      </p:nvGrpSpPr>
+      <p:grpSpPr>
+        <a:xfrm>
+          <a:off x="0" y="0"/>
+          <a:ext cx="0" cy="0"/>
+          <a:chOff x="0" y="0"/>
+          <a:chExt cx="0" cy="0"/>
+        </a:xfrm>
+      </p:grpSpPr>
+      <p:sp>
+        <p:nvSpPr>
+          <p:cNvPr id="2" name="Title 1">
+            <a:extLst>
+              <a:ext uri="{FF2B5EF4-FFF2-40B4-BE49-F238E27FC236}">
+                <a16:creationId xmlns:a16="http://schemas.microsoft.com/office/drawing/2014/main" id="{E8812EE6-830D-86D4-2D80-68C2BF95836A}"/>
+              </a:ext>
+            </a:extLst>
+          </p:cNvPr>
+          <p:cNvSpPr>
+            <a:spLocks noGrp="1"/>
+          </p:cNvSpPr>
+          <p:nvPr>
+            <p:ph type="title"/>
+          </p:nvPr>
+        </p:nvSpPr>
+        <p:spPr>
+          <a:xfrm>
+            <a:off x="1261872" y="365760"/>
+            <a:ext cx="9692640" cy="800253"/>
+          </a:xfrm>
+        </p:spPr>
+        <p:txBody>
+          <a:bodyPr/>
+          <a:lstStyle/>
+          <a:p>
+            <a:r>
+              <a:rPr lang="en-GB" dirty="0"/>
+              <a:t>Let’s compare these:</a:t>
+            </a:r>
+          </a:p>
+        </p:txBody>
+      </p:sp>
+      <p:sp>
+        <p:nvSpPr>
+          <p:cNvPr id="3" name="Title 1">
+            <a:extLst>
+              <a:ext uri="{FF2B5EF4-FFF2-40B4-BE49-F238E27FC236}">
+                <a16:creationId xmlns:a16="http://schemas.microsoft.com/office/drawing/2014/main" id="{5AB8A22E-C549-D4DA-F141-2678386156B9}"/>
+              </a:ext>
+            </a:extLst>
+          </p:cNvPr>
+          <p:cNvSpPr txBox="1">
+            <a:spLocks/>
+          </p:cNvSpPr>
+          <p:nvPr/>
+        </p:nvSpPr>
+        <p:spPr>
+          <a:xfrm>
+            <a:off x="-10991089" y="0"/>
+            <a:ext cx="9692640" cy="841418"/>
+          </a:xfrm>
+          <a:prstGeom prst="rect">
+            <a:avLst/>
+          </a:prstGeom>
+        </p:spPr>
+        <p:txBody>
+          <a:bodyPr vert="horz" lIns="91440" tIns="45720" rIns="91440" bIns="45720" rtlCol="0" anchor="b">
+            <a:normAutofit/>
+          </a:bodyPr>
+          <a:lstStyle>
+            <a:lvl1pPr algn="l" defTabSz="914400" rtl="0" eaLnBrk="1" latinLnBrk="0" hangingPunct="1">
+              <a:lnSpc>
+                <a:spcPct val="90000"/>
+              </a:lnSpc>
+              <a:spcBef>
+                <a:spcPct val="0"/>
+              </a:spcBef>
+              <a:buNone/>
+              <a:defRPr sz="4400" kern="1200" spc="-50" baseline="0">
+                <a:solidFill>
+                  <a:schemeClr val="tx1"/>
+                </a:solidFill>
+                <a:latin typeface="+mj-lt"/>
+                <a:ea typeface="+mj-ea"/>
+                <a:cs typeface="+mj-cs"/>
+              </a:defRPr>
+            </a:lvl1pPr>
+          </a:lstStyle>
+          <a:p>
+            <a:r>
+              <a:rPr lang="en-GB"/>
+              <a:t>Modifying card behaviours</a:t>
+            </a:r>
+            <a:endParaRPr lang="en-GB" dirty="0"/>
+          </a:p>
+        </p:txBody>
+      </p:sp>
+      <p:pic>
+        <p:nvPicPr>
+          <p:cNvPr id="4" name="Content Placeholder 4">
+            <a:extLst>
+              <a:ext uri="{FF2B5EF4-FFF2-40B4-BE49-F238E27FC236}">
+                <a16:creationId xmlns:a16="http://schemas.microsoft.com/office/drawing/2014/main" id="{B88F9309-959F-FD1B-7BB7-3AEF9D70441D}"/>
+              </a:ext>
+            </a:extLst>
+          </p:cNvPr>
+          <p:cNvPicPr>
+            <a:picLocks noChangeAspect="1"/>
+          </p:cNvPicPr>
+          <p:nvPr/>
+        </p:nvPicPr>
+        <p:blipFill>
+          <a:blip r:embed="rId2">
+            <a:extLst>
+              <a:ext uri="{28A0092B-C50C-407E-A947-70E740481C1C}">
+                <a14:useLocalDpi xmlns:a14="http://schemas.microsoft.com/office/drawing/2010/main" val="0"/>
+              </a:ext>
+              <a:ext uri="{96DAC541-7B7A-43D3-8B79-37D633B846F1}">
+                <asvg:svgBlip xmlns:asvg="http://schemas.microsoft.com/office/drawing/2016/SVG/main" r:embed="rId3"/>
+              </a:ext>
+            </a:extLst>
+          </a:blip>
+          <a:stretch>
+            <a:fillRect/>
+          </a:stretch>
+        </p:blipFill>
+        <p:spPr>
+          <a:xfrm>
+            <a:off x="-4179865" y="1952707"/>
+            <a:ext cx="3943350" cy="3486150"/>
+          </a:xfrm>
+          <a:prstGeom prst="rect">
+            <a:avLst/>
+          </a:prstGeom>
+        </p:spPr>
+      </p:pic>
+      <p:pic>
+        <p:nvPicPr>
+          <p:cNvPr id="5" name="Graphic 4">
+            <a:extLst>
+              <a:ext uri="{FF2B5EF4-FFF2-40B4-BE49-F238E27FC236}">
+                <a16:creationId xmlns:a16="http://schemas.microsoft.com/office/drawing/2014/main" id="{805ACB05-D2B1-C32D-2177-F425A96A6DB3}"/>
+              </a:ext>
+            </a:extLst>
+          </p:cNvPr>
+          <p:cNvPicPr>
+            <a:picLocks noChangeAspect="1"/>
+          </p:cNvPicPr>
+          <p:nvPr/>
+        </p:nvPicPr>
+        <p:blipFill>
+          <a:blip r:embed="rId4">
+            <a:extLst>
+              <a:ext uri="{28A0092B-C50C-407E-A947-70E740481C1C}">
+                <a14:useLocalDpi xmlns:a14="http://schemas.microsoft.com/office/drawing/2010/main" val="0"/>
+              </a:ext>
+              <a:ext uri="{96DAC541-7B7A-43D3-8B79-37D633B846F1}">
+                <asvg:svgBlip xmlns:asvg="http://schemas.microsoft.com/office/drawing/2016/SVG/main" r:embed="rId5"/>
+              </a:ext>
+            </a:extLst>
+          </a:blip>
+          <a:stretch>
+            <a:fillRect/>
+          </a:stretch>
+        </p:blipFill>
+        <p:spPr>
+          <a:xfrm>
+            <a:off x="-11328935" y="3132851"/>
+            <a:ext cx="4819522" cy="1715281"/>
+          </a:xfrm>
+          <a:prstGeom prst="rect">
+            <a:avLst/>
+          </a:prstGeom>
+        </p:spPr>
+      </p:pic>
+      <p:pic>
+        <p:nvPicPr>
+          <p:cNvPr id="6" name="Graphic 5">
+            <a:extLst>
+              <a:ext uri="{FF2B5EF4-FFF2-40B4-BE49-F238E27FC236}">
+                <a16:creationId xmlns:a16="http://schemas.microsoft.com/office/drawing/2014/main" id="{6B9B81F9-4DB5-3318-BA58-BB7D7840C2CD}"/>
+              </a:ext>
+            </a:extLst>
+          </p:cNvPr>
+          <p:cNvPicPr>
+            <a:picLocks noChangeAspect="1"/>
+          </p:cNvPicPr>
+          <p:nvPr/>
+        </p:nvPicPr>
+        <p:blipFill>
+          <a:blip r:embed="rId6">
+            <a:extLst>
+              <a:ext uri="{28A0092B-C50C-407E-A947-70E740481C1C}">
+                <a14:useLocalDpi xmlns:a14="http://schemas.microsoft.com/office/drawing/2010/main" val="0"/>
+              </a:ext>
+              <a:ext uri="{96DAC541-7B7A-43D3-8B79-37D633B846F1}">
+                <asvg:svgBlip xmlns:asvg="http://schemas.microsoft.com/office/drawing/2016/SVG/main" r:embed="rId7"/>
+              </a:ext>
+            </a:extLst>
+          </a:blip>
+          <a:stretch>
+            <a:fillRect/>
+          </a:stretch>
+        </p:blipFill>
+        <p:spPr>
+          <a:xfrm>
+            <a:off x="-7129206" y="3546249"/>
+            <a:ext cx="3292929" cy="3088785"/>
+          </a:xfrm>
+          <a:prstGeom prst="rect">
+            <a:avLst/>
+          </a:prstGeom>
+        </p:spPr>
+      </p:pic>
+      <p:sp>
+        <p:nvSpPr>
+          <p:cNvPr id="7" name="TextBox 6">
+            <a:extLst>
+              <a:ext uri="{FF2B5EF4-FFF2-40B4-BE49-F238E27FC236}">
+                <a16:creationId xmlns:a16="http://schemas.microsoft.com/office/drawing/2014/main" id="{720115AC-95B2-7B5D-CC13-B75E87F5B9D7}"/>
+              </a:ext>
+            </a:extLst>
+          </p:cNvPr>
+          <p:cNvSpPr txBox="1"/>
+          <p:nvPr/>
+        </p:nvSpPr>
+        <p:spPr>
+          <a:xfrm>
+            <a:off x="-10067063" y="2367976"/>
+            <a:ext cx="1168177" cy="369332"/>
+          </a:xfrm>
+          <a:prstGeom prst="rect">
+            <a:avLst/>
+          </a:prstGeom>
+          <a:noFill/>
+        </p:spPr>
+        <p:txBody>
+          <a:bodyPr wrap="square" rtlCol="0">
+            <a:spAutoFit/>
+          </a:bodyPr>
+          <a:lstStyle/>
+          <a:p>
+            <a:r>
+              <a:rPr lang="en-GB" dirty="0"/>
+              <a:t>Strategy</a:t>
+            </a:r>
+          </a:p>
+        </p:txBody>
+      </p:sp>
+      <p:sp>
+        <p:nvSpPr>
+          <p:cNvPr id="8" name="TextBox 7">
+            <a:extLst>
+              <a:ext uri="{FF2B5EF4-FFF2-40B4-BE49-F238E27FC236}">
+                <a16:creationId xmlns:a16="http://schemas.microsoft.com/office/drawing/2014/main" id="{1F786407-1A46-406F-82EE-C52D0B14C5F7}"/>
+              </a:ext>
+            </a:extLst>
+          </p:cNvPr>
+          <p:cNvSpPr txBox="1"/>
+          <p:nvPr/>
+        </p:nvSpPr>
+        <p:spPr>
+          <a:xfrm>
+            <a:off x="-6066831" y="3082156"/>
+            <a:ext cx="1076311" cy="369332"/>
+          </a:xfrm>
+          <a:prstGeom prst="rect">
+            <a:avLst/>
+          </a:prstGeom>
+          <a:noFill/>
+        </p:spPr>
+        <p:txBody>
+          <a:bodyPr wrap="square" rtlCol="0">
+            <a:spAutoFit/>
+          </a:bodyPr>
+          <a:lstStyle/>
+          <a:p>
+            <a:r>
+              <a:rPr lang="en-GB" dirty="0"/>
+              <a:t>Façade</a:t>
+            </a:r>
+          </a:p>
+        </p:txBody>
+      </p:sp>
+      <p:sp>
+        <p:nvSpPr>
+          <p:cNvPr id="9" name="TextBox 8">
+            <a:extLst>
+              <a:ext uri="{FF2B5EF4-FFF2-40B4-BE49-F238E27FC236}">
+                <a16:creationId xmlns:a16="http://schemas.microsoft.com/office/drawing/2014/main" id="{8FD8B525-DA3E-7DCB-C2EA-62F0AB30120B}"/>
+              </a:ext>
+            </a:extLst>
+          </p:cNvPr>
+          <p:cNvSpPr txBox="1"/>
+          <p:nvPr/>
+        </p:nvSpPr>
+        <p:spPr>
+          <a:xfrm>
+            <a:off x="-2751836" y="1482143"/>
+            <a:ext cx="1283926" cy="369332"/>
+          </a:xfrm>
+          <a:prstGeom prst="rect">
+            <a:avLst/>
+          </a:prstGeom>
+          <a:noFill/>
+        </p:spPr>
+        <p:txBody>
+          <a:bodyPr wrap="square" rtlCol="0">
+            <a:spAutoFit/>
+          </a:bodyPr>
+          <a:lstStyle/>
+          <a:p>
+            <a:r>
+              <a:rPr lang="en-GB" dirty="0"/>
+              <a:t>Decorator</a:t>
+            </a:r>
+          </a:p>
+        </p:txBody>
+      </p:sp>
+      <p:sp>
+        <p:nvSpPr>
+          <p:cNvPr id="10" name="TextBox 9">
+            <a:extLst>
+              <a:ext uri="{FF2B5EF4-FFF2-40B4-BE49-F238E27FC236}">
+                <a16:creationId xmlns:a16="http://schemas.microsoft.com/office/drawing/2014/main" id="{B5E2BD69-F403-AFD4-D9E3-F6287F120EB0}"/>
+              </a:ext>
+            </a:extLst>
+          </p:cNvPr>
+          <p:cNvSpPr txBox="1"/>
+          <p:nvPr/>
+        </p:nvSpPr>
+        <p:spPr>
+          <a:xfrm>
+            <a:off x="-10991089" y="1017638"/>
+            <a:ext cx="7603635" cy="646331"/>
+          </a:xfrm>
+          <a:prstGeom prst="rect">
+            <a:avLst/>
+          </a:prstGeom>
+          <a:noFill/>
+        </p:spPr>
+        <p:txBody>
+          <a:bodyPr wrap="square" rtlCol="0">
+            <a:spAutoFit/>
+          </a:bodyPr>
+          <a:lstStyle/>
+          <a:p>
+            <a:r>
+              <a:rPr lang="en-GB" dirty="0"/>
+              <a:t>There are 3 suitable patterns that could be used to modify the behaviour of cards</a:t>
+            </a:r>
+          </a:p>
+        </p:txBody>
+      </p:sp>
+      <p:graphicFrame>
+        <p:nvGraphicFramePr>
+          <p:cNvPr id="11" name="Table 10">
+            <a:extLst>
+              <a:ext uri="{FF2B5EF4-FFF2-40B4-BE49-F238E27FC236}">
+                <a16:creationId xmlns:a16="http://schemas.microsoft.com/office/drawing/2014/main" id="{7A9410FF-735F-DB69-ED15-425B0A0159DC}"/>
+              </a:ext>
+            </a:extLst>
+          </p:cNvPr>
+          <p:cNvGraphicFramePr>
+            <a:graphicFrameLocks noGrp="1"/>
+          </p:cNvGraphicFramePr>
+          <p:nvPr>
+            <p:extLst>
+              <p:ext uri="{D42A27DB-BD31-4B8C-83A1-F6EECF244321}">
+                <p14:modId xmlns:p14="http://schemas.microsoft.com/office/powerpoint/2010/main" val="1023706024"/>
+              </p:ext>
+            </p:extLst>
+          </p:nvPr>
+        </p:nvGraphicFramePr>
+        <p:xfrm>
+          <a:off x="495300" y="1254933"/>
+          <a:ext cx="10459212" cy="5471116"/>
+        </p:xfrm>
+        <a:graphic>
+          <a:graphicData uri="http://schemas.openxmlformats.org/drawingml/2006/table">
+            <a:tbl>
+              <a:tblPr firstRow="1" bandRow="1">
+                <a:tableStyleId>{616DA210-FB5B-4158-B5E0-FEB733F419BA}</a:tableStyleId>
+              </a:tblPr>
+              <a:tblGrid>
+                <a:gridCol w="2614803">
+                  <a:extLst>
+                    <a:ext uri="{9D8B030D-6E8A-4147-A177-3AD203B41FA5}">
+                      <a16:colId xmlns:a16="http://schemas.microsoft.com/office/drawing/2014/main" val="2378409951"/>
+                    </a:ext>
+                  </a:extLst>
+                </a:gridCol>
+                <a:gridCol w="2614803">
+                  <a:extLst>
+                    <a:ext uri="{9D8B030D-6E8A-4147-A177-3AD203B41FA5}">
+                      <a16:colId xmlns:a16="http://schemas.microsoft.com/office/drawing/2014/main" val="2900017821"/>
+                    </a:ext>
+                  </a:extLst>
+                </a:gridCol>
+                <a:gridCol w="2614803">
+                  <a:extLst>
+                    <a:ext uri="{9D8B030D-6E8A-4147-A177-3AD203B41FA5}">
+                      <a16:colId xmlns:a16="http://schemas.microsoft.com/office/drawing/2014/main" val="1655443910"/>
+                    </a:ext>
+                  </a:extLst>
+                </a:gridCol>
+                <a:gridCol w="2614803">
+                  <a:extLst>
+                    <a:ext uri="{9D8B030D-6E8A-4147-A177-3AD203B41FA5}">
+                      <a16:colId xmlns:a16="http://schemas.microsoft.com/office/drawing/2014/main" val="1468355571"/>
+                    </a:ext>
+                  </a:extLst>
+                </a:gridCol>
+              </a:tblGrid>
+              <a:tr h="1002019">
+                <a:tc>
+                  <a:txBody>
+                    <a:bodyPr/>
+                    <a:lstStyle/>
+                    <a:p>
+                      <a:pPr algn="ctr"/>
+                      <a:r>
+                        <a:rPr lang="en-GB" dirty="0"/>
+                        <a:t>Property</a:t>
+                      </a:r>
+                    </a:p>
+                  </a:txBody>
+                  <a:tcPr anchor="ctr"/>
+                </a:tc>
+                <a:tc>
+                  <a:txBody>
+                    <a:bodyPr/>
+                    <a:lstStyle/>
+                    <a:p>
+                      <a:pPr algn="ctr"/>
+                      <a:r>
+                        <a:rPr lang="en-GB" dirty="0"/>
+                        <a:t>Strategy</a:t>
+                      </a:r>
+                    </a:p>
+                  </a:txBody>
+                  <a:tcPr anchor="ctr"/>
+                </a:tc>
+                <a:tc>
+                  <a:txBody>
+                    <a:bodyPr/>
+                    <a:lstStyle/>
+                    <a:p>
+                      <a:pPr algn="ctr"/>
+                      <a:r>
+                        <a:rPr lang="en-GB" dirty="0"/>
+                        <a:t>Façade</a:t>
+                      </a:r>
+                    </a:p>
+                  </a:txBody>
+                  <a:tcPr anchor="ctr"/>
+                </a:tc>
+                <a:tc>
+                  <a:txBody>
+                    <a:bodyPr/>
+                    <a:lstStyle/>
+                    <a:p>
+                      <a:pPr algn="ctr"/>
+                      <a:r>
+                        <a:rPr lang="en-GB" dirty="0"/>
+                        <a:t>Decorator</a:t>
+                      </a:r>
+                    </a:p>
+                  </a:txBody>
+                  <a:tcPr anchor="ctr"/>
+                </a:tc>
+                <a:extLst>
+                  <a:ext uri="{0D108BD9-81ED-4DB2-BD59-A6C34878D82A}">
+                    <a16:rowId xmlns:a16="http://schemas.microsoft.com/office/drawing/2014/main" val="1619587241"/>
+                  </a:ext>
+                </a:extLst>
+              </a:tr>
+              <a:tr h="1002019">
+                <a:tc>
+                  <a:txBody>
+                    <a:bodyPr/>
+                    <a:lstStyle/>
+                    <a:p>
+                      <a:pPr algn="ctr"/>
+                      <a:r>
+                        <a:rPr lang="en-GB" dirty="0"/>
+                        <a:t>Complexity to construct</a:t>
+                      </a:r>
+                    </a:p>
+                  </a:txBody>
+                  <a:tcPr anchor="ctr"/>
+                </a:tc>
+                <a:tc>
+                  <a:txBody>
+                    <a:bodyPr/>
+                    <a:lstStyle/>
+                    <a:p>
+                      <a:pPr algn="ctr"/>
+                      <a:r>
+                        <a:rPr lang="en-GB" dirty="0"/>
+                        <a:t>Just need reference to the manager</a:t>
+                      </a:r>
+                    </a:p>
+                  </a:txBody>
+                  <a:tcPr anchor="ctr"/>
+                </a:tc>
+                <a:tc>
+                  <a:txBody>
+                    <a:bodyPr/>
+                    <a:lstStyle/>
+                    <a:p>
+                      <a:pPr algn="ctr"/>
+                      <a:r>
+                        <a:rPr lang="en-GB" dirty="0"/>
+                        <a:t>Construct Correct Strategy</a:t>
+                      </a:r>
+                    </a:p>
+                  </a:txBody>
+                  <a:tcPr anchor="ctr"/>
+                </a:tc>
+                <a:tc>
+                  <a:txBody>
+                    <a:bodyPr/>
+                    <a:lstStyle/>
+                    <a:p>
+                      <a:pPr algn="ctr"/>
+                      <a:r>
+                        <a:rPr lang="en-GB" dirty="0"/>
+                        <a:t>Hard Mode</a:t>
+                      </a:r>
+                    </a:p>
+                  </a:txBody>
+                  <a:tcPr anchor="ctr"/>
+                </a:tc>
+                <a:extLst>
+                  <a:ext uri="{0D108BD9-81ED-4DB2-BD59-A6C34878D82A}">
+                    <a16:rowId xmlns:a16="http://schemas.microsoft.com/office/drawing/2014/main" val="1253166858"/>
+                  </a:ext>
+                </a:extLst>
+              </a:tr>
+              <a:tr h="1002019">
+                <a:tc>
+                  <a:txBody>
+                    <a:bodyPr/>
+                    <a:lstStyle/>
+                    <a:p>
+                      <a:pPr algn="ctr"/>
+                      <a:r>
+                        <a:rPr lang="en-GB" dirty="0"/>
+                        <a:t>Maintainability</a:t>
+                      </a:r>
+                    </a:p>
+                  </a:txBody>
+                  <a:tcPr anchor="ctr"/>
+                </a:tc>
+                <a:tc>
+                  <a:txBody>
+                    <a:bodyPr/>
+                    <a:lstStyle/>
+                    <a:p>
+                      <a:pPr algn="ctr"/>
+                      <a:r>
+                        <a:rPr lang="en-GB" dirty="0"/>
+                        <a:t>Manger Class Could Get Overly Spaghetti</a:t>
+                      </a:r>
+                    </a:p>
+                  </a:txBody>
+                  <a:tcPr anchor="ctr"/>
+                </a:tc>
+                <a:tc>
+                  <a:txBody>
+                    <a:bodyPr/>
+                    <a:lstStyle/>
+                    <a:p>
+                      <a:pPr algn="ctr"/>
+                      <a:r>
+                        <a:rPr lang="en-GB" dirty="0"/>
+                        <a:t>Fair</a:t>
+                      </a:r>
+                    </a:p>
+                  </a:txBody>
+                  <a:tcPr anchor="ctr"/>
+                </a:tc>
+                <a:tc>
+                  <a:txBody>
+                    <a:bodyPr/>
+                    <a:lstStyle/>
+                    <a:p>
+                      <a:pPr algn="ctr"/>
+                      <a:r>
+                        <a:rPr lang="en-GB" dirty="0"/>
+                        <a:t>Very Flexible As Multiple Strategies Can Be Used At Once</a:t>
+                      </a:r>
+                    </a:p>
+                  </a:txBody>
+                  <a:tcPr anchor="ctr"/>
+                </a:tc>
+                <a:extLst>
+                  <a:ext uri="{0D108BD9-81ED-4DB2-BD59-A6C34878D82A}">
+                    <a16:rowId xmlns:a16="http://schemas.microsoft.com/office/drawing/2014/main" val="1923126134"/>
+                  </a:ext>
+                </a:extLst>
+              </a:tr>
+              <a:tr h="1002019">
+                <a:tc>
+                  <a:txBody>
+                    <a:bodyPr/>
+                    <a:lstStyle/>
+                    <a:p>
+                      <a:pPr algn="ctr"/>
+                      <a:r>
+                        <a:rPr lang="en-GB" dirty="0"/>
+                        <a:t>Debuggability</a:t>
+                      </a:r>
+                    </a:p>
+                  </a:txBody>
+                  <a:tcPr anchor="ctr"/>
+                </a:tc>
+                <a:tc>
+                  <a:txBody>
+                    <a:bodyPr/>
+                    <a:lstStyle/>
+                    <a:p>
+                      <a:pPr algn="ctr"/>
+                      <a:r>
+                        <a:rPr lang="en-GB" dirty="0"/>
+                        <a:t>Excellent, All Concrete Classes</a:t>
+                      </a:r>
+                    </a:p>
+                  </a:txBody>
+                  <a:tcPr anchor="ctr"/>
+                </a:tc>
+                <a:tc>
+                  <a:txBody>
+                    <a:bodyPr/>
+                    <a:lstStyle/>
+                    <a:p>
+                      <a:pPr algn="ctr"/>
+                      <a:r>
+                        <a:rPr lang="en-GB" dirty="0"/>
+                        <a:t>Fair, Simple Point Of Abstraction</a:t>
+                      </a:r>
+                    </a:p>
+                  </a:txBody>
+                  <a:tcPr anchor="ctr"/>
+                </a:tc>
+                <a:tc>
+                  <a:txBody>
+                    <a:bodyPr/>
+                    <a:lstStyle/>
+                    <a:p>
+                      <a:pPr algn="ctr"/>
+                      <a:r>
+                        <a:rPr lang="en-GB" dirty="0"/>
+                        <a:t>Hard, A Problem Could Be In One Of The Many Decorators</a:t>
+                      </a:r>
+                    </a:p>
+                  </a:txBody>
+                  <a:tcPr anchor="ctr"/>
+                </a:tc>
+                <a:extLst>
+                  <a:ext uri="{0D108BD9-81ED-4DB2-BD59-A6C34878D82A}">
+                    <a16:rowId xmlns:a16="http://schemas.microsoft.com/office/drawing/2014/main" val="1391551679"/>
+                  </a:ext>
+                </a:extLst>
+              </a:tr>
+              <a:tr h="1002019">
+                <a:tc>
+                  <a:txBody>
+                    <a:bodyPr/>
+                    <a:lstStyle/>
+                    <a:p>
+                      <a:pPr algn="ctr"/>
+                      <a:r>
+                        <a:rPr lang="en-GB" dirty="0"/>
+                        <a:t>Good For</a:t>
+                      </a:r>
+                    </a:p>
+                  </a:txBody>
+                  <a:tcPr anchor="ctr"/>
+                </a:tc>
+                <a:tc>
+                  <a:txBody>
+                    <a:bodyPr/>
+                    <a:lstStyle/>
+                    <a:p>
+                      <a:pPr algn="ctr"/>
+                      <a:r>
+                        <a:rPr lang="en-GB" dirty="0"/>
+                        <a:t>Switching Between Few Well Defined Paths (E.G. Switching Between Wi-Fi/Ethernet)</a:t>
+                      </a:r>
+                    </a:p>
+                  </a:txBody>
+                  <a:tcPr anchor="ctr"/>
+                </a:tc>
+                <a:tc>
+                  <a:txBody>
+                    <a:bodyPr/>
+                    <a:lstStyle/>
+                    <a:p>
+                      <a:pPr algn="ctr"/>
+                      <a:r>
+                        <a:rPr lang="en-GB" dirty="0"/>
+                        <a:t>Switch Between Many Similar Classes that have common Functionality (E.G. Hardware </a:t>
+                      </a:r>
+                      <a:r>
+                        <a:rPr lang="en-GB" dirty="0" err="1"/>
+                        <a:t>Controll</a:t>
+                      </a:r>
+                      <a:r>
+                        <a:rPr lang="en-GB" dirty="0"/>
+                        <a:t>) </a:t>
+                      </a:r>
+                    </a:p>
+                  </a:txBody>
+                  <a:tcPr anchor="ctr"/>
+                </a:tc>
+                <a:tc>
+                  <a:txBody>
+                    <a:bodyPr/>
+                    <a:lstStyle/>
+                    <a:p>
+                      <a:pPr algn="ctr"/>
+                      <a:r>
+                        <a:rPr lang="en-GB" dirty="0"/>
+                        <a:t>Extend The Functionality Of A Existing System (E.G. Decoration Saving A file With Encryption )</a:t>
+                      </a:r>
+                    </a:p>
+                  </a:txBody>
+                  <a:tcPr anchor="ctr"/>
+                </a:tc>
+                <a:extLst>
+                  <a:ext uri="{0D108BD9-81ED-4DB2-BD59-A6C34878D82A}">
+                    <a16:rowId xmlns:a16="http://schemas.microsoft.com/office/drawing/2014/main" val="1638854695"/>
+                  </a:ext>
+                </a:extLst>
+              </a:tr>
+            </a:tbl>
+          </a:graphicData>
+        </a:graphic>
+      </p:graphicFrame>
+      <p:sp>
+        <p:nvSpPr>
+          <p:cNvPr id="12" name="Rectangle 11">
+            <a:extLst>
+              <a:ext uri="{FF2B5EF4-FFF2-40B4-BE49-F238E27FC236}">
+                <a16:creationId xmlns:a16="http://schemas.microsoft.com/office/drawing/2014/main" id="{9FAEAE02-2F40-791C-94E8-98C30C4A271F}"/>
+              </a:ext>
+            </a:extLst>
+          </p:cNvPr>
+          <p:cNvSpPr/>
+          <p:nvPr/>
+        </p:nvSpPr>
+        <p:spPr>
+          <a:xfrm>
+            <a:off x="8364354" y="1254933"/>
+            <a:ext cx="2590158" cy="5471116"/>
+          </a:xfrm>
+          <a:prstGeom prst="rect">
+            <a:avLst/>
+          </a:prstGeom>
+          <a:noFill/>
+          <a:ln w="76200">
+            <a:solidFill>
+              <a:srgbClr val="92D050"/>
+            </a:solidFill>
+          </a:ln>
+        </p:spPr>
+        <p:style>
+          <a:lnRef idx="2">
+            <a:schemeClr val="accent1">
+              <a:shade val="15000"/>
+            </a:schemeClr>
+          </a:lnRef>
+          <a:fillRef idx="1">
+            <a:schemeClr val="accent1"/>
+          </a:fillRef>
+          <a:effectRef idx="0">
+            <a:schemeClr val="accent1"/>
+          </a:effectRef>
+          <a:fontRef idx="minor">
+            <a:schemeClr val="lt1"/>
+          </a:fontRef>
+        </p:style>
+        <p:txBody>
+          <a:bodyPr rtlCol="0" anchor="ctr"/>
+          <a:lstStyle/>
+          <a:p>
+            <a:pPr algn="ctr"/>
+            <a:endParaRPr lang="en-GB"/>
+          </a:p>
+        </p:txBody>
+      </p:sp>
+    </p:spTree>
+    <p:extLst>
+      <p:ext uri="{BB962C8B-B14F-4D97-AF65-F5344CB8AC3E}">
+        <p14:creationId xmlns:p14="http://schemas.microsoft.com/office/powerpoint/2010/main" val="1038288864"/>
+      </p:ext>
+    </p:extLst>
+  </p:cSld>
+  <p:clrMapOvr>
+    <a:masterClrMapping/>
+  </p:clrMapOvr>
+  <mc:AlternateContent xmlns:mc="http://schemas.openxmlformats.org/markup-compatibility/2006" xmlns:p159="http://schemas.microsoft.com/office/powerpoint/2015/09/main">
+    <mc:Choice Requires="p159">
+      <p:transition xmlns:p14="http://schemas.microsoft.com/office/powerpoint/2010/main" spd="slow" p14:dur="2000">
+        <p159:morph option="byObject"/>
+      </p:transition>
+    </mc:Choice>
+    <mc:Fallback xmlns="">
+      <p:transition spd="slow">
+        <p:fade/>
+      </p:transition>
+    </mc:Fallback>
+  </mc:AlternateContent>
+  <p:timing>
+    <p:tnLst>
+      <p:par>
+        <p:cTn id="1" dur="indefinite" restart="never" nodeType="tmRoot">
+          <p:childTnLst>
+            <p:seq concurrent="1" nextAc="seek">
+              <p:cTn id="2" dur="indefinite" nodeType="mainSeq">
+                <p:childTnLst>
+                  <p:par>
+                    <p:cTn id="3" fill="hold">
+                      <p:stCondLst>
+                        <p:cond delay="indefinite"/>
+                      </p:stCondLst>
+                      <p:childTnLst>
+                        <p:par>
+                          <p:cTn id="4" fill="hold">
+                            <p:stCondLst>
+                              <p:cond delay="0"/>
+                            </p:stCondLst>
+                            <p:childTnLst>
+                              <p:par>
+                                <p:cTn id="5" presetID="21" presetClass="entr" presetSubtype="1" fill="hold" grpId="0" nodeType="clickEffect">
+                                  <p:stCondLst>
+                                    <p:cond delay="0"/>
+                                  </p:stCondLst>
+                                  <p:childTnLst>
+                                    <p:set>
+                                      <p:cBhvr>
+                                        <p:cTn id="6" dur="1" fill="hold">
+                                          <p:stCondLst>
+                                            <p:cond delay="0"/>
+                                          </p:stCondLst>
+                                        </p:cTn>
+                                        <p:tgtEl>
+                                          <p:spTgt spid="12"/>
+                                        </p:tgtEl>
+                                        <p:attrNameLst>
+                                          <p:attrName>style.visibility</p:attrName>
+                                        </p:attrNameLst>
+                                      </p:cBhvr>
+                                      <p:to>
+                                        <p:strVal val="visible"/>
+                                      </p:to>
+                                    </p:set>
+                                    <p:animEffect transition="in" filter="wheel(1)">
+                                      <p:cBhvr>
+                                        <p:cTn id="7" dur="2000"/>
+                                        <p:tgtEl>
+                                          <p:spTgt spid="12"/>
+                                        </p:tgtEl>
+                                      </p:cBhvr>
+                                    </p:animEffect>
+                                  </p:childTnLst>
+                                </p:cTn>
+                              </p:par>
+                            </p:childTnLst>
+                          </p:cTn>
+                        </p:par>
+                      </p:childTnLst>
+                    </p:cTn>
+                  </p:par>
+                </p:childTnLst>
+              </p:cTn>
+              <p:prevCondLst>
+                <p:cond evt="onPrev" delay="0">
+                  <p:tgtEl>
+                    <p:sldTgt/>
+                  </p:tgtEl>
+                </p:cond>
+              </p:prevCondLst>
+              <p:nextCondLst>
+                <p:cond evt="onNext" delay="0">
+                  <p:tgtEl>
+                    <p:sldTgt/>
+                  </p:tgtEl>
+                </p:cond>
+              </p:nextCondLst>
+            </p:seq>
+          </p:childTnLst>
+        </p:cTn>
+      </p:par>
+    </p:tnLst>
+    <p:bldLst>
+      <p:bldP spid="12" grpId="0" animBg="1"/>
+    </p:bldLst>
+  </p:timing>
+</p:sld>
+</file>
+
+<file path=ppt/slides/slide11.xml><?xml version="1.0" encoding="utf-8"?>
+<p:sld xmlns:a="http://schemas.openxmlformats.org/drawingml/2006/main" xmlns:r="http://schemas.openxmlformats.org/officeDocument/2006/relationships" xmlns:p="http://schemas.openxmlformats.org/presentationml/2006/main">
+  <p:cSld>
+    <p:bg>
+      <p:bgPr>
+        <a:solidFill>
+          <a:schemeClr val="bg1"/>
+        </a:solidFill>
+        <a:effectLst/>
+      </p:bgPr>
+    </p:bg>
+    <p:spTree>
+      <p:nvGrpSpPr>
+        <p:cNvPr id="1" name="">
+          <a:extLst>
+            <a:ext uri="{FF2B5EF4-FFF2-40B4-BE49-F238E27FC236}">
+              <a16:creationId xmlns:a16="http://schemas.microsoft.com/office/drawing/2014/main" id="{B8530DFA-121A-5ECC-EAD6-7936ED826748}"/>
+            </a:ext>
+          </a:extLst>
+        </p:cNvPr>
+        <p:cNvGrpSpPr/>
+        <p:nvPr/>
+      </p:nvGrpSpPr>
+      <p:grpSpPr>
+        <a:xfrm>
+          <a:off x="0" y="0"/>
+          <a:ext cx="0" cy="0"/>
+          <a:chOff x="0" y="0"/>
+          <a:chExt cx="0" cy="0"/>
+        </a:xfrm>
+      </p:grpSpPr>
+      <p:sp>
+        <p:nvSpPr>
+          <p:cNvPr id="3" name="Rectangle 2">
+            <a:extLst>
+              <a:ext uri="{FF2B5EF4-FFF2-40B4-BE49-F238E27FC236}">
+                <a16:creationId xmlns:a16="http://schemas.microsoft.com/office/drawing/2014/main" id="{D830CED0-E9AE-FAEB-6C8D-CC67A583EB76}"/>
+              </a:ext>
+            </a:extLst>
+          </p:cNvPr>
+          <p:cNvSpPr/>
+          <p:nvPr/>
+        </p:nvSpPr>
+        <p:spPr>
+          <a:xfrm>
+            <a:off x="582084" y="0"/>
+            <a:ext cx="7306322" cy="6858000"/>
+          </a:xfrm>
+          <a:prstGeom prst="rect">
+            <a:avLst/>
+          </a:prstGeom>
+          <a:solidFill>
+            <a:schemeClr val="tx1"/>
+          </a:solidFill>
+          <a:ln>
+            <a:solidFill>
+              <a:schemeClr val="tx1"/>
+            </a:solidFill>
+          </a:ln>
+        </p:spPr>
+        <p:style>
+          <a:lnRef idx="2">
+            <a:schemeClr val="accent1">
+              <a:shade val="15000"/>
+            </a:schemeClr>
+          </a:lnRef>
+          <a:fillRef idx="1">
+            <a:schemeClr val="accent1"/>
+          </a:fillRef>
+          <a:effectRef idx="0">
+            <a:schemeClr val="accent1"/>
+          </a:effectRef>
+          <a:fontRef idx="minor">
+            <a:schemeClr val="lt1"/>
+          </a:fontRef>
+        </p:style>
+        <p:txBody>
+          <a:bodyPr rtlCol="0" anchor="ctr"/>
+          <a:lstStyle/>
+          <a:p>
+            <a:pPr algn="ctr"/>
+            <a:endParaRPr lang="en-GB"/>
+          </a:p>
+        </p:txBody>
+      </p:sp>
+      <p:sp>
+        <p:nvSpPr>
+          <p:cNvPr id="12" name="Rectangle 11">
+            <a:extLst>
+              <a:ext uri="{FF2B5EF4-FFF2-40B4-BE49-F238E27FC236}">
+                <a16:creationId xmlns:a16="http://schemas.microsoft.com/office/drawing/2014/main" id="{75B04AA1-C3FA-415D-863A-DBC414AFCC5B}"/>
+              </a:ext>
+              <a:ext uri="{C183D7F6-B498-43B3-948B-1728B52AA6E4}">
+                <adec:decorative xmlns:adec="http://schemas.microsoft.com/office/drawing/2017/decorative" val="1"/>
+              </a:ext>
+            </a:extLst>
+          </p:cNvPr>
+          <p:cNvSpPr>
+            <a:spLocks noGrp="1" noRot="1" noChangeAspect="1" noMove="1" noResize="1" noEditPoints="1" noAdjustHandles="1" noChangeArrowheads="1" noChangeShapeType="1" noTextEdit="1"/>
+          </p:cNvSpPr>
+          <p:nvPr>
+            <p:extLst>
+              <p:ext uri="{386F3935-93C4-4BCD-93E2-E3B085C9AB24}">
+                <p16:designElem xmlns:p16="http://schemas.microsoft.com/office/powerpoint/2015/main" val="1"/>
+              </p:ext>
+            </p:extLst>
+          </p:nvPr>
+        </p:nvSpPr>
+        <p:spPr>
+          <a:xfrm>
+            <a:off x="11292840" y="0"/>
+            <a:ext cx="914400" cy="6858000"/>
+          </a:xfrm>
+          <a:prstGeom prst="rect">
+            <a:avLst/>
+          </a:prstGeom>
+          <a:solidFill>
+            <a:srgbClr val="303030"/>
+          </a:solidFill>
+          <a:ln>
+            <a:noFill/>
+          </a:ln>
+        </p:spPr>
+        <p:style>
+          <a:lnRef idx="2">
+            <a:schemeClr val="accent1">
+              <a:shade val="50000"/>
+            </a:schemeClr>
+          </a:lnRef>
+          <a:fillRef idx="1">
+            <a:schemeClr val="accent1"/>
+          </a:fillRef>
+          <a:effectRef idx="0">
+            <a:schemeClr val="accent1"/>
+          </a:effectRef>
+          <a:fontRef idx="minor">
+            <a:schemeClr val="lt1"/>
+          </a:fontRef>
+        </p:style>
+        <p:txBody>
+          <a:bodyPr/>
+          <a:lstStyle/>
+          <a:p>
+            <a:endParaRPr lang="en-GB"/>
+          </a:p>
+        </p:txBody>
+      </p:sp>
+      <p:sp>
+        <p:nvSpPr>
+          <p:cNvPr id="14" name="Rectangle 13">
+            <a:extLst>
+              <a:ext uri="{FF2B5EF4-FFF2-40B4-BE49-F238E27FC236}">
+                <a16:creationId xmlns:a16="http://schemas.microsoft.com/office/drawing/2014/main" id="{09864F09-1AA0-216D-E8F8-A54973F31EB8}"/>
+              </a:ext>
+              <a:ext uri="{C183D7F6-B498-43B3-948B-1728B52AA6E4}">
+                <adec:decorative xmlns:adec="http://schemas.microsoft.com/office/drawing/2017/decorative" val="1"/>
+              </a:ext>
+            </a:extLst>
+          </p:cNvPr>
+          <p:cNvSpPr>
+            <a:spLocks noGrp="1" noRot="1" noChangeAspect="1" noMove="1" noResize="1" noEditPoints="1" noAdjustHandles="1" noChangeArrowheads="1" noChangeShapeType="1" noTextEdit="1"/>
+          </p:cNvSpPr>
+          <p:nvPr>
+            <p:extLst>
+              <p:ext uri="{386F3935-93C4-4BCD-93E2-E3B085C9AB24}">
+                <p16:designElem xmlns:p16="http://schemas.microsoft.com/office/powerpoint/2015/main" val="1"/>
+              </p:ext>
+            </p:extLst>
+          </p:nvPr>
+        </p:nvSpPr>
+        <p:spPr>
+          <a:xfrm>
+            <a:off x="0" y="0"/>
+            <a:ext cx="457200" cy="6858000"/>
+          </a:xfrm>
+          <a:prstGeom prst="rect">
+            <a:avLst/>
+          </a:prstGeom>
+          <a:solidFill>
+            <a:srgbClr val="303030"/>
+          </a:solidFill>
+          <a:ln>
+            <a:noFill/>
+          </a:ln>
+        </p:spPr>
+        <p:style>
+          <a:lnRef idx="2">
+            <a:schemeClr val="accent1">
+              <a:shade val="50000"/>
+            </a:schemeClr>
+          </a:lnRef>
+          <a:fillRef idx="1">
+            <a:schemeClr val="accent1"/>
+          </a:fillRef>
+          <a:effectRef idx="0">
+            <a:schemeClr val="accent1"/>
+          </a:effectRef>
+          <a:fontRef idx="minor">
+            <a:schemeClr val="lt1"/>
+          </a:fontRef>
+        </p:style>
+        <p:txBody>
+          <a:bodyPr/>
+          <a:lstStyle/>
+          <a:p>
+            <a:endParaRPr lang="en-GB"/>
+          </a:p>
+        </p:txBody>
+      </p:sp>
+      <p:sp>
+        <p:nvSpPr>
+          <p:cNvPr id="2" name="Title 1">
+            <a:extLst>
+              <a:ext uri="{FF2B5EF4-FFF2-40B4-BE49-F238E27FC236}">
+                <a16:creationId xmlns:a16="http://schemas.microsoft.com/office/drawing/2014/main" id="{BE5C5300-542B-05AC-51C4-707416653CEC}"/>
+              </a:ext>
+            </a:extLst>
+          </p:cNvPr>
+          <p:cNvSpPr>
+            <a:spLocks noGrp="1"/>
+          </p:cNvSpPr>
+          <p:nvPr>
+            <p:ph type="title"/>
+          </p:nvPr>
+        </p:nvSpPr>
+        <p:spPr>
+          <a:xfrm>
+            <a:off x="8110366" y="65132"/>
+            <a:ext cx="3085398" cy="2456688"/>
+          </a:xfrm>
+        </p:spPr>
+        <p:txBody>
+          <a:bodyPr vert="horz" lIns="91440" tIns="45720" rIns="91440" bIns="45720" rtlCol="0" anchor="t">
+            <a:normAutofit/>
+          </a:bodyPr>
+          <a:lstStyle/>
+          <a:p>
+            <a:pPr>
+              <a:lnSpc>
+                <a:spcPct val="85000"/>
+              </a:lnSpc>
+            </a:pPr>
+            <a:r>
+              <a:rPr lang="en-US" sz="5400" dirty="0"/>
+              <a:t>Time To Get To Work!</a:t>
+            </a:r>
+          </a:p>
+        </p:txBody>
+      </p:sp>
+      <p:sp>
+        <p:nvSpPr>
+          <p:cNvPr id="16" name="Rectangle 15">
+            <a:extLst>
+              <a:ext uri="{FF2B5EF4-FFF2-40B4-BE49-F238E27FC236}">
+                <a16:creationId xmlns:a16="http://schemas.microsoft.com/office/drawing/2014/main" id="{C32D16D0-6024-C609-F9A2-862F7907C68A}"/>
+              </a:ext>
+              <a:ext uri="{C183D7F6-B498-43B3-948B-1728B52AA6E4}">
+                <adec:decorative xmlns:adec="http://schemas.microsoft.com/office/drawing/2017/decorative" val="1"/>
+              </a:ext>
+            </a:extLst>
+          </p:cNvPr>
+          <p:cNvSpPr>
+            <a:spLocks noGrp="1" noRot="1" noChangeAspect="1" noMove="1" noResize="1" noEditPoints="1" noAdjustHandles="1" noChangeArrowheads="1" noChangeShapeType="1" noTextEdit="1"/>
+          </p:cNvSpPr>
+          <p:nvPr>
+            <p:extLst>
+              <p:ext uri="{386F3935-93C4-4BCD-93E2-E3B085C9AB24}">
+                <p16:designElem xmlns:p16="http://schemas.microsoft.com/office/powerpoint/2015/main" val="1"/>
+              </p:ext>
+            </p:extLst>
+          </p:nvPr>
+        </p:nvSpPr>
+        <p:spPr>
+          <a:xfrm>
+            <a:off x="452283" y="0"/>
+            <a:ext cx="7561007" cy="6858000"/>
+          </a:xfrm>
+          <a:prstGeom prst="rect">
+            <a:avLst/>
+          </a:prstGeom>
+          <a:solidFill>
+            <a:srgbClr val="FFFFFF"/>
+          </a:solidFill>
+          <a:ln>
+            <a:noFill/>
+          </a:ln>
+        </p:spPr>
+        <p:style>
+          <a:lnRef idx="2">
+            <a:schemeClr val="accent1">
+              <a:shade val="50000"/>
+            </a:schemeClr>
+          </a:lnRef>
+          <a:fillRef idx="1">
+            <a:schemeClr val="accent1"/>
+          </a:fillRef>
+          <a:effectRef idx="0">
+            <a:schemeClr val="accent1"/>
+          </a:effectRef>
+          <a:fontRef idx="minor">
+            <a:schemeClr val="lt1"/>
+          </a:fontRef>
+        </p:style>
+        <p:txBody>
+          <a:bodyPr rtlCol="0" anchor="ctr"/>
+          <a:lstStyle/>
+          <a:p>
+            <a:pPr algn="ctr"/>
+            <a:endParaRPr lang="en-US"/>
+          </a:p>
+        </p:txBody>
+      </p:sp>
+      <p:pic>
+        <p:nvPicPr>
+          <p:cNvPr id="7" name="Content Placeholder 6">
+            <a:extLst>
+              <a:ext uri="{FF2B5EF4-FFF2-40B4-BE49-F238E27FC236}">
+                <a16:creationId xmlns:a16="http://schemas.microsoft.com/office/drawing/2014/main" id="{4A93F5DA-C5FE-DE3E-0DCF-5266A45FB82C}"/>
+              </a:ext>
+            </a:extLst>
+          </p:cNvPr>
+          <p:cNvPicPr>
+            <a:picLocks noGrp="1" noChangeAspect="1"/>
+          </p:cNvPicPr>
+          <p:nvPr>
+            <p:ph idx="1"/>
+          </p:nvPr>
+        </p:nvPicPr>
+        <p:blipFill>
+          <a:blip r:embed="rId2">
+            <a:extLst>
+              <a:ext uri="{28A0092B-C50C-407E-A947-70E740481C1C}">
+                <a14:useLocalDpi xmlns:a14="http://schemas.microsoft.com/office/drawing/2010/main" val="0"/>
+              </a:ext>
+              <a:ext uri="{96DAC541-7B7A-43D3-8B79-37D633B846F1}">
+                <asvg:svgBlip xmlns:asvg="http://schemas.microsoft.com/office/drawing/2016/SVG/main" r:embed="rId3"/>
+              </a:ext>
+            </a:extLst>
+          </a:blip>
+          <a:stretch>
+            <a:fillRect/>
+          </a:stretch>
+        </p:blipFill>
+        <p:spPr>
+          <a:xfrm>
+            <a:off x="651352" y="39471"/>
+            <a:ext cx="7183677" cy="6787727"/>
+          </a:xfrm>
+          <a:prstGeom prst="rect">
+            <a:avLst/>
+          </a:prstGeom>
+        </p:spPr>
+      </p:pic>
+    </p:spTree>
+    <p:extLst>
+      <p:ext uri="{BB962C8B-B14F-4D97-AF65-F5344CB8AC3E}">
+        <p14:creationId xmlns:p14="http://schemas.microsoft.com/office/powerpoint/2010/main" val="1000776134"/>
+      </p:ext>
+    </p:extLst>
+  </p:cSld>
+  <p:clrMapOvr>
+    <a:masterClrMapping/>
+  </p:clrMapOvr>
+  <mc:AlternateContent xmlns:mc="http://schemas.openxmlformats.org/markup-compatibility/2006" xmlns:p159="http://schemas.microsoft.com/office/powerpoint/2015/09/main">
+    <mc:Choice Requires="p159">
+      <p:transition xmlns:p14="http://schemas.microsoft.com/office/powerpoint/2010/main" spd="slow" p14:dur="2000">
+        <p159:morph option="byObject"/>
+      </p:transition>
+    </mc:Choice>
+    <mc:Fallback xmlns="">
+      <p:transition spd="slow">
+        <p:fade/>
+      </p:transition>
+    </mc:Fallback>
+  </mc:AlternateContent>
+</p:sld>
+</file>
+
+<file path=ppt/slides/slide12.xml><?xml version="1.0" encoding="utf-8"?>
+<p:sld xmlns:a="http://schemas.openxmlformats.org/drawingml/2006/main" xmlns:r="http://schemas.openxmlformats.org/officeDocument/2006/relationships" xmlns:p="http://schemas.openxmlformats.org/presentationml/2006/main">
+  <p:cSld>
+    <p:bg>
+      <p:bgPr>
+        <a:solidFill>
+          <a:schemeClr val="bg1"/>
+        </a:solidFill>
+        <a:effectLst/>
+      </p:bgPr>
+    </p:bg>
+    <p:spTree>
+      <p:nvGrpSpPr>
+        <p:cNvPr id="1" name="">
+          <a:extLst>
+            <a:ext uri="{FF2B5EF4-FFF2-40B4-BE49-F238E27FC236}">
+              <a16:creationId xmlns:a16="http://schemas.microsoft.com/office/drawing/2014/main" id="{986E5BFF-C074-72DB-E48E-6E673850EA58}"/>
+            </a:ext>
+          </a:extLst>
+        </p:cNvPr>
+        <p:cNvGrpSpPr/>
+        <p:nvPr/>
+      </p:nvGrpSpPr>
+      <p:grpSpPr>
+        <a:xfrm>
+          <a:off x="0" y="0"/>
+          <a:ext cx="0" cy="0"/>
+          <a:chOff x="0" y="0"/>
+          <a:chExt cx="0" cy="0"/>
+        </a:xfrm>
+      </p:grpSpPr>
+      <p:sp>
+        <p:nvSpPr>
+          <p:cNvPr id="3" name="Rectangle 2">
+            <a:extLst>
+              <a:ext uri="{FF2B5EF4-FFF2-40B4-BE49-F238E27FC236}">
+                <a16:creationId xmlns:a16="http://schemas.microsoft.com/office/drawing/2014/main" id="{2CC67451-9E13-6C41-136B-19B7B2C24DFB}"/>
+              </a:ext>
+            </a:extLst>
+          </p:cNvPr>
+          <p:cNvSpPr/>
+          <p:nvPr/>
+        </p:nvSpPr>
+        <p:spPr>
+          <a:xfrm>
+            <a:off x="582084" y="0"/>
+            <a:ext cx="7306322" cy="6858000"/>
+          </a:xfrm>
+          <a:prstGeom prst="rect">
+            <a:avLst/>
+          </a:prstGeom>
+          <a:solidFill>
+            <a:schemeClr val="tx1"/>
+          </a:solidFill>
+          <a:ln>
+            <a:solidFill>
+              <a:schemeClr val="tx1"/>
+            </a:solidFill>
+          </a:ln>
+        </p:spPr>
+        <p:style>
+          <a:lnRef idx="2">
+            <a:schemeClr val="accent1">
+              <a:shade val="15000"/>
+            </a:schemeClr>
+          </a:lnRef>
+          <a:fillRef idx="1">
+            <a:schemeClr val="accent1"/>
+          </a:fillRef>
+          <a:effectRef idx="0">
+            <a:schemeClr val="accent1"/>
+          </a:effectRef>
+          <a:fontRef idx="minor">
+            <a:schemeClr val="lt1"/>
+          </a:fontRef>
+        </p:style>
+        <p:txBody>
+          <a:bodyPr rtlCol="0" anchor="ctr"/>
+          <a:lstStyle/>
+          <a:p>
+            <a:pPr algn="ctr"/>
+            <a:endParaRPr lang="en-GB"/>
+          </a:p>
+        </p:txBody>
+      </p:sp>
+      <p:sp>
+        <p:nvSpPr>
+          <p:cNvPr id="12" name="Rectangle 11">
+            <a:extLst>
+              <a:ext uri="{FF2B5EF4-FFF2-40B4-BE49-F238E27FC236}">
+                <a16:creationId xmlns:a16="http://schemas.microsoft.com/office/drawing/2014/main" id="{FEDFB142-7918-26B5-76F3-A5A6CB62249F}"/>
+              </a:ext>
+              <a:ext uri="{C183D7F6-B498-43B3-948B-1728B52AA6E4}">
+                <adec:decorative xmlns:adec="http://schemas.microsoft.com/office/drawing/2017/decorative" val="1"/>
+              </a:ext>
+            </a:extLst>
+          </p:cNvPr>
+          <p:cNvSpPr>
+            <a:spLocks noGrp="1" noRot="1" noChangeAspect="1" noMove="1" noResize="1" noEditPoints="1" noAdjustHandles="1" noChangeArrowheads="1" noChangeShapeType="1" noTextEdit="1"/>
+          </p:cNvSpPr>
+          <p:nvPr>
+            <p:extLst>
+              <p:ext uri="{386F3935-93C4-4BCD-93E2-E3B085C9AB24}">
+                <p16:designElem xmlns:p16="http://schemas.microsoft.com/office/powerpoint/2015/main" val="1"/>
+              </p:ext>
+            </p:extLst>
+          </p:nvPr>
+        </p:nvSpPr>
+        <p:spPr>
+          <a:xfrm>
+            <a:off x="11292840" y="0"/>
+            <a:ext cx="914400" cy="6858000"/>
+          </a:xfrm>
+          <a:prstGeom prst="rect">
+            <a:avLst/>
+          </a:prstGeom>
+          <a:solidFill>
+            <a:srgbClr val="303030"/>
+          </a:solidFill>
+          <a:ln>
+            <a:noFill/>
+          </a:ln>
+        </p:spPr>
+        <p:style>
+          <a:lnRef idx="2">
+            <a:schemeClr val="accent1">
+              <a:shade val="50000"/>
+            </a:schemeClr>
+          </a:lnRef>
+          <a:fillRef idx="1">
+            <a:schemeClr val="accent1"/>
+          </a:fillRef>
+          <a:effectRef idx="0">
+            <a:schemeClr val="accent1"/>
+          </a:effectRef>
+          <a:fontRef idx="minor">
+            <a:schemeClr val="lt1"/>
+          </a:fontRef>
+        </p:style>
+        <p:txBody>
+          <a:bodyPr/>
+          <a:lstStyle/>
+          <a:p>
+            <a:endParaRPr lang="en-GB"/>
+          </a:p>
+        </p:txBody>
+      </p:sp>
+      <p:sp>
+        <p:nvSpPr>
+          <p:cNvPr id="14" name="Rectangle 13">
+            <a:extLst>
+              <a:ext uri="{FF2B5EF4-FFF2-40B4-BE49-F238E27FC236}">
+                <a16:creationId xmlns:a16="http://schemas.microsoft.com/office/drawing/2014/main" id="{50A6BBD3-8D39-2EBA-7300-FFF529BA4360}"/>
+              </a:ext>
+              <a:ext uri="{C183D7F6-B498-43B3-948B-1728B52AA6E4}">
+                <adec:decorative xmlns:adec="http://schemas.microsoft.com/office/drawing/2017/decorative" val="1"/>
+              </a:ext>
+            </a:extLst>
+          </p:cNvPr>
+          <p:cNvSpPr>
+            <a:spLocks noGrp="1" noRot="1" noChangeAspect="1" noMove="1" noResize="1" noEditPoints="1" noAdjustHandles="1" noChangeArrowheads="1" noChangeShapeType="1" noTextEdit="1"/>
+          </p:cNvSpPr>
+          <p:nvPr>
+            <p:extLst>
+              <p:ext uri="{386F3935-93C4-4BCD-93E2-E3B085C9AB24}">
+                <p16:designElem xmlns:p16="http://schemas.microsoft.com/office/powerpoint/2015/main" val="1"/>
+              </p:ext>
+            </p:extLst>
+          </p:nvPr>
+        </p:nvSpPr>
+        <p:spPr>
+          <a:xfrm>
+            <a:off x="0" y="0"/>
+            <a:ext cx="457200" cy="6858000"/>
+          </a:xfrm>
+          <a:prstGeom prst="rect">
+            <a:avLst/>
+          </a:prstGeom>
+          <a:solidFill>
+            <a:srgbClr val="303030"/>
+          </a:solidFill>
+          <a:ln>
+            <a:noFill/>
+          </a:ln>
+        </p:spPr>
+        <p:style>
+          <a:lnRef idx="2">
+            <a:schemeClr val="accent1">
+              <a:shade val="50000"/>
+            </a:schemeClr>
+          </a:lnRef>
+          <a:fillRef idx="1">
+            <a:schemeClr val="accent1"/>
+          </a:fillRef>
+          <a:effectRef idx="0">
+            <a:schemeClr val="accent1"/>
+          </a:effectRef>
+          <a:fontRef idx="minor">
+            <a:schemeClr val="lt1"/>
+          </a:fontRef>
+        </p:style>
+        <p:txBody>
+          <a:bodyPr/>
+          <a:lstStyle/>
+          <a:p>
+            <a:endParaRPr lang="en-GB"/>
+          </a:p>
+        </p:txBody>
+      </p:sp>
+      <p:sp>
+        <p:nvSpPr>
+          <p:cNvPr id="2" name="Title 1">
+            <a:extLst>
+              <a:ext uri="{FF2B5EF4-FFF2-40B4-BE49-F238E27FC236}">
+                <a16:creationId xmlns:a16="http://schemas.microsoft.com/office/drawing/2014/main" id="{5D45F254-5EE8-716B-201C-9A4A111957EB}"/>
+              </a:ext>
+            </a:extLst>
+          </p:cNvPr>
+          <p:cNvSpPr>
+            <a:spLocks noGrp="1"/>
+          </p:cNvSpPr>
+          <p:nvPr>
+            <p:ph type="title"/>
+          </p:nvPr>
+        </p:nvSpPr>
+        <p:spPr>
+          <a:xfrm>
+            <a:off x="8110366" y="65132"/>
+            <a:ext cx="3085398" cy="2703468"/>
+          </a:xfrm>
+        </p:spPr>
+        <p:txBody>
+          <a:bodyPr vert="horz" lIns="91440" tIns="45720" rIns="91440" bIns="45720" rtlCol="0" anchor="t">
+            <a:normAutofit fontScale="90000"/>
+          </a:bodyPr>
+          <a:lstStyle/>
+          <a:p>
+            <a:pPr>
+              <a:lnSpc>
+                <a:spcPct val="85000"/>
+              </a:lnSpc>
+            </a:pPr>
+            <a:r>
+              <a:rPr lang="en-US" sz="5400" dirty="0"/>
+              <a:t>Let’s Start Bottom Up</a:t>
+            </a:r>
+          </a:p>
+        </p:txBody>
+      </p:sp>
+      <p:sp>
+        <p:nvSpPr>
+          <p:cNvPr id="16" name="Rectangle 15">
+            <a:extLst>
+              <a:ext uri="{FF2B5EF4-FFF2-40B4-BE49-F238E27FC236}">
+                <a16:creationId xmlns:a16="http://schemas.microsoft.com/office/drawing/2014/main" id="{B891A59D-0E02-FFAB-CC3C-23B01A32FBF3}"/>
+              </a:ext>
+              <a:ext uri="{C183D7F6-B498-43B3-948B-1728B52AA6E4}">
+                <adec:decorative xmlns:adec="http://schemas.microsoft.com/office/drawing/2017/decorative" val="1"/>
+              </a:ext>
+            </a:extLst>
+          </p:cNvPr>
+          <p:cNvSpPr>
+            <a:spLocks noGrp="1" noRot="1" noChangeAspect="1" noMove="1" noResize="1" noEditPoints="1" noAdjustHandles="1" noChangeArrowheads="1" noChangeShapeType="1" noTextEdit="1"/>
+          </p:cNvSpPr>
+          <p:nvPr>
+            <p:extLst>
+              <p:ext uri="{386F3935-93C4-4BCD-93E2-E3B085C9AB24}">
+                <p16:designElem xmlns:p16="http://schemas.microsoft.com/office/powerpoint/2015/main" val="1"/>
+              </p:ext>
+            </p:extLst>
+          </p:nvPr>
+        </p:nvSpPr>
+        <p:spPr>
+          <a:xfrm>
+            <a:off x="452283" y="0"/>
+            <a:ext cx="7561007" cy="6858000"/>
+          </a:xfrm>
+          <a:prstGeom prst="rect">
+            <a:avLst/>
+          </a:prstGeom>
+          <a:solidFill>
+            <a:srgbClr val="FFFFFF"/>
+          </a:solidFill>
+          <a:ln>
+            <a:noFill/>
+          </a:ln>
+        </p:spPr>
+        <p:style>
+          <a:lnRef idx="2">
+            <a:schemeClr val="accent1">
+              <a:shade val="50000"/>
+            </a:schemeClr>
+          </a:lnRef>
+          <a:fillRef idx="1">
+            <a:schemeClr val="accent1"/>
+          </a:fillRef>
+          <a:effectRef idx="0">
+            <a:schemeClr val="accent1"/>
+          </a:effectRef>
+          <a:fontRef idx="minor">
+            <a:schemeClr val="lt1"/>
+          </a:fontRef>
+        </p:style>
+        <p:txBody>
+          <a:bodyPr rtlCol="0" anchor="ctr"/>
+          <a:lstStyle/>
+          <a:p>
+            <a:pPr algn="ctr"/>
+            <a:endParaRPr lang="en-US"/>
+          </a:p>
+        </p:txBody>
+      </p:sp>
+      <p:pic>
+        <p:nvPicPr>
+          <p:cNvPr id="19" name="Content Placeholder 18">
+            <a:extLst>
+              <a:ext uri="{FF2B5EF4-FFF2-40B4-BE49-F238E27FC236}">
+                <a16:creationId xmlns:a16="http://schemas.microsoft.com/office/drawing/2014/main" id="{B953DD2D-652C-57A6-633B-DB3D77810892}"/>
+              </a:ext>
+            </a:extLst>
+          </p:cNvPr>
+          <p:cNvPicPr>
+            <a:picLocks noGrp="1" noChangeAspect="1"/>
+          </p:cNvPicPr>
+          <p:nvPr>
+            <p:ph idx="1"/>
+          </p:nvPr>
+        </p:nvPicPr>
+        <p:blipFill>
+          <a:blip r:embed="rId2">
+            <a:extLst>
+              <a:ext uri="{28A0092B-C50C-407E-A947-70E740481C1C}">
+                <a14:useLocalDpi xmlns:a14="http://schemas.microsoft.com/office/drawing/2010/main" val="0"/>
+              </a:ext>
+              <a:ext uri="{96DAC541-7B7A-43D3-8B79-37D633B846F1}">
+                <asvg:svgBlip xmlns:asvg="http://schemas.microsoft.com/office/drawing/2016/SVG/main" r:embed="rId3"/>
+              </a:ext>
+            </a:extLst>
+          </a:blip>
+          <a:stretch>
+            <a:fillRect/>
+          </a:stretch>
+        </p:blipFill>
+        <p:spPr>
+          <a:xfrm>
+            <a:off x="600943" y="1707686"/>
+            <a:ext cx="7349905" cy="3442628"/>
+          </a:xfrm>
+        </p:spPr>
+      </p:pic>
+    </p:spTree>
+    <p:extLst>
+      <p:ext uri="{BB962C8B-B14F-4D97-AF65-F5344CB8AC3E}">
+        <p14:creationId xmlns:p14="http://schemas.microsoft.com/office/powerpoint/2010/main" val="3476892523"/>
+      </p:ext>
+    </p:extLst>
+  </p:cSld>
+  <p:clrMapOvr>
+    <a:masterClrMapping/>
+  </p:clrMapOvr>
+  <mc:AlternateContent xmlns:mc="http://schemas.openxmlformats.org/markup-compatibility/2006" xmlns:p159="http://schemas.microsoft.com/office/powerpoint/2015/09/main">
+    <mc:Choice Requires="p159">
+      <p:transition xmlns:p14="http://schemas.microsoft.com/office/powerpoint/2010/main" spd="slow" p14:dur="2000">
+        <p159:morph option="byObject"/>
+      </p:transition>
+    </mc:Choice>
+    <mc:Fallback xmlns="">
+      <p:transition spd="slow">
+        <p:fade/>
+      </p:transition>
+    </mc:Fallback>
+  </mc:AlternateContent>
+</p:sld>
+</file>
+
+<file path=ppt/slides/slide13.xml><?xml version="1.0" encoding="utf-8"?>
+<p:sld xmlns:a="http://schemas.openxmlformats.org/drawingml/2006/main" xmlns:r="http://schemas.openxmlformats.org/officeDocument/2006/relationships" xmlns:p="http://schemas.openxmlformats.org/presentationml/2006/main">
+  <p:cSld>
+    <p:bg>
+      <p:bgPr>
+        <a:solidFill>
+          <a:schemeClr val="bg1"/>
+        </a:solidFill>
+        <a:effectLst/>
+      </p:bgPr>
+    </p:bg>
+    <p:spTree>
+      <p:nvGrpSpPr>
+        <p:cNvPr id="1" name="">
+          <a:extLst>
+            <a:ext uri="{FF2B5EF4-FFF2-40B4-BE49-F238E27FC236}">
+              <a16:creationId xmlns:a16="http://schemas.microsoft.com/office/drawing/2014/main" id="{2AB1C9E4-05DB-BE85-5F1E-8FB66F08339B}"/>
+            </a:ext>
+          </a:extLst>
+        </p:cNvPr>
+        <p:cNvGrpSpPr/>
+        <p:nvPr/>
+      </p:nvGrpSpPr>
+      <p:grpSpPr>
+        <a:xfrm>
+          <a:off x="0" y="0"/>
+          <a:ext cx="0" cy="0"/>
+          <a:chOff x="0" y="0"/>
+          <a:chExt cx="0" cy="0"/>
+        </a:xfrm>
+      </p:grpSpPr>
+      <p:sp>
+        <p:nvSpPr>
+          <p:cNvPr id="3" name="Rectangle 2">
+            <a:extLst>
+              <a:ext uri="{FF2B5EF4-FFF2-40B4-BE49-F238E27FC236}">
+                <a16:creationId xmlns:a16="http://schemas.microsoft.com/office/drawing/2014/main" id="{674EA114-A709-5132-01C1-278A903B9FC2}"/>
+              </a:ext>
+            </a:extLst>
+          </p:cNvPr>
+          <p:cNvSpPr/>
+          <p:nvPr/>
+        </p:nvSpPr>
+        <p:spPr>
+          <a:xfrm>
+            <a:off x="582084" y="0"/>
+            <a:ext cx="7306322" cy="6858000"/>
+          </a:xfrm>
+          <a:prstGeom prst="rect">
+            <a:avLst/>
+          </a:prstGeom>
+          <a:solidFill>
+            <a:schemeClr val="tx1"/>
+          </a:solidFill>
+          <a:ln>
+            <a:solidFill>
+              <a:schemeClr val="tx1"/>
+            </a:solidFill>
+          </a:ln>
+        </p:spPr>
+        <p:style>
+          <a:lnRef idx="2">
+            <a:schemeClr val="accent1">
+              <a:shade val="15000"/>
+            </a:schemeClr>
+          </a:lnRef>
+          <a:fillRef idx="1">
+            <a:schemeClr val="accent1"/>
+          </a:fillRef>
+          <a:effectRef idx="0">
+            <a:schemeClr val="accent1"/>
+          </a:effectRef>
+          <a:fontRef idx="minor">
+            <a:schemeClr val="lt1"/>
+          </a:fontRef>
+        </p:style>
+        <p:txBody>
+          <a:bodyPr rtlCol="0" anchor="ctr"/>
+          <a:lstStyle/>
+          <a:p>
+            <a:pPr algn="ctr"/>
+            <a:endParaRPr lang="en-GB"/>
+          </a:p>
+        </p:txBody>
+      </p:sp>
+      <p:sp>
+        <p:nvSpPr>
+          <p:cNvPr id="12" name="Rectangle 11">
+            <a:extLst>
+              <a:ext uri="{FF2B5EF4-FFF2-40B4-BE49-F238E27FC236}">
+                <a16:creationId xmlns:a16="http://schemas.microsoft.com/office/drawing/2014/main" id="{A36FD8CC-05F0-9A73-80D7-0E668C228FDE}"/>
+              </a:ext>
+              <a:ext uri="{C183D7F6-B498-43B3-948B-1728B52AA6E4}">
+                <adec:decorative xmlns:adec="http://schemas.microsoft.com/office/drawing/2017/decorative" val="1"/>
+              </a:ext>
+            </a:extLst>
+          </p:cNvPr>
+          <p:cNvSpPr>
+            <a:spLocks noGrp="1" noRot="1" noChangeAspect="1" noMove="1" noResize="1" noEditPoints="1" noAdjustHandles="1" noChangeArrowheads="1" noChangeShapeType="1" noTextEdit="1"/>
+          </p:cNvSpPr>
+          <p:nvPr>
+            <p:extLst>
+              <p:ext uri="{386F3935-93C4-4BCD-93E2-E3B085C9AB24}">
+                <p16:designElem xmlns:p16="http://schemas.microsoft.com/office/powerpoint/2015/main" val="1"/>
+              </p:ext>
+            </p:extLst>
+          </p:nvPr>
+        </p:nvSpPr>
+        <p:spPr>
+          <a:xfrm>
+            <a:off x="11292840" y="0"/>
+            <a:ext cx="914400" cy="6858000"/>
+          </a:xfrm>
+          <a:prstGeom prst="rect">
+            <a:avLst/>
+          </a:prstGeom>
+          <a:solidFill>
+            <a:srgbClr val="303030"/>
+          </a:solidFill>
+          <a:ln>
+            <a:noFill/>
+          </a:ln>
+        </p:spPr>
+        <p:style>
+          <a:lnRef idx="2">
+            <a:schemeClr val="accent1">
+              <a:shade val="50000"/>
+            </a:schemeClr>
+          </a:lnRef>
+          <a:fillRef idx="1">
+            <a:schemeClr val="accent1"/>
+          </a:fillRef>
+          <a:effectRef idx="0">
+            <a:schemeClr val="accent1"/>
+          </a:effectRef>
+          <a:fontRef idx="minor">
+            <a:schemeClr val="lt1"/>
+          </a:fontRef>
+        </p:style>
+        <p:txBody>
+          <a:bodyPr/>
+          <a:lstStyle/>
+          <a:p>
+            <a:endParaRPr lang="en-GB"/>
+          </a:p>
+        </p:txBody>
+      </p:sp>
+      <p:sp>
+        <p:nvSpPr>
+          <p:cNvPr id="14" name="Rectangle 13">
+            <a:extLst>
+              <a:ext uri="{FF2B5EF4-FFF2-40B4-BE49-F238E27FC236}">
+                <a16:creationId xmlns:a16="http://schemas.microsoft.com/office/drawing/2014/main" id="{BA55F0CD-936C-3379-EB59-145F55D0CA76}"/>
+              </a:ext>
+              <a:ext uri="{C183D7F6-B498-43B3-948B-1728B52AA6E4}">
+                <adec:decorative xmlns:adec="http://schemas.microsoft.com/office/drawing/2017/decorative" val="1"/>
+              </a:ext>
+            </a:extLst>
+          </p:cNvPr>
+          <p:cNvSpPr>
+            <a:spLocks noGrp="1" noRot="1" noChangeAspect="1" noMove="1" noResize="1" noEditPoints="1" noAdjustHandles="1" noChangeArrowheads="1" noChangeShapeType="1" noTextEdit="1"/>
+          </p:cNvSpPr>
+          <p:nvPr>
+            <p:extLst>
+              <p:ext uri="{386F3935-93C4-4BCD-93E2-E3B085C9AB24}">
+                <p16:designElem xmlns:p16="http://schemas.microsoft.com/office/powerpoint/2015/main" val="1"/>
+              </p:ext>
+            </p:extLst>
+          </p:nvPr>
+        </p:nvSpPr>
+        <p:spPr>
+          <a:xfrm>
+            <a:off x="0" y="0"/>
+            <a:ext cx="457200" cy="6858000"/>
+          </a:xfrm>
+          <a:prstGeom prst="rect">
+            <a:avLst/>
+          </a:prstGeom>
+          <a:solidFill>
+            <a:srgbClr val="303030"/>
+          </a:solidFill>
+          <a:ln>
+            <a:noFill/>
+          </a:ln>
+        </p:spPr>
+        <p:style>
+          <a:lnRef idx="2">
+            <a:schemeClr val="accent1">
+              <a:shade val="50000"/>
+            </a:schemeClr>
+          </a:lnRef>
+          <a:fillRef idx="1">
+            <a:schemeClr val="accent1"/>
+          </a:fillRef>
+          <a:effectRef idx="0">
+            <a:schemeClr val="accent1"/>
+          </a:effectRef>
+          <a:fontRef idx="minor">
+            <a:schemeClr val="lt1"/>
+          </a:fontRef>
+        </p:style>
+        <p:txBody>
+          <a:bodyPr/>
+          <a:lstStyle/>
+          <a:p>
+            <a:endParaRPr lang="en-GB"/>
+          </a:p>
+        </p:txBody>
+      </p:sp>
+      <p:sp>
+        <p:nvSpPr>
+          <p:cNvPr id="2" name="Title 1">
+            <a:extLst>
+              <a:ext uri="{FF2B5EF4-FFF2-40B4-BE49-F238E27FC236}">
+                <a16:creationId xmlns:a16="http://schemas.microsoft.com/office/drawing/2014/main" id="{58600280-D2AC-E650-A128-B33B1682FE26}"/>
+              </a:ext>
+            </a:extLst>
+          </p:cNvPr>
+          <p:cNvSpPr>
+            <a:spLocks noGrp="1"/>
+          </p:cNvSpPr>
+          <p:nvPr>
+            <p:ph type="title"/>
+          </p:nvPr>
+        </p:nvSpPr>
+        <p:spPr>
+          <a:xfrm>
+            <a:off x="8110366" y="65132"/>
+            <a:ext cx="3085398" cy="2456688"/>
+          </a:xfrm>
+        </p:spPr>
+        <p:txBody>
+          <a:bodyPr vert="horz" lIns="91440" tIns="45720" rIns="91440" bIns="45720" rtlCol="0" anchor="t">
+            <a:normAutofit fontScale="90000"/>
+          </a:bodyPr>
+          <a:lstStyle/>
+          <a:p>
+            <a:pPr>
+              <a:lnSpc>
+                <a:spcPct val="85000"/>
+              </a:lnSpc>
+            </a:pPr>
+            <a:r>
+              <a:rPr lang="en-US" sz="5400" dirty="0"/>
+              <a:t>Let’s swap the card out for an interface with a concrete implementation</a:t>
+            </a:r>
+          </a:p>
+        </p:txBody>
+      </p:sp>
+      <p:sp>
+        <p:nvSpPr>
+          <p:cNvPr id="16" name="Rectangle 15">
+            <a:extLst>
+              <a:ext uri="{FF2B5EF4-FFF2-40B4-BE49-F238E27FC236}">
+                <a16:creationId xmlns:a16="http://schemas.microsoft.com/office/drawing/2014/main" id="{A88B421C-A34A-7A2D-0DA1-93AE39B2F075}"/>
+              </a:ext>
+              <a:ext uri="{C183D7F6-B498-43B3-948B-1728B52AA6E4}">
+                <adec:decorative xmlns:adec="http://schemas.microsoft.com/office/drawing/2017/decorative" val="1"/>
+              </a:ext>
+            </a:extLst>
+          </p:cNvPr>
+          <p:cNvSpPr>
+            <a:spLocks noGrp="1" noRot="1" noChangeAspect="1" noMove="1" noResize="1" noEditPoints="1" noAdjustHandles="1" noChangeArrowheads="1" noChangeShapeType="1" noTextEdit="1"/>
+          </p:cNvSpPr>
+          <p:nvPr>
+            <p:extLst>
+              <p:ext uri="{386F3935-93C4-4BCD-93E2-E3B085C9AB24}">
+                <p16:designElem xmlns:p16="http://schemas.microsoft.com/office/powerpoint/2015/main" val="1"/>
+              </p:ext>
+            </p:extLst>
+          </p:nvPr>
+        </p:nvSpPr>
+        <p:spPr>
+          <a:xfrm>
+            <a:off x="452283" y="0"/>
+            <a:ext cx="7561007" cy="6858000"/>
+          </a:xfrm>
+          <a:prstGeom prst="rect">
+            <a:avLst/>
+          </a:prstGeom>
+          <a:solidFill>
+            <a:srgbClr val="FFFFFF"/>
+          </a:solidFill>
+          <a:ln>
+            <a:noFill/>
+          </a:ln>
+        </p:spPr>
+        <p:style>
+          <a:lnRef idx="2">
+            <a:schemeClr val="accent1">
+              <a:shade val="50000"/>
+            </a:schemeClr>
+          </a:lnRef>
+          <a:fillRef idx="1">
+            <a:schemeClr val="accent1"/>
+          </a:fillRef>
+          <a:effectRef idx="0">
+            <a:schemeClr val="accent1"/>
+          </a:effectRef>
+          <a:fontRef idx="minor">
+            <a:schemeClr val="lt1"/>
+          </a:fontRef>
+        </p:style>
+        <p:txBody>
+          <a:bodyPr rtlCol="0" anchor="ctr"/>
+          <a:lstStyle/>
+          <a:p>
+            <a:pPr algn="ctr"/>
+            <a:endParaRPr lang="en-US"/>
+          </a:p>
+        </p:txBody>
+      </p:sp>
+      <p:pic>
+        <p:nvPicPr>
+          <p:cNvPr id="7" name="Graphic 6">
+            <a:extLst>
+              <a:ext uri="{FF2B5EF4-FFF2-40B4-BE49-F238E27FC236}">
+                <a16:creationId xmlns:a16="http://schemas.microsoft.com/office/drawing/2014/main" id="{1401F71B-57AB-F359-11EC-9A5E6C190C7C}"/>
+              </a:ext>
+            </a:extLst>
+          </p:cNvPr>
+          <p:cNvPicPr>
+            <a:picLocks noChangeAspect="1"/>
+          </p:cNvPicPr>
+          <p:nvPr/>
+        </p:nvPicPr>
+        <p:blipFill>
+          <a:blip r:embed="rId2">
+            <a:extLst>
+              <a:ext uri="{28A0092B-C50C-407E-A947-70E740481C1C}">
+                <a14:useLocalDpi xmlns:a14="http://schemas.microsoft.com/office/drawing/2010/main" val="0"/>
+              </a:ext>
+              <a:ext uri="{96DAC541-7B7A-43D3-8B79-37D633B846F1}">
+                <asvg:svgBlip xmlns:asvg="http://schemas.microsoft.com/office/drawing/2016/SVG/main" r:embed="rId3"/>
+              </a:ext>
+            </a:extLst>
+          </a:blip>
+          <a:stretch>
+            <a:fillRect/>
+          </a:stretch>
+        </p:blipFill>
+        <p:spPr>
+          <a:xfrm>
+            <a:off x="554276" y="2360119"/>
+            <a:ext cx="7347757" cy="2137762"/>
+          </a:xfrm>
+          <a:prstGeom prst="rect">
+            <a:avLst/>
+          </a:prstGeom>
+        </p:spPr>
+      </p:pic>
+    </p:spTree>
+    <p:extLst>
+      <p:ext uri="{BB962C8B-B14F-4D97-AF65-F5344CB8AC3E}">
+        <p14:creationId xmlns:p14="http://schemas.microsoft.com/office/powerpoint/2010/main" val="1727413218"/>
+      </p:ext>
+    </p:extLst>
+  </p:cSld>
+  <p:clrMapOvr>
+    <a:masterClrMapping/>
+  </p:clrMapOvr>
+  <mc:AlternateContent xmlns:mc="http://schemas.openxmlformats.org/markup-compatibility/2006" xmlns:p159="http://schemas.microsoft.com/office/powerpoint/2015/09/main">
+    <mc:Choice Requires="p159">
+      <p:transition xmlns:p14="http://schemas.microsoft.com/office/powerpoint/2010/main" spd="slow" p14:dur="2000">
+        <p159:morph option="byObject"/>
+      </p:transition>
+    </mc:Choice>
+    <mc:Fallback xmlns="">
+      <p:transition spd="slow">
+        <p:fade/>
+      </p:transition>
+    </mc:Fallback>
+  </mc:AlternateContent>
+</p:sld>
+</file>
+
+<file path=ppt/slides/slide14.xml><?xml version="1.0" encoding="utf-8"?>
+<p:sld xmlns:a="http://schemas.openxmlformats.org/drawingml/2006/main" xmlns:r="http://schemas.openxmlformats.org/officeDocument/2006/relationships" xmlns:p="http://schemas.openxmlformats.org/presentationml/2006/main">
+  <p:cSld>
+    <p:bg>
+      <p:bgPr>
+        <a:solidFill>
+          <a:schemeClr val="bg1"/>
+        </a:solidFill>
+        <a:effectLst/>
+      </p:bgPr>
+    </p:bg>
+    <p:spTree>
+      <p:nvGrpSpPr>
+        <p:cNvPr id="1" name="">
+          <a:extLst>
+            <a:ext uri="{FF2B5EF4-FFF2-40B4-BE49-F238E27FC236}">
+              <a16:creationId xmlns:a16="http://schemas.microsoft.com/office/drawing/2014/main" id="{A94FB288-87B8-3BD4-658D-09BE42749EB5}"/>
+            </a:ext>
+          </a:extLst>
+        </p:cNvPr>
+        <p:cNvGrpSpPr/>
+        <p:nvPr/>
+      </p:nvGrpSpPr>
+      <p:grpSpPr>
+        <a:xfrm>
+          <a:off x="0" y="0"/>
+          <a:ext cx="0" cy="0"/>
+          <a:chOff x="0" y="0"/>
+          <a:chExt cx="0" cy="0"/>
+        </a:xfrm>
+      </p:grpSpPr>
+      <p:sp>
+        <p:nvSpPr>
+          <p:cNvPr id="3" name="Rectangle 2">
+            <a:extLst>
+              <a:ext uri="{FF2B5EF4-FFF2-40B4-BE49-F238E27FC236}">
+                <a16:creationId xmlns:a16="http://schemas.microsoft.com/office/drawing/2014/main" id="{4839AE4E-171A-F43D-ABC6-35D98EB924DE}"/>
+              </a:ext>
+            </a:extLst>
+          </p:cNvPr>
+          <p:cNvSpPr/>
+          <p:nvPr/>
+        </p:nvSpPr>
+        <p:spPr>
+          <a:xfrm>
+            <a:off x="572628" y="0"/>
+            <a:ext cx="7306322" cy="6858000"/>
+          </a:xfrm>
+          <a:prstGeom prst="rect">
+            <a:avLst/>
+          </a:prstGeom>
+          <a:solidFill>
+            <a:schemeClr val="tx1"/>
+          </a:solidFill>
+          <a:ln>
+            <a:solidFill>
+              <a:schemeClr val="tx1"/>
+            </a:solidFill>
+          </a:ln>
+        </p:spPr>
+        <p:style>
+          <a:lnRef idx="2">
+            <a:schemeClr val="accent1">
+              <a:shade val="15000"/>
+            </a:schemeClr>
+          </a:lnRef>
+          <a:fillRef idx="1">
+            <a:schemeClr val="accent1"/>
+          </a:fillRef>
+          <a:effectRef idx="0">
+            <a:schemeClr val="accent1"/>
+          </a:effectRef>
+          <a:fontRef idx="minor">
+            <a:schemeClr val="lt1"/>
+          </a:fontRef>
+        </p:style>
+        <p:txBody>
+          <a:bodyPr rtlCol="0" anchor="ctr"/>
+          <a:lstStyle/>
+          <a:p>
+            <a:pPr algn="ctr"/>
+            <a:endParaRPr lang="en-GB"/>
+          </a:p>
+        </p:txBody>
+      </p:sp>
+      <p:sp>
+        <p:nvSpPr>
+          <p:cNvPr id="12" name="Rectangle 11">
+            <a:extLst>
+              <a:ext uri="{FF2B5EF4-FFF2-40B4-BE49-F238E27FC236}">
+                <a16:creationId xmlns:a16="http://schemas.microsoft.com/office/drawing/2014/main" id="{C621A8B8-6912-2CB8-29A3-1B0077780577}"/>
+              </a:ext>
+              <a:ext uri="{C183D7F6-B498-43B3-948B-1728B52AA6E4}">
+                <adec:decorative xmlns:adec="http://schemas.microsoft.com/office/drawing/2017/decorative" val="1"/>
+              </a:ext>
+            </a:extLst>
+          </p:cNvPr>
+          <p:cNvSpPr>
+            <a:spLocks noGrp="1" noRot="1" noChangeAspect="1" noMove="1" noResize="1" noEditPoints="1" noAdjustHandles="1" noChangeArrowheads="1" noChangeShapeType="1" noTextEdit="1"/>
+          </p:cNvSpPr>
+          <p:nvPr>
+            <p:extLst>
+              <p:ext uri="{386F3935-93C4-4BCD-93E2-E3B085C9AB24}">
+                <p16:designElem xmlns:p16="http://schemas.microsoft.com/office/powerpoint/2015/main" val="1"/>
+              </p:ext>
+            </p:extLst>
+          </p:nvPr>
+        </p:nvSpPr>
+        <p:spPr>
+          <a:xfrm>
+            <a:off x="11292840" y="0"/>
+            <a:ext cx="914400" cy="6858000"/>
+          </a:xfrm>
+          <a:prstGeom prst="rect">
+            <a:avLst/>
+          </a:prstGeom>
+          <a:solidFill>
+            <a:srgbClr val="303030"/>
+          </a:solidFill>
+          <a:ln>
+            <a:noFill/>
+          </a:ln>
+        </p:spPr>
+        <p:style>
+          <a:lnRef idx="2">
+            <a:schemeClr val="accent1">
+              <a:shade val="50000"/>
+            </a:schemeClr>
+          </a:lnRef>
+          <a:fillRef idx="1">
+            <a:schemeClr val="accent1"/>
+          </a:fillRef>
+          <a:effectRef idx="0">
+            <a:schemeClr val="accent1"/>
+          </a:effectRef>
+          <a:fontRef idx="minor">
+            <a:schemeClr val="lt1"/>
+          </a:fontRef>
+        </p:style>
+        <p:txBody>
+          <a:bodyPr/>
+          <a:lstStyle/>
+          <a:p>
+            <a:endParaRPr lang="en-GB"/>
+          </a:p>
+        </p:txBody>
+      </p:sp>
+      <p:sp>
+        <p:nvSpPr>
+          <p:cNvPr id="14" name="Rectangle 13">
+            <a:extLst>
+              <a:ext uri="{FF2B5EF4-FFF2-40B4-BE49-F238E27FC236}">
+                <a16:creationId xmlns:a16="http://schemas.microsoft.com/office/drawing/2014/main" id="{95414AE2-C247-FE94-2F23-D4F8FC76B7B1}"/>
+              </a:ext>
+              <a:ext uri="{C183D7F6-B498-43B3-948B-1728B52AA6E4}">
+                <adec:decorative xmlns:adec="http://schemas.microsoft.com/office/drawing/2017/decorative" val="1"/>
+              </a:ext>
+            </a:extLst>
+          </p:cNvPr>
+          <p:cNvSpPr>
+            <a:spLocks noGrp="1" noRot="1" noChangeAspect="1" noMove="1" noResize="1" noEditPoints="1" noAdjustHandles="1" noChangeArrowheads="1" noChangeShapeType="1" noTextEdit="1"/>
+          </p:cNvSpPr>
+          <p:nvPr>
+            <p:extLst>
+              <p:ext uri="{386F3935-93C4-4BCD-93E2-E3B085C9AB24}">
+                <p16:designElem xmlns:p16="http://schemas.microsoft.com/office/powerpoint/2015/main" val="1"/>
+              </p:ext>
+            </p:extLst>
+          </p:nvPr>
+        </p:nvSpPr>
+        <p:spPr>
+          <a:xfrm>
+            <a:off x="0" y="0"/>
+            <a:ext cx="457200" cy="6858000"/>
+          </a:xfrm>
+          <a:prstGeom prst="rect">
+            <a:avLst/>
+          </a:prstGeom>
+          <a:solidFill>
+            <a:srgbClr val="303030"/>
+          </a:solidFill>
+          <a:ln>
+            <a:noFill/>
+          </a:ln>
+        </p:spPr>
+        <p:style>
+          <a:lnRef idx="2">
+            <a:schemeClr val="accent1">
+              <a:shade val="50000"/>
+            </a:schemeClr>
+          </a:lnRef>
+          <a:fillRef idx="1">
+            <a:schemeClr val="accent1"/>
+          </a:fillRef>
+          <a:effectRef idx="0">
+            <a:schemeClr val="accent1"/>
+          </a:effectRef>
+          <a:fontRef idx="minor">
+            <a:schemeClr val="lt1"/>
+          </a:fontRef>
+        </p:style>
+        <p:txBody>
+          <a:bodyPr/>
+          <a:lstStyle/>
+          <a:p>
+            <a:endParaRPr lang="en-GB"/>
+          </a:p>
+        </p:txBody>
+      </p:sp>
+      <p:sp>
+        <p:nvSpPr>
+          <p:cNvPr id="2" name="Title 1">
+            <a:extLst>
+              <a:ext uri="{FF2B5EF4-FFF2-40B4-BE49-F238E27FC236}">
+                <a16:creationId xmlns:a16="http://schemas.microsoft.com/office/drawing/2014/main" id="{0AFEC9D3-30AA-8876-B36B-BE20FC327324}"/>
+              </a:ext>
+            </a:extLst>
+          </p:cNvPr>
+          <p:cNvSpPr>
+            <a:spLocks noGrp="1"/>
+          </p:cNvSpPr>
+          <p:nvPr>
+            <p:ph type="title"/>
+          </p:nvPr>
+        </p:nvSpPr>
+        <p:spPr>
+          <a:xfrm>
+            <a:off x="8110366" y="65132"/>
+            <a:ext cx="3085398" cy="2456688"/>
+          </a:xfrm>
+        </p:spPr>
+        <p:txBody>
+          <a:bodyPr vert="horz" lIns="91440" tIns="45720" rIns="91440" bIns="45720" rtlCol="0" anchor="t">
+            <a:normAutofit fontScale="90000"/>
+          </a:bodyPr>
+          <a:lstStyle/>
+          <a:p>
+            <a:pPr>
+              <a:lnSpc>
+                <a:spcPct val="85000"/>
+              </a:lnSpc>
+            </a:pPr>
+            <a:r>
+              <a:rPr lang="en-US" sz="5400" dirty="0"/>
+              <a:t>We will now add our decorator pattern</a:t>
+            </a:r>
+          </a:p>
+        </p:txBody>
+      </p:sp>
+      <p:sp>
+        <p:nvSpPr>
+          <p:cNvPr id="16" name="Rectangle 15">
+            <a:extLst>
+              <a:ext uri="{FF2B5EF4-FFF2-40B4-BE49-F238E27FC236}">
+                <a16:creationId xmlns:a16="http://schemas.microsoft.com/office/drawing/2014/main" id="{BD1B3B19-3E2A-67BD-30BF-64E17AE891E1}"/>
+              </a:ext>
+              <a:ext uri="{C183D7F6-B498-43B3-948B-1728B52AA6E4}">
+                <adec:decorative xmlns:adec="http://schemas.microsoft.com/office/drawing/2017/decorative" val="1"/>
+              </a:ext>
+            </a:extLst>
+          </p:cNvPr>
+          <p:cNvSpPr>
+            <a:spLocks noGrp="1" noRot="1" noChangeAspect="1" noMove="1" noResize="1" noEditPoints="1" noAdjustHandles="1" noChangeArrowheads="1" noChangeShapeType="1" noTextEdit="1"/>
+          </p:cNvSpPr>
+          <p:nvPr>
+            <p:extLst>
+              <p:ext uri="{386F3935-93C4-4BCD-93E2-E3B085C9AB24}">
+                <p16:designElem xmlns:p16="http://schemas.microsoft.com/office/powerpoint/2015/main" val="1"/>
+              </p:ext>
+            </p:extLst>
+          </p:nvPr>
+        </p:nvSpPr>
+        <p:spPr>
+          <a:xfrm>
+            <a:off x="452283" y="0"/>
+            <a:ext cx="7561007" cy="6858000"/>
+          </a:xfrm>
+          <a:prstGeom prst="rect">
+            <a:avLst/>
+          </a:prstGeom>
+          <a:solidFill>
+            <a:srgbClr val="FFFFFF"/>
+          </a:solidFill>
+          <a:ln>
+            <a:noFill/>
+          </a:ln>
+        </p:spPr>
+        <p:style>
+          <a:lnRef idx="2">
+            <a:schemeClr val="accent1">
+              <a:shade val="50000"/>
+            </a:schemeClr>
+          </a:lnRef>
+          <a:fillRef idx="1">
+            <a:schemeClr val="accent1"/>
+          </a:fillRef>
+          <a:effectRef idx="0">
+            <a:schemeClr val="accent1"/>
+          </a:effectRef>
+          <a:fontRef idx="minor">
+            <a:schemeClr val="lt1"/>
+          </a:fontRef>
+        </p:style>
+        <p:txBody>
+          <a:bodyPr rtlCol="0" anchor="ctr"/>
+          <a:lstStyle/>
+          <a:p>
+            <a:pPr algn="ctr"/>
+            <a:endParaRPr lang="en-US"/>
+          </a:p>
+        </p:txBody>
+      </p:sp>
+      <p:pic>
+        <p:nvPicPr>
+          <p:cNvPr id="9" name="Graphic 8">
+            <a:extLst>
+              <a:ext uri="{FF2B5EF4-FFF2-40B4-BE49-F238E27FC236}">
+                <a16:creationId xmlns:a16="http://schemas.microsoft.com/office/drawing/2014/main" id="{9275D6AC-5A48-E2E6-0746-1C10817CD53C}"/>
+              </a:ext>
+            </a:extLst>
+          </p:cNvPr>
+          <p:cNvPicPr>
+            <a:picLocks noChangeAspect="1"/>
+          </p:cNvPicPr>
+          <p:nvPr/>
+        </p:nvPicPr>
+        <p:blipFill>
+          <a:blip r:embed="rId2">
+            <a:extLst>
+              <a:ext uri="{28A0092B-C50C-407E-A947-70E740481C1C}">
+                <a14:useLocalDpi xmlns:a14="http://schemas.microsoft.com/office/drawing/2010/main" val="0"/>
+              </a:ext>
+              <a:ext uri="{96DAC541-7B7A-43D3-8B79-37D633B846F1}">
+                <asvg:svgBlip xmlns:asvg="http://schemas.microsoft.com/office/drawing/2016/SVG/main" r:embed="rId3"/>
+              </a:ext>
+            </a:extLst>
+          </a:blip>
+          <a:stretch>
+            <a:fillRect/>
+          </a:stretch>
+        </p:blipFill>
+        <p:spPr>
+          <a:xfrm>
+            <a:off x="472013" y="788933"/>
+            <a:ext cx="7507552" cy="5280134"/>
+          </a:xfrm>
+          <a:prstGeom prst="rect">
+            <a:avLst/>
+          </a:prstGeom>
+        </p:spPr>
+      </p:pic>
+    </p:spTree>
+    <p:extLst>
+      <p:ext uri="{BB962C8B-B14F-4D97-AF65-F5344CB8AC3E}">
+        <p14:creationId xmlns:p14="http://schemas.microsoft.com/office/powerpoint/2010/main" val="493891797"/>
+      </p:ext>
+    </p:extLst>
+  </p:cSld>
+  <p:clrMapOvr>
+    <a:masterClrMapping/>
+  </p:clrMapOvr>
+  <mc:AlternateContent xmlns:mc="http://schemas.openxmlformats.org/markup-compatibility/2006" xmlns:p159="http://schemas.microsoft.com/office/powerpoint/2015/09/main">
+    <mc:Choice Requires="p159">
+      <p:transition xmlns:p14="http://schemas.microsoft.com/office/powerpoint/2010/main" spd="slow" p14:dur="2000">
+        <p159:morph option="byObject"/>
+      </p:transition>
+    </mc:Choice>
+    <mc:Fallback xmlns="">
+      <p:transition spd="slow">
+        <p:fade/>
+      </p:transition>
+    </mc:Fallback>
+  </mc:AlternateContent>
+</p:sld>
+</file>
+
+<file path=ppt/slides/slide15.xml><?xml version="1.0" encoding="utf-8"?>
+<p:sld xmlns:a="http://schemas.openxmlformats.org/drawingml/2006/main" xmlns:r="http://schemas.openxmlformats.org/officeDocument/2006/relationships" xmlns:p="http://schemas.openxmlformats.org/presentationml/2006/main">
+  <p:cSld>
+    <p:bg>
+      <p:bgPr>
+        <a:solidFill>
+          <a:schemeClr val="bg1"/>
+        </a:solidFill>
+        <a:effectLst/>
+      </p:bgPr>
+    </p:bg>
+    <p:spTree>
+      <p:nvGrpSpPr>
+        <p:cNvPr id="1" name="">
+          <a:extLst>
+            <a:ext uri="{FF2B5EF4-FFF2-40B4-BE49-F238E27FC236}">
+              <a16:creationId xmlns:a16="http://schemas.microsoft.com/office/drawing/2014/main" id="{EB227B5A-95EA-D6C4-D586-B246385680FC}"/>
+            </a:ext>
+          </a:extLst>
+        </p:cNvPr>
+        <p:cNvGrpSpPr/>
+        <p:nvPr/>
+      </p:nvGrpSpPr>
+      <p:grpSpPr>
+        <a:xfrm>
+          <a:off x="0" y="0"/>
+          <a:ext cx="0" cy="0"/>
+          <a:chOff x="0" y="0"/>
+          <a:chExt cx="0" cy="0"/>
+        </a:xfrm>
+      </p:grpSpPr>
+      <p:sp>
+        <p:nvSpPr>
+          <p:cNvPr id="22" name="Rectangle 21">
+            <a:extLst>
+              <a:ext uri="{FF2B5EF4-FFF2-40B4-BE49-F238E27FC236}">
+                <a16:creationId xmlns:a16="http://schemas.microsoft.com/office/drawing/2014/main" id="{F0FD769F-BDEE-4149-8C98-A92F1F8A145F}"/>
+              </a:ext>
+              <a:ext uri="{C183D7F6-B498-43B3-948B-1728B52AA6E4}">
+                <adec:decorative xmlns:adec="http://schemas.microsoft.com/office/drawing/2017/decorative" val="1"/>
+              </a:ext>
+            </a:extLst>
+          </p:cNvPr>
+          <p:cNvSpPr>
+            <a:spLocks noGrp="1" noRot="1" noChangeAspect="1" noMove="1" noResize="1" noEditPoints="1" noAdjustHandles="1" noChangeArrowheads="1" noChangeShapeType="1" noTextEdit="1"/>
+          </p:cNvSpPr>
+          <p:nvPr>
+            <p:extLst>
+              <p:ext uri="{386F3935-93C4-4BCD-93E2-E3B085C9AB24}">
+                <p16:designElem xmlns:p16="http://schemas.microsoft.com/office/powerpoint/2015/main" val="1"/>
+              </p:ext>
+            </p:extLst>
+          </p:nvPr>
+        </p:nvSpPr>
+        <p:spPr>
+          <a:xfrm>
+            <a:off x="11292840" y="0"/>
+            <a:ext cx="914400" cy="6858000"/>
+          </a:xfrm>
+          <a:prstGeom prst="rect">
+            <a:avLst/>
+          </a:prstGeom>
+          <a:solidFill>
+            <a:srgbClr val="303030"/>
+          </a:solidFill>
+          <a:ln>
+            <a:noFill/>
+          </a:ln>
+        </p:spPr>
+        <p:style>
+          <a:lnRef idx="2">
+            <a:schemeClr val="accent1">
+              <a:shade val="50000"/>
+            </a:schemeClr>
+          </a:lnRef>
+          <a:fillRef idx="1">
+            <a:schemeClr val="accent1"/>
+          </a:fillRef>
+          <a:effectRef idx="0">
+            <a:schemeClr val="accent1"/>
+          </a:effectRef>
+          <a:fontRef idx="minor">
+            <a:schemeClr val="lt1"/>
+          </a:fontRef>
+        </p:style>
+        <p:txBody>
+          <a:bodyPr/>
+          <a:lstStyle/>
+          <a:p>
+            <a:endParaRPr lang="en-GB"/>
+          </a:p>
+        </p:txBody>
+      </p:sp>
+      <p:sp>
+        <p:nvSpPr>
+          <p:cNvPr id="24" name="Rectangle 23">
+            <a:extLst>
+              <a:ext uri="{FF2B5EF4-FFF2-40B4-BE49-F238E27FC236}">
+                <a16:creationId xmlns:a16="http://schemas.microsoft.com/office/drawing/2014/main" id="{DC00EF3B-797F-4060-9460-6EEF08B1B150}"/>
+              </a:ext>
+              <a:ext uri="{C183D7F6-B498-43B3-948B-1728B52AA6E4}">
+                <adec:decorative xmlns:adec="http://schemas.microsoft.com/office/drawing/2017/decorative" val="1"/>
+              </a:ext>
+            </a:extLst>
+          </p:cNvPr>
+          <p:cNvSpPr>
+            <a:spLocks noGrp="1" noRot="1" noChangeAspect="1" noMove="1" noResize="1" noEditPoints="1" noAdjustHandles="1" noChangeArrowheads="1" noChangeShapeType="1" noTextEdit="1"/>
+          </p:cNvSpPr>
+          <p:nvPr>
+            <p:extLst>
+              <p:ext uri="{386F3935-93C4-4BCD-93E2-E3B085C9AB24}">
+                <p16:designElem xmlns:p16="http://schemas.microsoft.com/office/powerpoint/2015/main" val="1"/>
+              </p:ext>
+            </p:extLst>
+          </p:nvPr>
+        </p:nvSpPr>
+        <p:spPr>
+          <a:xfrm>
+            <a:off x="0" y="0"/>
+            <a:ext cx="457200" cy="6858000"/>
+          </a:xfrm>
+          <a:prstGeom prst="rect">
+            <a:avLst/>
+          </a:prstGeom>
+          <a:solidFill>
+            <a:srgbClr val="303030"/>
+          </a:solidFill>
+          <a:ln>
+            <a:noFill/>
+          </a:ln>
+        </p:spPr>
+        <p:style>
+          <a:lnRef idx="2">
+            <a:schemeClr val="accent1">
+              <a:shade val="50000"/>
+            </a:schemeClr>
+          </a:lnRef>
+          <a:fillRef idx="1">
+            <a:schemeClr val="accent1"/>
+          </a:fillRef>
+          <a:effectRef idx="0">
+            <a:schemeClr val="accent1"/>
+          </a:effectRef>
+          <a:fontRef idx="minor">
+            <a:schemeClr val="lt1"/>
+          </a:fontRef>
+        </p:style>
+        <p:txBody>
+          <a:bodyPr/>
+          <a:lstStyle/>
+          <a:p>
+            <a:endParaRPr lang="en-GB"/>
+          </a:p>
+        </p:txBody>
+      </p:sp>
+      <p:sp>
+        <p:nvSpPr>
+          <p:cNvPr id="26" name="Rectangle 25">
+            <a:extLst>
+              <a:ext uri="{FF2B5EF4-FFF2-40B4-BE49-F238E27FC236}">
+                <a16:creationId xmlns:a16="http://schemas.microsoft.com/office/drawing/2014/main" id="{A29212FA-B9FF-47AC-84D0-89D4601718E4}"/>
+              </a:ext>
+              <a:ext uri="{C183D7F6-B498-43B3-948B-1728B52AA6E4}">
+                <adec:decorative xmlns:adec="http://schemas.microsoft.com/office/drawing/2017/decorative" val="1"/>
+              </a:ext>
+            </a:extLst>
+          </p:cNvPr>
+          <p:cNvSpPr>
+            <a:spLocks noGrp="1" noRot="1" noChangeAspect="1" noMove="1" noResize="1" noEditPoints="1" noAdjustHandles="1" noChangeArrowheads="1" noChangeShapeType="1" noTextEdit="1"/>
+          </p:cNvSpPr>
+          <p:nvPr>
+            <p:extLst>
+              <p:ext uri="{386F3935-93C4-4BCD-93E2-E3B085C9AB24}">
+                <p16:designElem xmlns:p16="http://schemas.microsoft.com/office/powerpoint/2015/main" val="1"/>
+              </p:ext>
+            </p:extLst>
+          </p:nvPr>
+        </p:nvSpPr>
+        <p:spPr>
+          <a:xfrm>
+            <a:off x="457200" y="0"/>
+            <a:ext cx="10835640" cy="5105400"/>
+          </a:xfrm>
+          <a:prstGeom prst="rect">
+            <a:avLst/>
+          </a:prstGeom>
+          <a:solidFill>
+            <a:srgbClr val="FFFFFF"/>
+          </a:solidFill>
+          <a:ln>
+            <a:noFill/>
+          </a:ln>
+        </p:spPr>
+        <p:style>
+          <a:lnRef idx="2">
+            <a:schemeClr val="accent1">
+              <a:shade val="50000"/>
+            </a:schemeClr>
+          </a:lnRef>
+          <a:fillRef idx="1">
+            <a:schemeClr val="accent1"/>
+          </a:fillRef>
+          <a:effectRef idx="0">
+            <a:schemeClr val="accent1"/>
+          </a:effectRef>
+          <a:fontRef idx="minor">
+            <a:schemeClr val="lt1"/>
+          </a:fontRef>
+        </p:style>
+        <p:txBody>
+          <a:bodyPr/>
+          <a:lstStyle/>
+          <a:p>
+            <a:endParaRPr lang="en-GB"/>
+          </a:p>
+        </p:txBody>
+      </p:sp>
+      <p:sp useBgFill="1">
+        <p:nvSpPr>
+          <p:cNvPr id="27" name="Rectangle 26">
+            <a:extLst>
+              <a:ext uri="{FF2B5EF4-FFF2-40B4-BE49-F238E27FC236}">
+                <a16:creationId xmlns:a16="http://schemas.microsoft.com/office/drawing/2014/main" id="{2ABDA6DB-9156-4E0E-84EF-EC737F05DDE9}"/>
+              </a:ext>
+              <a:ext uri="{C183D7F6-B498-43B3-948B-1728B52AA6E4}">
+                <adec:decorative xmlns:adec="http://schemas.microsoft.com/office/drawing/2017/decorative" val="1"/>
+              </a:ext>
+            </a:extLst>
+          </p:cNvPr>
+          <p:cNvSpPr>
+            <a:spLocks noGrp="1" noRot="1" noChangeAspect="1" noMove="1" noResize="1" noEditPoints="1" noAdjustHandles="1" noChangeArrowheads="1" noChangeShapeType="1" noTextEdit="1"/>
+          </p:cNvSpPr>
+          <p:nvPr>
+            <p:extLst>
+              <p:ext uri="{386F3935-93C4-4BCD-93E2-E3B085C9AB24}">
+                <p16:designElem xmlns:p16="http://schemas.microsoft.com/office/powerpoint/2015/main" val="1"/>
+              </p:ext>
+            </p:extLst>
+          </p:nvPr>
+        </p:nvSpPr>
+        <p:spPr>
+          <a:xfrm>
+            <a:off x="457200" y="5105400"/>
+            <a:ext cx="10835640" cy="1752600"/>
+          </a:xfrm>
+          <a:prstGeom prst="rect">
+            <a:avLst/>
+          </a:prstGeom>
+          <a:ln>
+            <a:noFill/>
+          </a:ln>
+        </p:spPr>
+        <p:style>
+          <a:lnRef idx="2">
+            <a:schemeClr val="accent1">
+              <a:shade val="50000"/>
+            </a:schemeClr>
+          </a:lnRef>
+          <a:fillRef idx="1">
+            <a:schemeClr val="accent1"/>
+          </a:fillRef>
+          <a:effectRef idx="0">
+            <a:schemeClr val="accent1"/>
+          </a:effectRef>
+          <a:fontRef idx="minor">
+            <a:schemeClr val="lt1"/>
+          </a:fontRef>
+        </p:style>
+        <p:txBody>
+          <a:bodyPr/>
+          <a:lstStyle/>
+          <a:p>
+            <a:endParaRPr lang="en-GB"/>
+          </a:p>
+        </p:txBody>
+      </p:sp>
+      <p:sp>
+        <p:nvSpPr>
+          <p:cNvPr id="2" name="Title 1">
+            <a:extLst>
+              <a:ext uri="{FF2B5EF4-FFF2-40B4-BE49-F238E27FC236}">
+                <a16:creationId xmlns:a16="http://schemas.microsoft.com/office/drawing/2014/main" id="{1C7CFF61-1BD5-8B9F-32BF-9FFF7815D7FB}"/>
+              </a:ext>
+            </a:extLst>
+          </p:cNvPr>
+          <p:cNvSpPr>
+            <a:spLocks noGrp="1"/>
+          </p:cNvSpPr>
+          <p:nvPr>
+            <p:ph type="title"/>
+          </p:nvPr>
+        </p:nvSpPr>
+        <p:spPr>
+          <a:xfrm>
+            <a:off x="944183" y="5181600"/>
+            <a:ext cx="10156435" cy="1076324"/>
+          </a:xfrm>
+        </p:spPr>
+        <p:txBody>
+          <a:bodyPr vert="horz" lIns="91440" tIns="45720" rIns="91440" bIns="45720" rtlCol="0" anchor="b">
+            <a:normAutofit/>
+          </a:bodyPr>
+          <a:lstStyle/>
+          <a:p>
+            <a:pPr>
+              <a:lnSpc>
+                <a:spcPct val="85000"/>
+              </a:lnSpc>
+            </a:pPr>
+            <a:r>
+              <a:rPr lang="en-US" sz="3800"/>
+              <a:t>Abstract the complexity of creation to the factory</a:t>
+            </a:r>
+          </a:p>
+        </p:txBody>
+      </p:sp>
+      <p:pic>
+        <p:nvPicPr>
+          <p:cNvPr id="10" name="Graphic 9">
+            <a:extLst>
+              <a:ext uri="{FF2B5EF4-FFF2-40B4-BE49-F238E27FC236}">
+                <a16:creationId xmlns:a16="http://schemas.microsoft.com/office/drawing/2014/main" id="{28C53CF1-F2AA-C6EA-43E4-20927069380A}"/>
+              </a:ext>
+            </a:extLst>
+          </p:cNvPr>
+          <p:cNvPicPr>
+            <a:picLocks noChangeAspect="1"/>
+          </p:cNvPicPr>
+          <p:nvPr/>
+        </p:nvPicPr>
+        <p:blipFill>
+          <a:blip r:embed="rId2">
+            <a:extLst>
+              <a:ext uri="{28A0092B-C50C-407E-A947-70E740481C1C}">
+                <a14:useLocalDpi xmlns:a14="http://schemas.microsoft.com/office/drawing/2010/main" val="0"/>
+              </a:ext>
+              <a:ext uri="{96DAC541-7B7A-43D3-8B79-37D633B846F1}">
+                <asvg:svgBlip xmlns:asvg="http://schemas.microsoft.com/office/drawing/2016/SVG/main" r:embed="rId3"/>
+              </a:ext>
+            </a:extLst>
+          </a:blip>
+          <a:stretch>
+            <a:fillRect/>
+          </a:stretch>
+        </p:blipFill>
+        <p:spPr>
+          <a:xfrm>
+            <a:off x="1097280" y="640081"/>
+            <a:ext cx="5912229" cy="3825240"/>
+          </a:xfrm>
+          <a:prstGeom prst="rect">
+            <a:avLst/>
+          </a:prstGeom>
+        </p:spPr>
+      </p:pic>
+    </p:spTree>
+    <p:extLst>
+      <p:ext uri="{BB962C8B-B14F-4D97-AF65-F5344CB8AC3E}">
+        <p14:creationId xmlns:p14="http://schemas.microsoft.com/office/powerpoint/2010/main" val="284694684"/>
+      </p:ext>
+    </p:extLst>
+  </p:cSld>
+  <p:clrMapOvr>
+    <a:masterClrMapping/>
+  </p:clrMapOvr>
+  <mc:AlternateContent xmlns:mc="http://schemas.openxmlformats.org/markup-compatibility/2006" xmlns:p159="http://schemas.microsoft.com/office/powerpoint/2015/09/main">
+    <mc:Choice Requires="p159">
+      <p:transition xmlns:p14="http://schemas.microsoft.com/office/powerpoint/2010/main" spd="slow" p14:dur="2000">
+        <p159:morph option="byObject"/>
+      </p:transition>
+    </mc:Choice>
+    <mc:Fallback xmlns="">
+      <p:transition spd="slow">
+        <p:fade/>
+      </p:transition>
+    </mc:Fallback>
+  </mc:AlternateContent>
+</p:sld>
+</file>
+
+<file path=ppt/slides/slide16.xml><?xml version="1.0" encoding="utf-8"?>
+<p:sld xmlns:a="http://schemas.openxmlformats.org/drawingml/2006/main" xmlns:r="http://schemas.openxmlformats.org/officeDocument/2006/relationships" xmlns:p="http://schemas.openxmlformats.org/presentationml/2006/main">
+  <p:cSld>
+    <p:bg>
+      <p:bgPr>
+        <a:solidFill>
+          <a:schemeClr val="bg1"/>
+        </a:solidFill>
+        <a:effectLst/>
+      </p:bgPr>
+    </p:bg>
+    <p:spTree>
+      <p:nvGrpSpPr>
+        <p:cNvPr id="1" name="">
+          <a:extLst>
+            <a:ext uri="{FF2B5EF4-FFF2-40B4-BE49-F238E27FC236}">
+              <a16:creationId xmlns:a16="http://schemas.microsoft.com/office/drawing/2014/main" id="{B9614877-27D0-EBA2-AFFE-97996ED181E0}"/>
+            </a:ext>
+          </a:extLst>
+        </p:cNvPr>
+        <p:cNvGrpSpPr/>
+        <p:nvPr/>
+      </p:nvGrpSpPr>
+      <p:grpSpPr>
+        <a:xfrm>
+          <a:off x="0" y="0"/>
+          <a:ext cx="0" cy="0"/>
+          <a:chOff x="0" y="0"/>
+          <a:chExt cx="0" cy="0"/>
+        </a:xfrm>
+      </p:grpSpPr>
+      <p:sp>
+        <p:nvSpPr>
+          <p:cNvPr id="21" name="Rectangle 20">
+            <a:extLst>
+              <a:ext uri="{FF2B5EF4-FFF2-40B4-BE49-F238E27FC236}">
+                <a16:creationId xmlns:a16="http://schemas.microsoft.com/office/drawing/2014/main" id="{F0FD769F-BDEE-4149-8C98-A92F1F8A145F}"/>
+              </a:ext>
+              <a:ext uri="{C183D7F6-B498-43B3-948B-1728B52AA6E4}">
+                <adec:decorative xmlns:adec="http://schemas.microsoft.com/office/drawing/2017/decorative" val="1"/>
+              </a:ext>
+            </a:extLst>
+          </p:cNvPr>
+          <p:cNvSpPr>
+            <a:spLocks noGrp="1" noRot="1" noChangeAspect="1" noMove="1" noResize="1" noEditPoints="1" noAdjustHandles="1" noChangeArrowheads="1" noChangeShapeType="1" noTextEdit="1"/>
+          </p:cNvSpPr>
+          <p:nvPr>
+            <p:extLst>
+              <p:ext uri="{386F3935-93C4-4BCD-93E2-E3B085C9AB24}">
+                <p16:designElem xmlns:p16="http://schemas.microsoft.com/office/powerpoint/2015/main" val="1"/>
+              </p:ext>
+            </p:extLst>
+          </p:nvPr>
+        </p:nvSpPr>
+        <p:spPr>
+          <a:xfrm>
+            <a:off x="11292840" y="0"/>
+            <a:ext cx="914400" cy="6858000"/>
+          </a:xfrm>
+          <a:prstGeom prst="rect">
+            <a:avLst/>
+          </a:prstGeom>
+          <a:solidFill>
+            <a:srgbClr val="303030"/>
+          </a:solidFill>
+          <a:ln>
+            <a:noFill/>
+          </a:ln>
+        </p:spPr>
+        <p:style>
+          <a:lnRef idx="2">
+            <a:schemeClr val="accent1">
+              <a:shade val="50000"/>
+            </a:schemeClr>
+          </a:lnRef>
+          <a:fillRef idx="1">
+            <a:schemeClr val="accent1"/>
+          </a:fillRef>
+          <a:effectRef idx="0">
+            <a:schemeClr val="accent1"/>
+          </a:effectRef>
+          <a:fontRef idx="minor">
+            <a:schemeClr val="lt1"/>
+          </a:fontRef>
+        </p:style>
+        <p:txBody>
+          <a:bodyPr/>
+          <a:lstStyle/>
+          <a:p>
+            <a:endParaRPr lang="en-GB"/>
+          </a:p>
+        </p:txBody>
+      </p:sp>
+      <p:sp>
+        <p:nvSpPr>
+          <p:cNvPr id="23" name="Rectangle 22">
+            <a:extLst>
+              <a:ext uri="{FF2B5EF4-FFF2-40B4-BE49-F238E27FC236}">
+                <a16:creationId xmlns:a16="http://schemas.microsoft.com/office/drawing/2014/main" id="{DC00EF3B-797F-4060-9460-6EEF08B1B150}"/>
+              </a:ext>
+              <a:ext uri="{C183D7F6-B498-43B3-948B-1728B52AA6E4}">
+                <adec:decorative xmlns:adec="http://schemas.microsoft.com/office/drawing/2017/decorative" val="1"/>
+              </a:ext>
+            </a:extLst>
+          </p:cNvPr>
+          <p:cNvSpPr>
+            <a:spLocks noGrp="1" noRot="1" noChangeAspect="1" noMove="1" noResize="1" noEditPoints="1" noAdjustHandles="1" noChangeArrowheads="1" noChangeShapeType="1" noTextEdit="1"/>
+          </p:cNvSpPr>
+          <p:nvPr>
+            <p:extLst>
+              <p:ext uri="{386F3935-93C4-4BCD-93E2-E3B085C9AB24}">
+                <p16:designElem xmlns:p16="http://schemas.microsoft.com/office/powerpoint/2015/main" val="1"/>
+              </p:ext>
+            </p:extLst>
+          </p:nvPr>
+        </p:nvSpPr>
+        <p:spPr>
+          <a:xfrm>
+            <a:off x="0" y="0"/>
+            <a:ext cx="457200" cy="6858000"/>
+          </a:xfrm>
+          <a:prstGeom prst="rect">
+            <a:avLst/>
+          </a:prstGeom>
+          <a:solidFill>
+            <a:srgbClr val="303030"/>
+          </a:solidFill>
+          <a:ln>
+            <a:noFill/>
+          </a:ln>
+        </p:spPr>
+        <p:style>
+          <a:lnRef idx="2">
+            <a:schemeClr val="accent1">
+              <a:shade val="50000"/>
+            </a:schemeClr>
+          </a:lnRef>
+          <a:fillRef idx="1">
+            <a:schemeClr val="accent1"/>
+          </a:fillRef>
+          <a:effectRef idx="0">
+            <a:schemeClr val="accent1"/>
+          </a:effectRef>
+          <a:fontRef idx="minor">
+            <a:schemeClr val="lt1"/>
+          </a:fontRef>
+        </p:style>
+        <p:txBody>
+          <a:bodyPr/>
+          <a:lstStyle/>
+          <a:p>
+            <a:endParaRPr lang="en-GB"/>
+          </a:p>
+        </p:txBody>
+      </p:sp>
+      <p:sp>
+        <p:nvSpPr>
+          <p:cNvPr id="2" name="Title 1">
+            <a:extLst>
+              <a:ext uri="{FF2B5EF4-FFF2-40B4-BE49-F238E27FC236}">
+                <a16:creationId xmlns:a16="http://schemas.microsoft.com/office/drawing/2014/main" id="{8C44B990-2EB7-A2BE-FCB7-398323A749BB}"/>
+              </a:ext>
+            </a:extLst>
+          </p:cNvPr>
+          <p:cNvSpPr>
+            <a:spLocks noGrp="1"/>
+          </p:cNvSpPr>
+          <p:nvPr>
+            <p:ph type="title"/>
+          </p:nvPr>
+        </p:nvSpPr>
+        <p:spPr>
+          <a:xfrm>
+            <a:off x="6941573" y="758952"/>
+            <a:ext cx="3738617" cy="4041648"/>
+          </a:xfrm>
+        </p:spPr>
+        <p:txBody>
+          <a:bodyPr vert="horz" lIns="91440" tIns="45720" rIns="91440" bIns="45720" rtlCol="0" anchor="b">
+            <a:normAutofit/>
+          </a:bodyPr>
+          <a:lstStyle/>
+          <a:p>
+            <a:pPr>
+              <a:lnSpc>
+                <a:spcPct val="85000"/>
+              </a:lnSpc>
+            </a:pPr>
+            <a:r>
+              <a:rPr lang="en-US" sz="4100"/>
+              <a:t>Let’s look at the bigger picture</a:t>
+            </a:r>
+            <a:br>
+              <a:rPr lang="en-US" sz="4100"/>
+            </a:br>
+            <a:br>
+              <a:rPr lang="en-US" sz="4100"/>
+            </a:br>
+            <a:r>
+              <a:rPr lang="en-US" sz="4100"/>
+              <a:t>Good, but we are not done..</a:t>
+            </a:r>
+          </a:p>
+        </p:txBody>
+      </p:sp>
+      <p:sp>
+        <p:nvSpPr>
+          <p:cNvPr id="25" name="Rectangle 24">
+            <a:extLst>
+              <a:ext uri="{FF2B5EF4-FFF2-40B4-BE49-F238E27FC236}">
+                <a16:creationId xmlns:a16="http://schemas.microsoft.com/office/drawing/2014/main" id="{A0749B7F-D77A-413E-880A-538C35BB1E2A}"/>
+              </a:ext>
+              <a:ext uri="{C183D7F6-B498-43B3-948B-1728B52AA6E4}">
+                <adec:decorative xmlns:adec="http://schemas.microsoft.com/office/drawing/2017/decorative" val="1"/>
+              </a:ext>
+            </a:extLst>
+          </p:cNvPr>
+          <p:cNvSpPr>
+            <a:spLocks noGrp="1" noRot="1" noChangeAspect="1" noMove="1" noResize="1" noEditPoints="1" noAdjustHandles="1" noChangeArrowheads="1" noChangeShapeType="1" noTextEdit="1"/>
+          </p:cNvSpPr>
+          <p:nvPr>
+            <p:extLst>
+              <p:ext uri="{386F3935-93C4-4BCD-93E2-E3B085C9AB24}">
+                <p16:designElem xmlns:p16="http://schemas.microsoft.com/office/powerpoint/2015/main" val="1"/>
+              </p:ext>
+            </p:extLst>
+          </p:nvPr>
+        </p:nvSpPr>
+        <p:spPr>
+          <a:xfrm>
+            <a:off x="452283" y="0"/>
+            <a:ext cx="6087359" cy="6858000"/>
+          </a:xfrm>
+          <a:prstGeom prst="rect">
+            <a:avLst/>
+          </a:prstGeom>
+          <a:solidFill>
+            <a:srgbClr val="FFFFFF"/>
+          </a:solidFill>
+          <a:ln>
+            <a:noFill/>
+          </a:ln>
+        </p:spPr>
+        <p:style>
+          <a:lnRef idx="2">
+            <a:schemeClr val="accent1">
+              <a:shade val="50000"/>
+            </a:schemeClr>
+          </a:lnRef>
+          <a:fillRef idx="1">
+            <a:schemeClr val="accent1"/>
+          </a:fillRef>
+          <a:effectRef idx="0">
+            <a:schemeClr val="accent1"/>
+          </a:effectRef>
+          <a:fontRef idx="minor">
+            <a:schemeClr val="lt1"/>
+          </a:fontRef>
+        </p:style>
+        <p:txBody>
+          <a:bodyPr rtlCol="0" anchor="ctr"/>
+          <a:lstStyle/>
+          <a:p>
+            <a:pPr algn="ctr"/>
+            <a:endParaRPr lang="en-US"/>
+          </a:p>
+        </p:txBody>
+      </p:sp>
+      <p:pic>
+        <p:nvPicPr>
+          <p:cNvPr id="4" name="Graphic 3">
+            <a:extLst>
+              <a:ext uri="{FF2B5EF4-FFF2-40B4-BE49-F238E27FC236}">
+                <a16:creationId xmlns:a16="http://schemas.microsoft.com/office/drawing/2014/main" id="{E1434DFF-08CD-9740-DBDA-73B1952AFFA3}"/>
+              </a:ext>
+            </a:extLst>
+          </p:cNvPr>
+          <p:cNvPicPr>
+            <a:picLocks noChangeAspect="1"/>
+          </p:cNvPicPr>
+          <p:nvPr/>
+        </p:nvPicPr>
+        <p:blipFill>
+          <a:blip r:embed="rId2">
+            <a:extLst>
+              <a:ext uri="{28A0092B-C50C-407E-A947-70E740481C1C}">
+                <a14:useLocalDpi xmlns:a14="http://schemas.microsoft.com/office/drawing/2010/main" val="0"/>
+              </a:ext>
+              <a:ext uri="{96DAC541-7B7A-43D3-8B79-37D633B846F1}">
+                <asvg:svgBlip xmlns:asvg="http://schemas.microsoft.com/office/drawing/2016/SVG/main" r:embed="rId3"/>
+              </a:ext>
+            </a:extLst>
+          </a:blip>
+          <a:stretch>
+            <a:fillRect/>
+          </a:stretch>
+        </p:blipFill>
+        <p:spPr>
+          <a:xfrm>
+            <a:off x="1261898" y="620720"/>
+            <a:ext cx="4516386" cy="5607461"/>
+          </a:xfrm>
+          <a:prstGeom prst="rect">
+            <a:avLst/>
+          </a:prstGeom>
+        </p:spPr>
+      </p:pic>
+    </p:spTree>
+    <p:extLst>
+      <p:ext uri="{BB962C8B-B14F-4D97-AF65-F5344CB8AC3E}">
+        <p14:creationId xmlns:p14="http://schemas.microsoft.com/office/powerpoint/2010/main" val="1591645246"/>
+      </p:ext>
+    </p:extLst>
+  </p:cSld>
+  <p:clrMapOvr>
+    <a:masterClrMapping/>
+  </p:clrMapOvr>
+  <mc:AlternateContent xmlns:mc="http://schemas.openxmlformats.org/markup-compatibility/2006" xmlns:p159="http://schemas.microsoft.com/office/powerpoint/2015/09/main">
+    <mc:Choice Requires="p159">
+      <p:transition xmlns:p14="http://schemas.microsoft.com/office/powerpoint/2010/main" spd="slow" p14:dur="2000">
+        <p159:morph option="byObject"/>
+      </p:transition>
+    </mc:Choice>
+    <mc:Fallback xmlns="">
+      <p:transition spd="slow">
+        <p:fade/>
+      </p:transition>
+    </mc:Fallback>
+  </mc:AlternateContent>
+</p:sld>
+</file>
+
+<file path=ppt/slides/slide17.xml><?xml version="1.0" encoding="utf-8"?>
+<p:sld xmlns:a="http://schemas.openxmlformats.org/drawingml/2006/main" xmlns:r="http://schemas.openxmlformats.org/officeDocument/2006/relationships" xmlns:p="http://schemas.openxmlformats.org/presentationml/2006/main">
+  <p:cSld>
+    <p:bg>
+      <p:bgPr>
+        <a:solidFill>
+          <a:schemeClr val="bg1"/>
+        </a:solidFill>
+        <a:effectLst/>
+      </p:bgPr>
+    </p:bg>
+    <p:spTree>
+      <p:nvGrpSpPr>
+        <p:cNvPr id="1" name="">
+          <a:extLst>
+            <a:ext uri="{FF2B5EF4-FFF2-40B4-BE49-F238E27FC236}">
+              <a16:creationId xmlns:a16="http://schemas.microsoft.com/office/drawing/2014/main" id="{A8E254A4-2EB4-8427-F44A-DEAD9E8C8101}"/>
+            </a:ext>
+          </a:extLst>
+        </p:cNvPr>
+        <p:cNvGrpSpPr/>
+        <p:nvPr/>
+      </p:nvGrpSpPr>
+      <p:grpSpPr>
+        <a:xfrm>
+          <a:off x="0" y="0"/>
+          <a:ext cx="0" cy="0"/>
+          <a:chOff x="0" y="0"/>
+          <a:chExt cx="0" cy="0"/>
+        </a:xfrm>
+      </p:grpSpPr>
+      <p:sp>
+        <p:nvSpPr>
+          <p:cNvPr id="21" name="Rectangle 20">
+            <a:extLst>
+              <a:ext uri="{FF2B5EF4-FFF2-40B4-BE49-F238E27FC236}">
+                <a16:creationId xmlns:a16="http://schemas.microsoft.com/office/drawing/2014/main" id="{F0FD769F-BDEE-4149-8C98-A92F1F8A145F}"/>
+              </a:ext>
+              <a:ext uri="{C183D7F6-B498-43B3-948B-1728B52AA6E4}">
+                <adec:decorative xmlns:adec="http://schemas.microsoft.com/office/drawing/2017/decorative" val="1"/>
+              </a:ext>
+            </a:extLst>
+          </p:cNvPr>
+          <p:cNvSpPr>
+            <a:spLocks noGrp="1" noRot="1" noChangeAspect="1" noMove="1" noResize="1" noEditPoints="1" noAdjustHandles="1" noChangeArrowheads="1" noChangeShapeType="1" noTextEdit="1"/>
+          </p:cNvSpPr>
+          <p:nvPr>
+            <p:extLst>
+              <p:ext uri="{386F3935-93C4-4BCD-93E2-E3B085C9AB24}">
+                <p16:designElem xmlns:p16="http://schemas.microsoft.com/office/powerpoint/2015/main" val="1"/>
+              </p:ext>
+            </p:extLst>
+          </p:nvPr>
+        </p:nvSpPr>
+        <p:spPr>
+          <a:xfrm>
+            <a:off x="11292840" y="0"/>
+            <a:ext cx="914400" cy="6858000"/>
+          </a:xfrm>
+          <a:prstGeom prst="rect">
+            <a:avLst/>
+          </a:prstGeom>
+          <a:solidFill>
+            <a:srgbClr val="303030"/>
+          </a:solidFill>
+          <a:ln>
+            <a:noFill/>
+          </a:ln>
+        </p:spPr>
+        <p:style>
+          <a:lnRef idx="2">
+            <a:schemeClr val="accent1">
+              <a:shade val="50000"/>
+            </a:schemeClr>
+          </a:lnRef>
+          <a:fillRef idx="1">
+            <a:schemeClr val="accent1"/>
+          </a:fillRef>
+          <a:effectRef idx="0">
+            <a:schemeClr val="accent1"/>
+          </a:effectRef>
+          <a:fontRef idx="minor">
+            <a:schemeClr val="lt1"/>
+          </a:fontRef>
+        </p:style>
+        <p:txBody>
+          <a:bodyPr/>
+          <a:lstStyle/>
+          <a:p>
+            <a:endParaRPr lang="en-GB"/>
+          </a:p>
+        </p:txBody>
+      </p:sp>
+      <p:sp>
+        <p:nvSpPr>
+          <p:cNvPr id="23" name="Rectangle 22">
+            <a:extLst>
+              <a:ext uri="{FF2B5EF4-FFF2-40B4-BE49-F238E27FC236}">
+                <a16:creationId xmlns:a16="http://schemas.microsoft.com/office/drawing/2014/main" id="{DC00EF3B-797F-4060-9460-6EEF08B1B150}"/>
+              </a:ext>
+              <a:ext uri="{C183D7F6-B498-43B3-948B-1728B52AA6E4}">
+                <adec:decorative xmlns:adec="http://schemas.microsoft.com/office/drawing/2017/decorative" val="1"/>
+              </a:ext>
+            </a:extLst>
+          </p:cNvPr>
+          <p:cNvSpPr>
+            <a:spLocks noGrp="1" noRot="1" noChangeAspect="1" noMove="1" noResize="1" noEditPoints="1" noAdjustHandles="1" noChangeArrowheads="1" noChangeShapeType="1" noTextEdit="1"/>
+          </p:cNvSpPr>
+          <p:nvPr>
+            <p:extLst>
+              <p:ext uri="{386F3935-93C4-4BCD-93E2-E3B085C9AB24}">
+                <p16:designElem xmlns:p16="http://schemas.microsoft.com/office/powerpoint/2015/main" val="1"/>
+              </p:ext>
+            </p:extLst>
+          </p:nvPr>
+        </p:nvSpPr>
+        <p:spPr>
+          <a:xfrm>
+            <a:off x="0" y="0"/>
+            <a:ext cx="457200" cy="6858000"/>
+          </a:xfrm>
+          <a:prstGeom prst="rect">
+            <a:avLst/>
+          </a:prstGeom>
+          <a:solidFill>
+            <a:srgbClr val="303030"/>
+          </a:solidFill>
+          <a:ln>
+            <a:noFill/>
+          </a:ln>
+        </p:spPr>
+        <p:style>
+          <a:lnRef idx="2">
+            <a:schemeClr val="accent1">
+              <a:shade val="50000"/>
+            </a:schemeClr>
+          </a:lnRef>
+          <a:fillRef idx="1">
+            <a:schemeClr val="accent1"/>
+          </a:fillRef>
+          <a:effectRef idx="0">
+            <a:schemeClr val="accent1"/>
+          </a:effectRef>
+          <a:fontRef idx="minor">
+            <a:schemeClr val="lt1"/>
+          </a:fontRef>
+        </p:style>
+        <p:txBody>
+          <a:bodyPr/>
+          <a:lstStyle/>
+          <a:p>
+            <a:endParaRPr lang="en-GB"/>
+          </a:p>
+        </p:txBody>
+      </p:sp>
+      <p:sp>
+        <p:nvSpPr>
+          <p:cNvPr id="25" name="Rectangle 24">
+            <a:extLst>
+              <a:ext uri="{FF2B5EF4-FFF2-40B4-BE49-F238E27FC236}">
+                <a16:creationId xmlns:a16="http://schemas.microsoft.com/office/drawing/2014/main" id="{A29212FA-B9FF-47AC-84D0-89D4601718E4}"/>
+              </a:ext>
+              <a:ext uri="{C183D7F6-B498-43B3-948B-1728B52AA6E4}">
+                <adec:decorative xmlns:adec="http://schemas.microsoft.com/office/drawing/2017/decorative" val="1"/>
+              </a:ext>
+            </a:extLst>
+          </p:cNvPr>
+          <p:cNvSpPr>
+            <a:spLocks noGrp="1" noRot="1" noChangeAspect="1" noMove="1" noResize="1" noEditPoints="1" noAdjustHandles="1" noChangeArrowheads="1" noChangeShapeType="1" noTextEdit="1"/>
+          </p:cNvSpPr>
+          <p:nvPr>
+            <p:extLst>
+              <p:ext uri="{386F3935-93C4-4BCD-93E2-E3B085C9AB24}">
+                <p16:designElem xmlns:p16="http://schemas.microsoft.com/office/powerpoint/2015/main" val="1"/>
+              </p:ext>
+            </p:extLst>
+          </p:nvPr>
+        </p:nvSpPr>
+        <p:spPr>
+          <a:xfrm>
+            <a:off x="457200" y="0"/>
+            <a:ext cx="10835640" cy="5105400"/>
+          </a:xfrm>
+          <a:prstGeom prst="rect">
+            <a:avLst/>
+          </a:prstGeom>
+          <a:solidFill>
+            <a:srgbClr val="FFFFFF"/>
+          </a:solidFill>
+          <a:ln>
+            <a:noFill/>
+          </a:ln>
+        </p:spPr>
+        <p:style>
+          <a:lnRef idx="2">
+            <a:schemeClr val="accent1">
+              <a:shade val="50000"/>
+            </a:schemeClr>
+          </a:lnRef>
+          <a:fillRef idx="1">
+            <a:schemeClr val="accent1"/>
+          </a:fillRef>
+          <a:effectRef idx="0">
+            <a:schemeClr val="accent1"/>
+          </a:effectRef>
+          <a:fontRef idx="minor">
+            <a:schemeClr val="lt1"/>
+          </a:fontRef>
+        </p:style>
+        <p:txBody>
+          <a:bodyPr/>
+          <a:lstStyle/>
+          <a:p>
+            <a:endParaRPr lang="en-GB"/>
+          </a:p>
+        </p:txBody>
+      </p:sp>
+      <p:sp useBgFill="1">
+        <p:nvSpPr>
+          <p:cNvPr id="27" name="Rectangle 26">
+            <a:extLst>
+              <a:ext uri="{FF2B5EF4-FFF2-40B4-BE49-F238E27FC236}">
+                <a16:creationId xmlns:a16="http://schemas.microsoft.com/office/drawing/2014/main" id="{2ABDA6DB-9156-4E0E-84EF-EC737F05DDE9}"/>
+              </a:ext>
+              <a:ext uri="{C183D7F6-B498-43B3-948B-1728B52AA6E4}">
+                <adec:decorative xmlns:adec="http://schemas.microsoft.com/office/drawing/2017/decorative" val="1"/>
+              </a:ext>
+            </a:extLst>
+          </p:cNvPr>
+          <p:cNvSpPr>
+            <a:spLocks noGrp="1" noRot="1" noChangeAspect="1" noMove="1" noResize="1" noEditPoints="1" noAdjustHandles="1" noChangeArrowheads="1" noChangeShapeType="1" noTextEdit="1"/>
+          </p:cNvSpPr>
+          <p:nvPr>
+            <p:extLst>
+              <p:ext uri="{386F3935-93C4-4BCD-93E2-E3B085C9AB24}">
+                <p16:designElem xmlns:p16="http://schemas.microsoft.com/office/powerpoint/2015/main" val="1"/>
+              </p:ext>
+            </p:extLst>
+          </p:nvPr>
+        </p:nvSpPr>
+        <p:spPr>
+          <a:xfrm>
+            <a:off x="457200" y="5105400"/>
+            <a:ext cx="10835640" cy="1752600"/>
+          </a:xfrm>
+          <a:prstGeom prst="rect">
+            <a:avLst/>
+          </a:prstGeom>
+          <a:ln>
+            <a:noFill/>
+          </a:ln>
+        </p:spPr>
+        <p:style>
+          <a:lnRef idx="2">
+            <a:schemeClr val="accent1">
+              <a:shade val="50000"/>
+            </a:schemeClr>
+          </a:lnRef>
+          <a:fillRef idx="1">
+            <a:schemeClr val="accent1"/>
+          </a:fillRef>
+          <a:effectRef idx="0">
+            <a:schemeClr val="accent1"/>
+          </a:effectRef>
+          <a:fontRef idx="minor">
+            <a:schemeClr val="lt1"/>
+          </a:fontRef>
+        </p:style>
+        <p:txBody>
+          <a:bodyPr/>
+          <a:lstStyle/>
+          <a:p>
+            <a:endParaRPr lang="en-GB"/>
+          </a:p>
+        </p:txBody>
+      </p:sp>
+      <p:sp>
+        <p:nvSpPr>
+          <p:cNvPr id="2" name="Title 1">
+            <a:extLst>
+              <a:ext uri="{FF2B5EF4-FFF2-40B4-BE49-F238E27FC236}">
+                <a16:creationId xmlns:a16="http://schemas.microsoft.com/office/drawing/2014/main" id="{668E194A-0F12-EF1D-D46D-87C59F351335}"/>
+              </a:ext>
+            </a:extLst>
+          </p:cNvPr>
+          <p:cNvSpPr>
+            <a:spLocks noGrp="1"/>
+          </p:cNvSpPr>
+          <p:nvPr>
+            <p:ph type="title"/>
+          </p:nvPr>
+        </p:nvSpPr>
+        <p:spPr>
+          <a:xfrm>
+            <a:off x="944183" y="5181600"/>
+            <a:ext cx="10156435" cy="1076324"/>
+          </a:xfrm>
+        </p:spPr>
+        <p:txBody>
+          <a:bodyPr vert="horz" lIns="91440" tIns="45720" rIns="91440" bIns="45720" rtlCol="0" anchor="b">
+            <a:normAutofit/>
+          </a:bodyPr>
+          <a:lstStyle/>
+          <a:p>
+            <a:pPr>
+              <a:lnSpc>
+                <a:spcPct val="85000"/>
+              </a:lnSpc>
+            </a:pPr>
+            <a:r>
+              <a:rPr lang="en-US" sz="3800"/>
+              <a:t>Abstract the complexity of creation to the factory</a:t>
+            </a:r>
+          </a:p>
+        </p:txBody>
+      </p:sp>
+      <p:pic>
+        <p:nvPicPr>
+          <p:cNvPr id="4" name="Graphic 3">
+            <a:extLst>
+              <a:ext uri="{FF2B5EF4-FFF2-40B4-BE49-F238E27FC236}">
+                <a16:creationId xmlns:a16="http://schemas.microsoft.com/office/drawing/2014/main" id="{4EBE0FA1-970B-5A08-D26F-5CA9D78A1E2B}"/>
+              </a:ext>
+            </a:extLst>
+          </p:cNvPr>
+          <p:cNvPicPr>
+            <a:picLocks noChangeAspect="1"/>
+          </p:cNvPicPr>
+          <p:nvPr/>
+        </p:nvPicPr>
+        <p:blipFill>
+          <a:blip r:embed="rId2">
+            <a:extLst>
+              <a:ext uri="{28A0092B-C50C-407E-A947-70E740481C1C}">
+                <a14:useLocalDpi xmlns:a14="http://schemas.microsoft.com/office/drawing/2010/main" val="0"/>
+              </a:ext>
+              <a:ext uri="{96DAC541-7B7A-43D3-8B79-37D633B846F1}">
+                <asvg:svgBlip xmlns:asvg="http://schemas.microsoft.com/office/drawing/2016/SVG/main" r:embed="rId3"/>
+              </a:ext>
+            </a:extLst>
+          </a:blip>
+          <a:stretch>
+            <a:fillRect/>
+          </a:stretch>
+        </p:blipFill>
+        <p:spPr>
+          <a:xfrm>
+            <a:off x="1097280" y="640081"/>
+            <a:ext cx="8910870" cy="3825240"/>
+          </a:xfrm>
+          <a:prstGeom prst="rect">
+            <a:avLst/>
+          </a:prstGeom>
+        </p:spPr>
+      </p:pic>
+    </p:spTree>
+    <p:extLst>
+      <p:ext uri="{BB962C8B-B14F-4D97-AF65-F5344CB8AC3E}">
+        <p14:creationId xmlns:p14="http://schemas.microsoft.com/office/powerpoint/2010/main" val="1467528109"/>
+      </p:ext>
+    </p:extLst>
+  </p:cSld>
+  <p:clrMapOvr>
+    <a:masterClrMapping/>
+  </p:clrMapOvr>
+  <mc:AlternateContent xmlns:mc="http://schemas.openxmlformats.org/markup-compatibility/2006" xmlns:p159="http://schemas.microsoft.com/office/powerpoint/2015/09/main">
+    <mc:Choice Requires="p159">
+      <p:transition xmlns:p14="http://schemas.microsoft.com/office/powerpoint/2010/main" spd="slow" p14:dur="2000">
+        <p159:morph option="byObject"/>
+      </p:transition>
+    </mc:Choice>
+    <mc:Fallback xmlns="">
+      <p:transition spd="slow">
+        <p:fade/>
+      </p:transition>
+    </mc:Fallback>
+  </mc:AlternateContent>
+</p:sld>
+</file>
+
+<file path=ppt/slides/slide18.xml><?xml version="1.0" encoding="utf-8"?>
+<p:sld xmlns:a="http://schemas.openxmlformats.org/drawingml/2006/main" xmlns:r="http://schemas.openxmlformats.org/officeDocument/2006/relationships" xmlns:p="http://schemas.openxmlformats.org/presentationml/2006/main">
+  <p:cSld>
+    <p:bg>
+      <p:bgPr>
+        <a:solidFill>
+          <a:schemeClr val="bg1"/>
+        </a:solidFill>
+        <a:effectLst/>
+      </p:bgPr>
+    </p:bg>
+    <p:spTree>
+      <p:nvGrpSpPr>
+        <p:cNvPr id="1" name="">
+          <a:extLst>
+            <a:ext uri="{FF2B5EF4-FFF2-40B4-BE49-F238E27FC236}">
+              <a16:creationId xmlns:a16="http://schemas.microsoft.com/office/drawing/2014/main" id="{330DB0C5-858D-584A-48D7-1613AAA16198}"/>
+            </a:ext>
+          </a:extLst>
+        </p:cNvPr>
+        <p:cNvGrpSpPr/>
+        <p:nvPr/>
+      </p:nvGrpSpPr>
+      <p:grpSpPr>
+        <a:xfrm>
+          <a:off x="0" y="0"/>
+          <a:ext cx="0" cy="0"/>
+          <a:chOff x="0" y="0"/>
+          <a:chExt cx="0" cy="0"/>
+        </a:xfrm>
+      </p:grpSpPr>
+      <p:sp>
+        <p:nvSpPr>
+          <p:cNvPr id="21" name="Rectangle 20">
+            <a:extLst>
+              <a:ext uri="{FF2B5EF4-FFF2-40B4-BE49-F238E27FC236}">
+                <a16:creationId xmlns:a16="http://schemas.microsoft.com/office/drawing/2014/main" id="{F0FD769F-BDEE-4149-8C98-A92F1F8A145F}"/>
+              </a:ext>
+              <a:ext uri="{C183D7F6-B498-43B3-948B-1728B52AA6E4}">
+                <adec:decorative xmlns:adec="http://schemas.microsoft.com/office/drawing/2017/decorative" val="1"/>
+              </a:ext>
+            </a:extLst>
+          </p:cNvPr>
+          <p:cNvSpPr>
+            <a:spLocks noGrp="1" noRot="1" noChangeAspect="1" noMove="1" noResize="1" noEditPoints="1" noAdjustHandles="1" noChangeArrowheads="1" noChangeShapeType="1" noTextEdit="1"/>
+          </p:cNvSpPr>
+          <p:nvPr>
+            <p:extLst>
+              <p:ext uri="{386F3935-93C4-4BCD-93E2-E3B085C9AB24}">
+                <p16:designElem xmlns:p16="http://schemas.microsoft.com/office/powerpoint/2015/main" val="1"/>
+              </p:ext>
+            </p:extLst>
+          </p:nvPr>
+        </p:nvSpPr>
+        <p:spPr>
+          <a:xfrm>
+            <a:off x="11292840" y="0"/>
+            <a:ext cx="914400" cy="6858000"/>
+          </a:xfrm>
+          <a:prstGeom prst="rect">
+            <a:avLst/>
+          </a:prstGeom>
+          <a:solidFill>
+            <a:srgbClr val="303030"/>
+          </a:solidFill>
+          <a:ln>
+            <a:noFill/>
+          </a:ln>
+        </p:spPr>
+        <p:style>
+          <a:lnRef idx="2">
+            <a:schemeClr val="accent1">
+              <a:shade val="50000"/>
+            </a:schemeClr>
+          </a:lnRef>
+          <a:fillRef idx="1">
+            <a:schemeClr val="accent1"/>
+          </a:fillRef>
+          <a:effectRef idx="0">
+            <a:schemeClr val="accent1"/>
+          </a:effectRef>
+          <a:fontRef idx="minor">
+            <a:schemeClr val="lt1"/>
+          </a:fontRef>
+        </p:style>
+        <p:txBody>
+          <a:bodyPr/>
+          <a:lstStyle/>
+          <a:p>
+            <a:endParaRPr lang="en-GB"/>
+          </a:p>
+        </p:txBody>
+      </p:sp>
+      <p:sp>
+        <p:nvSpPr>
+          <p:cNvPr id="23" name="Rectangle 22">
+            <a:extLst>
+              <a:ext uri="{FF2B5EF4-FFF2-40B4-BE49-F238E27FC236}">
+                <a16:creationId xmlns:a16="http://schemas.microsoft.com/office/drawing/2014/main" id="{DC00EF3B-797F-4060-9460-6EEF08B1B150}"/>
+              </a:ext>
+              <a:ext uri="{C183D7F6-B498-43B3-948B-1728B52AA6E4}">
+                <adec:decorative xmlns:adec="http://schemas.microsoft.com/office/drawing/2017/decorative" val="1"/>
+              </a:ext>
+            </a:extLst>
+          </p:cNvPr>
+          <p:cNvSpPr>
+            <a:spLocks noGrp="1" noRot="1" noChangeAspect="1" noMove="1" noResize="1" noEditPoints="1" noAdjustHandles="1" noChangeArrowheads="1" noChangeShapeType="1" noTextEdit="1"/>
+          </p:cNvSpPr>
+          <p:nvPr>
+            <p:extLst>
+              <p:ext uri="{386F3935-93C4-4BCD-93E2-E3B085C9AB24}">
+                <p16:designElem xmlns:p16="http://schemas.microsoft.com/office/powerpoint/2015/main" val="1"/>
+              </p:ext>
+            </p:extLst>
+          </p:nvPr>
+        </p:nvSpPr>
+        <p:spPr>
+          <a:xfrm>
+            <a:off x="0" y="0"/>
+            <a:ext cx="457200" cy="6858000"/>
+          </a:xfrm>
+          <a:prstGeom prst="rect">
+            <a:avLst/>
+          </a:prstGeom>
+          <a:solidFill>
+            <a:srgbClr val="303030"/>
+          </a:solidFill>
+          <a:ln>
+            <a:noFill/>
+          </a:ln>
+        </p:spPr>
+        <p:style>
+          <a:lnRef idx="2">
+            <a:schemeClr val="accent1">
+              <a:shade val="50000"/>
+            </a:schemeClr>
+          </a:lnRef>
+          <a:fillRef idx="1">
+            <a:schemeClr val="accent1"/>
+          </a:fillRef>
+          <a:effectRef idx="0">
+            <a:schemeClr val="accent1"/>
+          </a:effectRef>
+          <a:fontRef idx="minor">
+            <a:schemeClr val="lt1"/>
+          </a:fontRef>
+        </p:style>
+        <p:txBody>
+          <a:bodyPr/>
+          <a:lstStyle/>
+          <a:p>
+            <a:endParaRPr lang="en-GB"/>
+          </a:p>
+        </p:txBody>
+      </p:sp>
+      <p:sp>
+        <p:nvSpPr>
+          <p:cNvPr id="2" name="Title 1">
+            <a:extLst>
+              <a:ext uri="{FF2B5EF4-FFF2-40B4-BE49-F238E27FC236}">
+                <a16:creationId xmlns:a16="http://schemas.microsoft.com/office/drawing/2014/main" id="{0AD15512-9FE6-987A-C608-5A9D3B2047EC}"/>
+              </a:ext>
+            </a:extLst>
+          </p:cNvPr>
+          <p:cNvSpPr>
+            <a:spLocks noGrp="1"/>
+          </p:cNvSpPr>
+          <p:nvPr>
+            <p:ph type="title"/>
+          </p:nvPr>
+        </p:nvSpPr>
+        <p:spPr>
+          <a:xfrm>
+            <a:off x="5522600" y="758952"/>
+            <a:ext cx="5157591" cy="4041648"/>
+          </a:xfrm>
+        </p:spPr>
+        <p:txBody>
+          <a:bodyPr vert="horz" lIns="91440" tIns="45720" rIns="91440" bIns="45720" rtlCol="0" anchor="b">
+            <a:normAutofit/>
+          </a:bodyPr>
+          <a:lstStyle/>
+          <a:p>
+            <a:pPr>
+              <a:lnSpc>
+                <a:spcPct val="85000"/>
+              </a:lnSpc>
+            </a:pPr>
+            <a:r>
+              <a:rPr lang="en-US" sz="3400"/>
+              <a:t>At the end of the day all players have many cards so we can model this as a “Deck”</a:t>
+            </a:r>
+            <a:br>
+              <a:rPr lang="en-US" sz="3400"/>
+            </a:br>
+            <a:br>
+              <a:rPr lang="en-US" sz="3400"/>
+            </a:br>
+            <a:r>
+              <a:rPr lang="en-US" sz="3400"/>
+              <a:t>However, we will need to place these cards into different “Stacks”</a:t>
+            </a:r>
+          </a:p>
+        </p:txBody>
+      </p:sp>
+      <p:sp>
+        <p:nvSpPr>
+          <p:cNvPr id="25" name="Rectangle 24">
+            <a:extLst>
+              <a:ext uri="{FF2B5EF4-FFF2-40B4-BE49-F238E27FC236}">
+                <a16:creationId xmlns:a16="http://schemas.microsoft.com/office/drawing/2014/main" id="{D3413A8A-4C21-4D2E-A92A-11B2841B54A6}"/>
+              </a:ext>
+              <a:ext uri="{C183D7F6-B498-43B3-948B-1728B52AA6E4}">
+                <adec:decorative xmlns:adec="http://schemas.microsoft.com/office/drawing/2017/decorative" val="1"/>
+              </a:ext>
+            </a:extLst>
+          </p:cNvPr>
+          <p:cNvSpPr>
+            <a:spLocks noGrp="1" noRot="1" noChangeAspect="1" noMove="1" noResize="1" noEditPoints="1" noAdjustHandles="1" noChangeArrowheads="1" noChangeShapeType="1" noTextEdit="1"/>
+          </p:cNvSpPr>
+          <p:nvPr>
+            <p:extLst>
+              <p:ext uri="{386F3935-93C4-4BCD-93E2-E3B085C9AB24}">
+                <p16:designElem xmlns:p16="http://schemas.microsoft.com/office/powerpoint/2015/main" val="1"/>
+              </p:ext>
+            </p:extLst>
+          </p:nvPr>
+        </p:nvSpPr>
+        <p:spPr>
+          <a:xfrm>
+            <a:off x="452284" y="0"/>
+            <a:ext cx="4619968" cy="6858000"/>
+          </a:xfrm>
+          <a:prstGeom prst="rect">
+            <a:avLst/>
+          </a:prstGeom>
+          <a:solidFill>
+            <a:srgbClr val="FFFFFF"/>
+          </a:solidFill>
+          <a:ln>
+            <a:noFill/>
+          </a:ln>
+        </p:spPr>
+        <p:style>
+          <a:lnRef idx="2">
+            <a:schemeClr val="accent1">
+              <a:shade val="50000"/>
+            </a:schemeClr>
+          </a:lnRef>
+          <a:fillRef idx="1">
+            <a:schemeClr val="accent1"/>
+          </a:fillRef>
+          <a:effectRef idx="0">
+            <a:schemeClr val="accent1"/>
+          </a:effectRef>
+          <a:fontRef idx="minor">
+            <a:schemeClr val="lt1"/>
+          </a:fontRef>
+        </p:style>
+        <p:txBody>
+          <a:bodyPr rtlCol="0" anchor="ctr"/>
+          <a:lstStyle/>
+          <a:p>
+            <a:pPr algn="ctr"/>
+            <a:endParaRPr lang="en-US"/>
+          </a:p>
+        </p:txBody>
+      </p:sp>
+      <p:pic>
+        <p:nvPicPr>
+          <p:cNvPr id="4" name="Graphic 3">
+            <a:extLst>
+              <a:ext uri="{FF2B5EF4-FFF2-40B4-BE49-F238E27FC236}">
+                <a16:creationId xmlns:a16="http://schemas.microsoft.com/office/drawing/2014/main" id="{6D7CC77C-A2A3-3857-3876-42B8BF6D7ABE}"/>
+              </a:ext>
+            </a:extLst>
+          </p:cNvPr>
+          <p:cNvPicPr>
+            <a:picLocks noChangeAspect="1"/>
+          </p:cNvPicPr>
+          <p:nvPr/>
+        </p:nvPicPr>
+        <p:blipFill>
+          <a:blip r:embed="rId2">
+            <a:extLst>
+              <a:ext uri="{28A0092B-C50C-407E-A947-70E740481C1C}">
+                <a14:useLocalDpi xmlns:a14="http://schemas.microsoft.com/office/drawing/2010/main" val="0"/>
+              </a:ext>
+              <a:ext uri="{96DAC541-7B7A-43D3-8B79-37D633B846F1}">
+                <asvg:svgBlip xmlns:asvg="http://schemas.microsoft.com/office/drawing/2016/SVG/main" r:embed="rId3"/>
+              </a:ext>
+            </a:extLst>
+          </a:blip>
+          <a:stretch>
+            <a:fillRect/>
+          </a:stretch>
+        </p:blipFill>
+        <p:spPr>
+          <a:xfrm>
+            <a:off x="1252462" y="620720"/>
+            <a:ext cx="3047141" cy="5607461"/>
+          </a:xfrm>
+          <a:prstGeom prst="rect">
+            <a:avLst/>
+          </a:prstGeom>
+        </p:spPr>
+      </p:pic>
+    </p:spTree>
+    <p:extLst>
+      <p:ext uri="{BB962C8B-B14F-4D97-AF65-F5344CB8AC3E}">
+        <p14:creationId xmlns:p14="http://schemas.microsoft.com/office/powerpoint/2010/main" val="3132196112"/>
+      </p:ext>
+    </p:extLst>
+  </p:cSld>
+  <p:clrMapOvr>
+    <a:masterClrMapping/>
+  </p:clrMapOvr>
+  <mc:AlternateContent xmlns:mc="http://schemas.openxmlformats.org/markup-compatibility/2006" xmlns:p159="http://schemas.microsoft.com/office/powerpoint/2015/09/main">
+    <mc:Choice Requires="p159">
+      <p:transition xmlns:p14="http://schemas.microsoft.com/office/powerpoint/2010/main" spd="slow" p14:dur="2000">
+        <p159:morph option="byObject"/>
+      </p:transition>
+    </mc:Choice>
+    <mc:Fallback xmlns="">
+      <p:transition spd="slow">
+        <p:fade/>
+      </p:transition>
+    </mc:Fallback>
+  </mc:AlternateContent>
+</p:sld>
+</file>
+
+<file path=ppt/slides/slide19.xml><?xml version="1.0" encoding="utf-8"?>
+<p:sld xmlns:a="http://schemas.openxmlformats.org/drawingml/2006/main" xmlns:r="http://schemas.openxmlformats.org/officeDocument/2006/relationships" xmlns:p="http://schemas.openxmlformats.org/presentationml/2006/main">
+  <p:cSld>
+    <p:bg>
+      <p:bgPr>
+        <a:solidFill>
+          <a:schemeClr val="bg1"/>
+        </a:solidFill>
+        <a:effectLst/>
+      </p:bgPr>
+    </p:bg>
+    <p:spTree>
+      <p:nvGrpSpPr>
+        <p:cNvPr id="1" name="">
+          <a:extLst>
+            <a:ext uri="{FF2B5EF4-FFF2-40B4-BE49-F238E27FC236}">
+              <a16:creationId xmlns:a16="http://schemas.microsoft.com/office/drawing/2014/main" id="{F0470BC2-8955-BB26-8053-6AD045BADF27}"/>
+            </a:ext>
+          </a:extLst>
+        </p:cNvPr>
+        <p:cNvGrpSpPr/>
+        <p:nvPr/>
+      </p:nvGrpSpPr>
+      <p:grpSpPr>
+        <a:xfrm>
+          <a:off x="0" y="0"/>
+          <a:ext cx="0" cy="0"/>
+          <a:chOff x="0" y="0"/>
+          <a:chExt cx="0" cy="0"/>
+        </a:xfrm>
+      </p:grpSpPr>
+      <p:sp>
+        <p:nvSpPr>
+          <p:cNvPr id="21" name="Rectangle 20">
+            <a:extLst>
+              <a:ext uri="{FF2B5EF4-FFF2-40B4-BE49-F238E27FC236}">
+                <a16:creationId xmlns:a16="http://schemas.microsoft.com/office/drawing/2014/main" id="{F0FD769F-BDEE-4149-8C98-A92F1F8A145F}"/>
+              </a:ext>
+              <a:ext uri="{C183D7F6-B498-43B3-948B-1728B52AA6E4}">
+                <adec:decorative xmlns:adec="http://schemas.microsoft.com/office/drawing/2017/decorative" val="1"/>
+              </a:ext>
+            </a:extLst>
+          </p:cNvPr>
+          <p:cNvSpPr>
+            <a:spLocks noGrp="1" noRot="1" noChangeAspect="1" noMove="1" noResize="1" noEditPoints="1" noAdjustHandles="1" noChangeArrowheads="1" noChangeShapeType="1" noTextEdit="1"/>
+          </p:cNvSpPr>
+          <p:nvPr>
+            <p:extLst>
+              <p:ext uri="{386F3935-93C4-4BCD-93E2-E3B085C9AB24}">
+                <p16:designElem xmlns:p16="http://schemas.microsoft.com/office/powerpoint/2015/main" val="1"/>
+              </p:ext>
+            </p:extLst>
+          </p:nvPr>
+        </p:nvSpPr>
+        <p:spPr>
+          <a:xfrm>
+            <a:off x="11292840" y="0"/>
+            <a:ext cx="914400" cy="6858000"/>
+          </a:xfrm>
+          <a:prstGeom prst="rect">
+            <a:avLst/>
+          </a:prstGeom>
+          <a:solidFill>
+            <a:srgbClr val="303030"/>
+          </a:solidFill>
+          <a:ln>
+            <a:noFill/>
+          </a:ln>
+        </p:spPr>
+        <p:style>
+          <a:lnRef idx="2">
+            <a:schemeClr val="accent1">
+              <a:shade val="50000"/>
+            </a:schemeClr>
+          </a:lnRef>
+          <a:fillRef idx="1">
+            <a:schemeClr val="accent1"/>
+          </a:fillRef>
+          <a:effectRef idx="0">
+            <a:schemeClr val="accent1"/>
+          </a:effectRef>
+          <a:fontRef idx="minor">
+            <a:schemeClr val="lt1"/>
+          </a:fontRef>
+        </p:style>
+        <p:txBody>
+          <a:bodyPr/>
+          <a:lstStyle/>
+          <a:p>
+            <a:endParaRPr lang="en-GB"/>
+          </a:p>
+        </p:txBody>
+      </p:sp>
+      <p:sp>
+        <p:nvSpPr>
+          <p:cNvPr id="23" name="Rectangle 22">
+            <a:extLst>
+              <a:ext uri="{FF2B5EF4-FFF2-40B4-BE49-F238E27FC236}">
+                <a16:creationId xmlns:a16="http://schemas.microsoft.com/office/drawing/2014/main" id="{DC00EF3B-797F-4060-9460-6EEF08B1B150}"/>
+              </a:ext>
+              <a:ext uri="{C183D7F6-B498-43B3-948B-1728B52AA6E4}">
+                <adec:decorative xmlns:adec="http://schemas.microsoft.com/office/drawing/2017/decorative" val="1"/>
+              </a:ext>
+            </a:extLst>
+          </p:cNvPr>
+          <p:cNvSpPr>
+            <a:spLocks noGrp="1" noRot="1" noChangeAspect="1" noMove="1" noResize="1" noEditPoints="1" noAdjustHandles="1" noChangeArrowheads="1" noChangeShapeType="1" noTextEdit="1"/>
+          </p:cNvSpPr>
+          <p:nvPr>
+            <p:extLst>
+              <p:ext uri="{386F3935-93C4-4BCD-93E2-E3B085C9AB24}">
+                <p16:designElem xmlns:p16="http://schemas.microsoft.com/office/powerpoint/2015/main" val="1"/>
+              </p:ext>
+            </p:extLst>
+          </p:nvPr>
+        </p:nvSpPr>
+        <p:spPr>
+          <a:xfrm>
+            <a:off x="0" y="0"/>
+            <a:ext cx="457200" cy="6858000"/>
+          </a:xfrm>
+          <a:prstGeom prst="rect">
+            <a:avLst/>
+          </a:prstGeom>
+          <a:solidFill>
+            <a:srgbClr val="303030"/>
+          </a:solidFill>
+          <a:ln>
+            <a:noFill/>
+          </a:ln>
+        </p:spPr>
+        <p:style>
+          <a:lnRef idx="2">
+            <a:schemeClr val="accent1">
+              <a:shade val="50000"/>
+            </a:schemeClr>
+          </a:lnRef>
+          <a:fillRef idx="1">
+            <a:schemeClr val="accent1"/>
+          </a:fillRef>
+          <a:effectRef idx="0">
+            <a:schemeClr val="accent1"/>
+          </a:effectRef>
+          <a:fontRef idx="minor">
+            <a:schemeClr val="lt1"/>
+          </a:fontRef>
+        </p:style>
+        <p:txBody>
+          <a:bodyPr/>
+          <a:lstStyle/>
+          <a:p>
+            <a:endParaRPr lang="en-GB"/>
+          </a:p>
+        </p:txBody>
+      </p:sp>
+      <p:sp>
+        <p:nvSpPr>
+          <p:cNvPr id="2" name="Title 1">
+            <a:extLst>
+              <a:ext uri="{FF2B5EF4-FFF2-40B4-BE49-F238E27FC236}">
+                <a16:creationId xmlns:a16="http://schemas.microsoft.com/office/drawing/2014/main" id="{8487493E-F349-27B7-C27B-1EF180BA3D05}"/>
+              </a:ext>
+            </a:extLst>
+          </p:cNvPr>
+          <p:cNvSpPr>
+            <a:spLocks noGrp="1"/>
+          </p:cNvSpPr>
+          <p:nvPr>
+            <p:ph type="title"/>
+          </p:nvPr>
+        </p:nvSpPr>
+        <p:spPr>
+          <a:xfrm>
+            <a:off x="5522600" y="758952"/>
+            <a:ext cx="5157591" cy="4041648"/>
+          </a:xfrm>
+        </p:spPr>
+        <p:txBody>
+          <a:bodyPr vert="horz" lIns="91440" tIns="45720" rIns="91440" bIns="45720" rtlCol="0" anchor="b">
+            <a:normAutofit/>
+          </a:bodyPr>
+          <a:lstStyle/>
+          <a:p>
+            <a:pPr>
+              <a:lnSpc>
+                <a:spcPct val="85000"/>
+              </a:lnSpc>
+            </a:pPr>
+            <a:r>
+              <a:rPr lang="en-US" sz="3400"/>
+              <a:t>We can create containers that can contain many cards in a deck</a:t>
+            </a:r>
+            <a:br>
+              <a:rPr lang="en-US" sz="3400"/>
+            </a:br>
+            <a:br>
+              <a:rPr lang="en-US" sz="3400"/>
+            </a:br>
+            <a:r>
+              <a:rPr lang="en-US" sz="3400"/>
+              <a:t>However, we might need to sort or shuffle these stacks</a:t>
+            </a:r>
+          </a:p>
+        </p:txBody>
+      </p:sp>
+      <p:sp>
+        <p:nvSpPr>
+          <p:cNvPr id="25" name="Rectangle 24">
+            <a:extLst>
+              <a:ext uri="{FF2B5EF4-FFF2-40B4-BE49-F238E27FC236}">
+                <a16:creationId xmlns:a16="http://schemas.microsoft.com/office/drawing/2014/main" id="{D3413A8A-4C21-4D2E-A92A-11B2841B54A6}"/>
+              </a:ext>
+              <a:ext uri="{C183D7F6-B498-43B3-948B-1728B52AA6E4}">
+                <adec:decorative xmlns:adec="http://schemas.microsoft.com/office/drawing/2017/decorative" val="1"/>
+              </a:ext>
+            </a:extLst>
+          </p:cNvPr>
+          <p:cNvSpPr>
+            <a:spLocks noGrp="1" noRot="1" noChangeAspect="1" noMove="1" noResize="1" noEditPoints="1" noAdjustHandles="1" noChangeArrowheads="1" noChangeShapeType="1" noTextEdit="1"/>
+          </p:cNvSpPr>
+          <p:nvPr>
+            <p:extLst>
+              <p:ext uri="{386F3935-93C4-4BCD-93E2-E3B085C9AB24}">
+                <p16:designElem xmlns:p16="http://schemas.microsoft.com/office/powerpoint/2015/main" val="1"/>
+              </p:ext>
+            </p:extLst>
+          </p:nvPr>
+        </p:nvSpPr>
+        <p:spPr>
+          <a:xfrm>
+            <a:off x="452284" y="0"/>
+            <a:ext cx="4619968" cy="6858000"/>
+          </a:xfrm>
+          <a:prstGeom prst="rect">
+            <a:avLst/>
+          </a:prstGeom>
+          <a:solidFill>
+            <a:srgbClr val="FFFFFF"/>
+          </a:solidFill>
+          <a:ln>
+            <a:noFill/>
+          </a:ln>
+        </p:spPr>
+        <p:style>
+          <a:lnRef idx="2">
+            <a:schemeClr val="accent1">
+              <a:shade val="50000"/>
+            </a:schemeClr>
+          </a:lnRef>
+          <a:fillRef idx="1">
+            <a:schemeClr val="accent1"/>
+          </a:fillRef>
+          <a:effectRef idx="0">
+            <a:schemeClr val="accent1"/>
+          </a:effectRef>
+          <a:fontRef idx="minor">
+            <a:schemeClr val="lt1"/>
+          </a:fontRef>
+        </p:style>
+        <p:txBody>
+          <a:bodyPr rtlCol="0" anchor="ctr"/>
+          <a:lstStyle/>
+          <a:p>
+            <a:pPr algn="ctr"/>
+            <a:endParaRPr lang="en-US"/>
+          </a:p>
+        </p:txBody>
+      </p:sp>
+      <p:pic>
+        <p:nvPicPr>
+          <p:cNvPr id="6" name="Graphic 5">
+            <a:extLst>
+              <a:ext uri="{FF2B5EF4-FFF2-40B4-BE49-F238E27FC236}">
+                <a16:creationId xmlns:a16="http://schemas.microsoft.com/office/drawing/2014/main" id="{6774C9BC-FD86-07AD-6214-6ECEA9BEB565}"/>
+              </a:ext>
+            </a:extLst>
+          </p:cNvPr>
+          <p:cNvPicPr>
+            <a:picLocks noChangeAspect="1"/>
+          </p:cNvPicPr>
+          <p:nvPr/>
+        </p:nvPicPr>
+        <p:blipFill>
+          <a:blip r:embed="rId2">
+            <a:extLst>
+              <a:ext uri="{28A0092B-C50C-407E-A947-70E740481C1C}">
+                <a14:useLocalDpi xmlns:a14="http://schemas.microsoft.com/office/drawing/2010/main" val="0"/>
+              </a:ext>
+              <a:ext uri="{96DAC541-7B7A-43D3-8B79-37D633B846F1}">
+                <asvg:svgBlip xmlns:asvg="http://schemas.microsoft.com/office/drawing/2016/SVG/main" r:embed="rId3"/>
+              </a:ext>
+            </a:extLst>
+          </a:blip>
+          <a:stretch>
+            <a:fillRect/>
+          </a:stretch>
+        </p:blipFill>
+        <p:spPr>
+          <a:xfrm>
+            <a:off x="1074946" y="620720"/>
+            <a:ext cx="3402173" cy="5607461"/>
+          </a:xfrm>
+          <a:prstGeom prst="rect">
+            <a:avLst/>
+          </a:prstGeom>
+        </p:spPr>
+      </p:pic>
+    </p:spTree>
+    <p:extLst>
+      <p:ext uri="{BB962C8B-B14F-4D97-AF65-F5344CB8AC3E}">
+        <p14:creationId xmlns:p14="http://schemas.microsoft.com/office/powerpoint/2010/main" val="3335952759"/>
+      </p:ext>
+    </p:extLst>
+  </p:cSld>
+  <p:clrMapOvr>
+    <a:masterClrMapping/>
+  </p:clrMapOvr>
+  <mc:AlternateContent xmlns:mc="http://schemas.openxmlformats.org/markup-compatibility/2006" xmlns:p159="http://schemas.microsoft.com/office/powerpoint/2015/09/main">
+    <mc:Choice Requires="p159">
+      <p:transition xmlns:p14="http://schemas.microsoft.com/office/powerpoint/2010/main" spd="slow" p14:dur="2000">
+        <p159:morph option="byObject"/>
+      </p:transition>
+    </mc:Choice>
+    <mc:Fallback xmlns="">
+      <p:transition spd="slow">
+        <p:fade/>
+      </p:transition>
+    </mc:Fallback>
+  </mc:AlternateContent>
 </p:sld>
 </file>
 
@@ -6896,7 +11094,6 @@
               <a:rPr lang="en-GB"/>
               <a:t>Aims of presentation</a:t>
             </a:r>
-            <a:endParaRPr lang="en-GB" dirty="0"/>
           </a:p>
         </p:txBody>
       </p:sp>
@@ -6916,7 +11113,7 @@
             <p:ph idx="1"/>
             <p:extLst>
               <p:ext uri="{D42A27DB-BD31-4B8C-83A1-F6EECF244321}">
-                <p14:modId xmlns:p14="http://schemas.microsoft.com/office/powerpoint/2010/main" val="2738469149"/>
+                <p14:modId xmlns:p14="http://schemas.microsoft.com/office/powerpoint/2010/main" val="1253233015"/>
               </p:ext>
             </p:extLst>
           </p:nvPr>
@@ -6981,7 +11178,7 @@
           <a:lstStyle/>
           <a:p>
             <a:pPr algn="ctr"/>
-            <a:endParaRPr lang="en-GB" dirty="0"/>
+            <a:endParaRPr lang="en-GB"/>
           </a:p>
         </p:txBody>
       </p:sp>
@@ -7034,6 +11231,2169 @@
   <p:clrMapOvr>
     <a:masterClrMapping/>
   </p:clrMapOvr>
+</p:sld>
+</file>
+
+<file path=ppt/slides/slide20.xml><?xml version="1.0" encoding="utf-8"?>
+<p:sld xmlns:a="http://schemas.openxmlformats.org/drawingml/2006/main" xmlns:r="http://schemas.openxmlformats.org/officeDocument/2006/relationships" xmlns:p="http://schemas.openxmlformats.org/presentationml/2006/main">
+  <p:cSld>
+    <p:bg>
+      <p:bgPr>
+        <a:solidFill>
+          <a:schemeClr val="bg1"/>
+        </a:solidFill>
+        <a:effectLst/>
+      </p:bgPr>
+    </p:bg>
+    <p:spTree>
+      <p:nvGrpSpPr>
+        <p:cNvPr id="1" name="">
+          <a:extLst>
+            <a:ext uri="{FF2B5EF4-FFF2-40B4-BE49-F238E27FC236}">
+              <a16:creationId xmlns:a16="http://schemas.microsoft.com/office/drawing/2014/main" id="{8C1DC71E-93AA-D0E6-1067-4C624AC4BB22}"/>
+            </a:ext>
+          </a:extLst>
+        </p:cNvPr>
+        <p:cNvGrpSpPr/>
+        <p:nvPr/>
+      </p:nvGrpSpPr>
+      <p:grpSpPr>
+        <a:xfrm>
+          <a:off x="0" y="0"/>
+          <a:ext cx="0" cy="0"/>
+          <a:chOff x="0" y="0"/>
+          <a:chExt cx="0" cy="0"/>
+        </a:xfrm>
+      </p:grpSpPr>
+      <p:sp>
+        <p:nvSpPr>
+          <p:cNvPr id="21" name="Rectangle 20">
+            <a:extLst>
+              <a:ext uri="{FF2B5EF4-FFF2-40B4-BE49-F238E27FC236}">
+                <a16:creationId xmlns:a16="http://schemas.microsoft.com/office/drawing/2014/main" id="{F0FD769F-BDEE-4149-8C98-A92F1F8A145F}"/>
+              </a:ext>
+              <a:ext uri="{C183D7F6-B498-43B3-948B-1728B52AA6E4}">
+                <adec:decorative xmlns:adec="http://schemas.microsoft.com/office/drawing/2017/decorative" val="1"/>
+              </a:ext>
+            </a:extLst>
+          </p:cNvPr>
+          <p:cNvSpPr>
+            <a:spLocks noGrp="1" noRot="1" noChangeAspect="1" noMove="1" noResize="1" noEditPoints="1" noAdjustHandles="1" noChangeArrowheads="1" noChangeShapeType="1" noTextEdit="1"/>
+          </p:cNvSpPr>
+          <p:nvPr>
+            <p:extLst>
+              <p:ext uri="{386F3935-93C4-4BCD-93E2-E3B085C9AB24}">
+                <p16:designElem xmlns:p16="http://schemas.microsoft.com/office/powerpoint/2015/main" val="1"/>
+              </p:ext>
+            </p:extLst>
+          </p:nvPr>
+        </p:nvSpPr>
+        <p:spPr>
+          <a:xfrm>
+            <a:off x="11292840" y="0"/>
+            <a:ext cx="914400" cy="6858000"/>
+          </a:xfrm>
+          <a:prstGeom prst="rect">
+            <a:avLst/>
+          </a:prstGeom>
+          <a:solidFill>
+            <a:srgbClr val="303030"/>
+          </a:solidFill>
+          <a:ln>
+            <a:noFill/>
+          </a:ln>
+        </p:spPr>
+        <p:style>
+          <a:lnRef idx="2">
+            <a:schemeClr val="accent1">
+              <a:shade val="50000"/>
+            </a:schemeClr>
+          </a:lnRef>
+          <a:fillRef idx="1">
+            <a:schemeClr val="accent1"/>
+          </a:fillRef>
+          <a:effectRef idx="0">
+            <a:schemeClr val="accent1"/>
+          </a:effectRef>
+          <a:fontRef idx="minor">
+            <a:schemeClr val="lt1"/>
+          </a:fontRef>
+        </p:style>
+        <p:txBody>
+          <a:bodyPr/>
+          <a:lstStyle/>
+          <a:p>
+            <a:endParaRPr lang="en-GB"/>
+          </a:p>
+        </p:txBody>
+      </p:sp>
+      <p:sp>
+        <p:nvSpPr>
+          <p:cNvPr id="23" name="Rectangle 22">
+            <a:extLst>
+              <a:ext uri="{FF2B5EF4-FFF2-40B4-BE49-F238E27FC236}">
+                <a16:creationId xmlns:a16="http://schemas.microsoft.com/office/drawing/2014/main" id="{DC00EF3B-797F-4060-9460-6EEF08B1B150}"/>
+              </a:ext>
+              <a:ext uri="{C183D7F6-B498-43B3-948B-1728B52AA6E4}">
+                <adec:decorative xmlns:adec="http://schemas.microsoft.com/office/drawing/2017/decorative" val="1"/>
+              </a:ext>
+            </a:extLst>
+          </p:cNvPr>
+          <p:cNvSpPr>
+            <a:spLocks noGrp="1" noRot="1" noChangeAspect="1" noMove="1" noResize="1" noEditPoints="1" noAdjustHandles="1" noChangeArrowheads="1" noChangeShapeType="1" noTextEdit="1"/>
+          </p:cNvSpPr>
+          <p:nvPr>
+            <p:extLst>
+              <p:ext uri="{386F3935-93C4-4BCD-93E2-E3B085C9AB24}">
+                <p16:designElem xmlns:p16="http://schemas.microsoft.com/office/powerpoint/2015/main" val="1"/>
+              </p:ext>
+            </p:extLst>
+          </p:nvPr>
+        </p:nvSpPr>
+        <p:spPr>
+          <a:xfrm>
+            <a:off x="0" y="0"/>
+            <a:ext cx="457200" cy="6858000"/>
+          </a:xfrm>
+          <a:prstGeom prst="rect">
+            <a:avLst/>
+          </a:prstGeom>
+          <a:solidFill>
+            <a:srgbClr val="303030"/>
+          </a:solidFill>
+          <a:ln>
+            <a:noFill/>
+          </a:ln>
+        </p:spPr>
+        <p:style>
+          <a:lnRef idx="2">
+            <a:schemeClr val="accent1">
+              <a:shade val="50000"/>
+            </a:schemeClr>
+          </a:lnRef>
+          <a:fillRef idx="1">
+            <a:schemeClr val="accent1"/>
+          </a:fillRef>
+          <a:effectRef idx="0">
+            <a:schemeClr val="accent1"/>
+          </a:effectRef>
+          <a:fontRef idx="minor">
+            <a:schemeClr val="lt1"/>
+          </a:fontRef>
+        </p:style>
+        <p:txBody>
+          <a:bodyPr/>
+          <a:lstStyle/>
+          <a:p>
+            <a:endParaRPr lang="en-GB"/>
+          </a:p>
+        </p:txBody>
+      </p:sp>
+      <p:sp>
+        <p:nvSpPr>
+          <p:cNvPr id="2" name="Title 1">
+            <a:extLst>
+              <a:ext uri="{FF2B5EF4-FFF2-40B4-BE49-F238E27FC236}">
+                <a16:creationId xmlns:a16="http://schemas.microsoft.com/office/drawing/2014/main" id="{36AA3CC6-F762-E973-D39A-D47C9A684A03}"/>
+              </a:ext>
+            </a:extLst>
+          </p:cNvPr>
+          <p:cNvSpPr>
+            <a:spLocks noGrp="1"/>
+          </p:cNvSpPr>
+          <p:nvPr>
+            <p:ph type="title"/>
+          </p:nvPr>
+        </p:nvSpPr>
+        <p:spPr>
+          <a:xfrm>
+            <a:off x="5522600" y="758952"/>
+            <a:ext cx="5157591" cy="4041648"/>
+          </a:xfrm>
+        </p:spPr>
+        <p:txBody>
+          <a:bodyPr vert="horz" lIns="91440" tIns="45720" rIns="91440" bIns="45720" rtlCol="0" anchor="b">
+            <a:normAutofit/>
+          </a:bodyPr>
+          <a:lstStyle/>
+          <a:p>
+            <a:pPr>
+              <a:lnSpc>
+                <a:spcPct val="85000"/>
+              </a:lnSpc>
+            </a:pPr>
+            <a:r>
+              <a:rPr lang="en-US" sz="3400"/>
+              <a:t>We can create containers that can contain many cards in a deck</a:t>
+            </a:r>
+            <a:br>
+              <a:rPr lang="en-US" sz="3400"/>
+            </a:br>
+            <a:br>
+              <a:rPr lang="en-US" sz="3400"/>
+            </a:br>
+            <a:r>
+              <a:rPr lang="en-US" sz="3400"/>
+              <a:t>However, we might need to sort or shuffle these stacks</a:t>
+            </a:r>
+          </a:p>
+        </p:txBody>
+      </p:sp>
+      <p:sp>
+        <p:nvSpPr>
+          <p:cNvPr id="25" name="Rectangle 24">
+            <a:extLst>
+              <a:ext uri="{FF2B5EF4-FFF2-40B4-BE49-F238E27FC236}">
+                <a16:creationId xmlns:a16="http://schemas.microsoft.com/office/drawing/2014/main" id="{D3413A8A-4C21-4D2E-A92A-11B2841B54A6}"/>
+              </a:ext>
+              <a:ext uri="{C183D7F6-B498-43B3-948B-1728B52AA6E4}">
+                <adec:decorative xmlns:adec="http://schemas.microsoft.com/office/drawing/2017/decorative" val="1"/>
+              </a:ext>
+            </a:extLst>
+          </p:cNvPr>
+          <p:cNvSpPr>
+            <a:spLocks noGrp="1" noRot="1" noChangeAspect="1" noMove="1" noResize="1" noEditPoints="1" noAdjustHandles="1" noChangeArrowheads="1" noChangeShapeType="1" noTextEdit="1"/>
+          </p:cNvSpPr>
+          <p:nvPr>
+            <p:extLst>
+              <p:ext uri="{386F3935-93C4-4BCD-93E2-E3B085C9AB24}">
+                <p16:designElem xmlns:p16="http://schemas.microsoft.com/office/powerpoint/2015/main" val="1"/>
+              </p:ext>
+            </p:extLst>
+          </p:nvPr>
+        </p:nvSpPr>
+        <p:spPr>
+          <a:xfrm>
+            <a:off x="452284" y="0"/>
+            <a:ext cx="4619968" cy="6858000"/>
+          </a:xfrm>
+          <a:prstGeom prst="rect">
+            <a:avLst/>
+          </a:prstGeom>
+          <a:solidFill>
+            <a:srgbClr val="FFFFFF"/>
+          </a:solidFill>
+          <a:ln>
+            <a:noFill/>
+          </a:ln>
+        </p:spPr>
+        <p:style>
+          <a:lnRef idx="2">
+            <a:schemeClr val="accent1">
+              <a:shade val="50000"/>
+            </a:schemeClr>
+          </a:lnRef>
+          <a:fillRef idx="1">
+            <a:schemeClr val="accent1"/>
+          </a:fillRef>
+          <a:effectRef idx="0">
+            <a:schemeClr val="accent1"/>
+          </a:effectRef>
+          <a:fontRef idx="minor">
+            <a:schemeClr val="lt1"/>
+          </a:fontRef>
+        </p:style>
+        <p:txBody>
+          <a:bodyPr rtlCol="0" anchor="ctr"/>
+          <a:lstStyle/>
+          <a:p>
+            <a:pPr algn="ctr"/>
+            <a:endParaRPr lang="en-US"/>
+          </a:p>
+        </p:txBody>
+      </p:sp>
+      <p:pic>
+        <p:nvPicPr>
+          <p:cNvPr id="4" name="Graphic 3">
+            <a:extLst>
+              <a:ext uri="{FF2B5EF4-FFF2-40B4-BE49-F238E27FC236}">
+                <a16:creationId xmlns:a16="http://schemas.microsoft.com/office/drawing/2014/main" id="{9551D1B8-ED2A-CB53-759B-DD8A84AC6FE3}"/>
+              </a:ext>
+            </a:extLst>
+          </p:cNvPr>
+          <p:cNvPicPr>
+            <a:picLocks noChangeAspect="1"/>
+          </p:cNvPicPr>
+          <p:nvPr/>
+        </p:nvPicPr>
+        <p:blipFill>
+          <a:blip r:embed="rId2">
+            <a:extLst>
+              <a:ext uri="{28A0092B-C50C-407E-A947-70E740481C1C}">
+                <a14:useLocalDpi xmlns:a14="http://schemas.microsoft.com/office/drawing/2010/main" val="0"/>
+              </a:ext>
+              <a:ext uri="{96DAC541-7B7A-43D3-8B79-37D633B846F1}">
+                <asvg:svgBlip xmlns:asvg="http://schemas.microsoft.com/office/drawing/2016/SVG/main" r:embed="rId3"/>
+              </a:ext>
+            </a:extLst>
+          </a:blip>
+          <a:stretch>
+            <a:fillRect/>
+          </a:stretch>
+        </p:blipFill>
+        <p:spPr>
+          <a:xfrm>
+            <a:off x="916751" y="1198550"/>
+            <a:ext cx="3718563" cy="4451800"/>
+          </a:xfrm>
+          <a:prstGeom prst="rect">
+            <a:avLst/>
+          </a:prstGeom>
+        </p:spPr>
+      </p:pic>
+    </p:spTree>
+    <p:extLst>
+      <p:ext uri="{BB962C8B-B14F-4D97-AF65-F5344CB8AC3E}">
+        <p14:creationId xmlns:p14="http://schemas.microsoft.com/office/powerpoint/2010/main" val="3248232570"/>
+      </p:ext>
+    </p:extLst>
+  </p:cSld>
+  <p:clrMapOvr>
+    <a:masterClrMapping/>
+  </p:clrMapOvr>
+  <mc:AlternateContent xmlns:mc="http://schemas.openxmlformats.org/markup-compatibility/2006" xmlns:p159="http://schemas.microsoft.com/office/powerpoint/2015/09/main">
+    <mc:Choice Requires="p159">
+      <p:transition xmlns:p14="http://schemas.microsoft.com/office/powerpoint/2010/main" spd="slow" p14:dur="2000">
+        <p159:morph option="byObject"/>
+      </p:transition>
+    </mc:Choice>
+    <mc:Fallback xmlns="">
+      <p:transition spd="slow">
+        <p:fade/>
+      </p:transition>
+    </mc:Fallback>
+  </mc:AlternateContent>
+</p:sld>
+</file>
+
+<file path=ppt/slides/slide21.xml><?xml version="1.0" encoding="utf-8"?>
+<p:sld xmlns:a="http://schemas.openxmlformats.org/drawingml/2006/main" xmlns:r="http://schemas.openxmlformats.org/officeDocument/2006/relationships" xmlns:p="http://schemas.openxmlformats.org/presentationml/2006/main">
+  <p:cSld>
+    <p:bg>
+      <p:bgPr>
+        <a:solidFill>
+          <a:schemeClr val="bg1"/>
+        </a:solidFill>
+        <a:effectLst/>
+      </p:bgPr>
+    </p:bg>
+    <p:spTree>
+      <p:nvGrpSpPr>
+        <p:cNvPr id="1" name="">
+          <a:extLst>
+            <a:ext uri="{FF2B5EF4-FFF2-40B4-BE49-F238E27FC236}">
+              <a16:creationId xmlns:a16="http://schemas.microsoft.com/office/drawing/2014/main" id="{0693CE73-EDD8-761A-2ADD-4104C1D27F17}"/>
+            </a:ext>
+          </a:extLst>
+        </p:cNvPr>
+        <p:cNvGrpSpPr/>
+        <p:nvPr/>
+      </p:nvGrpSpPr>
+      <p:grpSpPr>
+        <a:xfrm>
+          <a:off x="0" y="0"/>
+          <a:ext cx="0" cy="0"/>
+          <a:chOff x="0" y="0"/>
+          <a:chExt cx="0" cy="0"/>
+        </a:xfrm>
+      </p:grpSpPr>
+      <p:sp>
+        <p:nvSpPr>
+          <p:cNvPr id="21" name="Rectangle 20">
+            <a:extLst>
+              <a:ext uri="{FF2B5EF4-FFF2-40B4-BE49-F238E27FC236}">
+                <a16:creationId xmlns:a16="http://schemas.microsoft.com/office/drawing/2014/main" id="{F0FD769F-BDEE-4149-8C98-A92F1F8A145F}"/>
+              </a:ext>
+              <a:ext uri="{C183D7F6-B498-43B3-948B-1728B52AA6E4}">
+                <adec:decorative xmlns:adec="http://schemas.microsoft.com/office/drawing/2017/decorative" val="1"/>
+              </a:ext>
+            </a:extLst>
+          </p:cNvPr>
+          <p:cNvSpPr>
+            <a:spLocks noGrp="1" noRot="1" noChangeAspect="1" noMove="1" noResize="1" noEditPoints="1" noAdjustHandles="1" noChangeArrowheads="1" noChangeShapeType="1" noTextEdit="1"/>
+          </p:cNvSpPr>
+          <p:nvPr>
+            <p:extLst>
+              <p:ext uri="{386F3935-93C4-4BCD-93E2-E3B085C9AB24}">
+                <p16:designElem xmlns:p16="http://schemas.microsoft.com/office/powerpoint/2015/main" val="1"/>
+              </p:ext>
+            </p:extLst>
+          </p:nvPr>
+        </p:nvSpPr>
+        <p:spPr>
+          <a:xfrm>
+            <a:off x="11292840" y="0"/>
+            <a:ext cx="914400" cy="6858000"/>
+          </a:xfrm>
+          <a:prstGeom prst="rect">
+            <a:avLst/>
+          </a:prstGeom>
+          <a:solidFill>
+            <a:srgbClr val="303030"/>
+          </a:solidFill>
+          <a:ln>
+            <a:noFill/>
+          </a:ln>
+        </p:spPr>
+        <p:style>
+          <a:lnRef idx="2">
+            <a:schemeClr val="accent1">
+              <a:shade val="50000"/>
+            </a:schemeClr>
+          </a:lnRef>
+          <a:fillRef idx="1">
+            <a:schemeClr val="accent1"/>
+          </a:fillRef>
+          <a:effectRef idx="0">
+            <a:schemeClr val="accent1"/>
+          </a:effectRef>
+          <a:fontRef idx="minor">
+            <a:schemeClr val="lt1"/>
+          </a:fontRef>
+        </p:style>
+        <p:txBody>
+          <a:bodyPr/>
+          <a:lstStyle/>
+          <a:p>
+            <a:endParaRPr lang="en-GB"/>
+          </a:p>
+        </p:txBody>
+      </p:sp>
+      <p:sp>
+        <p:nvSpPr>
+          <p:cNvPr id="23" name="Rectangle 22">
+            <a:extLst>
+              <a:ext uri="{FF2B5EF4-FFF2-40B4-BE49-F238E27FC236}">
+                <a16:creationId xmlns:a16="http://schemas.microsoft.com/office/drawing/2014/main" id="{DC00EF3B-797F-4060-9460-6EEF08B1B150}"/>
+              </a:ext>
+              <a:ext uri="{C183D7F6-B498-43B3-948B-1728B52AA6E4}">
+                <adec:decorative xmlns:adec="http://schemas.microsoft.com/office/drawing/2017/decorative" val="1"/>
+              </a:ext>
+            </a:extLst>
+          </p:cNvPr>
+          <p:cNvSpPr>
+            <a:spLocks noGrp="1" noRot="1" noChangeAspect="1" noMove="1" noResize="1" noEditPoints="1" noAdjustHandles="1" noChangeArrowheads="1" noChangeShapeType="1" noTextEdit="1"/>
+          </p:cNvSpPr>
+          <p:nvPr>
+            <p:extLst>
+              <p:ext uri="{386F3935-93C4-4BCD-93E2-E3B085C9AB24}">
+                <p16:designElem xmlns:p16="http://schemas.microsoft.com/office/powerpoint/2015/main" val="1"/>
+              </p:ext>
+            </p:extLst>
+          </p:nvPr>
+        </p:nvSpPr>
+        <p:spPr>
+          <a:xfrm>
+            <a:off x="0" y="0"/>
+            <a:ext cx="457200" cy="6858000"/>
+          </a:xfrm>
+          <a:prstGeom prst="rect">
+            <a:avLst/>
+          </a:prstGeom>
+          <a:solidFill>
+            <a:srgbClr val="303030"/>
+          </a:solidFill>
+          <a:ln>
+            <a:noFill/>
+          </a:ln>
+        </p:spPr>
+        <p:style>
+          <a:lnRef idx="2">
+            <a:schemeClr val="accent1">
+              <a:shade val="50000"/>
+            </a:schemeClr>
+          </a:lnRef>
+          <a:fillRef idx="1">
+            <a:schemeClr val="accent1"/>
+          </a:fillRef>
+          <a:effectRef idx="0">
+            <a:schemeClr val="accent1"/>
+          </a:effectRef>
+          <a:fontRef idx="minor">
+            <a:schemeClr val="lt1"/>
+          </a:fontRef>
+        </p:style>
+        <p:txBody>
+          <a:bodyPr/>
+          <a:lstStyle/>
+          <a:p>
+            <a:endParaRPr lang="en-GB"/>
+          </a:p>
+        </p:txBody>
+      </p:sp>
+      <p:sp>
+        <p:nvSpPr>
+          <p:cNvPr id="2" name="Title 1">
+            <a:extLst>
+              <a:ext uri="{FF2B5EF4-FFF2-40B4-BE49-F238E27FC236}">
+                <a16:creationId xmlns:a16="http://schemas.microsoft.com/office/drawing/2014/main" id="{44DDF4A9-824C-F17F-7CD6-9135944673EC}"/>
+              </a:ext>
+            </a:extLst>
+          </p:cNvPr>
+          <p:cNvSpPr>
+            <a:spLocks noGrp="1"/>
+          </p:cNvSpPr>
+          <p:nvPr>
+            <p:ph type="title"/>
+          </p:nvPr>
+        </p:nvSpPr>
+        <p:spPr>
+          <a:xfrm>
+            <a:off x="5522600" y="758952"/>
+            <a:ext cx="5157591" cy="4041648"/>
+          </a:xfrm>
+        </p:spPr>
+        <p:txBody>
+          <a:bodyPr vert="horz" lIns="91440" tIns="45720" rIns="91440" bIns="45720" rtlCol="0" anchor="b">
+            <a:normAutofit/>
+          </a:bodyPr>
+          <a:lstStyle/>
+          <a:p>
+            <a:pPr>
+              <a:lnSpc>
+                <a:spcPct val="85000"/>
+              </a:lnSpc>
+            </a:pPr>
+            <a:r>
+              <a:rPr lang="en-US" sz="3400"/>
+              <a:t>Now we are getting there:</a:t>
+            </a:r>
+            <a:br>
+              <a:rPr lang="en-US" sz="3400"/>
+            </a:br>
+            <a:br>
+              <a:rPr lang="en-US" sz="3400"/>
+            </a:br>
+            <a:r>
+              <a:rPr lang="en-US" sz="3400"/>
+              <a:t>Very extendable, but at the cost of complexity</a:t>
+            </a:r>
+            <a:br>
+              <a:rPr lang="en-US" sz="3400"/>
+            </a:br>
+            <a:br>
+              <a:rPr lang="en-US" sz="3400"/>
+            </a:br>
+            <a:r>
+              <a:rPr lang="en-US" sz="3400"/>
+              <a:t>Final battle is to unburden the main class</a:t>
+            </a:r>
+          </a:p>
+        </p:txBody>
+      </p:sp>
+      <p:sp>
+        <p:nvSpPr>
+          <p:cNvPr id="25" name="Rectangle 24">
+            <a:extLst>
+              <a:ext uri="{FF2B5EF4-FFF2-40B4-BE49-F238E27FC236}">
+                <a16:creationId xmlns:a16="http://schemas.microsoft.com/office/drawing/2014/main" id="{D3413A8A-4C21-4D2E-A92A-11B2841B54A6}"/>
+              </a:ext>
+              <a:ext uri="{C183D7F6-B498-43B3-948B-1728B52AA6E4}">
+                <adec:decorative xmlns:adec="http://schemas.microsoft.com/office/drawing/2017/decorative" val="1"/>
+              </a:ext>
+            </a:extLst>
+          </p:cNvPr>
+          <p:cNvSpPr>
+            <a:spLocks noGrp="1" noRot="1" noChangeAspect="1" noMove="1" noResize="1" noEditPoints="1" noAdjustHandles="1" noChangeArrowheads="1" noChangeShapeType="1" noTextEdit="1"/>
+          </p:cNvSpPr>
+          <p:nvPr>
+            <p:extLst>
+              <p:ext uri="{386F3935-93C4-4BCD-93E2-E3B085C9AB24}">
+                <p16:designElem xmlns:p16="http://schemas.microsoft.com/office/powerpoint/2015/main" val="1"/>
+              </p:ext>
+            </p:extLst>
+          </p:nvPr>
+        </p:nvSpPr>
+        <p:spPr>
+          <a:xfrm>
+            <a:off x="452284" y="0"/>
+            <a:ext cx="4619968" cy="6858000"/>
+          </a:xfrm>
+          <a:prstGeom prst="rect">
+            <a:avLst/>
+          </a:prstGeom>
+          <a:solidFill>
+            <a:srgbClr val="FFFFFF"/>
+          </a:solidFill>
+          <a:ln>
+            <a:noFill/>
+          </a:ln>
+        </p:spPr>
+        <p:style>
+          <a:lnRef idx="2">
+            <a:schemeClr val="accent1">
+              <a:shade val="50000"/>
+            </a:schemeClr>
+          </a:lnRef>
+          <a:fillRef idx="1">
+            <a:schemeClr val="accent1"/>
+          </a:fillRef>
+          <a:effectRef idx="0">
+            <a:schemeClr val="accent1"/>
+          </a:effectRef>
+          <a:fontRef idx="minor">
+            <a:schemeClr val="lt1"/>
+          </a:fontRef>
+        </p:style>
+        <p:txBody>
+          <a:bodyPr rtlCol="0" anchor="ctr"/>
+          <a:lstStyle/>
+          <a:p>
+            <a:pPr algn="ctr"/>
+            <a:endParaRPr lang="en-US"/>
+          </a:p>
+        </p:txBody>
+      </p:sp>
+      <p:pic>
+        <p:nvPicPr>
+          <p:cNvPr id="11" name="Graphic 10">
+            <a:extLst>
+              <a:ext uri="{FF2B5EF4-FFF2-40B4-BE49-F238E27FC236}">
+                <a16:creationId xmlns:a16="http://schemas.microsoft.com/office/drawing/2014/main" id="{FD000B3A-C342-7FEC-2527-EA5825F0F60B}"/>
+              </a:ext>
+            </a:extLst>
+          </p:cNvPr>
+          <p:cNvPicPr>
+            <a:picLocks noChangeAspect="1"/>
+          </p:cNvPicPr>
+          <p:nvPr/>
+        </p:nvPicPr>
+        <p:blipFill>
+          <a:blip r:embed="rId2">
+            <a:extLst>
+              <a:ext uri="{28A0092B-C50C-407E-A947-70E740481C1C}">
+                <a14:useLocalDpi xmlns:a14="http://schemas.microsoft.com/office/drawing/2010/main" val="0"/>
+              </a:ext>
+              <a:ext uri="{96DAC541-7B7A-43D3-8B79-37D633B846F1}">
+                <asvg:svgBlip xmlns:asvg="http://schemas.microsoft.com/office/drawing/2016/SVG/main" r:embed="rId3"/>
+              </a:ext>
+            </a:extLst>
+          </a:blip>
+          <a:stretch>
+            <a:fillRect/>
+          </a:stretch>
+        </p:blipFill>
+        <p:spPr>
+          <a:xfrm>
+            <a:off x="916751" y="958246"/>
+            <a:ext cx="3718563" cy="4932408"/>
+          </a:xfrm>
+          <a:prstGeom prst="rect">
+            <a:avLst/>
+          </a:prstGeom>
+        </p:spPr>
+      </p:pic>
+    </p:spTree>
+    <p:extLst>
+      <p:ext uri="{BB962C8B-B14F-4D97-AF65-F5344CB8AC3E}">
+        <p14:creationId xmlns:p14="http://schemas.microsoft.com/office/powerpoint/2010/main" val="2355960353"/>
+      </p:ext>
+    </p:extLst>
+  </p:cSld>
+  <p:clrMapOvr>
+    <a:masterClrMapping/>
+  </p:clrMapOvr>
+  <mc:AlternateContent xmlns:mc="http://schemas.openxmlformats.org/markup-compatibility/2006" xmlns:p159="http://schemas.microsoft.com/office/powerpoint/2015/09/main">
+    <mc:Choice Requires="p159">
+      <p:transition xmlns:p14="http://schemas.microsoft.com/office/powerpoint/2010/main" spd="slow" p14:dur="2000">
+        <p159:morph option="byObject"/>
+      </p:transition>
+    </mc:Choice>
+    <mc:Fallback xmlns="">
+      <p:transition spd="slow">
+        <p:fade/>
+      </p:transition>
+    </mc:Fallback>
+  </mc:AlternateContent>
+</p:sld>
+</file>
+
+<file path=ppt/slides/slide22.xml><?xml version="1.0" encoding="utf-8"?>
+<p:sld xmlns:a="http://schemas.openxmlformats.org/drawingml/2006/main" xmlns:r="http://schemas.openxmlformats.org/officeDocument/2006/relationships" xmlns:p="http://schemas.openxmlformats.org/presentationml/2006/main">
+  <p:cSld>
+    <p:bg>
+      <p:bgPr>
+        <a:solidFill>
+          <a:schemeClr val="bg1"/>
+        </a:solidFill>
+        <a:effectLst/>
+      </p:bgPr>
+    </p:bg>
+    <p:spTree>
+      <p:nvGrpSpPr>
+        <p:cNvPr id="1" name="">
+          <a:extLst>
+            <a:ext uri="{FF2B5EF4-FFF2-40B4-BE49-F238E27FC236}">
+              <a16:creationId xmlns:a16="http://schemas.microsoft.com/office/drawing/2014/main" id="{6757B3C6-2FD4-9D1E-D799-31A848ACB0AF}"/>
+            </a:ext>
+          </a:extLst>
+        </p:cNvPr>
+        <p:cNvGrpSpPr/>
+        <p:nvPr/>
+      </p:nvGrpSpPr>
+      <p:grpSpPr>
+        <a:xfrm>
+          <a:off x="0" y="0"/>
+          <a:ext cx="0" cy="0"/>
+          <a:chOff x="0" y="0"/>
+          <a:chExt cx="0" cy="0"/>
+        </a:xfrm>
+      </p:grpSpPr>
+      <p:sp>
+        <p:nvSpPr>
+          <p:cNvPr id="21" name="Rectangle 20">
+            <a:extLst>
+              <a:ext uri="{FF2B5EF4-FFF2-40B4-BE49-F238E27FC236}">
+                <a16:creationId xmlns:a16="http://schemas.microsoft.com/office/drawing/2014/main" id="{F0FD769F-BDEE-4149-8C98-A92F1F8A145F}"/>
+              </a:ext>
+              <a:ext uri="{C183D7F6-B498-43B3-948B-1728B52AA6E4}">
+                <adec:decorative xmlns:adec="http://schemas.microsoft.com/office/drawing/2017/decorative" val="1"/>
+              </a:ext>
+            </a:extLst>
+          </p:cNvPr>
+          <p:cNvSpPr>
+            <a:spLocks noGrp="1" noRot="1" noChangeAspect="1" noMove="1" noResize="1" noEditPoints="1" noAdjustHandles="1" noChangeArrowheads="1" noChangeShapeType="1" noTextEdit="1"/>
+          </p:cNvSpPr>
+          <p:nvPr>
+            <p:extLst>
+              <p:ext uri="{386F3935-93C4-4BCD-93E2-E3B085C9AB24}">
+                <p16:designElem xmlns:p16="http://schemas.microsoft.com/office/powerpoint/2015/main" val="1"/>
+              </p:ext>
+            </p:extLst>
+          </p:nvPr>
+        </p:nvSpPr>
+        <p:spPr>
+          <a:xfrm>
+            <a:off x="11292840" y="0"/>
+            <a:ext cx="914400" cy="6858000"/>
+          </a:xfrm>
+          <a:prstGeom prst="rect">
+            <a:avLst/>
+          </a:prstGeom>
+          <a:solidFill>
+            <a:srgbClr val="303030"/>
+          </a:solidFill>
+          <a:ln>
+            <a:noFill/>
+          </a:ln>
+        </p:spPr>
+        <p:style>
+          <a:lnRef idx="2">
+            <a:schemeClr val="accent1">
+              <a:shade val="50000"/>
+            </a:schemeClr>
+          </a:lnRef>
+          <a:fillRef idx="1">
+            <a:schemeClr val="accent1"/>
+          </a:fillRef>
+          <a:effectRef idx="0">
+            <a:schemeClr val="accent1"/>
+          </a:effectRef>
+          <a:fontRef idx="minor">
+            <a:schemeClr val="lt1"/>
+          </a:fontRef>
+        </p:style>
+        <p:txBody>
+          <a:bodyPr/>
+          <a:lstStyle/>
+          <a:p>
+            <a:endParaRPr lang="en-GB"/>
+          </a:p>
+        </p:txBody>
+      </p:sp>
+      <p:sp>
+        <p:nvSpPr>
+          <p:cNvPr id="23" name="Rectangle 22">
+            <a:extLst>
+              <a:ext uri="{FF2B5EF4-FFF2-40B4-BE49-F238E27FC236}">
+                <a16:creationId xmlns:a16="http://schemas.microsoft.com/office/drawing/2014/main" id="{DC00EF3B-797F-4060-9460-6EEF08B1B150}"/>
+              </a:ext>
+              <a:ext uri="{C183D7F6-B498-43B3-948B-1728B52AA6E4}">
+                <adec:decorative xmlns:adec="http://schemas.microsoft.com/office/drawing/2017/decorative" val="1"/>
+              </a:ext>
+            </a:extLst>
+          </p:cNvPr>
+          <p:cNvSpPr>
+            <a:spLocks noGrp="1" noRot="1" noChangeAspect="1" noMove="1" noResize="1" noEditPoints="1" noAdjustHandles="1" noChangeArrowheads="1" noChangeShapeType="1" noTextEdit="1"/>
+          </p:cNvSpPr>
+          <p:nvPr>
+            <p:extLst>
+              <p:ext uri="{386F3935-93C4-4BCD-93E2-E3B085C9AB24}">
+                <p16:designElem xmlns:p16="http://schemas.microsoft.com/office/powerpoint/2015/main" val="1"/>
+              </p:ext>
+            </p:extLst>
+          </p:nvPr>
+        </p:nvSpPr>
+        <p:spPr>
+          <a:xfrm>
+            <a:off x="0" y="0"/>
+            <a:ext cx="457200" cy="6858000"/>
+          </a:xfrm>
+          <a:prstGeom prst="rect">
+            <a:avLst/>
+          </a:prstGeom>
+          <a:solidFill>
+            <a:srgbClr val="303030"/>
+          </a:solidFill>
+          <a:ln>
+            <a:noFill/>
+          </a:ln>
+        </p:spPr>
+        <p:style>
+          <a:lnRef idx="2">
+            <a:schemeClr val="accent1">
+              <a:shade val="50000"/>
+            </a:schemeClr>
+          </a:lnRef>
+          <a:fillRef idx="1">
+            <a:schemeClr val="accent1"/>
+          </a:fillRef>
+          <a:effectRef idx="0">
+            <a:schemeClr val="accent1"/>
+          </a:effectRef>
+          <a:fontRef idx="minor">
+            <a:schemeClr val="lt1"/>
+          </a:fontRef>
+        </p:style>
+        <p:txBody>
+          <a:bodyPr/>
+          <a:lstStyle/>
+          <a:p>
+            <a:endParaRPr lang="en-GB"/>
+          </a:p>
+        </p:txBody>
+      </p:sp>
+      <p:sp>
+        <p:nvSpPr>
+          <p:cNvPr id="25" name="Rectangle 24">
+            <a:extLst>
+              <a:ext uri="{FF2B5EF4-FFF2-40B4-BE49-F238E27FC236}">
+                <a16:creationId xmlns:a16="http://schemas.microsoft.com/office/drawing/2014/main" id="{A29212FA-B9FF-47AC-84D0-89D4601718E4}"/>
+              </a:ext>
+              <a:ext uri="{C183D7F6-B498-43B3-948B-1728B52AA6E4}">
+                <adec:decorative xmlns:adec="http://schemas.microsoft.com/office/drawing/2017/decorative" val="1"/>
+              </a:ext>
+            </a:extLst>
+          </p:cNvPr>
+          <p:cNvSpPr>
+            <a:spLocks noGrp="1" noRot="1" noChangeAspect="1" noMove="1" noResize="1" noEditPoints="1" noAdjustHandles="1" noChangeArrowheads="1" noChangeShapeType="1" noTextEdit="1"/>
+          </p:cNvSpPr>
+          <p:nvPr>
+            <p:extLst>
+              <p:ext uri="{386F3935-93C4-4BCD-93E2-E3B085C9AB24}">
+                <p16:designElem xmlns:p16="http://schemas.microsoft.com/office/powerpoint/2015/main" val="1"/>
+              </p:ext>
+            </p:extLst>
+          </p:nvPr>
+        </p:nvSpPr>
+        <p:spPr>
+          <a:xfrm>
+            <a:off x="457200" y="0"/>
+            <a:ext cx="10835640" cy="5105400"/>
+          </a:xfrm>
+          <a:prstGeom prst="rect">
+            <a:avLst/>
+          </a:prstGeom>
+          <a:solidFill>
+            <a:srgbClr val="FFFFFF"/>
+          </a:solidFill>
+          <a:ln>
+            <a:noFill/>
+          </a:ln>
+        </p:spPr>
+        <p:style>
+          <a:lnRef idx="2">
+            <a:schemeClr val="accent1">
+              <a:shade val="50000"/>
+            </a:schemeClr>
+          </a:lnRef>
+          <a:fillRef idx="1">
+            <a:schemeClr val="accent1"/>
+          </a:fillRef>
+          <a:effectRef idx="0">
+            <a:schemeClr val="accent1"/>
+          </a:effectRef>
+          <a:fontRef idx="minor">
+            <a:schemeClr val="lt1"/>
+          </a:fontRef>
+        </p:style>
+        <p:txBody>
+          <a:bodyPr/>
+          <a:lstStyle/>
+          <a:p>
+            <a:endParaRPr lang="en-GB"/>
+          </a:p>
+        </p:txBody>
+      </p:sp>
+      <p:sp useBgFill="1">
+        <p:nvSpPr>
+          <p:cNvPr id="27" name="Rectangle 26">
+            <a:extLst>
+              <a:ext uri="{FF2B5EF4-FFF2-40B4-BE49-F238E27FC236}">
+                <a16:creationId xmlns:a16="http://schemas.microsoft.com/office/drawing/2014/main" id="{2ABDA6DB-9156-4E0E-84EF-EC737F05DDE9}"/>
+              </a:ext>
+              <a:ext uri="{C183D7F6-B498-43B3-948B-1728B52AA6E4}">
+                <adec:decorative xmlns:adec="http://schemas.microsoft.com/office/drawing/2017/decorative" val="1"/>
+              </a:ext>
+            </a:extLst>
+          </p:cNvPr>
+          <p:cNvSpPr>
+            <a:spLocks noGrp="1" noRot="1" noChangeAspect="1" noMove="1" noResize="1" noEditPoints="1" noAdjustHandles="1" noChangeArrowheads="1" noChangeShapeType="1" noTextEdit="1"/>
+          </p:cNvSpPr>
+          <p:nvPr>
+            <p:extLst>
+              <p:ext uri="{386F3935-93C4-4BCD-93E2-E3B085C9AB24}">
+                <p16:designElem xmlns:p16="http://schemas.microsoft.com/office/powerpoint/2015/main" val="1"/>
+              </p:ext>
+            </p:extLst>
+          </p:nvPr>
+        </p:nvSpPr>
+        <p:spPr>
+          <a:xfrm>
+            <a:off x="457200" y="5105400"/>
+            <a:ext cx="10835640" cy="1752600"/>
+          </a:xfrm>
+          <a:prstGeom prst="rect">
+            <a:avLst/>
+          </a:prstGeom>
+          <a:ln>
+            <a:noFill/>
+          </a:ln>
+        </p:spPr>
+        <p:style>
+          <a:lnRef idx="2">
+            <a:schemeClr val="accent1">
+              <a:shade val="50000"/>
+            </a:schemeClr>
+          </a:lnRef>
+          <a:fillRef idx="1">
+            <a:schemeClr val="accent1"/>
+          </a:fillRef>
+          <a:effectRef idx="0">
+            <a:schemeClr val="accent1"/>
+          </a:effectRef>
+          <a:fontRef idx="minor">
+            <a:schemeClr val="lt1"/>
+          </a:fontRef>
+        </p:style>
+        <p:txBody>
+          <a:bodyPr/>
+          <a:lstStyle/>
+          <a:p>
+            <a:endParaRPr lang="en-GB"/>
+          </a:p>
+        </p:txBody>
+      </p:sp>
+      <p:sp>
+        <p:nvSpPr>
+          <p:cNvPr id="2" name="Title 1">
+            <a:extLst>
+              <a:ext uri="{FF2B5EF4-FFF2-40B4-BE49-F238E27FC236}">
+                <a16:creationId xmlns:a16="http://schemas.microsoft.com/office/drawing/2014/main" id="{94A4905C-B2F6-FD79-1FE3-3E2812F765FC}"/>
+              </a:ext>
+            </a:extLst>
+          </p:cNvPr>
+          <p:cNvSpPr>
+            <a:spLocks noGrp="1"/>
+          </p:cNvSpPr>
+          <p:nvPr>
+            <p:ph type="title"/>
+          </p:nvPr>
+        </p:nvSpPr>
+        <p:spPr>
+          <a:xfrm>
+            <a:off x="944183" y="5181600"/>
+            <a:ext cx="10156435" cy="1076324"/>
+          </a:xfrm>
+        </p:spPr>
+        <p:txBody>
+          <a:bodyPr vert="horz" lIns="91440" tIns="45720" rIns="91440" bIns="45720" rtlCol="0" anchor="b">
+            <a:normAutofit/>
+          </a:bodyPr>
+          <a:lstStyle/>
+          <a:p>
+            <a:pPr>
+              <a:lnSpc>
+                <a:spcPct val="85000"/>
+              </a:lnSpc>
+            </a:pPr>
+            <a:r>
+              <a:rPr lang="en-US" sz="1800"/>
+              <a:t>This is a big task so let’s start from the top this time</a:t>
+            </a:r>
+            <a:br>
+              <a:rPr lang="en-US" sz="1800"/>
+            </a:br>
+            <a:br>
+              <a:rPr lang="en-US" sz="1800"/>
+            </a:br>
+            <a:r>
+              <a:rPr lang="en-US" sz="1800"/>
+              <a:t>Let’s start with a Game with players and give the game ability to create the game stacks and cards</a:t>
+            </a:r>
+          </a:p>
+        </p:txBody>
+      </p:sp>
+      <p:pic>
+        <p:nvPicPr>
+          <p:cNvPr id="4" name="Graphic 3">
+            <a:extLst>
+              <a:ext uri="{FF2B5EF4-FFF2-40B4-BE49-F238E27FC236}">
+                <a16:creationId xmlns:a16="http://schemas.microsoft.com/office/drawing/2014/main" id="{8D79AD1D-0B5A-A96C-C75A-1AE9883663D1}"/>
+              </a:ext>
+            </a:extLst>
+          </p:cNvPr>
+          <p:cNvPicPr>
+            <a:picLocks noChangeAspect="1"/>
+          </p:cNvPicPr>
+          <p:nvPr/>
+        </p:nvPicPr>
+        <p:blipFill>
+          <a:blip r:embed="rId2">
+            <a:extLst>
+              <a:ext uri="{28A0092B-C50C-407E-A947-70E740481C1C}">
+                <a14:useLocalDpi xmlns:a14="http://schemas.microsoft.com/office/drawing/2010/main" val="0"/>
+              </a:ext>
+              <a:ext uri="{96DAC541-7B7A-43D3-8B79-37D633B846F1}">
+                <asvg:svgBlip xmlns:asvg="http://schemas.microsoft.com/office/drawing/2016/SVG/main" r:embed="rId3"/>
+              </a:ext>
+            </a:extLst>
+          </a:blip>
+          <a:stretch>
+            <a:fillRect/>
+          </a:stretch>
+        </p:blipFill>
+        <p:spPr>
+          <a:xfrm>
+            <a:off x="1097280" y="640081"/>
+            <a:ext cx="9381997" cy="3825240"/>
+          </a:xfrm>
+          <a:prstGeom prst="rect">
+            <a:avLst/>
+          </a:prstGeom>
+        </p:spPr>
+      </p:pic>
+    </p:spTree>
+    <p:extLst>
+      <p:ext uri="{BB962C8B-B14F-4D97-AF65-F5344CB8AC3E}">
+        <p14:creationId xmlns:p14="http://schemas.microsoft.com/office/powerpoint/2010/main" val="2572298536"/>
+      </p:ext>
+    </p:extLst>
+  </p:cSld>
+  <p:clrMapOvr>
+    <a:masterClrMapping/>
+  </p:clrMapOvr>
+  <mc:AlternateContent xmlns:mc="http://schemas.openxmlformats.org/markup-compatibility/2006" xmlns:p159="http://schemas.microsoft.com/office/powerpoint/2015/09/main">
+    <mc:Choice Requires="p159">
+      <p:transition xmlns:p14="http://schemas.microsoft.com/office/powerpoint/2010/main" spd="slow" p14:dur="2000">
+        <p159:morph option="byObject"/>
+      </p:transition>
+    </mc:Choice>
+    <mc:Fallback xmlns="">
+      <p:transition spd="slow">
+        <p:fade/>
+      </p:transition>
+    </mc:Fallback>
+  </mc:AlternateContent>
+</p:sld>
+</file>
+
+<file path=ppt/slides/slide23.xml><?xml version="1.0" encoding="utf-8"?>
+<p:sld xmlns:a="http://schemas.openxmlformats.org/drawingml/2006/main" xmlns:r="http://schemas.openxmlformats.org/officeDocument/2006/relationships" xmlns:p="http://schemas.openxmlformats.org/presentationml/2006/main">
+  <p:cSld>
+    <p:bg>
+      <p:bgPr>
+        <a:solidFill>
+          <a:schemeClr val="bg1"/>
+        </a:solidFill>
+        <a:effectLst/>
+      </p:bgPr>
+    </p:bg>
+    <p:spTree>
+      <p:nvGrpSpPr>
+        <p:cNvPr id="1" name="">
+          <a:extLst>
+            <a:ext uri="{FF2B5EF4-FFF2-40B4-BE49-F238E27FC236}">
+              <a16:creationId xmlns:a16="http://schemas.microsoft.com/office/drawing/2014/main" id="{3B5E37FF-C89B-E8D3-63B1-C88FC0C52E52}"/>
+            </a:ext>
+          </a:extLst>
+        </p:cNvPr>
+        <p:cNvGrpSpPr/>
+        <p:nvPr/>
+      </p:nvGrpSpPr>
+      <p:grpSpPr>
+        <a:xfrm>
+          <a:off x="0" y="0"/>
+          <a:ext cx="0" cy="0"/>
+          <a:chOff x="0" y="0"/>
+          <a:chExt cx="0" cy="0"/>
+        </a:xfrm>
+      </p:grpSpPr>
+      <p:sp>
+        <p:nvSpPr>
+          <p:cNvPr id="21" name="Rectangle 20">
+            <a:extLst>
+              <a:ext uri="{FF2B5EF4-FFF2-40B4-BE49-F238E27FC236}">
+                <a16:creationId xmlns:a16="http://schemas.microsoft.com/office/drawing/2014/main" id="{F0FD769F-BDEE-4149-8C98-A92F1F8A145F}"/>
+              </a:ext>
+              <a:ext uri="{C183D7F6-B498-43B3-948B-1728B52AA6E4}">
+                <adec:decorative xmlns:adec="http://schemas.microsoft.com/office/drawing/2017/decorative" val="1"/>
+              </a:ext>
+            </a:extLst>
+          </p:cNvPr>
+          <p:cNvSpPr>
+            <a:spLocks noGrp="1" noRot="1" noChangeAspect="1" noMove="1" noResize="1" noEditPoints="1" noAdjustHandles="1" noChangeArrowheads="1" noChangeShapeType="1" noTextEdit="1"/>
+          </p:cNvSpPr>
+          <p:nvPr>
+            <p:extLst>
+              <p:ext uri="{386F3935-93C4-4BCD-93E2-E3B085C9AB24}">
+                <p16:designElem xmlns:p16="http://schemas.microsoft.com/office/powerpoint/2015/main" val="1"/>
+              </p:ext>
+            </p:extLst>
+          </p:nvPr>
+        </p:nvSpPr>
+        <p:spPr>
+          <a:xfrm>
+            <a:off x="11292840" y="0"/>
+            <a:ext cx="914400" cy="6858000"/>
+          </a:xfrm>
+          <a:prstGeom prst="rect">
+            <a:avLst/>
+          </a:prstGeom>
+          <a:solidFill>
+            <a:srgbClr val="303030"/>
+          </a:solidFill>
+          <a:ln>
+            <a:noFill/>
+          </a:ln>
+        </p:spPr>
+        <p:style>
+          <a:lnRef idx="2">
+            <a:schemeClr val="accent1">
+              <a:shade val="50000"/>
+            </a:schemeClr>
+          </a:lnRef>
+          <a:fillRef idx="1">
+            <a:schemeClr val="accent1"/>
+          </a:fillRef>
+          <a:effectRef idx="0">
+            <a:schemeClr val="accent1"/>
+          </a:effectRef>
+          <a:fontRef idx="minor">
+            <a:schemeClr val="lt1"/>
+          </a:fontRef>
+        </p:style>
+        <p:txBody>
+          <a:bodyPr/>
+          <a:lstStyle/>
+          <a:p>
+            <a:endParaRPr lang="en-GB"/>
+          </a:p>
+        </p:txBody>
+      </p:sp>
+      <p:sp>
+        <p:nvSpPr>
+          <p:cNvPr id="23" name="Rectangle 22">
+            <a:extLst>
+              <a:ext uri="{FF2B5EF4-FFF2-40B4-BE49-F238E27FC236}">
+                <a16:creationId xmlns:a16="http://schemas.microsoft.com/office/drawing/2014/main" id="{DC00EF3B-797F-4060-9460-6EEF08B1B150}"/>
+              </a:ext>
+              <a:ext uri="{C183D7F6-B498-43B3-948B-1728B52AA6E4}">
+                <adec:decorative xmlns:adec="http://schemas.microsoft.com/office/drawing/2017/decorative" val="1"/>
+              </a:ext>
+            </a:extLst>
+          </p:cNvPr>
+          <p:cNvSpPr>
+            <a:spLocks noGrp="1" noRot="1" noChangeAspect="1" noMove="1" noResize="1" noEditPoints="1" noAdjustHandles="1" noChangeArrowheads="1" noChangeShapeType="1" noTextEdit="1"/>
+          </p:cNvSpPr>
+          <p:nvPr>
+            <p:extLst>
+              <p:ext uri="{386F3935-93C4-4BCD-93E2-E3B085C9AB24}">
+                <p16:designElem xmlns:p16="http://schemas.microsoft.com/office/powerpoint/2015/main" val="1"/>
+              </p:ext>
+            </p:extLst>
+          </p:nvPr>
+        </p:nvSpPr>
+        <p:spPr>
+          <a:xfrm>
+            <a:off x="0" y="0"/>
+            <a:ext cx="457200" cy="6858000"/>
+          </a:xfrm>
+          <a:prstGeom prst="rect">
+            <a:avLst/>
+          </a:prstGeom>
+          <a:solidFill>
+            <a:srgbClr val="303030"/>
+          </a:solidFill>
+          <a:ln>
+            <a:noFill/>
+          </a:ln>
+        </p:spPr>
+        <p:style>
+          <a:lnRef idx="2">
+            <a:schemeClr val="accent1">
+              <a:shade val="50000"/>
+            </a:schemeClr>
+          </a:lnRef>
+          <a:fillRef idx="1">
+            <a:schemeClr val="accent1"/>
+          </a:fillRef>
+          <a:effectRef idx="0">
+            <a:schemeClr val="accent1"/>
+          </a:effectRef>
+          <a:fontRef idx="minor">
+            <a:schemeClr val="lt1"/>
+          </a:fontRef>
+        </p:style>
+        <p:txBody>
+          <a:bodyPr/>
+          <a:lstStyle/>
+          <a:p>
+            <a:endParaRPr lang="en-GB"/>
+          </a:p>
+        </p:txBody>
+      </p:sp>
+      <p:sp>
+        <p:nvSpPr>
+          <p:cNvPr id="25" name="Rectangle 24">
+            <a:extLst>
+              <a:ext uri="{FF2B5EF4-FFF2-40B4-BE49-F238E27FC236}">
+                <a16:creationId xmlns:a16="http://schemas.microsoft.com/office/drawing/2014/main" id="{A29212FA-B9FF-47AC-84D0-89D4601718E4}"/>
+              </a:ext>
+              <a:ext uri="{C183D7F6-B498-43B3-948B-1728B52AA6E4}">
+                <adec:decorative xmlns:adec="http://schemas.microsoft.com/office/drawing/2017/decorative" val="1"/>
+              </a:ext>
+            </a:extLst>
+          </p:cNvPr>
+          <p:cNvSpPr>
+            <a:spLocks noGrp="1" noRot="1" noChangeAspect="1" noMove="1" noResize="1" noEditPoints="1" noAdjustHandles="1" noChangeArrowheads="1" noChangeShapeType="1" noTextEdit="1"/>
+          </p:cNvSpPr>
+          <p:nvPr>
+            <p:extLst>
+              <p:ext uri="{386F3935-93C4-4BCD-93E2-E3B085C9AB24}">
+                <p16:designElem xmlns:p16="http://schemas.microsoft.com/office/powerpoint/2015/main" val="1"/>
+              </p:ext>
+            </p:extLst>
+          </p:nvPr>
+        </p:nvSpPr>
+        <p:spPr>
+          <a:xfrm>
+            <a:off x="457200" y="0"/>
+            <a:ext cx="10835640" cy="5105400"/>
+          </a:xfrm>
+          <a:prstGeom prst="rect">
+            <a:avLst/>
+          </a:prstGeom>
+          <a:solidFill>
+            <a:srgbClr val="FFFFFF"/>
+          </a:solidFill>
+          <a:ln>
+            <a:noFill/>
+          </a:ln>
+        </p:spPr>
+        <p:style>
+          <a:lnRef idx="2">
+            <a:schemeClr val="accent1">
+              <a:shade val="50000"/>
+            </a:schemeClr>
+          </a:lnRef>
+          <a:fillRef idx="1">
+            <a:schemeClr val="accent1"/>
+          </a:fillRef>
+          <a:effectRef idx="0">
+            <a:schemeClr val="accent1"/>
+          </a:effectRef>
+          <a:fontRef idx="minor">
+            <a:schemeClr val="lt1"/>
+          </a:fontRef>
+        </p:style>
+        <p:txBody>
+          <a:bodyPr/>
+          <a:lstStyle/>
+          <a:p>
+            <a:endParaRPr lang="en-GB"/>
+          </a:p>
+        </p:txBody>
+      </p:sp>
+      <p:sp useBgFill="1">
+        <p:nvSpPr>
+          <p:cNvPr id="27" name="Rectangle 26">
+            <a:extLst>
+              <a:ext uri="{FF2B5EF4-FFF2-40B4-BE49-F238E27FC236}">
+                <a16:creationId xmlns:a16="http://schemas.microsoft.com/office/drawing/2014/main" id="{2ABDA6DB-9156-4E0E-84EF-EC737F05DDE9}"/>
+              </a:ext>
+              <a:ext uri="{C183D7F6-B498-43B3-948B-1728B52AA6E4}">
+                <adec:decorative xmlns:adec="http://schemas.microsoft.com/office/drawing/2017/decorative" val="1"/>
+              </a:ext>
+            </a:extLst>
+          </p:cNvPr>
+          <p:cNvSpPr>
+            <a:spLocks noGrp="1" noRot="1" noChangeAspect="1" noMove="1" noResize="1" noEditPoints="1" noAdjustHandles="1" noChangeArrowheads="1" noChangeShapeType="1" noTextEdit="1"/>
+          </p:cNvSpPr>
+          <p:nvPr>
+            <p:extLst>
+              <p:ext uri="{386F3935-93C4-4BCD-93E2-E3B085C9AB24}">
+                <p16:designElem xmlns:p16="http://schemas.microsoft.com/office/powerpoint/2015/main" val="1"/>
+              </p:ext>
+            </p:extLst>
+          </p:nvPr>
+        </p:nvSpPr>
+        <p:spPr>
+          <a:xfrm>
+            <a:off x="457200" y="5105400"/>
+            <a:ext cx="10835640" cy="1752600"/>
+          </a:xfrm>
+          <a:prstGeom prst="rect">
+            <a:avLst/>
+          </a:prstGeom>
+          <a:ln>
+            <a:noFill/>
+          </a:ln>
+        </p:spPr>
+        <p:style>
+          <a:lnRef idx="2">
+            <a:schemeClr val="accent1">
+              <a:shade val="50000"/>
+            </a:schemeClr>
+          </a:lnRef>
+          <a:fillRef idx="1">
+            <a:schemeClr val="accent1"/>
+          </a:fillRef>
+          <a:effectRef idx="0">
+            <a:schemeClr val="accent1"/>
+          </a:effectRef>
+          <a:fontRef idx="minor">
+            <a:schemeClr val="lt1"/>
+          </a:fontRef>
+        </p:style>
+        <p:txBody>
+          <a:bodyPr/>
+          <a:lstStyle/>
+          <a:p>
+            <a:endParaRPr lang="en-GB"/>
+          </a:p>
+        </p:txBody>
+      </p:sp>
+      <p:sp>
+        <p:nvSpPr>
+          <p:cNvPr id="2" name="Title 1">
+            <a:extLst>
+              <a:ext uri="{FF2B5EF4-FFF2-40B4-BE49-F238E27FC236}">
+                <a16:creationId xmlns:a16="http://schemas.microsoft.com/office/drawing/2014/main" id="{BAF55149-2DEE-5C21-EB8E-2167C1751796}"/>
+              </a:ext>
+            </a:extLst>
+          </p:cNvPr>
+          <p:cNvSpPr>
+            <a:spLocks noGrp="1"/>
+          </p:cNvSpPr>
+          <p:nvPr>
+            <p:ph type="title"/>
+          </p:nvPr>
+        </p:nvSpPr>
+        <p:spPr>
+          <a:xfrm>
+            <a:off x="944183" y="5181600"/>
+            <a:ext cx="10156435" cy="1076324"/>
+          </a:xfrm>
+        </p:spPr>
+        <p:txBody>
+          <a:bodyPr vert="horz" lIns="91440" tIns="45720" rIns="91440" bIns="45720" rtlCol="0" anchor="b">
+            <a:normAutofit/>
+          </a:bodyPr>
+          <a:lstStyle/>
+          <a:p>
+            <a:pPr>
+              <a:lnSpc>
+                <a:spcPct val="85000"/>
+              </a:lnSpc>
+            </a:pPr>
+            <a:r>
+              <a:rPr lang="en-US" sz="2200"/>
+              <a:t>However, we need a way to display the game to the player so we can add a display.</a:t>
+            </a:r>
+            <a:br>
+              <a:rPr lang="en-US" sz="2200"/>
+            </a:br>
+            <a:r>
+              <a:rPr lang="en-US" sz="2200"/>
+              <a:t>This removes responsibility from the player class to the game implementation</a:t>
+            </a:r>
+          </a:p>
+        </p:txBody>
+      </p:sp>
+      <p:pic>
+        <p:nvPicPr>
+          <p:cNvPr id="5" name="Graphic 4">
+            <a:extLst>
+              <a:ext uri="{FF2B5EF4-FFF2-40B4-BE49-F238E27FC236}">
+                <a16:creationId xmlns:a16="http://schemas.microsoft.com/office/drawing/2014/main" id="{5F8D4E26-D7CA-81B2-76BE-C7E966E109EA}"/>
+              </a:ext>
+            </a:extLst>
+          </p:cNvPr>
+          <p:cNvPicPr>
+            <a:picLocks noChangeAspect="1"/>
+          </p:cNvPicPr>
+          <p:nvPr/>
+        </p:nvPicPr>
+        <p:blipFill>
+          <a:blip r:embed="rId2">
+            <a:extLst>
+              <a:ext uri="{28A0092B-C50C-407E-A947-70E740481C1C}">
+                <a14:useLocalDpi xmlns:a14="http://schemas.microsoft.com/office/drawing/2010/main" val="0"/>
+              </a:ext>
+              <a:ext uri="{96DAC541-7B7A-43D3-8B79-37D633B846F1}">
+                <asvg:svgBlip xmlns:asvg="http://schemas.microsoft.com/office/drawing/2016/SVG/main" r:embed="rId3"/>
+              </a:ext>
+            </a:extLst>
+          </a:blip>
+          <a:stretch>
+            <a:fillRect/>
+          </a:stretch>
+        </p:blipFill>
+        <p:spPr>
+          <a:xfrm>
+            <a:off x="1097280" y="1077376"/>
+            <a:ext cx="9594723" cy="2950649"/>
+          </a:xfrm>
+          <a:prstGeom prst="rect">
+            <a:avLst/>
+          </a:prstGeom>
+        </p:spPr>
+      </p:pic>
+    </p:spTree>
+    <p:extLst>
+      <p:ext uri="{BB962C8B-B14F-4D97-AF65-F5344CB8AC3E}">
+        <p14:creationId xmlns:p14="http://schemas.microsoft.com/office/powerpoint/2010/main" val="3751334429"/>
+      </p:ext>
+    </p:extLst>
+  </p:cSld>
+  <p:clrMapOvr>
+    <a:masterClrMapping/>
+  </p:clrMapOvr>
+  <mc:AlternateContent xmlns:mc="http://schemas.openxmlformats.org/markup-compatibility/2006" xmlns:p159="http://schemas.microsoft.com/office/powerpoint/2015/09/main">
+    <mc:Choice Requires="p159">
+      <p:transition xmlns:p14="http://schemas.microsoft.com/office/powerpoint/2010/main" spd="slow" p14:dur="2000">
+        <p159:morph option="byObject"/>
+      </p:transition>
+    </mc:Choice>
+    <mc:Fallback xmlns="">
+      <p:transition spd="slow">
+        <p:fade/>
+      </p:transition>
+    </mc:Fallback>
+  </mc:AlternateContent>
+</p:sld>
+</file>
+
+<file path=ppt/slides/slide24.xml><?xml version="1.0" encoding="utf-8"?>
+<p:sld xmlns:a="http://schemas.openxmlformats.org/drawingml/2006/main" xmlns:r="http://schemas.openxmlformats.org/officeDocument/2006/relationships" xmlns:p="http://schemas.openxmlformats.org/presentationml/2006/main">
+  <p:cSld>
+    <p:bg>
+      <p:bgPr>
+        <a:solidFill>
+          <a:schemeClr val="bg1"/>
+        </a:solidFill>
+        <a:effectLst/>
+      </p:bgPr>
+    </p:bg>
+    <p:spTree>
+      <p:nvGrpSpPr>
+        <p:cNvPr id="1" name="">
+          <a:extLst>
+            <a:ext uri="{FF2B5EF4-FFF2-40B4-BE49-F238E27FC236}">
+              <a16:creationId xmlns:a16="http://schemas.microsoft.com/office/drawing/2014/main" id="{897C4407-0F8D-79CB-94F3-F75B6B98309D}"/>
+            </a:ext>
+          </a:extLst>
+        </p:cNvPr>
+        <p:cNvGrpSpPr/>
+        <p:nvPr/>
+      </p:nvGrpSpPr>
+      <p:grpSpPr>
+        <a:xfrm>
+          <a:off x="0" y="0"/>
+          <a:ext cx="0" cy="0"/>
+          <a:chOff x="0" y="0"/>
+          <a:chExt cx="0" cy="0"/>
+        </a:xfrm>
+      </p:grpSpPr>
+      <p:sp>
+        <p:nvSpPr>
+          <p:cNvPr id="21" name="Rectangle 20">
+            <a:extLst>
+              <a:ext uri="{FF2B5EF4-FFF2-40B4-BE49-F238E27FC236}">
+                <a16:creationId xmlns:a16="http://schemas.microsoft.com/office/drawing/2014/main" id="{F0FD769F-BDEE-4149-8C98-A92F1F8A145F}"/>
+              </a:ext>
+              <a:ext uri="{C183D7F6-B498-43B3-948B-1728B52AA6E4}">
+                <adec:decorative xmlns:adec="http://schemas.microsoft.com/office/drawing/2017/decorative" val="1"/>
+              </a:ext>
+            </a:extLst>
+          </p:cNvPr>
+          <p:cNvSpPr>
+            <a:spLocks noGrp="1" noRot="1" noChangeAspect="1" noMove="1" noResize="1" noEditPoints="1" noAdjustHandles="1" noChangeArrowheads="1" noChangeShapeType="1" noTextEdit="1"/>
+          </p:cNvSpPr>
+          <p:nvPr>
+            <p:extLst>
+              <p:ext uri="{386F3935-93C4-4BCD-93E2-E3B085C9AB24}">
+                <p16:designElem xmlns:p16="http://schemas.microsoft.com/office/powerpoint/2015/main" val="1"/>
+              </p:ext>
+            </p:extLst>
+          </p:nvPr>
+        </p:nvSpPr>
+        <p:spPr>
+          <a:xfrm>
+            <a:off x="11292840" y="0"/>
+            <a:ext cx="914400" cy="6858000"/>
+          </a:xfrm>
+          <a:prstGeom prst="rect">
+            <a:avLst/>
+          </a:prstGeom>
+          <a:solidFill>
+            <a:srgbClr val="303030"/>
+          </a:solidFill>
+          <a:ln>
+            <a:noFill/>
+          </a:ln>
+        </p:spPr>
+        <p:style>
+          <a:lnRef idx="2">
+            <a:schemeClr val="accent1">
+              <a:shade val="50000"/>
+            </a:schemeClr>
+          </a:lnRef>
+          <a:fillRef idx="1">
+            <a:schemeClr val="accent1"/>
+          </a:fillRef>
+          <a:effectRef idx="0">
+            <a:schemeClr val="accent1"/>
+          </a:effectRef>
+          <a:fontRef idx="minor">
+            <a:schemeClr val="lt1"/>
+          </a:fontRef>
+        </p:style>
+        <p:txBody>
+          <a:bodyPr/>
+          <a:lstStyle/>
+          <a:p>
+            <a:endParaRPr lang="en-GB"/>
+          </a:p>
+        </p:txBody>
+      </p:sp>
+      <p:sp>
+        <p:nvSpPr>
+          <p:cNvPr id="23" name="Rectangle 22">
+            <a:extLst>
+              <a:ext uri="{FF2B5EF4-FFF2-40B4-BE49-F238E27FC236}">
+                <a16:creationId xmlns:a16="http://schemas.microsoft.com/office/drawing/2014/main" id="{DC00EF3B-797F-4060-9460-6EEF08B1B150}"/>
+              </a:ext>
+              <a:ext uri="{C183D7F6-B498-43B3-948B-1728B52AA6E4}">
+                <adec:decorative xmlns:adec="http://schemas.microsoft.com/office/drawing/2017/decorative" val="1"/>
+              </a:ext>
+            </a:extLst>
+          </p:cNvPr>
+          <p:cNvSpPr>
+            <a:spLocks noGrp="1" noRot="1" noChangeAspect="1" noMove="1" noResize="1" noEditPoints="1" noAdjustHandles="1" noChangeArrowheads="1" noChangeShapeType="1" noTextEdit="1"/>
+          </p:cNvSpPr>
+          <p:nvPr>
+            <p:extLst>
+              <p:ext uri="{386F3935-93C4-4BCD-93E2-E3B085C9AB24}">
+                <p16:designElem xmlns:p16="http://schemas.microsoft.com/office/powerpoint/2015/main" val="1"/>
+              </p:ext>
+            </p:extLst>
+          </p:nvPr>
+        </p:nvSpPr>
+        <p:spPr>
+          <a:xfrm>
+            <a:off x="0" y="0"/>
+            <a:ext cx="457200" cy="6858000"/>
+          </a:xfrm>
+          <a:prstGeom prst="rect">
+            <a:avLst/>
+          </a:prstGeom>
+          <a:solidFill>
+            <a:srgbClr val="303030"/>
+          </a:solidFill>
+          <a:ln>
+            <a:noFill/>
+          </a:ln>
+        </p:spPr>
+        <p:style>
+          <a:lnRef idx="2">
+            <a:schemeClr val="accent1">
+              <a:shade val="50000"/>
+            </a:schemeClr>
+          </a:lnRef>
+          <a:fillRef idx="1">
+            <a:schemeClr val="accent1"/>
+          </a:fillRef>
+          <a:effectRef idx="0">
+            <a:schemeClr val="accent1"/>
+          </a:effectRef>
+          <a:fontRef idx="minor">
+            <a:schemeClr val="lt1"/>
+          </a:fontRef>
+        </p:style>
+        <p:txBody>
+          <a:bodyPr/>
+          <a:lstStyle/>
+          <a:p>
+            <a:endParaRPr lang="en-GB"/>
+          </a:p>
+        </p:txBody>
+      </p:sp>
+      <p:sp>
+        <p:nvSpPr>
+          <p:cNvPr id="25" name="Rectangle 24">
+            <a:extLst>
+              <a:ext uri="{FF2B5EF4-FFF2-40B4-BE49-F238E27FC236}">
+                <a16:creationId xmlns:a16="http://schemas.microsoft.com/office/drawing/2014/main" id="{A29212FA-B9FF-47AC-84D0-89D4601718E4}"/>
+              </a:ext>
+              <a:ext uri="{C183D7F6-B498-43B3-948B-1728B52AA6E4}">
+                <adec:decorative xmlns:adec="http://schemas.microsoft.com/office/drawing/2017/decorative" val="1"/>
+              </a:ext>
+            </a:extLst>
+          </p:cNvPr>
+          <p:cNvSpPr>
+            <a:spLocks noGrp="1" noRot="1" noChangeAspect="1" noMove="1" noResize="1" noEditPoints="1" noAdjustHandles="1" noChangeArrowheads="1" noChangeShapeType="1" noTextEdit="1"/>
+          </p:cNvSpPr>
+          <p:nvPr>
+            <p:extLst>
+              <p:ext uri="{386F3935-93C4-4BCD-93E2-E3B085C9AB24}">
+                <p16:designElem xmlns:p16="http://schemas.microsoft.com/office/powerpoint/2015/main" val="1"/>
+              </p:ext>
+            </p:extLst>
+          </p:nvPr>
+        </p:nvSpPr>
+        <p:spPr>
+          <a:xfrm>
+            <a:off x="457200" y="0"/>
+            <a:ext cx="10835640" cy="5105400"/>
+          </a:xfrm>
+          <a:prstGeom prst="rect">
+            <a:avLst/>
+          </a:prstGeom>
+          <a:solidFill>
+            <a:srgbClr val="FFFFFF"/>
+          </a:solidFill>
+          <a:ln>
+            <a:noFill/>
+          </a:ln>
+        </p:spPr>
+        <p:style>
+          <a:lnRef idx="2">
+            <a:schemeClr val="accent1">
+              <a:shade val="50000"/>
+            </a:schemeClr>
+          </a:lnRef>
+          <a:fillRef idx="1">
+            <a:schemeClr val="accent1"/>
+          </a:fillRef>
+          <a:effectRef idx="0">
+            <a:schemeClr val="accent1"/>
+          </a:effectRef>
+          <a:fontRef idx="minor">
+            <a:schemeClr val="lt1"/>
+          </a:fontRef>
+        </p:style>
+        <p:txBody>
+          <a:bodyPr/>
+          <a:lstStyle/>
+          <a:p>
+            <a:endParaRPr lang="en-GB"/>
+          </a:p>
+        </p:txBody>
+      </p:sp>
+      <p:sp useBgFill="1">
+        <p:nvSpPr>
+          <p:cNvPr id="27" name="Rectangle 26">
+            <a:extLst>
+              <a:ext uri="{FF2B5EF4-FFF2-40B4-BE49-F238E27FC236}">
+                <a16:creationId xmlns:a16="http://schemas.microsoft.com/office/drawing/2014/main" id="{2ABDA6DB-9156-4E0E-84EF-EC737F05DDE9}"/>
+              </a:ext>
+              <a:ext uri="{C183D7F6-B498-43B3-948B-1728B52AA6E4}">
+                <adec:decorative xmlns:adec="http://schemas.microsoft.com/office/drawing/2017/decorative" val="1"/>
+              </a:ext>
+            </a:extLst>
+          </p:cNvPr>
+          <p:cNvSpPr>
+            <a:spLocks noGrp="1" noRot="1" noChangeAspect="1" noMove="1" noResize="1" noEditPoints="1" noAdjustHandles="1" noChangeArrowheads="1" noChangeShapeType="1" noTextEdit="1"/>
+          </p:cNvSpPr>
+          <p:nvPr>
+            <p:extLst>
+              <p:ext uri="{386F3935-93C4-4BCD-93E2-E3B085C9AB24}">
+                <p16:designElem xmlns:p16="http://schemas.microsoft.com/office/powerpoint/2015/main" val="1"/>
+              </p:ext>
+            </p:extLst>
+          </p:nvPr>
+        </p:nvSpPr>
+        <p:spPr>
+          <a:xfrm>
+            <a:off x="457200" y="5105400"/>
+            <a:ext cx="10835640" cy="1752600"/>
+          </a:xfrm>
+          <a:prstGeom prst="rect">
+            <a:avLst/>
+          </a:prstGeom>
+          <a:ln>
+            <a:noFill/>
+          </a:ln>
+        </p:spPr>
+        <p:style>
+          <a:lnRef idx="2">
+            <a:schemeClr val="accent1">
+              <a:shade val="50000"/>
+            </a:schemeClr>
+          </a:lnRef>
+          <a:fillRef idx="1">
+            <a:schemeClr val="accent1"/>
+          </a:fillRef>
+          <a:effectRef idx="0">
+            <a:schemeClr val="accent1"/>
+          </a:effectRef>
+          <a:fontRef idx="minor">
+            <a:schemeClr val="lt1"/>
+          </a:fontRef>
+        </p:style>
+        <p:txBody>
+          <a:bodyPr/>
+          <a:lstStyle/>
+          <a:p>
+            <a:endParaRPr lang="en-GB"/>
+          </a:p>
+        </p:txBody>
+      </p:sp>
+      <p:sp>
+        <p:nvSpPr>
+          <p:cNvPr id="2" name="Title 1">
+            <a:extLst>
+              <a:ext uri="{FF2B5EF4-FFF2-40B4-BE49-F238E27FC236}">
+                <a16:creationId xmlns:a16="http://schemas.microsoft.com/office/drawing/2014/main" id="{7CA256FC-5E83-DCF6-5587-765195AE7569}"/>
+              </a:ext>
+            </a:extLst>
+          </p:cNvPr>
+          <p:cNvSpPr>
+            <a:spLocks noGrp="1"/>
+          </p:cNvSpPr>
+          <p:nvPr>
+            <p:ph type="title"/>
+          </p:nvPr>
+        </p:nvSpPr>
+        <p:spPr>
+          <a:xfrm>
+            <a:off x="944183" y="5181600"/>
+            <a:ext cx="10156435" cy="1076324"/>
+          </a:xfrm>
+        </p:spPr>
+        <p:txBody>
+          <a:bodyPr vert="horz" lIns="91440" tIns="45720" rIns="91440" bIns="45720" rtlCol="0" anchor="b">
+            <a:normAutofit/>
+          </a:bodyPr>
+          <a:lstStyle/>
+          <a:p>
+            <a:pPr>
+              <a:lnSpc>
+                <a:spcPct val="85000"/>
+              </a:lnSpc>
+            </a:pPr>
+            <a:r>
+              <a:rPr lang="en-US" sz="2200" dirty="0"/>
+              <a:t>Some Implementation can be added for the current game mode and the console display. This makes the only responsibility for the main class is to create the correct game type with the correct display</a:t>
+            </a:r>
+          </a:p>
+        </p:txBody>
+      </p:sp>
+      <p:pic>
+        <p:nvPicPr>
+          <p:cNvPr id="4" name="Graphic 3">
+            <a:extLst>
+              <a:ext uri="{FF2B5EF4-FFF2-40B4-BE49-F238E27FC236}">
+                <a16:creationId xmlns:a16="http://schemas.microsoft.com/office/drawing/2014/main" id="{7FA168E7-0354-33CD-5CE3-11FE96C578DC}"/>
+              </a:ext>
+            </a:extLst>
+          </p:cNvPr>
+          <p:cNvPicPr>
+            <a:picLocks noChangeAspect="1"/>
+          </p:cNvPicPr>
+          <p:nvPr/>
+        </p:nvPicPr>
+        <p:blipFill>
+          <a:blip r:embed="rId2">
+            <a:extLst>
+              <a:ext uri="{28A0092B-C50C-407E-A947-70E740481C1C}">
+                <a14:useLocalDpi xmlns:a14="http://schemas.microsoft.com/office/drawing/2010/main" val="0"/>
+              </a:ext>
+              <a:ext uri="{96DAC541-7B7A-43D3-8B79-37D633B846F1}">
+                <asvg:svgBlip xmlns:asvg="http://schemas.microsoft.com/office/drawing/2016/SVG/main" r:embed="rId3"/>
+              </a:ext>
+            </a:extLst>
+          </a:blip>
+          <a:stretch>
+            <a:fillRect/>
+          </a:stretch>
+        </p:blipFill>
+        <p:spPr>
+          <a:xfrm>
+            <a:off x="1097280" y="640081"/>
+            <a:ext cx="8984144" cy="3825240"/>
+          </a:xfrm>
+          <a:prstGeom prst="rect">
+            <a:avLst/>
+          </a:prstGeom>
+        </p:spPr>
+      </p:pic>
+    </p:spTree>
+    <p:extLst>
+      <p:ext uri="{BB962C8B-B14F-4D97-AF65-F5344CB8AC3E}">
+        <p14:creationId xmlns:p14="http://schemas.microsoft.com/office/powerpoint/2010/main" val="1037108738"/>
+      </p:ext>
+    </p:extLst>
+  </p:cSld>
+  <p:clrMapOvr>
+    <a:masterClrMapping/>
+  </p:clrMapOvr>
+  <mc:AlternateContent xmlns:mc="http://schemas.openxmlformats.org/markup-compatibility/2006" xmlns:p159="http://schemas.microsoft.com/office/powerpoint/2015/09/main">
+    <mc:Choice Requires="p159">
+      <p:transition xmlns:p14="http://schemas.microsoft.com/office/powerpoint/2010/main" spd="slow" p14:dur="2000">
+        <p159:morph option="byObject"/>
+      </p:transition>
+    </mc:Choice>
+    <mc:Fallback xmlns="">
+      <p:transition spd="slow">
+        <p:fade/>
+      </p:transition>
+    </mc:Fallback>
+  </mc:AlternateContent>
+</p:sld>
+</file>
+
+<file path=ppt/slides/slide25.xml><?xml version="1.0" encoding="utf-8"?>
+<p:sld xmlns:a="http://schemas.openxmlformats.org/drawingml/2006/main" xmlns:r="http://schemas.openxmlformats.org/officeDocument/2006/relationships" xmlns:p="http://schemas.openxmlformats.org/presentationml/2006/main">
+  <p:cSld>
+    <p:bg>
+      <p:bgPr>
+        <a:solidFill>
+          <a:schemeClr val="bg1"/>
+        </a:solidFill>
+        <a:effectLst/>
+      </p:bgPr>
+    </p:bg>
+    <p:spTree>
+      <p:nvGrpSpPr>
+        <p:cNvPr id="1" name="">
+          <a:extLst>
+            <a:ext uri="{FF2B5EF4-FFF2-40B4-BE49-F238E27FC236}">
+              <a16:creationId xmlns:a16="http://schemas.microsoft.com/office/drawing/2014/main" id="{7463462E-3232-27AD-E33F-FE2155167EE4}"/>
+            </a:ext>
+          </a:extLst>
+        </p:cNvPr>
+        <p:cNvGrpSpPr/>
+        <p:nvPr/>
+      </p:nvGrpSpPr>
+      <p:grpSpPr>
+        <a:xfrm>
+          <a:off x="0" y="0"/>
+          <a:ext cx="0" cy="0"/>
+          <a:chOff x="0" y="0"/>
+          <a:chExt cx="0" cy="0"/>
+        </a:xfrm>
+      </p:grpSpPr>
+      <p:sp>
+        <p:nvSpPr>
+          <p:cNvPr id="32" name="Rectangle 31">
+            <a:extLst>
+              <a:ext uri="{FF2B5EF4-FFF2-40B4-BE49-F238E27FC236}">
+                <a16:creationId xmlns:a16="http://schemas.microsoft.com/office/drawing/2014/main" id="{F0FD769F-BDEE-4149-8C98-A92F1F8A145F}"/>
+              </a:ext>
+              <a:ext uri="{C183D7F6-B498-43B3-948B-1728B52AA6E4}">
+                <adec:decorative xmlns:adec="http://schemas.microsoft.com/office/drawing/2017/decorative" val="1"/>
+              </a:ext>
+            </a:extLst>
+          </p:cNvPr>
+          <p:cNvSpPr>
+            <a:spLocks noGrp="1" noRot="1" noChangeAspect="1" noMove="1" noResize="1" noEditPoints="1" noAdjustHandles="1" noChangeArrowheads="1" noChangeShapeType="1" noTextEdit="1"/>
+          </p:cNvSpPr>
+          <p:nvPr>
+            <p:extLst>
+              <p:ext uri="{386F3935-93C4-4BCD-93E2-E3B085C9AB24}">
+                <p16:designElem xmlns:p16="http://schemas.microsoft.com/office/powerpoint/2015/main" val="1"/>
+              </p:ext>
+            </p:extLst>
+          </p:nvPr>
+        </p:nvSpPr>
+        <p:spPr>
+          <a:xfrm>
+            <a:off x="11292840" y="0"/>
+            <a:ext cx="914400" cy="6858000"/>
+          </a:xfrm>
+          <a:prstGeom prst="rect">
+            <a:avLst/>
+          </a:prstGeom>
+          <a:solidFill>
+            <a:srgbClr val="303030"/>
+          </a:solidFill>
+          <a:ln>
+            <a:noFill/>
+          </a:ln>
+        </p:spPr>
+        <p:style>
+          <a:lnRef idx="2">
+            <a:schemeClr val="accent1">
+              <a:shade val="50000"/>
+            </a:schemeClr>
+          </a:lnRef>
+          <a:fillRef idx="1">
+            <a:schemeClr val="accent1"/>
+          </a:fillRef>
+          <a:effectRef idx="0">
+            <a:schemeClr val="accent1"/>
+          </a:effectRef>
+          <a:fontRef idx="minor">
+            <a:schemeClr val="lt1"/>
+          </a:fontRef>
+        </p:style>
+        <p:txBody>
+          <a:bodyPr/>
+          <a:lstStyle/>
+          <a:p>
+            <a:endParaRPr lang="en-GB"/>
+          </a:p>
+        </p:txBody>
+      </p:sp>
+      <p:sp>
+        <p:nvSpPr>
+          <p:cNvPr id="34" name="Rectangle 33">
+            <a:extLst>
+              <a:ext uri="{FF2B5EF4-FFF2-40B4-BE49-F238E27FC236}">
+                <a16:creationId xmlns:a16="http://schemas.microsoft.com/office/drawing/2014/main" id="{DC00EF3B-797F-4060-9460-6EEF08B1B150}"/>
+              </a:ext>
+              <a:ext uri="{C183D7F6-B498-43B3-948B-1728B52AA6E4}">
+                <adec:decorative xmlns:adec="http://schemas.microsoft.com/office/drawing/2017/decorative" val="1"/>
+              </a:ext>
+            </a:extLst>
+          </p:cNvPr>
+          <p:cNvSpPr>
+            <a:spLocks noGrp="1" noRot="1" noChangeAspect="1" noMove="1" noResize="1" noEditPoints="1" noAdjustHandles="1" noChangeArrowheads="1" noChangeShapeType="1" noTextEdit="1"/>
+          </p:cNvSpPr>
+          <p:nvPr>
+            <p:extLst>
+              <p:ext uri="{386F3935-93C4-4BCD-93E2-E3B085C9AB24}">
+                <p16:designElem xmlns:p16="http://schemas.microsoft.com/office/powerpoint/2015/main" val="1"/>
+              </p:ext>
+            </p:extLst>
+          </p:nvPr>
+        </p:nvSpPr>
+        <p:spPr>
+          <a:xfrm>
+            <a:off x="0" y="0"/>
+            <a:ext cx="457200" cy="6858000"/>
+          </a:xfrm>
+          <a:prstGeom prst="rect">
+            <a:avLst/>
+          </a:prstGeom>
+          <a:solidFill>
+            <a:srgbClr val="303030"/>
+          </a:solidFill>
+          <a:ln>
+            <a:noFill/>
+          </a:ln>
+        </p:spPr>
+        <p:style>
+          <a:lnRef idx="2">
+            <a:schemeClr val="accent1">
+              <a:shade val="50000"/>
+            </a:schemeClr>
+          </a:lnRef>
+          <a:fillRef idx="1">
+            <a:schemeClr val="accent1"/>
+          </a:fillRef>
+          <a:effectRef idx="0">
+            <a:schemeClr val="accent1"/>
+          </a:effectRef>
+          <a:fontRef idx="minor">
+            <a:schemeClr val="lt1"/>
+          </a:fontRef>
+        </p:style>
+        <p:txBody>
+          <a:bodyPr/>
+          <a:lstStyle/>
+          <a:p>
+            <a:endParaRPr lang="en-GB"/>
+          </a:p>
+        </p:txBody>
+      </p:sp>
+      <p:sp>
+        <p:nvSpPr>
+          <p:cNvPr id="2" name="Title 1">
+            <a:extLst>
+              <a:ext uri="{FF2B5EF4-FFF2-40B4-BE49-F238E27FC236}">
+                <a16:creationId xmlns:a16="http://schemas.microsoft.com/office/drawing/2014/main" id="{E4175569-4F62-308F-5E80-E07B49B6B69B}"/>
+              </a:ext>
+            </a:extLst>
+          </p:cNvPr>
+          <p:cNvSpPr>
+            <a:spLocks noGrp="1"/>
+          </p:cNvSpPr>
+          <p:nvPr>
+            <p:ph type="title"/>
+          </p:nvPr>
+        </p:nvSpPr>
+        <p:spPr>
+          <a:xfrm>
+            <a:off x="6941573" y="758952"/>
+            <a:ext cx="3738617" cy="4041648"/>
+          </a:xfrm>
+        </p:spPr>
+        <p:txBody>
+          <a:bodyPr vert="horz" lIns="91440" tIns="45720" rIns="91440" bIns="45720" rtlCol="0" anchor="b">
+            <a:normAutofit/>
+          </a:bodyPr>
+          <a:lstStyle/>
+          <a:p>
+            <a:pPr>
+              <a:lnSpc>
+                <a:spcPct val="85000"/>
+              </a:lnSpc>
+            </a:pPr>
+            <a:r>
+              <a:rPr lang="en-US" sz="2600" dirty="0"/>
+              <a:t>With adding it all back to gather we are left with this.</a:t>
+            </a:r>
+            <a:br>
+              <a:rPr lang="en-US" sz="2600" dirty="0"/>
+            </a:br>
+            <a:br>
+              <a:rPr lang="en-US" sz="2600" dirty="0"/>
+            </a:br>
+            <a:r>
+              <a:rPr lang="en-US" sz="2600" dirty="0"/>
+              <a:t>This design is extremely complex however provides great flexibility for future modifications.</a:t>
+            </a:r>
+          </a:p>
+        </p:txBody>
+      </p:sp>
+      <p:sp>
+        <p:nvSpPr>
+          <p:cNvPr id="36" name="Rectangle 35">
+            <a:extLst>
+              <a:ext uri="{FF2B5EF4-FFF2-40B4-BE49-F238E27FC236}">
+                <a16:creationId xmlns:a16="http://schemas.microsoft.com/office/drawing/2014/main" id="{A0749B7F-D77A-413E-880A-538C35BB1E2A}"/>
+              </a:ext>
+              <a:ext uri="{C183D7F6-B498-43B3-948B-1728B52AA6E4}">
+                <adec:decorative xmlns:adec="http://schemas.microsoft.com/office/drawing/2017/decorative" val="1"/>
+              </a:ext>
+            </a:extLst>
+          </p:cNvPr>
+          <p:cNvSpPr>
+            <a:spLocks noGrp="1" noRot="1" noChangeAspect="1" noMove="1" noResize="1" noEditPoints="1" noAdjustHandles="1" noChangeArrowheads="1" noChangeShapeType="1" noTextEdit="1"/>
+          </p:cNvSpPr>
+          <p:nvPr>
+            <p:extLst>
+              <p:ext uri="{386F3935-93C4-4BCD-93E2-E3B085C9AB24}">
+                <p16:designElem xmlns:p16="http://schemas.microsoft.com/office/powerpoint/2015/main" val="1"/>
+              </p:ext>
+            </p:extLst>
+          </p:nvPr>
+        </p:nvSpPr>
+        <p:spPr>
+          <a:xfrm>
+            <a:off x="452283" y="0"/>
+            <a:ext cx="6087359" cy="6858000"/>
+          </a:xfrm>
+          <a:prstGeom prst="rect">
+            <a:avLst/>
+          </a:prstGeom>
+          <a:solidFill>
+            <a:srgbClr val="FFFFFF"/>
+          </a:solidFill>
+          <a:ln>
+            <a:noFill/>
+          </a:ln>
+        </p:spPr>
+        <p:style>
+          <a:lnRef idx="2">
+            <a:schemeClr val="accent1">
+              <a:shade val="50000"/>
+            </a:schemeClr>
+          </a:lnRef>
+          <a:fillRef idx="1">
+            <a:schemeClr val="accent1"/>
+          </a:fillRef>
+          <a:effectRef idx="0">
+            <a:schemeClr val="accent1"/>
+          </a:effectRef>
+          <a:fontRef idx="minor">
+            <a:schemeClr val="lt1"/>
+          </a:fontRef>
+        </p:style>
+        <p:txBody>
+          <a:bodyPr rtlCol="0" anchor="ctr"/>
+          <a:lstStyle/>
+          <a:p>
+            <a:pPr algn="ctr"/>
+            <a:endParaRPr lang="en-US"/>
+          </a:p>
+        </p:txBody>
+      </p:sp>
+      <p:pic>
+        <p:nvPicPr>
+          <p:cNvPr id="5" name="Graphic 4">
+            <a:extLst>
+              <a:ext uri="{FF2B5EF4-FFF2-40B4-BE49-F238E27FC236}">
+                <a16:creationId xmlns:a16="http://schemas.microsoft.com/office/drawing/2014/main" id="{CF69F0FB-4C96-0881-70F4-21EA4C7A1B6A}"/>
+              </a:ext>
+            </a:extLst>
+          </p:cNvPr>
+          <p:cNvPicPr>
+            <a:picLocks noChangeAspect="1"/>
+          </p:cNvPicPr>
+          <p:nvPr/>
+        </p:nvPicPr>
+        <p:blipFill>
+          <a:blip r:embed="rId2">
+            <a:extLst>
+              <a:ext uri="{28A0092B-C50C-407E-A947-70E740481C1C}">
+                <a14:useLocalDpi xmlns:a14="http://schemas.microsoft.com/office/drawing/2010/main" val="0"/>
+              </a:ext>
+              <a:ext uri="{96DAC541-7B7A-43D3-8B79-37D633B846F1}">
+                <asvg:svgBlip xmlns:asvg="http://schemas.microsoft.com/office/drawing/2016/SVG/main" r:embed="rId3"/>
+              </a:ext>
+            </a:extLst>
+          </a:blip>
+          <a:stretch>
+            <a:fillRect/>
+          </a:stretch>
+        </p:blipFill>
+        <p:spPr>
+          <a:xfrm>
+            <a:off x="575876" y="633173"/>
+            <a:ext cx="5840172" cy="5591653"/>
+          </a:xfrm>
+          <a:prstGeom prst="rect">
+            <a:avLst/>
+          </a:prstGeom>
+        </p:spPr>
+      </p:pic>
+    </p:spTree>
+    <p:extLst>
+      <p:ext uri="{BB962C8B-B14F-4D97-AF65-F5344CB8AC3E}">
+        <p14:creationId xmlns:p14="http://schemas.microsoft.com/office/powerpoint/2010/main" val="591662036"/>
+      </p:ext>
+    </p:extLst>
+  </p:cSld>
+  <p:clrMapOvr>
+    <a:masterClrMapping/>
+  </p:clrMapOvr>
+  <mc:AlternateContent xmlns:mc="http://schemas.openxmlformats.org/markup-compatibility/2006" xmlns:p159="http://schemas.microsoft.com/office/powerpoint/2015/09/main">
+    <mc:Choice Requires="p159">
+      <p:transition xmlns:p14="http://schemas.microsoft.com/office/powerpoint/2010/main" spd="slow" p14:dur="2000">
+        <p159:morph option="byObject"/>
+      </p:transition>
+    </mc:Choice>
+    <mc:Fallback xmlns="">
+      <p:transition spd="slow">
+        <p:fade/>
+      </p:transition>
+    </mc:Fallback>
+  </mc:AlternateContent>
 </p:sld>
 </file>
 
@@ -7274,24 +13634,24 @@
               </a:lnSpc>
             </a:pPr>
             <a:r>
-              <a:rPr lang="en-US" sz="5400" dirty="0"/>
+              <a:rPr lang="en-US" sz="5400"/>
               <a:t>Current Design:</a:t>
             </a:r>
             <a:br>
-              <a:rPr lang="en-US" sz="5400" dirty="0"/>
+              <a:rPr lang="en-US" sz="5400"/>
             </a:br>
             <a:br>
-              <a:rPr lang="en-US" sz="5400" dirty="0"/>
+              <a:rPr lang="en-US" sz="5400"/>
             </a:br>
             <a:r>
-              <a:rPr lang="en-US" sz="5400" dirty="0"/>
+              <a:rPr lang="en-US" sz="5400"/>
               <a:t>Let’s have a looks</a:t>
             </a:r>
             <a:br>
-              <a:rPr lang="en-US" sz="5400" dirty="0"/>
+              <a:rPr lang="en-US" sz="5400"/>
             </a:br>
             <a:r>
-              <a:rPr lang="en-US" sz="5400" dirty="0"/>
+              <a:rPr lang="en-US" sz="5400"/>
               <a:t>at what’s not the best</a:t>
             </a:r>
           </a:p>
@@ -8319,79 +14679,79 @@
               </a:lnSpc>
             </a:pPr>
             <a:r>
-              <a:rPr lang="en-US" sz="3600" u="sng" dirty="0" err="1"/>
+              <a:rPr lang="en-US" sz="3600" u="sng" err="1"/>
               <a:t>MainClass</a:t>
             </a:r>
             <a:br>
-              <a:rPr lang="en-US" sz="2800" dirty="0"/>
+              <a:rPr lang="en-US" sz="2800"/>
             </a:br>
             <a:br>
-              <a:rPr lang="en-US" sz="2800" dirty="0"/>
+              <a:rPr lang="en-US" sz="2800"/>
             </a:br>
             <a:r>
-              <a:rPr lang="en-US" sz="2800" dirty="0"/>
+              <a:rPr lang="en-US" sz="2800"/>
               <a:t>Too much responsibility!</a:t>
             </a:r>
             <a:br>
-              <a:rPr lang="en-US" sz="2800" dirty="0"/>
+              <a:rPr lang="en-US" sz="2800"/>
             </a:br>
             <a:br>
-              <a:rPr lang="en-US" sz="2800" dirty="0"/>
+              <a:rPr lang="en-US" sz="2800"/>
             </a:br>
             <a:r>
-              <a:rPr lang="en-US" sz="2800" dirty="0"/>
+              <a:rPr lang="en-US" sz="2800"/>
               <a:t>- Display game</a:t>
             </a:r>
             <a:br>
-              <a:rPr lang="en-US" sz="2800" dirty="0"/>
+              <a:rPr lang="en-US" sz="2800"/>
             </a:br>
             <a:r>
-              <a:rPr lang="en-US" sz="2800" dirty="0"/>
+              <a:rPr lang="en-US" sz="2800"/>
               <a:t>- User Interaction</a:t>
             </a:r>
             <a:br>
-              <a:rPr lang="en-US" sz="2800" dirty="0"/>
+              <a:rPr lang="en-US" sz="2800"/>
             </a:br>
             <a:r>
-              <a:rPr lang="en-US" sz="2800" dirty="0"/>
+              <a:rPr lang="en-US" sz="2800"/>
               <a:t>- Game Logic</a:t>
             </a:r>
             <a:br>
-              <a:rPr lang="en-US" sz="2800" dirty="0"/>
+              <a:rPr lang="en-US" sz="2800"/>
             </a:br>
             <a:r>
-              <a:rPr lang="en-US" sz="2800" dirty="0"/>
+              <a:rPr lang="en-US" sz="2800"/>
               <a:t>- Players</a:t>
             </a:r>
             <a:br>
-              <a:rPr lang="en-US" sz="2800" dirty="0"/>
+              <a:rPr lang="en-US" sz="2800"/>
             </a:br>
             <a:r>
-              <a:rPr lang="en-US" sz="2800" dirty="0"/>
+              <a:rPr lang="en-US" sz="2800"/>
               <a:t>- Decks</a:t>
             </a:r>
             <a:br>
-              <a:rPr lang="en-US" sz="2800" dirty="0"/>
+              <a:rPr lang="en-US" sz="2800"/>
             </a:br>
             <a:br>
-              <a:rPr lang="en-US" sz="2800" dirty="0"/>
+              <a:rPr lang="en-US" sz="2800"/>
             </a:br>
             <a:br>
-              <a:rPr lang="en-US" sz="2800" dirty="0"/>
+              <a:rPr lang="en-US" sz="2800"/>
             </a:br>
             <a:br>
-              <a:rPr lang="en-US" sz="2800" dirty="0"/>
+              <a:rPr lang="en-US" sz="2800"/>
             </a:br>
             <a:br>
-              <a:rPr lang="en-US" sz="2800" dirty="0"/>
+              <a:rPr lang="en-US" sz="2800"/>
             </a:br>
             <a:br>
-              <a:rPr lang="en-US" sz="2800" dirty="0"/>
+              <a:rPr lang="en-US" sz="2800"/>
             </a:br>
             <a:br>
-              <a:rPr lang="en-US" sz="2800" dirty="0"/>
+              <a:rPr lang="en-US" sz="2800"/>
             </a:br>
-            <a:endParaRPr lang="en-US" sz="2800" dirty="0"/>
+            <a:endParaRPr lang="en-US" sz="2800"/>
           </a:p>
         </p:txBody>
       </p:sp>
@@ -8749,7 +15109,7 @@
           <a:lstStyle/>
           <a:p>
             <a:r>
-              <a:rPr lang="en-GB" sz="3200" dirty="0">
+              <a:rPr lang="en-GB" sz="3200">
                 <a:solidFill>
                   <a:srgbClr val="FF0000"/>
                 </a:solidFill>
@@ -8788,7 +15148,7 @@
           <a:lstStyle/>
           <a:p>
             <a:r>
-              <a:rPr lang="en-GB" sz="3200" dirty="0">
+              <a:rPr lang="en-GB" sz="3200">
                 <a:solidFill>
                   <a:srgbClr val="FF0000"/>
                 </a:solidFill>
@@ -8827,7 +15187,7 @@
           <a:lstStyle/>
           <a:p>
             <a:r>
-              <a:rPr lang="en-GB" sz="3200" dirty="0">
+              <a:rPr lang="en-GB" sz="3200">
                 <a:solidFill>
                   <a:srgbClr val="FF0000"/>
                 </a:solidFill>
@@ -9212,57 +15572,57 @@
               </a:lnSpc>
             </a:pPr>
             <a:r>
-              <a:rPr lang="en-US" sz="3600" u="sng" dirty="0"/>
+              <a:rPr lang="en-US" sz="3600" u="sng"/>
               <a:t>Player:</a:t>
             </a:r>
             <a:br>
-              <a:rPr lang="en-US" sz="2800" dirty="0"/>
+              <a:rPr lang="en-US" sz="2800"/>
             </a:br>
             <a:br>
-              <a:rPr lang="en-US" sz="2800" dirty="0"/>
+              <a:rPr lang="en-US" sz="2800"/>
             </a:br>
             <a:r>
-              <a:rPr lang="en-US" sz="2800" dirty="0"/>
+              <a:rPr lang="en-US" sz="2800"/>
               <a:t>Player know too much about the game. </a:t>
             </a:r>
             <a:br>
-              <a:rPr lang="en-US" sz="2800" dirty="0"/>
+              <a:rPr lang="en-US" sz="2800"/>
             </a:br>
             <a:br>
-              <a:rPr lang="en-US" sz="2800" dirty="0"/>
+              <a:rPr lang="en-US" sz="2800"/>
             </a:br>
             <a:r>
-              <a:rPr lang="en-US" sz="2800" dirty="0"/>
+              <a:rPr lang="en-US" sz="2800"/>
               <a:t>Not all games will have the same attributes for the players </a:t>
             </a:r>
             <a:br>
-              <a:rPr lang="en-US" sz="2800" dirty="0"/>
+              <a:rPr lang="en-US" sz="2800"/>
             </a:br>
             <a:br>
-              <a:rPr lang="en-US" sz="2800" dirty="0"/>
+              <a:rPr lang="en-US" sz="2800"/>
             </a:br>
             <a:br>
-              <a:rPr lang="en-US" sz="2800" dirty="0"/>
+              <a:rPr lang="en-US" sz="2800"/>
             </a:br>
             <a:br>
-              <a:rPr lang="en-US" sz="2800" dirty="0"/>
+              <a:rPr lang="en-US" sz="2800"/>
             </a:br>
             <a:br>
-              <a:rPr lang="en-US" sz="2800" dirty="0"/>
+              <a:rPr lang="en-US" sz="2800"/>
             </a:br>
             <a:br>
-              <a:rPr lang="en-US" sz="2800" dirty="0"/>
+              <a:rPr lang="en-US" sz="2800"/>
             </a:br>
             <a:br>
-              <a:rPr lang="en-US" sz="2800" dirty="0"/>
+              <a:rPr lang="en-US" sz="2800"/>
             </a:br>
             <a:br>
-              <a:rPr lang="en-US" sz="2800" dirty="0"/>
+              <a:rPr lang="en-US" sz="2800"/>
             </a:br>
             <a:br>
-              <a:rPr lang="en-US" sz="2800" dirty="0"/>
+              <a:rPr lang="en-US" sz="2800"/>
             </a:br>
-            <a:endParaRPr lang="en-US" sz="2800" dirty="0"/>
+            <a:endParaRPr lang="en-US" sz="2800"/>
           </a:p>
         </p:txBody>
       </p:sp>
@@ -10073,7 +16433,7 @@
         <p:cNvPr id="1" name="">
           <a:extLst>
             <a:ext uri="{FF2B5EF4-FFF2-40B4-BE49-F238E27FC236}">
-              <a16:creationId xmlns:a16="http://schemas.microsoft.com/office/drawing/2014/main" id="{95A67278-55AA-D6AB-B0A2-25A1CA03289E}"/>
+              <a16:creationId xmlns:a16="http://schemas.microsoft.com/office/drawing/2014/main" id="{5FF08C05-1793-7BD4-F262-D9AAA32A7095}"/>
             </a:ext>
           </a:extLst>
         </p:cNvPr>
@@ -10093,7 +16453,7 @@
           <p:cNvPr id="12" name="Rectangle 11">
             <a:extLst>
               <a:ext uri="{FF2B5EF4-FFF2-40B4-BE49-F238E27FC236}">
-                <a16:creationId xmlns:a16="http://schemas.microsoft.com/office/drawing/2014/main" id="{B2C58130-BCB4-FF51-3BA6-F5D4D972A719}"/>
+                <a16:creationId xmlns:a16="http://schemas.microsoft.com/office/drawing/2014/main" id="{3DDAEFF7-FB81-9C3C-B322-50F6938A3B88}"/>
               </a:ext>
               <a:ext uri="{C183D7F6-B498-43B3-948B-1728B52AA6E4}">
                 <adec:decorative xmlns:adec="http://schemas.microsoft.com/office/drawing/2017/decorative" val="1"/>
@@ -10155,7 +16515,7 @@
           <p:cNvPr id="14" name="Rectangle 13">
             <a:extLst>
               <a:ext uri="{FF2B5EF4-FFF2-40B4-BE49-F238E27FC236}">
-                <a16:creationId xmlns:a16="http://schemas.microsoft.com/office/drawing/2014/main" id="{C6D6CBD3-43D2-6BE2-9F03-24B4C39B965D}"/>
+                <a16:creationId xmlns:a16="http://schemas.microsoft.com/office/drawing/2014/main" id="{CE60C535-FE5D-5A33-A6DD-2B3397CE89E4}"/>
               </a:ext>
               <a:ext uri="{C183D7F6-B498-43B3-948B-1728B52AA6E4}">
                 <adec:decorative xmlns:adec="http://schemas.microsoft.com/office/drawing/2017/decorative" val="1"/>
@@ -10217,7 +16577,7 @@
           <p:cNvPr id="2" name="Title 1">
             <a:extLst>
               <a:ext uri="{FF2B5EF4-FFF2-40B4-BE49-F238E27FC236}">
-                <a16:creationId xmlns:a16="http://schemas.microsoft.com/office/drawing/2014/main" id="{5A3974D4-CB61-8FB7-91DF-C2AD5084FA34}"/>
+                <a16:creationId xmlns:a16="http://schemas.microsoft.com/office/drawing/2014/main" id="{3ABA781A-936C-2AEF-2C82-C8D223A033C0}"/>
               </a:ext>
             </a:extLst>
           </p:cNvPr>
@@ -10246,51 +16606,57 @@
               </a:lnSpc>
             </a:pPr>
             <a:r>
-              <a:rPr lang="en-US" sz="3600" u="sng" dirty="0"/>
-              <a:t>Card Class</a:t>
+              <a:rPr lang="en-US" sz="3600" u="sng"/>
+              <a:t>Card:</a:t>
             </a:r>
             <a:br>
-              <a:rPr lang="en-US" sz="2800" dirty="0"/>
+              <a:rPr lang="en-US" sz="3600" u="sng"/>
             </a:br>
             <a:br>
-              <a:rPr lang="en-US" sz="2800" dirty="0"/>
+              <a:rPr lang="en-US" sz="3600" u="sng"/>
             </a:br>
             <a:r>
-              <a:rPr lang="en-US" sz="2800" dirty="0"/>
-              <a:t>Card class isn’t the worst</a:t>
+              <a:rPr lang="en-US" sz="2800"/>
+              <a:t>Class is okay however very rigid</a:t>
             </a:r>
             <a:br>
-              <a:rPr lang="en-US" sz="2800" dirty="0"/>
+              <a:rPr lang="en-US" sz="2800"/>
             </a:br>
             <a:br>
-              <a:rPr lang="en-US" sz="2800" dirty="0"/>
+              <a:rPr lang="en-US" sz="2800"/>
             </a:br>
             <a:r>
-              <a:rPr lang="en-US" sz="2800" dirty="0"/>
-              <a:t>However, this assumes all cards work the same and there isn’t a mechanism to modify any card behaviors.</a:t>
+              <a:rPr lang="en-US" sz="2800"/>
+              <a:t>It assumes all cards work in the same way and cards never change their properties</a:t>
             </a:r>
             <a:br>
-              <a:rPr lang="en-US" sz="2800" dirty="0"/>
+              <a:rPr lang="en-US" sz="2800"/>
             </a:br>
             <a:br>
-              <a:rPr lang="en-US" sz="2800" dirty="0"/>
+              <a:rPr lang="en-US" sz="2800"/>
             </a:br>
             <a:br>
-              <a:rPr lang="en-US" sz="2800" dirty="0"/>
+              <a:rPr lang="en-US" sz="2800"/>
             </a:br>
             <a:br>
-              <a:rPr lang="en-US" sz="2800" dirty="0"/>
+              <a:rPr lang="en-US" sz="2800"/>
             </a:br>
             <a:br>
-              <a:rPr lang="en-US" sz="2800" dirty="0"/>
+              <a:rPr lang="en-US" sz="2800"/>
             </a:br>
             <a:br>
-              <a:rPr lang="en-US" sz="2800" dirty="0"/>
+              <a:rPr lang="en-US" sz="2800"/>
             </a:br>
             <a:br>
-              <a:rPr lang="en-US" sz="2800" dirty="0"/>
+              <a:rPr lang="en-US" sz="2800"/>
             </a:br>
-            <a:endParaRPr lang="en-US" sz="2800" dirty="0"/>
+            <a:br>
+              <a:rPr lang="en-US" sz="2800"/>
+            </a:br>
+            <a:br>
+              <a:rPr lang="en-US" sz="2800"/>
+            </a:br>
+            <a:endParaRPr lang="en-US" sz="2800"/>
           </a:p>
         </p:txBody>
       </p:sp>
@@ -10299,7 +16665,7 @@
           <p:cNvPr id="16" name="Rectangle 15">
             <a:extLst>
               <a:ext uri="{FF2B5EF4-FFF2-40B4-BE49-F238E27FC236}">
-                <a16:creationId xmlns:a16="http://schemas.microsoft.com/office/drawing/2014/main" id="{CBE2ACF8-7AD4-FE13-3FAA-78A02F7F6B5A}"/>
+                <a16:creationId xmlns:a16="http://schemas.microsoft.com/office/drawing/2014/main" id="{91EB7536-4C23-4CAE-22C4-E5FA249D7785}"/>
               </a:ext>
               <a:ext uri="{C183D7F6-B498-43B3-948B-1728B52AA6E4}">
                 <adec:decorative xmlns:adec="http://schemas.microsoft.com/office/drawing/2017/decorative" val="1"/>
@@ -10362,7 +16728,7 @@
           <p:cNvPr id="7" name="Content Placeholder 6">
             <a:extLst>
               <a:ext uri="{FF2B5EF4-FFF2-40B4-BE49-F238E27FC236}">
-                <a16:creationId xmlns:a16="http://schemas.microsoft.com/office/drawing/2014/main" id="{6AF8748E-B016-DD7B-39A9-7ADA49DA688D}"/>
+                <a16:creationId xmlns:a16="http://schemas.microsoft.com/office/drawing/2014/main" id="{A51452F2-A00E-8619-8CDC-41BECFDCB65F}"/>
               </a:ext>
             </a:extLst>
           </p:cNvPr>
@@ -10384,7 +16750,7 @@
               </a:ext>
             </a:extLst>
           </a:blip>
-          <a:srcRect l="561" t="44702" r="25549" b="-15719"/>
+          <a:srcRect t="41269" r="26111" b="-12286"/>
           <a:stretch/>
         </p:blipFill>
         <p:spPr>
@@ -10402,7 +16768,7 @@
           <p:cNvPr id="3" name="Rectangle 2">
             <a:extLst>
               <a:ext uri="{FF2B5EF4-FFF2-40B4-BE49-F238E27FC236}">
-                <a16:creationId xmlns:a16="http://schemas.microsoft.com/office/drawing/2014/main" id="{02A66DE2-4603-90A1-90D1-C726C84360E4}"/>
+                <a16:creationId xmlns:a16="http://schemas.microsoft.com/office/drawing/2014/main" id="{2F58F70C-06D1-EB91-5E58-78431EA80741}"/>
               </a:ext>
             </a:extLst>
           </p:cNvPr>
@@ -10411,8 +16777,8 @@
         </p:nvSpPr>
         <p:spPr>
           <a:xfrm>
-            <a:off x="2427705" y="2930358"/>
-            <a:ext cx="3368842" cy="2417012"/>
+            <a:off x="2470484" y="3235158"/>
+            <a:ext cx="3465095" cy="2454442"/>
           </a:xfrm>
           <a:prstGeom prst="rect">
             <a:avLst/>
@@ -10445,27 +16811,252 @@
           <a:lstStyle/>
           <a:p>
             <a:pPr algn="ctr"/>
-            <a:endParaRPr lang="en-GB"/>
+            <a:r>
+              <a:rPr lang="en-GB"/>
+              <a:t> </a:t>
+            </a:r>
+          </a:p>
+        </p:txBody>
+      </p:sp>
+      <p:pic>
+        <p:nvPicPr>
+          <p:cNvPr id="4" name="Content Placeholder 4">
+            <a:extLst>
+              <a:ext uri="{FF2B5EF4-FFF2-40B4-BE49-F238E27FC236}">
+                <a16:creationId xmlns:a16="http://schemas.microsoft.com/office/drawing/2014/main" id="{A6EF9B92-3A7F-1735-B583-8BB3BD3F03C3}"/>
+              </a:ext>
+            </a:extLst>
+          </p:cNvPr>
+          <p:cNvPicPr>
+            <a:picLocks noChangeAspect="1"/>
+          </p:cNvPicPr>
+          <p:nvPr/>
+        </p:nvPicPr>
+        <p:blipFill>
+          <a:blip r:embed="rId4">
+            <a:extLst>
+              <a:ext uri="{28A0092B-C50C-407E-A947-70E740481C1C}">
+                <a14:useLocalDpi xmlns:a14="http://schemas.microsoft.com/office/drawing/2010/main" val="0"/>
+              </a:ext>
+              <a:ext uri="{96DAC541-7B7A-43D3-8B79-37D633B846F1}">
+                <asvg:svgBlip xmlns:asvg="http://schemas.microsoft.com/office/drawing/2016/SVG/main" r:embed="rId5"/>
+              </a:ext>
+            </a:extLst>
+          </a:blip>
+          <a:stretch>
+            <a:fillRect/>
+          </a:stretch>
+        </p:blipFill>
+        <p:spPr>
+          <a:xfrm>
+            <a:off x="8409980" y="7445928"/>
+            <a:ext cx="3943350" cy="3486150"/>
+          </a:xfrm>
+          <a:prstGeom prst="rect">
+            <a:avLst/>
+          </a:prstGeom>
+        </p:spPr>
+      </p:pic>
+      <p:pic>
+        <p:nvPicPr>
+          <p:cNvPr id="5" name="Graphic 4">
+            <a:extLst>
+              <a:ext uri="{FF2B5EF4-FFF2-40B4-BE49-F238E27FC236}">
+                <a16:creationId xmlns:a16="http://schemas.microsoft.com/office/drawing/2014/main" id="{385A8B3A-53F0-934B-6063-24503AB3E6FA}"/>
+              </a:ext>
+            </a:extLst>
+          </p:cNvPr>
+          <p:cNvPicPr>
+            <a:picLocks noChangeAspect="1"/>
+          </p:cNvPicPr>
+          <p:nvPr/>
+        </p:nvPicPr>
+        <p:blipFill>
+          <a:blip r:embed="rId6">
+            <a:extLst>
+              <a:ext uri="{28A0092B-C50C-407E-A947-70E740481C1C}">
+                <a14:useLocalDpi xmlns:a14="http://schemas.microsoft.com/office/drawing/2010/main" val="0"/>
+              </a:ext>
+              <a:ext uri="{96DAC541-7B7A-43D3-8B79-37D633B846F1}">
+                <asvg:svgBlip xmlns:asvg="http://schemas.microsoft.com/office/drawing/2016/SVG/main" r:embed="rId7"/>
+              </a:ext>
+            </a:extLst>
+          </a:blip>
+          <a:stretch>
+            <a:fillRect/>
+          </a:stretch>
+        </p:blipFill>
+        <p:spPr>
+          <a:xfrm>
+            <a:off x="211756" y="8416366"/>
+            <a:ext cx="4819522" cy="1715281"/>
+          </a:xfrm>
+          <a:prstGeom prst="rect">
+            <a:avLst/>
+          </a:prstGeom>
+        </p:spPr>
+      </p:pic>
+      <p:pic>
+        <p:nvPicPr>
+          <p:cNvPr id="6" name="Graphic 5">
+            <a:extLst>
+              <a:ext uri="{FF2B5EF4-FFF2-40B4-BE49-F238E27FC236}">
+                <a16:creationId xmlns:a16="http://schemas.microsoft.com/office/drawing/2014/main" id="{87045F4D-376C-0116-F9BD-9953D2D5F03B}"/>
+              </a:ext>
+            </a:extLst>
+          </p:cNvPr>
+          <p:cNvPicPr>
+            <a:picLocks noChangeAspect="1"/>
+          </p:cNvPicPr>
+          <p:nvPr/>
+        </p:nvPicPr>
+        <p:blipFill>
+          <a:blip r:embed="rId8">
+            <a:extLst>
+              <a:ext uri="{28A0092B-C50C-407E-A947-70E740481C1C}">
+                <a14:useLocalDpi xmlns:a14="http://schemas.microsoft.com/office/drawing/2010/main" val="0"/>
+              </a:ext>
+              <a:ext uri="{96DAC541-7B7A-43D3-8B79-37D633B846F1}">
+                <asvg:svgBlip xmlns:asvg="http://schemas.microsoft.com/office/drawing/2016/SVG/main" r:embed="rId9"/>
+              </a:ext>
+            </a:extLst>
+          </a:blip>
+          <a:stretch>
+            <a:fillRect/>
+          </a:stretch>
+        </p:blipFill>
+        <p:spPr>
+          <a:xfrm>
+            <a:off x="5031278" y="7808789"/>
+            <a:ext cx="3292929" cy="3088785"/>
+          </a:xfrm>
+          <a:prstGeom prst="rect">
+            <a:avLst/>
+          </a:prstGeom>
+        </p:spPr>
+      </p:pic>
+      <p:sp>
+        <p:nvSpPr>
+          <p:cNvPr id="8" name="TextBox 7">
+            <a:extLst>
+              <a:ext uri="{FF2B5EF4-FFF2-40B4-BE49-F238E27FC236}">
+                <a16:creationId xmlns:a16="http://schemas.microsoft.com/office/drawing/2014/main" id="{4511890E-B405-4E05-8F2A-07AED6BFEAF6}"/>
+              </a:ext>
+            </a:extLst>
+          </p:cNvPr>
+          <p:cNvSpPr txBox="1"/>
+          <p:nvPr/>
+        </p:nvSpPr>
+        <p:spPr>
+          <a:xfrm>
+            <a:off x="1473628" y="7651491"/>
+            <a:ext cx="1168177" cy="369332"/>
+          </a:xfrm>
+          <a:prstGeom prst="rect">
+            <a:avLst/>
+          </a:prstGeom>
+          <a:noFill/>
+        </p:spPr>
+        <p:txBody>
+          <a:bodyPr wrap="square" rtlCol="0">
+            <a:spAutoFit/>
+          </a:bodyPr>
+          <a:lstStyle/>
+          <a:p>
+            <a:r>
+              <a:rPr lang="en-GB" dirty="0"/>
+              <a:t>Strategy</a:t>
+            </a:r>
+          </a:p>
+        </p:txBody>
+      </p:sp>
+      <p:sp>
+        <p:nvSpPr>
+          <p:cNvPr id="9" name="TextBox 8">
+            <a:extLst>
+              <a:ext uri="{FF2B5EF4-FFF2-40B4-BE49-F238E27FC236}">
+                <a16:creationId xmlns:a16="http://schemas.microsoft.com/office/drawing/2014/main" id="{E17FBD13-3FD8-1485-17CC-D144596D3207}"/>
+              </a:ext>
+            </a:extLst>
+          </p:cNvPr>
+          <p:cNvSpPr txBox="1"/>
+          <p:nvPr/>
+        </p:nvSpPr>
+        <p:spPr>
+          <a:xfrm>
+            <a:off x="6093653" y="7344696"/>
+            <a:ext cx="1076311" cy="369332"/>
+          </a:xfrm>
+          <a:prstGeom prst="rect">
+            <a:avLst/>
+          </a:prstGeom>
+          <a:noFill/>
+        </p:spPr>
+        <p:txBody>
+          <a:bodyPr wrap="square" rtlCol="0">
+            <a:spAutoFit/>
+          </a:bodyPr>
+          <a:lstStyle/>
+          <a:p>
+            <a:r>
+              <a:rPr lang="en-GB" dirty="0"/>
+              <a:t>Façade</a:t>
+            </a:r>
+          </a:p>
+        </p:txBody>
+      </p:sp>
+      <p:sp>
+        <p:nvSpPr>
+          <p:cNvPr id="10" name="TextBox 9">
+            <a:extLst>
+              <a:ext uri="{FF2B5EF4-FFF2-40B4-BE49-F238E27FC236}">
+                <a16:creationId xmlns:a16="http://schemas.microsoft.com/office/drawing/2014/main" id="{759B7C36-B41D-6319-EC23-EE676CA91639}"/>
+              </a:ext>
+            </a:extLst>
+          </p:cNvPr>
+          <p:cNvSpPr txBox="1"/>
+          <p:nvPr/>
+        </p:nvSpPr>
+        <p:spPr>
+          <a:xfrm>
+            <a:off x="9838009" y="6975364"/>
+            <a:ext cx="1283926" cy="369332"/>
+          </a:xfrm>
+          <a:prstGeom prst="rect">
+            <a:avLst/>
+          </a:prstGeom>
+          <a:noFill/>
+        </p:spPr>
+        <p:txBody>
+          <a:bodyPr wrap="square" rtlCol="0">
+            <a:spAutoFit/>
+          </a:bodyPr>
+          <a:lstStyle/>
+          <a:p>
+            <a:r>
+              <a:rPr lang="en-GB" dirty="0"/>
+              <a:t>Decorator</a:t>
+            </a:r>
           </a:p>
         </p:txBody>
       </p:sp>
     </p:spTree>
     <p:extLst>
       <p:ext uri="{BB962C8B-B14F-4D97-AF65-F5344CB8AC3E}">
-        <p14:creationId xmlns:p14="http://schemas.microsoft.com/office/powerpoint/2010/main" val="3532574978"/>
+        <p14:creationId xmlns:p14="http://schemas.microsoft.com/office/powerpoint/2010/main" val="3397291047"/>
       </p:ext>
     </p:extLst>
   </p:cSld>
   <p:clrMapOvr>
     <a:masterClrMapping/>
   </p:clrMapOvr>
-  <mc:AlternateContent xmlns:mc="http://schemas.openxmlformats.org/markup-compatibility/2006">
-    <mc:Choice xmlns:p159="http://schemas.microsoft.com/office/powerpoint/2015/09/main" Requires="p159">
+  <mc:AlternateContent xmlns:mc="http://schemas.openxmlformats.org/markup-compatibility/2006" xmlns:p159="http://schemas.microsoft.com/office/powerpoint/2015/09/main">
+    <mc:Choice Requires="p159">
       <p:transition xmlns:p14="http://schemas.microsoft.com/office/powerpoint/2010/main" spd="slow" p14:dur="2000">
         <p159:morph option="byObject"/>
       </p:transition>
     </mc:Choice>
-    <mc:Fallback>
+    <mc:Fallback xmlns="">
       <p:transition spd="slow">
         <p:fade/>
       </p:transition>
@@ -10560,6 +17151,735 @@
       <p:bldP spid="3" grpId="0" animBg="1"/>
     </p:bldLst>
   </p:timing>
+</p:sld>
+</file>
+
+<file path=ppt/slides/slide9.xml><?xml version="1.0" encoding="utf-8"?>
+<p:sld xmlns:a="http://schemas.openxmlformats.org/drawingml/2006/main" xmlns:r="http://schemas.openxmlformats.org/officeDocument/2006/relationships" xmlns:p="http://schemas.openxmlformats.org/presentationml/2006/main">
+  <p:cSld>
+    <p:bg>
+      <p:bgPr>
+        <a:solidFill>
+          <a:schemeClr val="bg1">
+            <a:lumMod val="75000"/>
+            <a:lumOff val="25000"/>
+          </a:schemeClr>
+        </a:solidFill>
+        <a:effectLst/>
+      </p:bgPr>
+    </p:bg>
+    <p:spTree>
+      <p:nvGrpSpPr>
+        <p:cNvPr id="1" name=""/>
+        <p:cNvGrpSpPr/>
+        <p:nvPr/>
+      </p:nvGrpSpPr>
+      <p:grpSpPr>
+        <a:xfrm>
+          <a:off x="0" y="0"/>
+          <a:ext cx="0" cy="0"/>
+          <a:chOff x="0" y="0"/>
+          <a:chExt cx="0" cy="0"/>
+        </a:xfrm>
+      </p:grpSpPr>
+      <p:sp>
+        <p:nvSpPr>
+          <p:cNvPr id="2" name="Title 1">
+            <a:extLst>
+              <a:ext uri="{FF2B5EF4-FFF2-40B4-BE49-F238E27FC236}">
+                <a16:creationId xmlns:a16="http://schemas.microsoft.com/office/drawing/2014/main" id="{BE7B334F-A4F0-00AE-EAD7-5D6D4C94E786}"/>
+              </a:ext>
+            </a:extLst>
+          </p:cNvPr>
+          <p:cNvSpPr>
+            <a:spLocks noGrp="1"/>
+          </p:cNvSpPr>
+          <p:nvPr>
+            <p:ph type="title"/>
+          </p:nvPr>
+        </p:nvSpPr>
+        <p:spPr>
+          <a:xfrm>
+            <a:off x="337846" y="111483"/>
+            <a:ext cx="9692640" cy="841418"/>
+          </a:xfrm>
+        </p:spPr>
+        <p:txBody>
+          <a:bodyPr/>
+          <a:lstStyle/>
+          <a:p>
+            <a:r>
+              <a:rPr lang="en-GB" dirty="0"/>
+              <a:t>Modifying card behaviours</a:t>
+            </a:r>
+          </a:p>
+        </p:txBody>
+      </p:sp>
+      <p:pic>
+        <p:nvPicPr>
+          <p:cNvPr id="5" name="Content Placeholder 4">
+            <a:extLst>
+              <a:ext uri="{FF2B5EF4-FFF2-40B4-BE49-F238E27FC236}">
+                <a16:creationId xmlns:a16="http://schemas.microsoft.com/office/drawing/2014/main" id="{EC29D499-CEBC-7574-1D58-D3734507DF2A}"/>
+              </a:ext>
+            </a:extLst>
+          </p:cNvPr>
+          <p:cNvPicPr>
+            <a:picLocks noGrp="1" noChangeAspect="1"/>
+          </p:cNvPicPr>
+          <p:nvPr>
+            <p:ph idx="1"/>
+          </p:nvPr>
+        </p:nvPicPr>
+        <p:blipFill>
+          <a:blip r:embed="rId2">
+            <a:extLst>
+              <a:ext uri="{28A0092B-C50C-407E-A947-70E740481C1C}">
+                <a14:useLocalDpi xmlns:a14="http://schemas.microsoft.com/office/drawing/2010/main" val="0"/>
+              </a:ext>
+              <a:ext uri="{96DAC541-7B7A-43D3-8B79-37D633B846F1}">
+                <asvg:svgBlip xmlns:asvg="http://schemas.microsoft.com/office/drawing/2016/SVG/main" r:embed="rId3"/>
+              </a:ext>
+            </a:extLst>
+          </a:blip>
+          <a:stretch>
+            <a:fillRect/>
+          </a:stretch>
+        </p:blipFill>
+        <p:spPr>
+          <a:xfrm>
+            <a:off x="7149070" y="2064190"/>
+            <a:ext cx="3943350" cy="3486150"/>
+          </a:xfrm>
+        </p:spPr>
+      </p:pic>
+      <p:pic>
+        <p:nvPicPr>
+          <p:cNvPr id="7" name="Graphic 6">
+            <a:extLst>
+              <a:ext uri="{FF2B5EF4-FFF2-40B4-BE49-F238E27FC236}">
+                <a16:creationId xmlns:a16="http://schemas.microsoft.com/office/drawing/2014/main" id="{475846A1-E895-7601-2EED-F5F3B3042640}"/>
+              </a:ext>
+            </a:extLst>
+          </p:cNvPr>
+          <p:cNvPicPr>
+            <a:picLocks noChangeAspect="1"/>
+          </p:cNvPicPr>
+          <p:nvPr/>
+        </p:nvPicPr>
+        <p:blipFill>
+          <a:blip r:embed="rId4">
+            <a:extLst>
+              <a:ext uri="{28A0092B-C50C-407E-A947-70E740481C1C}">
+                <a14:useLocalDpi xmlns:a14="http://schemas.microsoft.com/office/drawing/2010/main" val="0"/>
+              </a:ext>
+              <a:ext uri="{96DAC541-7B7A-43D3-8B79-37D633B846F1}">
+                <asvg:svgBlip xmlns:asvg="http://schemas.microsoft.com/office/drawing/2016/SVG/main" r:embed="rId5"/>
+              </a:ext>
+            </a:extLst>
+          </a:blip>
+          <a:stretch>
+            <a:fillRect/>
+          </a:stretch>
+        </p:blipFill>
+        <p:spPr>
+          <a:xfrm>
+            <a:off x="0" y="3244334"/>
+            <a:ext cx="4819522" cy="1715281"/>
+          </a:xfrm>
+          <a:prstGeom prst="rect">
+            <a:avLst/>
+          </a:prstGeom>
+        </p:spPr>
+      </p:pic>
+      <p:pic>
+        <p:nvPicPr>
+          <p:cNvPr id="9" name="Graphic 8">
+            <a:extLst>
+              <a:ext uri="{FF2B5EF4-FFF2-40B4-BE49-F238E27FC236}">
+                <a16:creationId xmlns:a16="http://schemas.microsoft.com/office/drawing/2014/main" id="{F4A8C9BB-E6DF-BB4A-7E27-4F2AA46A8BC3}"/>
+              </a:ext>
+            </a:extLst>
+          </p:cNvPr>
+          <p:cNvPicPr>
+            <a:picLocks noChangeAspect="1"/>
+          </p:cNvPicPr>
+          <p:nvPr/>
+        </p:nvPicPr>
+        <p:blipFill>
+          <a:blip r:embed="rId6">
+            <a:extLst>
+              <a:ext uri="{28A0092B-C50C-407E-A947-70E740481C1C}">
+                <a14:useLocalDpi xmlns:a14="http://schemas.microsoft.com/office/drawing/2010/main" val="0"/>
+              </a:ext>
+              <a:ext uri="{96DAC541-7B7A-43D3-8B79-37D633B846F1}">
+                <asvg:svgBlip xmlns:asvg="http://schemas.microsoft.com/office/drawing/2016/SVG/main" r:embed="rId7"/>
+              </a:ext>
+            </a:extLst>
+          </a:blip>
+          <a:stretch>
+            <a:fillRect/>
+          </a:stretch>
+        </p:blipFill>
+        <p:spPr>
+          <a:xfrm>
+            <a:off x="4199729" y="3657732"/>
+            <a:ext cx="3292929" cy="3088785"/>
+          </a:xfrm>
+          <a:prstGeom prst="rect">
+            <a:avLst/>
+          </a:prstGeom>
+        </p:spPr>
+      </p:pic>
+      <p:sp>
+        <p:nvSpPr>
+          <p:cNvPr id="10" name="TextBox 9">
+            <a:extLst>
+              <a:ext uri="{FF2B5EF4-FFF2-40B4-BE49-F238E27FC236}">
+                <a16:creationId xmlns:a16="http://schemas.microsoft.com/office/drawing/2014/main" id="{2764FBD2-3CFC-7EC7-8E4A-0C53122E01B4}"/>
+              </a:ext>
+            </a:extLst>
+          </p:cNvPr>
+          <p:cNvSpPr txBox="1"/>
+          <p:nvPr/>
+        </p:nvSpPr>
+        <p:spPr>
+          <a:xfrm>
+            <a:off x="1261872" y="2479459"/>
+            <a:ext cx="1168177" cy="369332"/>
+          </a:xfrm>
+          <a:prstGeom prst="rect">
+            <a:avLst/>
+          </a:prstGeom>
+          <a:noFill/>
+        </p:spPr>
+        <p:txBody>
+          <a:bodyPr wrap="square" rtlCol="0">
+            <a:spAutoFit/>
+          </a:bodyPr>
+          <a:lstStyle/>
+          <a:p>
+            <a:r>
+              <a:rPr lang="en-GB" dirty="0"/>
+              <a:t>Strategy</a:t>
+            </a:r>
+          </a:p>
+        </p:txBody>
+      </p:sp>
+      <p:sp>
+        <p:nvSpPr>
+          <p:cNvPr id="11" name="TextBox 10">
+            <a:extLst>
+              <a:ext uri="{FF2B5EF4-FFF2-40B4-BE49-F238E27FC236}">
+                <a16:creationId xmlns:a16="http://schemas.microsoft.com/office/drawing/2014/main" id="{2A309634-62C4-2274-3E46-7F01EB36AA88}"/>
+              </a:ext>
+            </a:extLst>
+          </p:cNvPr>
+          <p:cNvSpPr txBox="1"/>
+          <p:nvPr/>
+        </p:nvSpPr>
+        <p:spPr>
+          <a:xfrm>
+            <a:off x="5262104" y="3193639"/>
+            <a:ext cx="1076311" cy="369332"/>
+          </a:xfrm>
+          <a:prstGeom prst="rect">
+            <a:avLst/>
+          </a:prstGeom>
+          <a:noFill/>
+        </p:spPr>
+        <p:txBody>
+          <a:bodyPr wrap="square" rtlCol="0">
+            <a:spAutoFit/>
+          </a:bodyPr>
+          <a:lstStyle/>
+          <a:p>
+            <a:r>
+              <a:rPr lang="en-GB" dirty="0"/>
+              <a:t>Façade</a:t>
+            </a:r>
+          </a:p>
+        </p:txBody>
+      </p:sp>
+      <p:sp>
+        <p:nvSpPr>
+          <p:cNvPr id="12" name="TextBox 11">
+            <a:extLst>
+              <a:ext uri="{FF2B5EF4-FFF2-40B4-BE49-F238E27FC236}">
+                <a16:creationId xmlns:a16="http://schemas.microsoft.com/office/drawing/2014/main" id="{BCE25BEE-030C-1ACE-FB97-17D535419EF7}"/>
+              </a:ext>
+            </a:extLst>
+          </p:cNvPr>
+          <p:cNvSpPr txBox="1"/>
+          <p:nvPr/>
+        </p:nvSpPr>
+        <p:spPr>
+          <a:xfrm>
+            <a:off x="8577099" y="1593626"/>
+            <a:ext cx="1283926" cy="369332"/>
+          </a:xfrm>
+          <a:prstGeom prst="rect">
+            <a:avLst/>
+          </a:prstGeom>
+          <a:noFill/>
+        </p:spPr>
+        <p:txBody>
+          <a:bodyPr wrap="square" rtlCol="0">
+            <a:spAutoFit/>
+          </a:bodyPr>
+          <a:lstStyle/>
+          <a:p>
+            <a:r>
+              <a:rPr lang="en-GB" dirty="0"/>
+              <a:t>Decorator</a:t>
+            </a:r>
+          </a:p>
+        </p:txBody>
+      </p:sp>
+      <p:sp>
+        <p:nvSpPr>
+          <p:cNvPr id="13" name="TextBox 12">
+            <a:extLst>
+              <a:ext uri="{FF2B5EF4-FFF2-40B4-BE49-F238E27FC236}">
+                <a16:creationId xmlns:a16="http://schemas.microsoft.com/office/drawing/2014/main" id="{AF7C4F1B-3B9E-C312-E2DF-4E439C0DD1F2}"/>
+              </a:ext>
+            </a:extLst>
+          </p:cNvPr>
+          <p:cNvSpPr txBox="1"/>
+          <p:nvPr/>
+        </p:nvSpPr>
+        <p:spPr>
+          <a:xfrm>
+            <a:off x="337846" y="1129121"/>
+            <a:ext cx="7603635" cy="646331"/>
+          </a:xfrm>
+          <a:prstGeom prst="rect">
+            <a:avLst/>
+          </a:prstGeom>
+          <a:noFill/>
+        </p:spPr>
+        <p:txBody>
+          <a:bodyPr wrap="square" rtlCol="0">
+            <a:spAutoFit/>
+          </a:bodyPr>
+          <a:lstStyle/>
+          <a:p>
+            <a:r>
+              <a:rPr lang="en-GB" dirty="0"/>
+              <a:t>There are 3 suitable patterns that could be used to modify the behaviour of cards</a:t>
+            </a:r>
+          </a:p>
+        </p:txBody>
+      </p:sp>
+      <p:graphicFrame>
+        <p:nvGraphicFramePr>
+          <p:cNvPr id="14" name="Table 13">
+            <a:extLst>
+              <a:ext uri="{FF2B5EF4-FFF2-40B4-BE49-F238E27FC236}">
+                <a16:creationId xmlns:a16="http://schemas.microsoft.com/office/drawing/2014/main" id="{0F1C7AB2-30DB-6AEC-ECB3-56C94C244050}"/>
+              </a:ext>
+            </a:extLst>
+          </p:cNvPr>
+          <p:cNvGraphicFramePr>
+            <a:graphicFrameLocks noGrp="1"/>
+          </p:cNvGraphicFramePr>
+          <p:nvPr>
+            <p:extLst>
+              <p:ext uri="{D42A27DB-BD31-4B8C-83A1-F6EECF244321}">
+                <p14:modId xmlns:p14="http://schemas.microsoft.com/office/powerpoint/2010/main" val="3739936305"/>
+              </p:ext>
+            </p:extLst>
+          </p:nvPr>
+        </p:nvGraphicFramePr>
+        <p:xfrm>
+          <a:off x="12660502" y="827413"/>
+          <a:ext cx="10459212" cy="5471116"/>
+        </p:xfrm>
+        <a:graphic>
+          <a:graphicData uri="http://schemas.openxmlformats.org/drawingml/2006/table">
+            <a:tbl>
+              <a:tblPr firstRow="1" bandRow="1">
+                <a:tableStyleId>{616DA210-FB5B-4158-B5E0-FEB733F419BA}</a:tableStyleId>
+              </a:tblPr>
+              <a:tblGrid>
+                <a:gridCol w="2614803">
+                  <a:extLst>
+                    <a:ext uri="{9D8B030D-6E8A-4147-A177-3AD203B41FA5}">
+                      <a16:colId xmlns:a16="http://schemas.microsoft.com/office/drawing/2014/main" val="2378409951"/>
+                    </a:ext>
+                  </a:extLst>
+                </a:gridCol>
+                <a:gridCol w="2614803">
+                  <a:extLst>
+                    <a:ext uri="{9D8B030D-6E8A-4147-A177-3AD203B41FA5}">
+                      <a16:colId xmlns:a16="http://schemas.microsoft.com/office/drawing/2014/main" val="2900017821"/>
+                    </a:ext>
+                  </a:extLst>
+                </a:gridCol>
+                <a:gridCol w="2614803">
+                  <a:extLst>
+                    <a:ext uri="{9D8B030D-6E8A-4147-A177-3AD203B41FA5}">
+                      <a16:colId xmlns:a16="http://schemas.microsoft.com/office/drawing/2014/main" val="1655443910"/>
+                    </a:ext>
+                  </a:extLst>
+                </a:gridCol>
+                <a:gridCol w="2614803">
+                  <a:extLst>
+                    <a:ext uri="{9D8B030D-6E8A-4147-A177-3AD203B41FA5}">
+                      <a16:colId xmlns:a16="http://schemas.microsoft.com/office/drawing/2014/main" val="1468355571"/>
+                    </a:ext>
+                  </a:extLst>
+                </a:gridCol>
+              </a:tblGrid>
+              <a:tr h="1002019">
+                <a:tc>
+                  <a:txBody>
+                    <a:bodyPr/>
+                    <a:lstStyle/>
+                    <a:p>
+                      <a:pPr algn="ctr"/>
+                      <a:r>
+                        <a:rPr lang="en-GB" dirty="0"/>
+                        <a:t>Property</a:t>
+                      </a:r>
+                    </a:p>
+                  </a:txBody>
+                  <a:tcPr anchor="ctr"/>
+                </a:tc>
+                <a:tc>
+                  <a:txBody>
+                    <a:bodyPr/>
+                    <a:lstStyle/>
+                    <a:p>
+                      <a:pPr algn="ctr"/>
+                      <a:r>
+                        <a:rPr lang="en-GB" dirty="0"/>
+                        <a:t>Strategy</a:t>
+                      </a:r>
+                    </a:p>
+                  </a:txBody>
+                  <a:tcPr anchor="ctr"/>
+                </a:tc>
+                <a:tc>
+                  <a:txBody>
+                    <a:bodyPr/>
+                    <a:lstStyle/>
+                    <a:p>
+                      <a:pPr algn="ctr"/>
+                      <a:r>
+                        <a:rPr lang="en-GB" dirty="0"/>
+                        <a:t>Façade</a:t>
+                      </a:r>
+                    </a:p>
+                  </a:txBody>
+                  <a:tcPr anchor="ctr"/>
+                </a:tc>
+                <a:tc>
+                  <a:txBody>
+                    <a:bodyPr/>
+                    <a:lstStyle/>
+                    <a:p>
+                      <a:pPr algn="ctr"/>
+                      <a:r>
+                        <a:rPr lang="en-GB" dirty="0"/>
+                        <a:t>Decorator</a:t>
+                      </a:r>
+                    </a:p>
+                  </a:txBody>
+                  <a:tcPr anchor="ctr"/>
+                </a:tc>
+                <a:extLst>
+                  <a:ext uri="{0D108BD9-81ED-4DB2-BD59-A6C34878D82A}">
+                    <a16:rowId xmlns:a16="http://schemas.microsoft.com/office/drawing/2014/main" val="1619587241"/>
+                  </a:ext>
+                </a:extLst>
+              </a:tr>
+              <a:tr h="1002019">
+                <a:tc>
+                  <a:txBody>
+                    <a:bodyPr/>
+                    <a:lstStyle/>
+                    <a:p>
+                      <a:pPr algn="ctr"/>
+                      <a:r>
+                        <a:rPr lang="en-GB" dirty="0"/>
+                        <a:t>Complexity to construct</a:t>
+                      </a:r>
+                    </a:p>
+                  </a:txBody>
+                  <a:tcPr anchor="ctr"/>
+                </a:tc>
+                <a:tc>
+                  <a:txBody>
+                    <a:bodyPr/>
+                    <a:lstStyle/>
+                    <a:p>
+                      <a:pPr algn="ctr"/>
+                      <a:r>
+                        <a:rPr lang="en-GB" dirty="0"/>
+                        <a:t>Just need reference to the manager</a:t>
+                      </a:r>
+                    </a:p>
+                  </a:txBody>
+                  <a:tcPr anchor="ctr"/>
+                </a:tc>
+                <a:tc>
+                  <a:txBody>
+                    <a:bodyPr/>
+                    <a:lstStyle/>
+                    <a:p>
+                      <a:pPr algn="ctr"/>
+                      <a:r>
+                        <a:rPr lang="en-GB" dirty="0"/>
+                        <a:t>Construct Correct Strategy</a:t>
+                      </a:r>
+                    </a:p>
+                  </a:txBody>
+                  <a:tcPr anchor="ctr"/>
+                </a:tc>
+                <a:tc>
+                  <a:txBody>
+                    <a:bodyPr/>
+                    <a:lstStyle/>
+                    <a:p>
+                      <a:pPr algn="ctr"/>
+                      <a:r>
+                        <a:rPr lang="en-GB" dirty="0"/>
+                        <a:t>Hard Mode</a:t>
+                      </a:r>
+                    </a:p>
+                  </a:txBody>
+                  <a:tcPr anchor="ctr"/>
+                </a:tc>
+                <a:extLst>
+                  <a:ext uri="{0D108BD9-81ED-4DB2-BD59-A6C34878D82A}">
+                    <a16:rowId xmlns:a16="http://schemas.microsoft.com/office/drawing/2014/main" val="1253166858"/>
+                  </a:ext>
+                </a:extLst>
+              </a:tr>
+              <a:tr h="1002019">
+                <a:tc>
+                  <a:txBody>
+                    <a:bodyPr/>
+                    <a:lstStyle/>
+                    <a:p>
+                      <a:pPr algn="ctr"/>
+                      <a:r>
+                        <a:rPr lang="en-GB" dirty="0"/>
+                        <a:t>Maintainability</a:t>
+                      </a:r>
+                    </a:p>
+                  </a:txBody>
+                  <a:tcPr anchor="ctr"/>
+                </a:tc>
+                <a:tc>
+                  <a:txBody>
+                    <a:bodyPr/>
+                    <a:lstStyle/>
+                    <a:p>
+                      <a:pPr algn="ctr"/>
+                      <a:r>
+                        <a:rPr lang="en-GB" dirty="0"/>
+                        <a:t>Manger Class Could Get Overly Spaghetti</a:t>
+                      </a:r>
+                    </a:p>
+                  </a:txBody>
+                  <a:tcPr anchor="ctr"/>
+                </a:tc>
+                <a:tc>
+                  <a:txBody>
+                    <a:bodyPr/>
+                    <a:lstStyle/>
+                    <a:p>
+                      <a:pPr algn="ctr"/>
+                      <a:r>
+                        <a:rPr lang="en-GB" dirty="0"/>
+                        <a:t>Fair</a:t>
+                      </a:r>
+                    </a:p>
+                  </a:txBody>
+                  <a:tcPr anchor="ctr"/>
+                </a:tc>
+                <a:tc>
+                  <a:txBody>
+                    <a:bodyPr/>
+                    <a:lstStyle/>
+                    <a:p>
+                      <a:pPr algn="ctr"/>
+                      <a:r>
+                        <a:rPr lang="en-GB" dirty="0"/>
+                        <a:t>Very Flexible As Multiple Strategies Can Be Used At Once</a:t>
+                      </a:r>
+                    </a:p>
+                  </a:txBody>
+                  <a:tcPr anchor="ctr"/>
+                </a:tc>
+                <a:extLst>
+                  <a:ext uri="{0D108BD9-81ED-4DB2-BD59-A6C34878D82A}">
+                    <a16:rowId xmlns:a16="http://schemas.microsoft.com/office/drawing/2014/main" val="1923126134"/>
+                  </a:ext>
+                </a:extLst>
+              </a:tr>
+              <a:tr h="1002019">
+                <a:tc>
+                  <a:txBody>
+                    <a:bodyPr/>
+                    <a:lstStyle/>
+                    <a:p>
+                      <a:pPr algn="ctr"/>
+                      <a:r>
+                        <a:rPr lang="en-GB" dirty="0"/>
+                        <a:t>Debuggability</a:t>
+                      </a:r>
+                    </a:p>
+                  </a:txBody>
+                  <a:tcPr anchor="ctr"/>
+                </a:tc>
+                <a:tc>
+                  <a:txBody>
+                    <a:bodyPr/>
+                    <a:lstStyle/>
+                    <a:p>
+                      <a:pPr algn="ctr"/>
+                      <a:r>
+                        <a:rPr lang="en-GB" dirty="0"/>
+                        <a:t>Excellent, All Concrete Classes</a:t>
+                      </a:r>
+                    </a:p>
+                  </a:txBody>
+                  <a:tcPr anchor="ctr"/>
+                </a:tc>
+                <a:tc>
+                  <a:txBody>
+                    <a:bodyPr/>
+                    <a:lstStyle/>
+                    <a:p>
+                      <a:pPr algn="ctr"/>
+                      <a:r>
+                        <a:rPr lang="en-GB" dirty="0"/>
+                        <a:t>Fair, Simple Point Of Abstraction</a:t>
+                      </a:r>
+                    </a:p>
+                  </a:txBody>
+                  <a:tcPr anchor="ctr"/>
+                </a:tc>
+                <a:tc>
+                  <a:txBody>
+                    <a:bodyPr/>
+                    <a:lstStyle/>
+                    <a:p>
+                      <a:pPr algn="ctr"/>
+                      <a:r>
+                        <a:rPr lang="en-GB" dirty="0"/>
+                        <a:t>Hard, A Problem Could Be In One Of The Many Decorators</a:t>
+                      </a:r>
+                    </a:p>
+                  </a:txBody>
+                  <a:tcPr anchor="ctr"/>
+                </a:tc>
+                <a:extLst>
+                  <a:ext uri="{0D108BD9-81ED-4DB2-BD59-A6C34878D82A}">
+                    <a16:rowId xmlns:a16="http://schemas.microsoft.com/office/drawing/2014/main" val="1391551679"/>
+                  </a:ext>
+                </a:extLst>
+              </a:tr>
+              <a:tr h="1002019">
+                <a:tc>
+                  <a:txBody>
+                    <a:bodyPr/>
+                    <a:lstStyle/>
+                    <a:p>
+                      <a:pPr algn="ctr"/>
+                      <a:r>
+                        <a:rPr lang="en-GB" dirty="0"/>
+                        <a:t>Good For</a:t>
+                      </a:r>
+                    </a:p>
+                  </a:txBody>
+                  <a:tcPr anchor="ctr"/>
+                </a:tc>
+                <a:tc>
+                  <a:txBody>
+                    <a:bodyPr/>
+                    <a:lstStyle/>
+                    <a:p>
+                      <a:pPr algn="ctr"/>
+                      <a:r>
+                        <a:rPr lang="en-GB" dirty="0"/>
+                        <a:t>Switching Between Few Well Defined Paths (E.G. Switching Between Wi-Fi/Ethernet)</a:t>
+                      </a:r>
+                    </a:p>
+                  </a:txBody>
+                  <a:tcPr anchor="ctr"/>
+                </a:tc>
+                <a:tc>
+                  <a:txBody>
+                    <a:bodyPr/>
+                    <a:lstStyle/>
+                    <a:p>
+                      <a:pPr algn="ctr"/>
+                      <a:r>
+                        <a:rPr lang="en-GB" dirty="0"/>
+                        <a:t>Switch Between Many Similar Classes that have common Functionality (E.G. Hardware </a:t>
+                      </a:r>
+                      <a:r>
+                        <a:rPr lang="en-GB" dirty="0" err="1"/>
+                        <a:t>Controll</a:t>
+                      </a:r>
+                      <a:r>
+                        <a:rPr lang="en-GB" dirty="0"/>
+                        <a:t>) </a:t>
+                      </a:r>
+                    </a:p>
+                  </a:txBody>
+                  <a:tcPr anchor="ctr"/>
+                </a:tc>
+                <a:tc>
+                  <a:txBody>
+                    <a:bodyPr/>
+                    <a:lstStyle/>
+                    <a:p>
+                      <a:pPr algn="ctr"/>
+                      <a:r>
+                        <a:rPr lang="en-GB" dirty="0"/>
+                        <a:t>Extend The Functionality Of A Existing System (E.G. Decoration Saving A file With Encryption )</a:t>
+                      </a:r>
+                    </a:p>
+                  </a:txBody>
+                  <a:tcPr anchor="ctr"/>
+                </a:tc>
+                <a:extLst>
+                  <a:ext uri="{0D108BD9-81ED-4DB2-BD59-A6C34878D82A}">
+                    <a16:rowId xmlns:a16="http://schemas.microsoft.com/office/drawing/2014/main" val="1638854695"/>
+                  </a:ext>
+                </a:extLst>
+              </a:tr>
+            </a:tbl>
+          </a:graphicData>
+        </a:graphic>
+      </p:graphicFrame>
+    </p:spTree>
+    <p:extLst>
+      <p:ext uri="{BB962C8B-B14F-4D97-AF65-F5344CB8AC3E}">
+        <p14:creationId xmlns:p14="http://schemas.microsoft.com/office/powerpoint/2010/main" val="117442206"/>
+      </p:ext>
+    </p:extLst>
+  </p:cSld>
+  <p:clrMapOvr>
+    <a:masterClrMapping/>
+  </p:clrMapOvr>
+  <mc:AlternateContent xmlns:mc="http://schemas.openxmlformats.org/markup-compatibility/2006" xmlns:p159="http://schemas.microsoft.com/office/powerpoint/2015/09/main">
+    <mc:Choice Requires="p159">
+      <p:transition xmlns:p14="http://schemas.microsoft.com/office/powerpoint/2010/main" spd="slow" p14:dur="2000">
+        <p159:morph option="byObject"/>
+      </p:transition>
+    </mc:Choice>
+    <mc:Fallback xmlns="">
+      <p:transition spd="slow">
+        <p:fade/>
+      </p:transition>
+    </mc:Fallback>
+  </mc:AlternateContent>
 </p:sld>
 </file>
 
@@ -10814,4 +18134,304 @@
     </a:ext>
   </a:extLst>
 </a:theme>
+</file>
+
+<file path=customXml/item1.xml><?xml version="1.0" encoding="utf-8"?>
+<ct:contentTypeSchema xmlns:ct="http://schemas.microsoft.com/office/2006/metadata/contentType" xmlns:ma="http://schemas.microsoft.com/office/2006/metadata/properties/metaAttributes" ct:_="" ma:_="" ma:contentTypeName="Document" ma:contentTypeID="0x0101008AD5A92A686A8E4082BC357CE9271F36" ma:contentTypeVersion="16" ma:contentTypeDescription="Create a new document." ma:contentTypeScope="" ma:versionID="c6857c9b3483872612ae9f79ae3e63dd">
+  <xsd:schema xmlns:xsd="http://www.w3.org/2001/XMLSchema" xmlns:xs="http://www.w3.org/2001/XMLSchema" xmlns:p="http://schemas.microsoft.com/office/2006/metadata/properties" xmlns:ns3="3dd07362-74b5-4560-a999-b70f5732b0eb" xmlns:ns4="1ec6798a-8428-4bf5-9649-edf14ff32686" targetNamespace="http://schemas.microsoft.com/office/2006/metadata/properties" ma:root="true" ma:fieldsID="4401da3860473dad07af6a3ca4a37eed" ns3:_="" ns4:_="">
+    <xsd:import namespace="3dd07362-74b5-4560-a999-b70f5732b0eb"/>
+    <xsd:import namespace="1ec6798a-8428-4bf5-9649-edf14ff32686"/>
+    <xsd:element name="properties">
+      <xsd:complexType>
+        <xsd:sequence>
+          <xsd:element name="documentManagement">
+            <xsd:complexType>
+              <xsd:all>
+                <xsd:element ref="ns3:MediaServiceMetadata" minOccurs="0"/>
+                <xsd:element ref="ns3:MediaServiceFastMetadata" minOccurs="0"/>
+                <xsd:element ref="ns4:SharedWithUsers" minOccurs="0"/>
+                <xsd:element ref="ns4:SharedWithDetails" minOccurs="0"/>
+                <xsd:element ref="ns4:SharingHintHash" minOccurs="0"/>
+                <xsd:element ref="ns3:MediaServiceAutoTags" minOccurs="0"/>
+                <xsd:element ref="ns3:MediaServiceOCR" minOccurs="0"/>
+                <xsd:element ref="ns3:MediaServiceGenerationTime" minOccurs="0"/>
+                <xsd:element ref="ns3:MediaServiceEventHashCode" minOccurs="0"/>
+                <xsd:element ref="ns3:MediaServiceDateTaken" minOccurs="0"/>
+                <xsd:element ref="ns3:MediaServiceLocation" minOccurs="0"/>
+                <xsd:element ref="ns3:MediaLengthInSeconds" minOccurs="0"/>
+                <xsd:element ref="ns3:_activity" minOccurs="0"/>
+                <xsd:element ref="ns3:MediaServiceObjectDetectorVersions" minOccurs="0"/>
+                <xsd:element ref="ns3:MediaServiceSystemTags" minOccurs="0"/>
+                <xsd:element ref="ns3:MediaServiceSearchProperties" minOccurs="0"/>
+              </xsd:all>
+            </xsd:complexType>
+          </xsd:element>
+        </xsd:sequence>
+      </xsd:complexType>
+    </xsd:element>
+  </xsd:schema>
+  <xsd:schema xmlns:xsd="http://www.w3.org/2001/XMLSchema" xmlns:xs="http://www.w3.org/2001/XMLSchema" xmlns:dms="http://schemas.microsoft.com/office/2006/documentManagement/types" xmlns:pc="http://schemas.microsoft.com/office/infopath/2007/PartnerControls" targetNamespace="3dd07362-74b5-4560-a999-b70f5732b0eb" elementFormDefault="qualified">
+    <xsd:import namespace="http://schemas.microsoft.com/office/2006/documentManagement/types"/>
+    <xsd:import namespace="http://schemas.microsoft.com/office/infopath/2007/PartnerControls"/>
+    <xsd:element name="MediaServiceMetadata" ma:index="8" nillable="true" ma:displayName="MediaServiceMetadata" ma:hidden="true" ma:internalName="MediaServiceMetadata" ma:readOnly="true">
+      <xsd:simpleType>
+        <xsd:restriction base="dms:Note"/>
+      </xsd:simpleType>
+    </xsd:element>
+    <xsd:element name="MediaServiceFastMetadata" ma:index="9" nillable="true" ma:displayName="MediaServiceFastMetadata" ma:hidden="true" ma:internalName="MediaServiceFastMetadata" ma:readOnly="true">
+      <xsd:simpleType>
+        <xsd:restriction base="dms:Note"/>
+      </xsd:simpleType>
+    </xsd:element>
+    <xsd:element name="MediaServiceAutoTags" ma:index="13" nillable="true" ma:displayName="Tags" ma:internalName="MediaServiceAutoTags" ma:readOnly="true">
+      <xsd:simpleType>
+        <xsd:restriction base="dms:Text"/>
+      </xsd:simpleType>
+    </xsd:element>
+    <xsd:element name="MediaServiceOCR" ma:index="14" nillable="true" ma:displayName="Extracted Text" ma:internalName="MediaServiceOCR" ma:readOnly="true">
+      <xsd:simpleType>
+        <xsd:restriction base="dms:Note">
+          <xsd:maxLength value="255"/>
+        </xsd:restriction>
+      </xsd:simpleType>
+    </xsd:element>
+    <xsd:element name="MediaServiceGenerationTime" ma:index="15" nillable="true" ma:displayName="MediaServiceGenerationTime" ma:hidden="true" ma:internalName="MediaServiceGenerationTime" ma:readOnly="true">
+      <xsd:simpleType>
+        <xsd:restriction base="dms:Text"/>
+      </xsd:simpleType>
+    </xsd:element>
+    <xsd:element name="MediaServiceEventHashCode" ma:index="16" nillable="true" ma:displayName="MediaServiceEventHashCode" ma:hidden="true" ma:internalName="MediaServiceEventHashCode" ma:readOnly="true">
+      <xsd:simpleType>
+        <xsd:restriction base="dms:Text"/>
+      </xsd:simpleType>
+    </xsd:element>
+    <xsd:element name="MediaServiceDateTaken" ma:index="17" nillable="true" ma:displayName="MediaServiceDateTaken" ma:hidden="true" ma:internalName="MediaServiceDateTaken" ma:readOnly="true">
+      <xsd:simpleType>
+        <xsd:restriction base="dms:Text"/>
+      </xsd:simpleType>
+    </xsd:element>
+    <xsd:element name="MediaServiceLocation" ma:index="18" nillable="true" ma:displayName="Location" ma:internalName="MediaServiceLocation" ma:readOnly="true">
+      <xsd:simpleType>
+        <xsd:restriction base="dms:Text"/>
+      </xsd:simpleType>
+    </xsd:element>
+    <xsd:element name="MediaLengthInSeconds" ma:index="19" nillable="true" ma:displayName="MediaLengthInSeconds" ma:hidden="true" ma:internalName="MediaLengthInSeconds" ma:readOnly="true">
+      <xsd:simpleType>
+        <xsd:restriction base="dms:Unknown"/>
+      </xsd:simpleType>
+    </xsd:element>
+    <xsd:element name="_activity" ma:index="20" nillable="true" ma:displayName="_activity" ma:hidden="true" ma:internalName="_activity">
+      <xsd:simpleType>
+        <xsd:restriction base="dms:Note"/>
+      </xsd:simpleType>
+    </xsd:element>
+    <xsd:element name="MediaServiceObjectDetectorVersions" ma:index="21" nillable="true" ma:displayName="MediaServiceObjectDetectorVersions" ma:hidden="true" ma:indexed="true" ma:internalName="MediaServiceObjectDetectorVersions" ma:readOnly="true">
+      <xsd:simpleType>
+        <xsd:restriction base="dms:Text"/>
+      </xsd:simpleType>
+    </xsd:element>
+    <xsd:element name="MediaServiceSystemTags" ma:index="22" nillable="true" ma:displayName="MediaServiceSystemTags" ma:hidden="true" ma:internalName="MediaServiceSystemTags" ma:readOnly="true">
+      <xsd:simpleType>
+        <xsd:restriction base="dms:Note"/>
+      </xsd:simpleType>
+    </xsd:element>
+    <xsd:element name="MediaServiceSearchProperties" ma:index="23" nillable="true" ma:displayName="MediaServiceSearchProperties" ma:hidden="true" ma:internalName="MediaServiceSearchProperties" ma:readOnly="true">
+      <xsd:simpleType>
+        <xsd:restriction base="dms:Note"/>
+      </xsd:simpleType>
+    </xsd:element>
+  </xsd:schema>
+  <xsd:schema xmlns:xsd="http://www.w3.org/2001/XMLSchema" xmlns:xs="http://www.w3.org/2001/XMLSchema" xmlns:dms="http://schemas.microsoft.com/office/2006/documentManagement/types" xmlns:pc="http://schemas.microsoft.com/office/infopath/2007/PartnerControls" targetNamespace="1ec6798a-8428-4bf5-9649-edf14ff32686" elementFormDefault="qualified">
+    <xsd:import namespace="http://schemas.microsoft.com/office/2006/documentManagement/types"/>
+    <xsd:import namespace="http://schemas.microsoft.com/office/infopath/2007/PartnerControls"/>
+    <xsd:element name="SharedWithUsers" ma:index="10" nillable="true" ma:displayName="Shared With" ma:internalName="SharedWithUsers" ma:readOnly="true">
+      <xsd:complexType>
+        <xsd:complexContent>
+          <xsd:extension base="dms:UserMulti">
+            <xsd:sequence>
+              <xsd:element name="UserInfo" minOccurs="0" maxOccurs="unbounded">
+                <xsd:complexType>
+                  <xsd:sequence>
+                    <xsd:element name="DisplayName" type="xsd:string" minOccurs="0"/>
+                    <xsd:element name="AccountId" type="dms:UserId" minOccurs="0" nillable="true"/>
+                    <xsd:element name="AccountType" type="xsd:string" minOccurs="0"/>
+                  </xsd:sequence>
+                </xsd:complexType>
+              </xsd:element>
+            </xsd:sequence>
+          </xsd:extension>
+        </xsd:complexContent>
+      </xsd:complexType>
+    </xsd:element>
+    <xsd:element name="SharedWithDetails" ma:index="11" nillable="true" ma:displayName="Shared With Details" ma:internalName="SharedWithDetails" ma:readOnly="true">
+      <xsd:simpleType>
+        <xsd:restriction base="dms:Note">
+          <xsd:maxLength value="255"/>
+        </xsd:restriction>
+      </xsd:simpleType>
+    </xsd:element>
+    <xsd:element name="SharingHintHash" ma:index="12" nillable="true" ma:displayName="Sharing Hint Hash" ma:hidden="true" ma:internalName="SharingHintHash" ma:readOnly="true">
+      <xsd:simpleType>
+        <xsd:restriction base="dms:Text"/>
+      </xsd:simpleType>
+    </xsd:element>
+  </xsd:schema>
+  <xsd:schema xmlns="http://schemas.openxmlformats.org/package/2006/metadata/core-properties" xmlns:xsd="http://www.w3.org/2001/XMLSchema" xmlns:xsi="http://www.w3.org/2001/XMLSchema-instance" xmlns:dc="http://purl.org/dc/elements/1.1/" xmlns:dcterms="http://purl.org/dc/terms/" xmlns:odoc="http://schemas.microsoft.com/internal/obd" targetNamespace="http://schemas.openxmlformats.org/package/2006/metadata/core-properties" elementFormDefault="qualified" attributeFormDefault="unqualified" blockDefault="#all">
+    <xsd:import namespace="http://purl.org/dc/elements/1.1/" schemaLocation="http://dublincore.org/schemas/xmls/qdc/2003/04/02/dc.xsd"/>
+    <xsd:import namespace="http://purl.org/dc/terms/" schemaLocation="http://dublincore.org/schemas/xmls/qdc/2003/04/02/dcterms.xsd"/>
+    <xsd:element name="coreProperties" type="CT_coreProperties"/>
+    <xsd:complexType name="CT_coreProperties">
+      <xsd:all>
+        <xsd:element ref="dc:creator" minOccurs="0" maxOccurs="1"/>
+        <xsd:element ref="dcterms:created" minOccurs="0" maxOccurs="1"/>
+        <xsd:element ref="dc:identifier" minOccurs="0" maxOccurs="1"/>
+        <xsd:element name="contentType" minOccurs="0" maxOccurs="1" type="xsd:string" ma:index="0" ma:displayName="Content Type"/>
+        <xsd:element ref="dc:title" minOccurs="0" maxOccurs="1" ma:index="4" ma:displayName="Title"/>
+        <xsd:element ref="dc:subject" minOccurs="0" maxOccurs="1"/>
+        <xsd:element ref="dc:description" minOccurs="0" maxOccurs="1"/>
+        <xsd:element name="keywords" minOccurs="0" maxOccurs="1" type="xsd:string"/>
+        <xsd:element ref="dc:language" minOccurs="0" maxOccurs="1"/>
+        <xsd:element name="category" minOccurs="0" maxOccurs="1" type="xsd:string"/>
+        <xsd:element name="version" minOccurs="0" maxOccurs="1" type="xsd:string"/>
+        <xsd:element name="revision" minOccurs="0" maxOccurs="1" type="xsd:string">
+          <xsd:annotation>
+            <xsd:documentation>
+                        This value indicates the number of saves or revisions. The application is responsible for updating this value after each revision.
+                    </xsd:documentation>
+          </xsd:annotation>
+        </xsd:element>
+        <xsd:element name="lastModifiedBy" minOccurs="0" maxOccurs="1" type="xsd:string"/>
+        <xsd:element ref="dcterms:modified" minOccurs="0" maxOccurs="1"/>
+        <xsd:element name="contentStatus" minOccurs="0" maxOccurs="1" type="xsd:string"/>
+      </xsd:all>
+    </xsd:complexType>
+  </xsd:schema>
+  <xs:schema xmlns:pc="http://schemas.microsoft.com/office/infopath/2007/PartnerControls" xmlns:xs="http://www.w3.org/2001/XMLSchema" targetNamespace="http://schemas.microsoft.com/office/infopath/2007/PartnerControls" elementFormDefault="qualified" attributeFormDefault="unqualified">
+    <xs:element name="Person">
+      <xs:complexType>
+        <xs:sequence>
+          <xs:element ref="pc:DisplayName" minOccurs="0"/>
+          <xs:element ref="pc:AccountId" minOccurs="0"/>
+          <xs:element ref="pc:AccountType" minOccurs="0"/>
+        </xs:sequence>
+      </xs:complexType>
+    </xs:element>
+    <xs:element name="DisplayName" type="xs:string"/>
+    <xs:element name="AccountId" type="xs:string"/>
+    <xs:element name="AccountType" type="xs:string"/>
+    <xs:element name="BDCAssociatedEntity">
+      <xs:complexType>
+        <xs:sequence>
+          <xs:element ref="pc:BDCEntity" minOccurs="0" maxOccurs="unbounded"/>
+        </xs:sequence>
+        <xs:attribute ref="pc:EntityNamespace"/>
+        <xs:attribute ref="pc:EntityName"/>
+        <xs:attribute ref="pc:SystemInstanceName"/>
+        <xs:attribute ref="pc:AssociationName"/>
+      </xs:complexType>
+    </xs:element>
+    <xs:attribute name="EntityNamespace" type="xs:string"/>
+    <xs:attribute name="EntityName" type="xs:string"/>
+    <xs:attribute name="SystemInstanceName" type="xs:string"/>
+    <xs:attribute name="AssociationName" type="xs:string"/>
+    <xs:element name="BDCEntity">
+      <xs:complexType>
+        <xs:sequence>
+          <xs:element ref="pc:EntityDisplayName" minOccurs="0"/>
+          <xs:element ref="pc:EntityInstanceReference" minOccurs="0"/>
+          <xs:element ref="pc:EntityId1" minOccurs="0"/>
+          <xs:element ref="pc:EntityId2" minOccurs="0"/>
+          <xs:element ref="pc:EntityId3" minOccurs="0"/>
+          <xs:element ref="pc:EntityId4" minOccurs="0"/>
+          <xs:element ref="pc:EntityId5" minOccurs="0"/>
+        </xs:sequence>
+      </xs:complexType>
+    </xs:element>
+    <xs:element name="EntityDisplayName" type="xs:string"/>
+    <xs:element name="EntityInstanceReference" type="xs:string"/>
+    <xs:element name="EntityId1" type="xs:string"/>
+    <xs:element name="EntityId2" type="xs:string"/>
+    <xs:element name="EntityId3" type="xs:string"/>
+    <xs:element name="EntityId4" type="xs:string"/>
+    <xs:element name="EntityId5" type="xs:string"/>
+    <xs:element name="Terms">
+      <xs:complexType>
+        <xs:sequence>
+          <xs:element ref="pc:TermInfo" minOccurs="0" maxOccurs="unbounded"/>
+        </xs:sequence>
+      </xs:complexType>
+    </xs:element>
+    <xs:element name="TermInfo">
+      <xs:complexType>
+        <xs:sequence>
+          <xs:element ref="pc:TermName" minOccurs="0"/>
+          <xs:element ref="pc:TermId" minOccurs="0"/>
+        </xs:sequence>
+      </xs:complexType>
+    </xs:element>
+    <xs:element name="TermName" type="xs:string"/>
+    <xs:element name="TermId" type="xs:string"/>
+  </xs:schema>
+</ct:contentTypeSchema>
+</file>
+
+<file path=customXml/item2.xml><?xml version="1.0" encoding="utf-8"?>
+<?mso-contentType ?>
+<FormTemplates xmlns="http://schemas.microsoft.com/sharepoint/v3/contenttype/forms">
+  <Display>DocumentLibraryForm</Display>
+  <Edit>DocumentLibraryForm</Edit>
+  <New>DocumentLibraryForm</New>
+</FormTemplates>
+</file>
+
+<file path=customXml/item3.xml><?xml version="1.0" encoding="utf-8"?>
+<p:properties xmlns:p="http://schemas.microsoft.com/office/2006/metadata/properties" xmlns:xsi="http://www.w3.org/2001/XMLSchema-instance" xmlns:pc="http://schemas.microsoft.com/office/infopath/2007/PartnerControls">
+  <documentManagement>
+    <_activity xmlns="3dd07362-74b5-4560-a999-b70f5732b0eb" xsi:nil="true"/>
+  </documentManagement>
+</p:properties>
+</file>
+
+<file path=customXml/itemProps1.xml><?xml version="1.0" encoding="utf-8"?>
+<ds:datastoreItem xmlns:ds="http://schemas.openxmlformats.org/officeDocument/2006/customXml" ds:itemID="{65B8CD23-5C0B-4533-90B5-797974575896}">
+  <ds:schemaRefs>
+    <ds:schemaRef ds:uri="http://schemas.microsoft.com/office/2006/metadata/contentType"/>
+    <ds:schemaRef ds:uri="http://schemas.microsoft.com/office/2006/metadata/properties/metaAttributes"/>
+    <ds:schemaRef ds:uri="http://www.w3.org/2001/XMLSchema"/>
+    <ds:schemaRef ds:uri="http://schemas.microsoft.com/office/2006/metadata/properties"/>
+    <ds:schemaRef ds:uri="3dd07362-74b5-4560-a999-b70f5732b0eb"/>
+    <ds:schemaRef ds:uri="1ec6798a-8428-4bf5-9649-edf14ff32686"/>
+    <ds:schemaRef ds:uri="http://schemas.microsoft.com/office/2006/documentManagement/types"/>
+    <ds:schemaRef ds:uri="http://schemas.microsoft.com/office/infopath/2007/PartnerControls"/>
+    <ds:schemaRef ds:uri="http://schemas.openxmlformats.org/package/2006/metadata/core-properties"/>
+    <ds:schemaRef ds:uri="http://purl.org/dc/elements/1.1/"/>
+    <ds:schemaRef ds:uri="http://purl.org/dc/terms/"/>
+    <ds:schemaRef ds:uri="http://schemas.microsoft.com/internal/obd"/>
+  </ds:schemaRefs>
+</ds:datastoreItem>
+</file>
+
+<file path=customXml/itemProps2.xml><?xml version="1.0" encoding="utf-8"?>
+<ds:datastoreItem xmlns:ds="http://schemas.openxmlformats.org/officeDocument/2006/customXml" ds:itemID="{751AB637-7EC2-4A4E-B540-09F156C6C53D}">
+  <ds:schemaRefs>
+    <ds:schemaRef ds:uri="http://schemas.microsoft.com/sharepoint/v3/contenttype/forms"/>
+  </ds:schemaRefs>
+</ds:datastoreItem>
+</file>
+
+<file path=customXml/itemProps3.xml><?xml version="1.0" encoding="utf-8"?>
+<ds:datastoreItem xmlns:ds="http://schemas.openxmlformats.org/officeDocument/2006/customXml" ds:itemID="{A36E5E06-C61D-47DF-833A-C0774CB222D4}">
+  <ds:schemaRefs>
+    <ds:schemaRef ds:uri="http://schemas.openxmlformats.org/package/2006/metadata/core-properties"/>
+    <ds:schemaRef ds:uri="http://schemas.microsoft.com/office/2006/documentManagement/types"/>
+    <ds:schemaRef ds:uri="3dd07362-74b5-4560-a999-b70f5732b0eb"/>
+    <ds:schemaRef ds:uri="http://purl.org/dc/terms/"/>
+    <ds:schemaRef ds:uri="http://www.w3.org/XML/1998/namespace"/>
+    <ds:schemaRef ds:uri="http://purl.org/dc/elements/1.1/"/>
+    <ds:schemaRef ds:uri="http://purl.org/dc/dcmitype/"/>
+    <ds:schemaRef ds:uri="http://schemas.microsoft.com/office/infopath/2007/PartnerControls"/>
+    <ds:schemaRef ds:uri="1ec6798a-8428-4bf5-9649-edf14ff32686"/>
+    <ds:schemaRef ds:uri="http://schemas.microsoft.com/office/2006/metadata/properties"/>
+  </ds:schemaRefs>
+</ds:datastoreItem>
 </file>